--- a/Document/Presentation.pptx
+++ b/Document/Presentation.pptx
@@ -4,6 +4,9 @@
   <p:sldMasterIdLst>
     <p:sldMasterId id="2147483648" r:id="rId1"/>
   </p:sldMasterIdLst>
+  <p:notesMasterIdLst>
+    <p:notesMasterId r:id="rId22"/>
+  </p:notesMasterIdLst>
   <p:sldIdLst>
     <p:sldId id="256" r:id="rId2"/>
     <p:sldId id="259" r:id="rId3"/>
@@ -21,9 +24,10 @@
     <p:sldId id="280" r:id="rId15"/>
     <p:sldId id="281" r:id="rId16"/>
     <p:sldId id="282" r:id="rId17"/>
-    <p:sldId id="285" r:id="rId18"/>
-    <p:sldId id="270" r:id="rId19"/>
-    <p:sldId id="273" r:id="rId20"/>
+    <p:sldId id="286" r:id="rId18"/>
+    <p:sldId id="285" r:id="rId19"/>
+    <p:sldId id="270" r:id="rId20"/>
+    <p:sldId id="273" r:id="rId21"/>
   </p:sldIdLst>
   <p:sldSz cx="12192000" cy="6858000"/>
   <p:notesSz cx="6858000" cy="9144000"/>
@@ -2919,7 +2923,7 @@
 <dgm:dataModel xmlns:dgm="http://schemas.openxmlformats.org/drawingml/2006/diagram" xmlns:a="http://schemas.openxmlformats.org/drawingml/2006/main">
   <dgm:ptLst>
     <dgm:pt modelId="{9482E4B3-036E-4231-83DE-754EEA8B4240}" type="doc">
-      <dgm:prSet loTypeId="urn:microsoft.com/office/officeart/2008/layout/LinedList" loCatId="list" qsTypeId="urn:microsoft.com/office/officeart/2005/8/quickstyle/simple1" qsCatId="simple" csTypeId="urn:microsoft.com/office/officeart/2005/8/colors/accent1_2" csCatId="accent1" phldr="1"/>
+      <dgm:prSet loTypeId="urn:microsoft.com/office/officeart/2005/8/layout/pList1" loCatId="list" qsTypeId="urn:microsoft.com/office/officeart/2005/8/quickstyle/simple1" qsCatId="simple" csTypeId="urn:microsoft.com/office/officeart/2005/8/colors/accent1_2" csCatId="accent1" phldr="1"/>
       <dgm:spPr/>
       <dgm:t>
         <a:bodyPr/>
@@ -3145,157 +3149,243 @@
         </a:p>
       </dgm:t>
     </dgm:pt>
-    <dgm:pt modelId="{A83248FA-A4AA-4F76-9222-1325F5352576}" type="pres">
-      <dgm:prSet presAssocID="{9482E4B3-036E-4231-83DE-754EEA8B4240}" presName="vert0" presStyleCnt="0">
+    <dgm:pt modelId="{83447029-E457-47A7-BD5E-FB9D180FEFAF}">
+      <dgm:prSet/>
+      <dgm:spPr/>
+      <dgm:t>
+        <a:bodyPr/>
+        <a:lstStyle/>
+        <a:p>
+          <a:r>
+            <a:rPr lang="en-US" dirty="0"/>
+            <a:t>JetBrains Rider</a:t>
+          </a:r>
+        </a:p>
+      </dgm:t>
+    </dgm:pt>
+    <dgm:pt modelId="{BD3C9709-086C-4990-845C-635E8078A384}" type="parTrans" cxnId="{EF55D8F3-C0DC-424C-91E9-B1C76300F88F}">
+      <dgm:prSet/>
+      <dgm:spPr/>
+      <dgm:t>
+        <a:bodyPr/>
+        <a:lstStyle/>
+        <a:p>
+          <a:endParaRPr lang="bg-BG"/>
+        </a:p>
+      </dgm:t>
+    </dgm:pt>
+    <dgm:pt modelId="{A826CA13-326A-485A-8A83-B98806289431}" type="sibTrans" cxnId="{EF55D8F3-C0DC-424C-91E9-B1C76300F88F}">
+      <dgm:prSet/>
+      <dgm:spPr/>
+      <dgm:t>
+        <a:bodyPr/>
+        <a:lstStyle/>
+        <a:p>
+          <a:endParaRPr lang="bg-BG"/>
+        </a:p>
+      </dgm:t>
+    </dgm:pt>
+    <dgm:pt modelId="{A75CBA1E-7C22-450F-B8F4-592166F10AF3}" type="pres">
+      <dgm:prSet presAssocID="{9482E4B3-036E-4231-83DE-754EEA8B4240}" presName="Name0" presStyleCnt="0">
         <dgm:presLayoutVars>
           <dgm:dir/>
-          <dgm:animOne val="branch"/>
-          <dgm:animLvl val="lvl"/>
+          <dgm:resizeHandles val="exact"/>
         </dgm:presLayoutVars>
       </dgm:prSet>
       <dgm:spPr/>
     </dgm:pt>
-    <dgm:pt modelId="{5865C497-FC4D-4039-BC02-3E480AEC5059}" type="pres">
-      <dgm:prSet presAssocID="{B99D5FE8-991D-40BF-A74A-310F8EFB7B94}" presName="thickLine" presStyleLbl="alignNode1" presStyleIdx="0" presStyleCnt="6"/>
+    <dgm:pt modelId="{5F91CA1C-90FA-4919-9B3C-F6B2FA4554B7}" type="pres">
+      <dgm:prSet presAssocID="{B99D5FE8-991D-40BF-A74A-310F8EFB7B94}" presName="compNode" presStyleCnt="0"/>
       <dgm:spPr/>
     </dgm:pt>
-    <dgm:pt modelId="{0D83D32E-FCBD-47A2-BDE9-1FAF5BA68C4B}" type="pres">
-      <dgm:prSet presAssocID="{B99D5FE8-991D-40BF-A74A-310F8EFB7B94}" presName="horz1" presStyleCnt="0"/>
+    <dgm:pt modelId="{85D5EDBE-4284-4BBC-BF63-0C0117E38927}" type="pres">
+      <dgm:prSet presAssocID="{B99D5FE8-991D-40BF-A74A-310F8EFB7B94}" presName="pictRect" presStyleLbl="node1" presStyleIdx="0" presStyleCnt="7"/>
       <dgm:spPr/>
     </dgm:pt>
-    <dgm:pt modelId="{3B0E2FD3-214C-4EFF-95A5-6A4C263D1C0C}" type="pres">
-      <dgm:prSet presAssocID="{B99D5FE8-991D-40BF-A74A-310F8EFB7B94}" presName="tx1" presStyleLbl="revTx" presStyleIdx="0" presStyleCnt="6"/>
+    <dgm:pt modelId="{F0AD8E2E-F64F-44BA-9AB6-C10D65C36357}" type="pres">
+      <dgm:prSet presAssocID="{B99D5FE8-991D-40BF-A74A-310F8EFB7B94}" presName="textRect" presStyleLbl="revTx" presStyleIdx="0" presStyleCnt="7">
+        <dgm:presLayoutVars>
+          <dgm:bulletEnabled val="1"/>
+        </dgm:presLayoutVars>
+      </dgm:prSet>
       <dgm:spPr/>
     </dgm:pt>
-    <dgm:pt modelId="{4A6AF4C9-E943-492A-9D31-7578C8831C5A}" type="pres">
-      <dgm:prSet presAssocID="{B99D5FE8-991D-40BF-A74A-310F8EFB7B94}" presName="vert1" presStyleCnt="0"/>
+    <dgm:pt modelId="{0FF2CDD4-0F31-458E-8F60-27A046FE5ACC}" type="pres">
+      <dgm:prSet presAssocID="{4C777FD9-E88E-4F28-9AAD-B45989F945DD}" presName="sibTrans" presStyleLbl="sibTrans2D1" presStyleIdx="0" presStyleCnt="0"/>
       <dgm:spPr/>
     </dgm:pt>
-    <dgm:pt modelId="{ABF2D550-843B-4B59-AD9D-ADDF6D0E576A}" type="pres">
-      <dgm:prSet presAssocID="{53A6723E-3920-49E3-8BAA-D3CE0778A9CE}" presName="thickLine" presStyleLbl="alignNode1" presStyleIdx="1" presStyleCnt="6"/>
+    <dgm:pt modelId="{94EAA319-0476-4034-9E64-CC9302319781}" type="pres">
+      <dgm:prSet presAssocID="{53A6723E-3920-49E3-8BAA-D3CE0778A9CE}" presName="compNode" presStyleCnt="0"/>
       <dgm:spPr/>
     </dgm:pt>
-    <dgm:pt modelId="{746B873A-D5D2-4857-8625-3A7434C3FAB9}" type="pres">
-      <dgm:prSet presAssocID="{53A6723E-3920-49E3-8BAA-D3CE0778A9CE}" presName="horz1" presStyleCnt="0"/>
+    <dgm:pt modelId="{9DEB25B7-0D2D-47A8-8652-01CF51701031}" type="pres">
+      <dgm:prSet presAssocID="{53A6723E-3920-49E3-8BAA-D3CE0778A9CE}" presName="pictRect" presStyleLbl="node1" presStyleIdx="1" presStyleCnt="7"/>
       <dgm:spPr/>
     </dgm:pt>
-    <dgm:pt modelId="{354C1443-B13E-4492-95C7-E2DC70D701C1}" type="pres">
-      <dgm:prSet presAssocID="{53A6723E-3920-49E3-8BAA-D3CE0778A9CE}" presName="tx1" presStyleLbl="revTx" presStyleIdx="1" presStyleCnt="6"/>
+    <dgm:pt modelId="{3244EC74-332C-4C6B-B70F-FFFA1E610924}" type="pres">
+      <dgm:prSet presAssocID="{53A6723E-3920-49E3-8BAA-D3CE0778A9CE}" presName="textRect" presStyleLbl="revTx" presStyleIdx="1" presStyleCnt="7">
+        <dgm:presLayoutVars>
+          <dgm:bulletEnabled val="1"/>
+        </dgm:presLayoutVars>
+      </dgm:prSet>
       <dgm:spPr/>
     </dgm:pt>
-    <dgm:pt modelId="{E5C42DFE-A990-47C8-8F39-28CF4AD15D53}" type="pres">
-      <dgm:prSet presAssocID="{53A6723E-3920-49E3-8BAA-D3CE0778A9CE}" presName="vert1" presStyleCnt="0"/>
+    <dgm:pt modelId="{14611AE8-9B68-4E21-93B6-0DD690A848DA}" type="pres">
+      <dgm:prSet presAssocID="{D552D7EC-D565-4A81-A7BC-E8D81B460AA1}" presName="sibTrans" presStyleLbl="sibTrans2D1" presStyleIdx="0" presStyleCnt="0"/>
       <dgm:spPr/>
     </dgm:pt>
-    <dgm:pt modelId="{D396AE2F-C105-4693-8794-54129FFE21BF}" type="pres">
-      <dgm:prSet presAssocID="{B86DCE4D-512B-43B7-84C4-CFC4835B2AC4}" presName="thickLine" presStyleLbl="alignNode1" presStyleIdx="2" presStyleCnt="6"/>
+    <dgm:pt modelId="{5A7E55ED-2C09-4B26-9D49-D67E1318664D}" type="pres">
+      <dgm:prSet presAssocID="{B86DCE4D-512B-43B7-84C4-CFC4835B2AC4}" presName="compNode" presStyleCnt="0"/>
       <dgm:spPr/>
     </dgm:pt>
-    <dgm:pt modelId="{87951732-051E-41A0-809B-C19820C73C25}" type="pres">
-      <dgm:prSet presAssocID="{B86DCE4D-512B-43B7-84C4-CFC4835B2AC4}" presName="horz1" presStyleCnt="0"/>
+    <dgm:pt modelId="{75F26130-E691-482A-88F9-BC49F37453B0}" type="pres">
+      <dgm:prSet presAssocID="{B86DCE4D-512B-43B7-84C4-CFC4835B2AC4}" presName="pictRect" presStyleLbl="node1" presStyleIdx="2" presStyleCnt="7"/>
       <dgm:spPr/>
     </dgm:pt>
-    <dgm:pt modelId="{B656D76C-E30B-4001-9506-C378C0EDEBAD}" type="pres">
-      <dgm:prSet presAssocID="{B86DCE4D-512B-43B7-84C4-CFC4835B2AC4}" presName="tx1" presStyleLbl="revTx" presStyleIdx="2" presStyleCnt="6"/>
+    <dgm:pt modelId="{4B681FD5-06C9-497C-BD21-55FEB9BA82E2}" type="pres">
+      <dgm:prSet presAssocID="{B86DCE4D-512B-43B7-84C4-CFC4835B2AC4}" presName="textRect" presStyleLbl="revTx" presStyleIdx="2" presStyleCnt="7">
+        <dgm:presLayoutVars>
+          <dgm:bulletEnabled val="1"/>
+        </dgm:presLayoutVars>
+      </dgm:prSet>
       <dgm:spPr/>
     </dgm:pt>
-    <dgm:pt modelId="{EC854BA8-010E-4295-A54A-0F7444B49595}" type="pres">
-      <dgm:prSet presAssocID="{B86DCE4D-512B-43B7-84C4-CFC4835B2AC4}" presName="vert1" presStyleCnt="0"/>
+    <dgm:pt modelId="{0D83E36B-A0A0-4655-B90A-C2017FE79B25}" type="pres">
+      <dgm:prSet presAssocID="{FE0D7DD2-5C0C-4C4D-BDD9-C0B5B181F561}" presName="sibTrans" presStyleLbl="sibTrans2D1" presStyleIdx="0" presStyleCnt="0"/>
       <dgm:spPr/>
     </dgm:pt>
-    <dgm:pt modelId="{69DFA0AE-16C9-4434-8743-607025BC59AE}" type="pres">
-      <dgm:prSet presAssocID="{62CDFF1D-9238-4F3A-9DBB-C308E268BB4D}" presName="thickLine" presStyleLbl="alignNode1" presStyleIdx="3" presStyleCnt="6"/>
+    <dgm:pt modelId="{AEE37779-F304-4414-B3F8-B445FA9FC816}" type="pres">
+      <dgm:prSet presAssocID="{62CDFF1D-9238-4F3A-9DBB-C308E268BB4D}" presName="compNode" presStyleCnt="0"/>
       <dgm:spPr/>
     </dgm:pt>
-    <dgm:pt modelId="{D19B53EC-5C75-4AE6-B116-36540BA04EF9}" type="pres">
-      <dgm:prSet presAssocID="{62CDFF1D-9238-4F3A-9DBB-C308E268BB4D}" presName="horz1" presStyleCnt="0"/>
+    <dgm:pt modelId="{BD19690F-D384-4BFC-8D53-DC72BB64EA1E}" type="pres">
+      <dgm:prSet presAssocID="{62CDFF1D-9238-4F3A-9DBB-C308E268BB4D}" presName="pictRect" presStyleLbl="node1" presStyleIdx="3" presStyleCnt="7"/>
       <dgm:spPr/>
     </dgm:pt>
-    <dgm:pt modelId="{8565C06A-CAD8-477A-9623-3DC86692A02F}" type="pres">
-      <dgm:prSet presAssocID="{62CDFF1D-9238-4F3A-9DBB-C308E268BB4D}" presName="tx1" presStyleLbl="revTx" presStyleIdx="3" presStyleCnt="6"/>
+    <dgm:pt modelId="{17D85B77-9C2B-457A-99CA-7E6D8E381DE2}" type="pres">
+      <dgm:prSet presAssocID="{62CDFF1D-9238-4F3A-9DBB-C308E268BB4D}" presName="textRect" presStyleLbl="revTx" presStyleIdx="3" presStyleCnt="7">
+        <dgm:presLayoutVars>
+          <dgm:bulletEnabled val="1"/>
+        </dgm:presLayoutVars>
+      </dgm:prSet>
       <dgm:spPr/>
     </dgm:pt>
-    <dgm:pt modelId="{218ACC0E-80D0-4A87-BC02-AA867772090C}" type="pres">
-      <dgm:prSet presAssocID="{62CDFF1D-9238-4F3A-9DBB-C308E268BB4D}" presName="vert1" presStyleCnt="0"/>
+    <dgm:pt modelId="{CC60F917-3CB6-4FEA-B62C-56CB5F3B3BA9}" type="pres">
+      <dgm:prSet presAssocID="{8B239B5A-FE29-42AD-BD7E-1D371FBF8B86}" presName="sibTrans" presStyleLbl="sibTrans2D1" presStyleIdx="0" presStyleCnt="0"/>
       <dgm:spPr/>
     </dgm:pt>
-    <dgm:pt modelId="{4D130CE0-E084-4A23-B5EC-229559F20AD9}" type="pres">
-      <dgm:prSet presAssocID="{A39E0830-0939-4B90-8D69-C81BAEEC3510}" presName="thickLine" presStyleLbl="alignNode1" presStyleIdx="4" presStyleCnt="6"/>
+    <dgm:pt modelId="{3FC3E964-DEDA-41B5-9241-EBFB2F8ECAA8}" type="pres">
+      <dgm:prSet presAssocID="{A39E0830-0939-4B90-8D69-C81BAEEC3510}" presName="compNode" presStyleCnt="0"/>
       <dgm:spPr/>
     </dgm:pt>
-    <dgm:pt modelId="{0B87D5D5-5595-4FA7-9931-B49C6067DB86}" type="pres">
-      <dgm:prSet presAssocID="{A39E0830-0939-4B90-8D69-C81BAEEC3510}" presName="horz1" presStyleCnt="0"/>
+    <dgm:pt modelId="{E6799248-A500-4FAC-BD70-56976E66FBE4}" type="pres">
+      <dgm:prSet presAssocID="{A39E0830-0939-4B90-8D69-C81BAEEC3510}" presName="pictRect" presStyleLbl="node1" presStyleIdx="4" presStyleCnt="7"/>
       <dgm:spPr/>
     </dgm:pt>
-    <dgm:pt modelId="{42ADE5E0-D219-404E-B11F-D2CBE7633302}" type="pres">
-      <dgm:prSet presAssocID="{A39E0830-0939-4B90-8D69-C81BAEEC3510}" presName="tx1" presStyleLbl="revTx" presStyleIdx="4" presStyleCnt="6"/>
+    <dgm:pt modelId="{668109B2-504E-49BB-87B6-27582E177EDA}" type="pres">
+      <dgm:prSet presAssocID="{A39E0830-0939-4B90-8D69-C81BAEEC3510}" presName="textRect" presStyleLbl="revTx" presStyleIdx="4" presStyleCnt="7">
+        <dgm:presLayoutVars>
+          <dgm:bulletEnabled val="1"/>
+        </dgm:presLayoutVars>
+      </dgm:prSet>
       <dgm:spPr/>
     </dgm:pt>
-    <dgm:pt modelId="{C78F8E53-D8AD-433B-82C5-02E591793B31}" type="pres">
-      <dgm:prSet presAssocID="{A39E0830-0939-4B90-8D69-C81BAEEC3510}" presName="vert1" presStyleCnt="0"/>
+    <dgm:pt modelId="{F6825847-46AB-4C62-8DD4-F7278E6FD792}" type="pres">
+      <dgm:prSet presAssocID="{B72A213F-7E45-402C-9833-5D6041D45580}" presName="sibTrans" presStyleLbl="sibTrans2D1" presStyleIdx="0" presStyleCnt="0"/>
       <dgm:spPr/>
     </dgm:pt>
-    <dgm:pt modelId="{40336809-BB4E-4FE2-9764-AA602EB0AAF6}" type="pres">
-      <dgm:prSet presAssocID="{D02452C3-7A84-4590-A6A8-9450FE6525C4}" presName="thickLine" presStyleLbl="alignNode1" presStyleIdx="5" presStyleCnt="6"/>
+    <dgm:pt modelId="{A0A8E2EB-C4E4-4850-9A1E-EBF9C9B51F15}" type="pres">
+      <dgm:prSet presAssocID="{D02452C3-7A84-4590-A6A8-9450FE6525C4}" presName="compNode" presStyleCnt="0"/>
       <dgm:spPr/>
     </dgm:pt>
-    <dgm:pt modelId="{EC751FB8-54C8-47B7-B38D-02C5BB52FBF8}" type="pres">
-      <dgm:prSet presAssocID="{D02452C3-7A84-4590-A6A8-9450FE6525C4}" presName="horz1" presStyleCnt="0"/>
+    <dgm:pt modelId="{F618ECAB-7A67-4253-BBBF-DD902EB0D48F}" type="pres">
+      <dgm:prSet presAssocID="{D02452C3-7A84-4590-A6A8-9450FE6525C4}" presName="pictRect" presStyleLbl="node1" presStyleIdx="5" presStyleCnt="7"/>
       <dgm:spPr/>
     </dgm:pt>
-    <dgm:pt modelId="{BF4D86FE-31F6-434C-94FD-E600B1049AB4}" type="pres">
-      <dgm:prSet presAssocID="{D02452C3-7A84-4590-A6A8-9450FE6525C4}" presName="tx1" presStyleLbl="revTx" presStyleIdx="5" presStyleCnt="6"/>
+    <dgm:pt modelId="{5F9492FE-1F16-4487-B860-330D23F59E11}" type="pres">
+      <dgm:prSet presAssocID="{D02452C3-7A84-4590-A6A8-9450FE6525C4}" presName="textRect" presStyleLbl="revTx" presStyleIdx="5" presStyleCnt="7">
+        <dgm:presLayoutVars>
+          <dgm:bulletEnabled val="1"/>
+        </dgm:presLayoutVars>
+      </dgm:prSet>
       <dgm:spPr/>
     </dgm:pt>
-    <dgm:pt modelId="{53AC5E48-60A5-46B6-9EDF-6445F774C54C}" type="pres">
-      <dgm:prSet presAssocID="{D02452C3-7A84-4590-A6A8-9450FE6525C4}" presName="vert1" presStyleCnt="0"/>
+    <dgm:pt modelId="{522747FA-13B3-4C59-BFBD-0E89D4FAF7BA}" type="pres">
+      <dgm:prSet presAssocID="{C8B77097-4E59-4D57-8769-07097C1B3E47}" presName="sibTrans" presStyleLbl="sibTrans2D1" presStyleIdx="0" presStyleCnt="0"/>
+      <dgm:spPr/>
+    </dgm:pt>
+    <dgm:pt modelId="{4DA16C3C-664F-47F0-B2D0-1D355F4F3B80}" type="pres">
+      <dgm:prSet presAssocID="{83447029-E457-47A7-BD5E-FB9D180FEFAF}" presName="compNode" presStyleCnt="0"/>
+      <dgm:spPr/>
+    </dgm:pt>
+    <dgm:pt modelId="{3811495F-C3B9-48CE-B0D3-454DC09E2E5A}" type="pres">
+      <dgm:prSet presAssocID="{83447029-E457-47A7-BD5E-FB9D180FEFAF}" presName="pictRect" presStyleLbl="node1" presStyleIdx="6" presStyleCnt="7"/>
+      <dgm:spPr/>
+    </dgm:pt>
+    <dgm:pt modelId="{5ABCD49F-0E88-4BF6-874D-CD8C3972B01A}" type="pres">
+      <dgm:prSet presAssocID="{83447029-E457-47A7-BD5E-FB9D180FEFAF}" presName="textRect" presStyleLbl="revTx" presStyleIdx="6" presStyleCnt="7">
+        <dgm:presLayoutVars>
+          <dgm:bulletEnabled val="1"/>
+        </dgm:presLayoutVars>
+      </dgm:prSet>
       <dgm:spPr/>
     </dgm:pt>
   </dgm:ptLst>
   <dgm:cxnLst>
-    <dgm:cxn modelId="{340EF22A-0778-4A2B-B4F5-78D61B71C728}" type="presOf" srcId="{53A6723E-3920-49E3-8BAA-D3CE0778A9CE}" destId="{354C1443-B13E-4492-95C7-E2DC70D701C1}" srcOrd="0" destOrd="0" presId="urn:microsoft.com/office/officeart/2008/layout/LinedList"/>
+    <dgm:cxn modelId="{6A58FC00-E735-4D15-B03A-2B1E241492CB}" type="presOf" srcId="{9482E4B3-036E-4231-83DE-754EEA8B4240}" destId="{A75CBA1E-7C22-450F-B8F4-592166F10AF3}" srcOrd="0" destOrd="0" presId="urn:microsoft.com/office/officeart/2005/8/layout/pList1"/>
+    <dgm:cxn modelId="{3E994C18-AA26-4183-B2A6-351B8980A43D}" type="presOf" srcId="{A39E0830-0939-4B90-8D69-C81BAEEC3510}" destId="{668109B2-504E-49BB-87B6-27582E177EDA}" srcOrd="0" destOrd="0" presId="urn:microsoft.com/office/officeart/2005/8/layout/pList1"/>
+    <dgm:cxn modelId="{E7E6321E-4903-4222-986A-58156D400902}" type="presOf" srcId="{D552D7EC-D565-4A81-A7BC-E8D81B460AA1}" destId="{14611AE8-9B68-4E21-93B6-0DD690A848DA}" srcOrd="0" destOrd="0" presId="urn:microsoft.com/office/officeart/2005/8/layout/pList1"/>
+    <dgm:cxn modelId="{B00EEF24-F5CC-475A-9807-9D9CF40236C2}" type="presOf" srcId="{4C777FD9-E88E-4F28-9AAD-B45989F945DD}" destId="{0FF2CDD4-0F31-458E-8F60-27A046FE5ACC}" srcOrd="0" destOrd="0" presId="urn:microsoft.com/office/officeart/2005/8/layout/pList1"/>
+    <dgm:cxn modelId="{D630A725-EEF3-483A-AFD9-00FF7927BE9E}" type="presOf" srcId="{D02452C3-7A84-4590-A6A8-9450FE6525C4}" destId="{5F9492FE-1F16-4487-B860-330D23F59E11}" srcOrd="0" destOrd="0" presId="urn:microsoft.com/office/officeart/2005/8/layout/pList1"/>
+    <dgm:cxn modelId="{0EC7ED26-7E22-4108-AC38-9D8F1FE308C1}" type="presOf" srcId="{B86DCE4D-512B-43B7-84C4-CFC4835B2AC4}" destId="{4B681FD5-06C9-497C-BD21-55FEB9BA82E2}" srcOrd="0" destOrd="0" presId="urn:microsoft.com/office/officeart/2005/8/layout/pList1"/>
+    <dgm:cxn modelId="{8EDDCC30-063C-4BCA-BD79-1DFEABC10F72}" type="presOf" srcId="{62CDFF1D-9238-4F3A-9DBB-C308E268BB4D}" destId="{17D85B77-9C2B-457A-99CA-7E6D8E381DE2}" srcOrd="0" destOrd="0" presId="urn:microsoft.com/office/officeart/2005/8/layout/pList1"/>
+    <dgm:cxn modelId="{6AEC3331-CB5B-43CB-9E83-FBB4E6515E39}" type="presOf" srcId="{B99D5FE8-991D-40BF-A74A-310F8EFB7B94}" destId="{F0AD8E2E-F64F-44BA-9AB6-C10D65C36357}" srcOrd="0" destOrd="0" presId="urn:microsoft.com/office/officeart/2005/8/layout/pList1"/>
     <dgm:cxn modelId="{AAE3D65E-B694-4A86-8D5A-EDF9DB64427D}" srcId="{9482E4B3-036E-4231-83DE-754EEA8B4240}" destId="{B99D5FE8-991D-40BF-A74A-310F8EFB7B94}" srcOrd="0" destOrd="0" parTransId="{DB3A4D66-D4E7-4057-8F7C-35959F20FDC0}" sibTransId="{4C777FD9-E88E-4F28-9AAD-B45989F945DD}"/>
     <dgm:cxn modelId="{93D6FF67-8F09-4854-941A-B082B254182D}" srcId="{9482E4B3-036E-4231-83DE-754EEA8B4240}" destId="{62CDFF1D-9238-4F3A-9DBB-C308E268BB4D}" srcOrd="3" destOrd="0" parTransId="{CB5EB210-180B-49D4-B862-A69401E5FABF}" sibTransId="{8B239B5A-FE29-42AD-BD7E-1D371FBF8B86}"/>
+    <dgm:cxn modelId="{4A2D3F4A-6AE3-4055-92E6-1153A7435422}" type="presOf" srcId="{53A6723E-3920-49E3-8BAA-D3CE0778A9CE}" destId="{3244EC74-332C-4C6B-B70F-FFFA1E610924}" srcOrd="0" destOrd="0" presId="urn:microsoft.com/office/officeart/2005/8/layout/pList1"/>
+    <dgm:cxn modelId="{FBF6D54A-8200-4A65-94D4-60BAB2C80071}" type="presOf" srcId="{83447029-E457-47A7-BD5E-FB9D180FEFAF}" destId="{5ABCD49F-0E88-4BF6-874D-CD8C3972B01A}" srcOrd="0" destOrd="0" presId="urn:microsoft.com/office/officeart/2005/8/layout/pList1"/>
     <dgm:cxn modelId="{D81F2689-FEA3-426C-BF12-5CAA043E610D}" srcId="{9482E4B3-036E-4231-83DE-754EEA8B4240}" destId="{D02452C3-7A84-4590-A6A8-9450FE6525C4}" srcOrd="5" destOrd="0" parTransId="{7BF7DF3B-A23B-4A58-8C64-341D70579343}" sibTransId="{C8B77097-4E59-4D57-8769-07097C1B3E47}"/>
     <dgm:cxn modelId="{53305E8F-D57D-4E88-A8DA-EDBF3CADE194}" srcId="{9482E4B3-036E-4231-83DE-754EEA8B4240}" destId="{B86DCE4D-512B-43B7-84C4-CFC4835B2AC4}" srcOrd="2" destOrd="0" parTransId="{AC2FB365-880F-40A0-85E9-BF01BC6341B6}" sibTransId="{FE0D7DD2-5C0C-4C4D-BDD9-C0B5B181F561}"/>
-    <dgm:cxn modelId="{6B7E8193-1B46-43DE-9947-B80FD12EAC1F}" type="presOf" srcId="{B86DCE4D-512B-43B7-84C4-CFC4835B2AC4}" destId="{B656D76C-E30B-4001-9506-C378C0EDEBAD}" srcOrd="0" destOrd="0" presId="urn:microsoft.com/office/officeart/2008/layout/LinedList"/>
-    <dgm:cxn modelId="{2E671699-C7E9-44F2-8E35-243E5C43AFA5}" type="presOf" srcId="{A39E0830-0939-4B90-8D69-C81BAEEC3510}" destId="{42ADE5E0-D219-404E-B11F-D2CBE7633302}" srcOrd="0" destOrd="0" presId="urn:microsoft.com/office/officeart/2008/layout/LinedList"/>
     <dgm:cxn modelId="{7A86EAB8-8B77-4386-BF9B-5D64945288BA}" srcId="{9482E4B3-036E-4231-83DE-754EEA8B4240}" destId="{53A6723E-3920-49E3-8BAA-D3CE0778A9CE}" srcOrd="1" destOrd="0" parTransId="{6E8812A1-D766-4DE5-9C32-69F6346ED6EA}" sibTransId="{D552D7EC-D565-4A81-A7BC-E8D81B460AA1}"/>
-    <dgm:cxn modelId="{1B669BDC-8016-4D67-B707-1BD878E3A9EC}" type="presOf" srcId="{B99D5FE8-991D-40BF-A74A-310F8EFB7B94}" destId="{3B0E2FD3-214C-4EFF-95A5-6A4C263D1C0C}" srcOrd="0" destOrd="0" presId="urn:microsoft.com/office/officeart/2008/layout/LinedList"/>
-    <dgm:cxn modelId="{4922D4E1-B2B7-433D-B1BF-87A42A424629}" type="presOf" srcId="{9482E4B3-036E-4231-83DE-754EEA8B4240}" destId="{A83248FA-A4AA-4F76-9222-1325F5352576}" srcOrd="0" destOrd="0" presId="urn:microsoft.com/office/officeart/2008/layout/LinedList"/>
+    <dgm:cxn modelId="{199E71BB-B3FF-45FA-95E9-1353241C4354}" type="presOf" srcId="{8B239B5A-FE29-42AD-BD7E-1D371FBF8B86}" destId="{CC60F917-3CB6-4FEA-B62C-56CB5F3B3BA9}" srcOrd="0" destOrd="0" presId="urn:microsoft.com/office/officeart/2005/8/layout/pList1"/>
     <dgm:cxn modelId="{90E124E6-0CDC-4016-9A38-6A22894343FB}" srcId="{9482E4B3-036E-4231-83DE-754EEA8B4240}" destId="{A39E0830-0939-4B90-8D69-C81BAEEC3510}" srcOrd="4" destOrd="0" parTransId="{CEA9BC3E-E934-4623-A27C-C82017883A19}" sibTransId="{B72A213F-7E45-402C-9833-5D6041D45580}"/>
-    <dgm:cxn modelId="{06E41EF4-2FF7-4A04-AE2E-6BC39150789B}" type="presOf" srcId="{D02452C3-7A84-4590-A6A8-9450FE6525C4}" destId="{BF4D86FE-31F6-434C-94FD-E600B1049AB4}" srcOrd="0" destOrd="0" presId="urn:microsoft.com/office/officeart/2008/layout/LinedList"/>
-    <dgm:cxn modelId="{AB561AFA-CFAD-4BFA-B78F-63DE0E644196}" type="presOf" srcId="{62CDFF1D-9238-4F3A-9DBB-C308E268BB4D}" destId="{8565C06A-CAD8-477A-9623-3DC86692A02F}" srcOrd="0" destOrd="0" presId="urn:microsoft.com/office/officeart/2008/layout/LinedList"/>
-    <dgm:cxn modelId="{695AED72-1048-4503-865A-DC0F13A1986B}" type="presParOf" srcId="{A83248FA-A4AA-4F76-9222-1325F5352576}" destId="{5865C497-FC4D-4039-BC02-3E480AEC5059}" srcOrd="0" destOrd="0" presId="urn:microsoft.com/office/officeart/2008/layout/LinedList"/>
-    <dgm:cxn modelId="{294788A5-FAFF-4D77-8339-373F4E320B2A}" type="presParOf" srcId="{A83248FA-A4AA-4F76-9222-1325F5352576}" destId="{0D83D32E-FCBD-47A2-BDE9-1FAF5BA68C4B}" srcOrd="1" destOrd="0" presId="urn:microsoft.com/office/officeart/2008/layout/LinedList"/>
-    <dgm:cxn modelId="{FDE0A0F0-23F9-404A-BD5D-5927C82948D7}" type="presParOf" srcId="{0D83D32E-FCBD-47A2-BDE9-1FAF5BA68C4B}" destId="{3B0E2FD3-214C-4EFF-95A5-6A4C263D1C0C}" srcOrd="0" destOrd="0" presId="urn:microsoft.com/office/officeart/2008/layout/LinedList"/>
-    <dgm:cxn modelId="{9A451C9B-7103-43E1-B345-BBE1C714CCCC}" type="presParOf" srcId="{0D83D32E-FCBD-47A2-BDE9-1FAF5BA68C4B}" destId="{4A6AF4C9-E943-492A-9D31-7578C8831C5A}" srcOrd="1" destOrd="0" presId="urn:microsoft.com/office/officeart/2008/layout/LinedList"/>
-    <dgm:cxn modelId="{729E96ED-7F00-4AE7-9D81-00EFF84F7AE0}" type="presParOf" srcId="{A83248FA-A4AA-4F76-9222-1325F5352576}" destId="{ABF2D550-843B-4B59-AD9D-ADDF6D0E576A}" srcOrd="2" destOrd="0" presId="urn:microsoft.com/office/officeart/2008/layout/LinedList"/>
-    <dgm:cxn modelId="{C2DF712A-4CBA-4A7D-B099-FEE2614BD137}" type="presParOf" srcId="{A83248FA-A4AA-4F76-9222-1325F5352576}" destId="{746B873A-D5D2-4857-8625-3A7434C3FAB9}" srcOrd="3" destOrd="0" presId="urn:microsoft.com/office/officeart/2008/layout/LinedList"/>
-    <dgm:cxn modelId="{1202B958-EC42-4F7D-AA6A-50F343C98A08}" type="presParOf" srcId="{746B873A-D5D2-4857-8625-3A7434C3FAB9}" destId="{354C1443-B13E-4492-95C7-E2DC70D701C1}" srcOrd="0" destOrd="0" presId="urn:microsoft.com/office/officeart/2008/layout/LinedList"/>
-    <dgm:cxn modelId="{32C67B18-4E53-4B7A-B44D-1820FD0C86DD}" type="presParOf" srcId="{746B873A-D5D2-4857-8625-3A7434C3FAB9}" destId="{E5C42DFE-A990-47C8-8F39-28CF4AD15D53}" srcOrd="1" destOrd="0" presId="urn:microsoft.com/office/officeart/2008/layout/LinedList"/>
-    <dgm:cxn modelId="{66973640-A76E-45E2-A399-07FE013A0554}" type="presParOf" srcId="{A83248FA-A4AA-4F76-9222-1325F5352576}" destId="{D396AE2F-C105-4693-8794-54129FFE21BF}" srcOrd="4" destOrd="0" presId="urn:microsoft.com/office/officeart/2008/layout/LinedList"/>
-    <dgm:cxn modelId="{7590D7C5-A86C-43B1-A57A-481220A5903C}" type="presParOf" srcId="{A83248FA-A4AA-4F76-9222-1325F5352576}" destId="{87951732-051E-41A0-809B-C19820C73C25}" srcOrd="5" destOrd="0" presId="urn:microsoft.com/office/officeart/2008/layout/LinedList"/>
-    <dgm:cxn modelId="{6FF5BA22-0D43-48BE-9246-EE309E36E1D0}" type="presParOf" srcId="{87951732-051E-41A0-809B-C19820C73C25}" destId="{B656D76C-E30B-4001-9506-C378C0EDEBAD}" srcOrd="0" destOrd="0" presId="urn:microsoft.com/office/officeart/2008/layout/LinedList"/>
-    <dgm:cxn modelId="{23F5F5D8-E195-476C-B28B-E40DDB6DFEC1}" type="presParOf" srcId="{87951732-051E-41A0-809B-C19820C73C25}" destId="{EC854BA8-010E-4295-A54A-0F7444B49595}" srcOrd="1" destOrd="0" presId="urn:microsoft.com/office/officeart/2008/layout/LinedList"/>
-    <dgm:cxn modelId="{6E536ECD-8AEA-47AD-B917-03AA1D2F8C79}" type="presParOf" srcId="{A83248FA-A4AA-4F76-9222-1325F5352576}" destId="{69DFA0AE-16C9-4434-8743-607025BC59AE}" srcOrd="6" destOrd="0" presId="urn:microsoft.com/office/officeart/2008/layout/LinedList"/>
-    <dgm:cxn modelId="{C37243C3-6B39-48C8-8551-74E6D1F1E1C7}" type="presParOf" srcId="{A83248FA-A4AA-4F76-9222-1325F5352576}" destId="{D19B53EC-5C75-4AE6-B116-36540BA04EF9}" srcOrd="7" destOrd="0" presId="urn:microsoft.com/office/officeart/2008/layout/LinedList"/>
-    <dgm:cxn modelId="{F712542D-FFE1-41B7-9412-DD718AE5C54F}" type="presParOf" srcId="{D19B53EC-5C75-4AE6-B116-36540BA04EF9}" destId="{8565C06A-CAD8-477A-9623-3DC86692A02F}" srcOrd="0" destOrd="0" presId="urn:microsoft.com/office/officeart/2008/layout/LinedList"/>
-    <dgm:cxn modelId="{6FDC43C3-F797-44D0-BA59-486DBA8E53E3}" type="presParOf" srcId="{D19B53EC-5C75-4AE6-B116-36540BA04EF9}" destId="{218ACC0E-80D0-4A87-BC02-AA867772090C}" srcOrd="1" destOrd="0" presId="urn:microsoft.com/office/officeart/2008/layout/LinedList"/>
-    <dgm:cxn modelId="{ACBA434F-7C16-4083-857F-F4834C206FE1}" type="presParOf" srcId="{A83248FA-A4AA-4F76-9222-1325F5352576}" destId="{4D130CE0-E084-4A23-B5EC-229559F20AD9}" srcOrd="8" destOrd="0" presId="urn:microsoft.com/office/officeart/2008/layout/LinedList"/>
-    <dgm:cxn modelId="{082C8A11-E6FD-4CFC-9DEB-9BB8BE1E1701}" type="presParOf" srcId="{A83248FA-A4AA-4F76-9222-1325F5352576}" destId="{0B87D5D5-5595-4FA7-9931-B49C6067DB86}" srcOrd="9" destOrd="0" presId="urn:microsoft.com/office/officeart/2008/layout/LinedList"/>
-    <dgm:cxn modelId="{103F8AEC-B75D-41F9-9540-016DD65C00C4}" type="presParOf" srcId="{0B87D5D5-5595-4FA7-9931-B49C6067DB86}" destId="{42ADE5E0-D219-404E-B11F-D2CBE7633302}" srcOrd="0" destOrd="0" presId="urn:microsoft.com/office/officeart/2008/layout/LinedList"/>
-    <dgm:cxn modelId="{AF428023-7F55-4BBD-AB80-0F99ED543B94}" type="presParOf" srcId="{0B87D5D5-5595-4FA7-9931-B49C6067DB86}" destId="{C78F8E53-D8AD-433B-82C5-02E591793B31}" srcOrd="1" destOrd="0" presId="urn:microsoft.com/office/officeart/2008/layout/LinedList"/>
-    <dgm:cxn modelId="{FB504383-6DCE-46F3-A4E0-ED5E3FF7E4ED}" type="presParOf" srcId="{A83248FA-A4AA-4F76-9222-1325F5352576}" destId="{40336809-BB4E-4FE2-9764-AA602EB0AAF6}" srcOrd="10" destOrd="0" presId="urn:microsoft.com/office/officeart/2008/layout/LinedList"/>
-    <dgm:cxn modelId="{DC76A4D9-6E7F-406D-AD41-496B65570C12}" type="presParOf" srcId="{A83248FA-A4AA-4F76-9222-1325F5352576}" destId="{EC751FB8-54C8-47B7-B38D-02C5BB52FBF8}" srcOrd="11" destOrd="0" presId="urn:microsoft.com/office/officeart/2008/layout/LinedList"/>
-    <dgm:cxn modelId="{424273EF-2768-49D8-9A46-90141CD58622}" type="presParOf" srcId="{EC751FB8-54C8-47B7-B38D-02C5BB52FBF8}" destId="{BF4D86FE-31F6-434C-94FD-E600B1049AB4}" srcOrd="0" destOrd="0" presId="urn:microsoft.com/office/officeart/2008/layout/LinedList"/>
-    <dgm:cxn modelId="{80AD16A0-F2B1-40C1-BA82-B8DEB366030A}" type="presParOf" srcId="{EC751FB8-54C8-47B7-B38D-02C5BB52FBF8}" destId="{53AC5E48-60A5-46B6-9EDF-6445F774C54C}" srcOrd="1" destOrd="0" presId="urn:microsoft.com/office/officeart/2008/layout/LinedList"/>
+    <dgm:cxn modelId="{EF55D8F3-C0DC-424C-91E9-B1C76300F88F}" srcId="{9482E4B3-036E-4231-83DE-754EEA8B4240}" destId="{83447029-E457-47A7-BD5E-FB9D180FEFAF}" srcOrd="6" destOrd="0" parTransId="{BD3C9709-086C-4990-845C-635E8078A384}" sibTransId="{A826CA13-326A-485A-8A83-B98806289431}"/>
+    <dgm:cxn modelId="{595A07F6-97A9-40BD-A0D5-C2C1725BA50E}" type="presOf" srcId="{FE0D7DD2-5C0C-4C4D-BDD9-C0B5B181F561}" destId="{0D83E36B-A0A0-4655-B90A-C2017FE79B25}" srcOrd="0" destOrd="0" presId="urn:microsoft.com/office/officeart/2005/8/layout/pList1"/>
+    <dgm:cxn modelId="{5BA1C0FA-5D36-47CA-B8F0-E851D9439D9B}" type="presOf" srcId="{C8B77097-4E59-4D57-8769-07097C1B3E47}" destId="{522747FA-13B3-4C59-BFBD-0E89D4FAF7BA}" srcOrd="0" destOrd="0" presId="urn:microsoft.com/office/officeart/2005/8/layout/pList1"/>
+    <dgm:cxn modelId="{BCF8C0FE-C3A5-40A1-AD6D-CDB3090C8092}" type="presOf" srcId="{B72A213F-7E45-402C-9833-5D6041D45580}" destId="{F6825847-46AB-4C62-8DD4-F7278E6FD792}" srcOrd="0" destOrd="0" presId="urn:microsoft.com/office/officeart/2005/8/layout/pList1"/>
+    <dgm:cxn modelId="{BDA5D3E7-68C9-4ED3-B78B-4FCC7A3A6BED}" type="presParOf" srcId="{A75CBA1E-7C22-450F-B8F4-592166F10AF3}" destId="{5F91CA1C-90FA-4919-9B3C-F6B2FA4554B7}" srcOrd="0" destOrd="0" presId="urn:microsoft.com/office/officeart/2005/8/layout/pList1"/>
+    <dgm:cxn modelId="{4B08E5E1-5FD6-4C31-BCA3-BECB59F4AC66}" type="presParOf" srcId="{5F91CA1C-90FA-4919-9B3C-F6B2FA4554B7}" destId="{85D5EDBE-4284-4BBC-BF63-0C0117E38927}" srcOrd="0" destOrd="0" presId="urn:microsoft.com/office/officeart/2005/8/layout/pList1"/>
+    <dgm:cxn modelId="{776EE164-E408-4DB3-BB88-45F57A0A71DB}" type="presParOf" srcId="{5F91CA1C-90FA-4919-9B3C-F6B2FA4554B7}" destId="{F0AD8E2E-F64F-44BA-9AB6-C10D65C36357}" srcOrd="1" destOrd="0" presId="urn:microsoft.com/office/officeart/2005/8/layout/pList1"/>
+    <dgm:cxn modelId="{8E6C674F-772F-4243-AC33-28B4B5253BA1}" type="presParOf" srcId="{A75CBA1E-7C22-450F-B8F4-592166F10AF3}" destId="{0FF2CDD4-0F31-458E-8F60-27A046FE5ACC}" srcOrd="1" destOrd="0" presId="urn:microsoft.com/office/officeart/2005/8/layout/pList1"/>
+    <dgm:cxn modelId="{87317DDC-3BF0-4300-9F24-297AFB400B75}" type="presParOf" srcId="{A75CBA1E-7C22-450F-B8F4-592166F10AF3}" destId="{94EAA319-0476-4034-9E64-CC9302319781}" srcOrd="2" destOrd="0" presId="urn:microsoft.com/office/officeart/2005/8/layout/pList1"/>
+    <dgm:cxn modelId="{27A2BE90-F355-441C-ABE2-32A4B11F1F01}" type="presParOf" srcId="{94EAA319-0476-4034-9E64-CC9302319781}" destId="{9DEB25B7-0D2D-47A8-8652-01CF51701031}" srcOrd="0" destOrd="0" presId="urn:microsoft.com/office/officeart/2005/8/layout/pList1"/>
+    <dgm:cxn modelId="{9E7EAE86-8D79-4A3C-A1A5-0CD3539D0C5F}" type="presParOf" srcId="{94EAA319-0476-4034-9E64-CC9302319781}" destId="{3244EC74-332C-4C6B-B70F-FFFA1E610924}" srcOrd="1" destOrd="0" presId="urn:microsoft.com/office/officeart/2005/8/layout/pList1"/>
+    <dgm:cxn modelId="{E0B3AF5E-FFFB-44DC-A4CA-235EBF6011C7}" type="presParOf" srcId="{A75CBA1E-7C22-450F-B8F4-592166F10AF3}" destId="{14611AE8-9B68-4E21-93B6-0DD690A848DA}" srcOrd="3" destOrd="0" presId="urn:microsoft.com/office/officeart/2005/8/layout/pList1"/>
+    <dgm:cxn modelId="{B7BC0E04-D9B3-4012-A099-4827FE9A2185}" type="presParOf" srcId="{A75CBA1E-7C22-450F-B8F4-592166F10AF3}" destId="{5A7E55ED-2C09-4B26-9D49-D67E1318664D}" srcOrd="4" destOrd="0" presId="urn:microsoft.com/office/officeart/2005/8/layout/pList1"/>
+    <dgm:cxn modelId="{7C5A3748-7BC7-4DB5-83CF-2AA08FA6F77B}" type="presParOf" srcId="{5A7E55ED-2C09-4B26-9D49-D67E1318664D}" destId="{75F26130-E691-482A-88F9-BC49F37453B0}" srcOrd="0" destOrd="0" presId="urn:microsoft.com/office/officeart/2005/8/layout/pList1"/>
+    <dgm:cxn modelId="{1D866E24-8EA0-497C-B835-F0C5A6A60947}" type="presParOf" srcId="{5A7E55ED-2C09-4B26-9D49-D67E1318664D}" destId="{4B681FD5-06C9-497C-BD21-55FEB9BA82E2}" srcOrd="1" destOrd="0" presId="urn:microsoft.com/office/officeart/2005/8/layout/pList1"/>
+    <dgm:cxn modelId="{184D4534-6204-40B0-8F26-AFC85CD4BDA6}" type="presParOf" srcId="{A75CBA1E-7C22-450F-B8F4-592166F10AF3}" destId="{0D83E36B-A0A0-4655-B90A-C2017FE79B25}" srcOrd="5" destOrd="0" presId="urn:microsoft.com/office/officeart/2005/8/layout/pList1"/>
+    <dgm:cxn modelId="{CB7960C3-0022-4B6C-BBE9-1911EE615608}" type="presParOf" srcId="{A75CBA1E-7C22-450F-B8F4-592166F10AF3}" destId="{AEE37779-F304-4414-B3F8-B445FA9FC816}" srcOrd="6" destOrd="0" presId="urn:microsoft.com/office/officeart/2005/8/layout/pList1"/>
+    <dgm:cxn modelId="{4976630E-B4B9-4869-85BD-FD7C724F2B0D}" type="presParOf" srcId="{AEE37779-F304-4414-B3F8-B445FA9FC816}" destId="{BD19690F-D384-4BFC-8D53-DC72BB64EA1E}" srcOrd="0" destOrd="0" presId="urn:microsoft.com/office/officeart/2005/8/layout/pList1"/>
+    <dgm:cxn modelId="{30514ADD-B080-4CDE-8D65-EFED5A6A8BCD}" type="presParOf" srcId="{AEE37779-F304-4414-B3F8-B445FA9FC816}" destId="{17D85B77-9C2B-457A-99CA-7E6D8E381DE2}" srcOrd="1" destOrd="0" presId="urn:microsoft.com/office/officeart/2005/8/layout/pList1"/>
+    <dgm:cxn modelId="{0DFC17E3-FDBE-4632-BF90-900F19A1D2A8}" type="presParOf" srcId="{A75CBA1E-7C22-450F-B8F4-592166F10AF3}" destId="{CC60F917-3CB6-4FEA-B62C-56CB5F3B3BA9}" srcOrd="7" destOrd="0" presId="urn:microsoft.com/office/officeart/2005/8/layout/pList1"/>
+    <dgm:cxn modelId="{1755F4D7-EED8-4B6D-9731-F49218618B23}" type="presParOf" srcId="{A75CBA1E-7C22-450F-B8F4-592166F10AF3}" destId="{3FC3E964-DEDA-41B5-9241-EBFB2F8ECAA8}" srcOrd="8" destOrd="0" presId="urn:microsoft.com/office/officeart/2005/8/layout/pList1"/>
+    <dgm:cxn modelId="{B8E06A6E-BAD1-40A6-A046-4AD8B6F85077}" type="presParOf" srcId="{3FC3E964-DEDA-41B5-9241-EBFB2F8ECAA8}" destId="{E6799248-A500-4FAC-BD70-56976E66FBE4}" srcOrd="0" destOrd="0" presId="urn:microsoft.com/office/officeart/2005/8/layout/pList1"/>
+    <dgm:cxn modelId="{D69D2A0C-A0E7-46E8-953C-F289055962B6}" type="presParOf" srcId="{3FC3E964-DEDA-41B5-9241-EBFB2F8ECAA8}" destId="{668109B2-504E-49BB-87B6-27582E177EDA}" srcOrd="1" destOrd="0" presId="urn:microsoft.com/office/officeart/2005/8/layout/pList1"/>
+    <dgm:cxn modelId="{FA2B22F7-9200-4166-83C7-D212E2908E00}" type="presParOf" srcId="{A75CBA1E-7C22-450F-B8F4-592166F10AF3}" destId="{F6825847-46AB-4C62-8DD4-F7278E6FD792}" srcOrd="9" destOrd="0" presId="urn:microsoft.com/office/officeart/2005/8/layout/pList1"/>
+    <dgm:cxn modelId="{A8BEA6AB-2A91-4014-8FF9-40970B96EB15}" type="presParOf" srcId="{A75CBA1E-7C22-450F-B8F4-592166F10AF3}" destId="{A0A8E2EB-C4E4-4850-9A1E-EBF9C9B51F15}" srcOrd="10" destOrd="0" presId="urn:microsoft.com/office/officeart/2005/8/layout/pList1"/>
+    <dgm:cxn modelId="{7F97D8B8-E40A-4833-BD8E-34DA81AF3767}" type="presParOf" srcId="{A0A8E2EB-C4E4-4850-9A1E-EBF9C9B51F15}" destId="{F618ECAB-7A67-4253-BBBF-DD902EB0D48F}" srcOrd="0" destOrd="0" presId="urn:microsoft.com/office/officeart/2005/8/layout/pList1"/>
+    <dgm:cxn modelId="{E2CA83C3-6273-4631-9C1A-21E9B8507F1E}" type="presParOf" srcId="{A0A8E2EB-C4E4-4850-9A1E-EBF9C9B51F15}" destId="{5F9492FE-1F16-4487-B860-330D23F59E11}" srcOrd="1" destOrd="0" presId="urn:microsoft.com/office/officeart/2005/8/layout/pList1"/>
+    <dgm:cxn modelId="{3F7B2D7C-F5C9-4752-B735-5EA4A1505F50}" type="presParOf" srcId="{A75CBA1E-7C22-450F-B8F4-592166F10AF3}" destId="{522747FA-13B3-4C59-BFBD-0E89D4FAF7BA}" srcOrd="11" destOrd="0" presId="urn:microsoft.com/office/officeart/2005/8/layout/pList1"/>
+    <dgm:cxn modelId="{B4D06AF8-B8D6-4E65-9A94-51C988778923}" type="presParOf" srcId="{A75CBA1E-7C22-450F-B8F4-592166F10AF3}" destId="{4DA16C3C-664F-47F0-B2D0-1D355F4F3B80}" srcOrd="12" destOrd="0" presId="urn:microsoft.com/office/officeart/2005/8/layout/pList1"/>
+    <dgm:cxn modelId="{5EFC90B7-F2E4-4C9E-A469-8E5810176344}" type="presParOf" srcId="{4DA16C3C-664F-47F0-B2D0-1D355F4F3B80}" destId="{3811495F-C3B9-48CE-B0D3-454DC09E2E5A}" srcOrd="0" destOrd="0" presId="urn:microsoft.com/office/officeart/2005/8/layout/pList1"/>
+    <dgm:cxn modelId="{5C642288-623E-496E-A4CF-54831D042F54}" type="presParOf" srcId="{4DA16C3C-664F-47F0-B2D0-1D355F4F3B80}" destId="{5ABCD49F-0E88-4BF6-874D-CD8C3972B01A}" srcOrd="1" destOrd="0" presId="urn:microsoft.com/office/officeart/2005/8/layout/pList1"/>
   </dgm:cxnLst>
   <dgm:bg/>
   <dgm:whole/>
   <dgm:extLst>
     <a:ext uri="http://schemas.microsoft.com/office/drawing/2008/diagram">
-      <dsp:dataModelExt xmlns:dsp="http://schemas.microsoft.com/office/drawing/2008/diagram" relId="rId6" minVer="http://schemas.openxmlformats.org/drawingml/2006/diagram"/>
+      <dsp:dataModelExt xmlns:dsp="http://schemas.microsoft.com/office/drawing/2008/diagram" relId="rId7" minVer="http://schemas.openxmlformats.org/drawingml/2006/diagram"/>
     </a:ext>
   </dgm:extLst>
 </dgm:dataModel>
@@ -4405,17 +4495,17 @@
       <dsp:cNvGrpSpPr/>
     </dsp:nvGrpSpPr>
     <dsp:grpSpPr/>
-    <dsp:sp modelId="{5865C497-FC4D-4039-BC02-3E480AEC5059}">
+    <dsp:sp modelId="{85D5EDBE-4284-4BBC-BF63-0C0117E38927}">
       <dsp:nvSpPr>
         <dsp:cNvPr id="0" name=""/>
         <dsp:cNvSpPr/>
       </dsp:nvSpPr>
       <dsp:spPr>
         <a:xfrm>
-          <a:off x="0" y="2047"/>
-          <a:ext cx="10927829" cy="0"/>
+          <a:off x="365888" y="612"/>
+          <a:ext cx="1888098" cy="1300900"/>
         </a:xfrm>
-        <a:prstGeom prst="line">
+        <a:prstGeom prst="roundRect">
           <a:avLst/>
         </a:prstGeom>
         <a:solidFill>
@@ -4428,7 +4518,7 @@
         </a:solidFill>
         <a:ln w="19050" cap="flat" cmpd="sng" algn="ctr">
           <a:solidFill>
-            <a:schemeClr val="accent1">
+            <a:schemeClr val="lt1">
               <a:hueOff val="0"/>
               <a:satOff val="0"/>
               <a:lumOff val="0"/>
@@ -4455,15 +4545,15 @@
         </a:fontRef>
       </dsp:style>
     </dsp:sp>
-    <dsp:sp modelId="{3B0E2FD3-214C-4EFF-95A5-6A4C263D1C0C}">
+    <dsp:sp modelId="{F0AD8E2E-F64F-44BA-9AB6-C10D65C36357}">
       <dsp:nvSpPr>
         <dsp:cNvPr id="0" name=""/>
         <dsp:cNvSpPr/>
       </dsp:nvSpPr>
       <dsp:spPr>
         <a:xfrm>
-          <a:off x="0" y="2047"/>
-          <a:ext cx="10927829" cy="698118"/>
+          <a:off x="365888" y="1301512"/>
+          <a:ext cx="1888098" cy="700484"/>
         </a:xfrm>
         <a:prstGeom prst="rect">
           <a:avLst/>
@@ -4487,12 +4577,12 @@
         <a:fontRef idx="minor"/>
       </dsp:style>
       <dsp:txBody>
-        <a:bodyPr spcFirstLastPara="0" vert="horz" wrap="square" lIns="121920" tIns="121920" rIns="121920" bIns="121920" numCol="1" spcCol="1270" anchor="t" anchorCtr="0">
+        <a:bodyPr spcFirstLastPara="0" vert="horz" wrap="square" lIns="135128" tIns="135128" rIns="135128" bIns="0" numCol="1" spcCol="1270" anchor="t" anchorCtr="0">
           <a:noAutofit/>
         </a:bodyPr>
         <a:lstStyle/>
         <a:p>
-          <a:pPr marL="0" lvl="0" indent="0" algn="l" defTabSz="1422400">
+          <a:pPr marL="0" lvl="0" indent="0" algn="ctr" defTabSz="844550">
             <a:lnSpc>
               <a:spcPct val="90000"/>
             </a:lnSpc>
@@ -4505,27 +4595,27 @@
             <a:buNone/>
           </a:pPr>
           <a:r>
-            <a:rPr lang="en-US" sz="3200" kern="1200" dirty="0"/>
+            <a:rPr lang="en-US" sz="1900" kern="1200" dirty="0"/>
             <a:t>PostgreSQL</a:t>
           </a:r>
         </a:p>
       </dsp:txBody>
       <dsp:txXfrm>
-        <a:off x="0" y="2047"/>
-        <a:ext cx="10927829" cy="698118"/>
+        <a:off x="365888" y="1301512"/>
+        <a:ext cx="1888098" cy="700484"/>
       </dsp:txXfrm>
     </dsp:sp>
-    <dsp:sp modelId="{ABF2D550-843B-4B59-AD9D-ADDF6D0E576A}">
+    <dsp:sp modelId="{9DEB25B7-0D2D-47A8-8652-01CF51701031}">
       <dsp:nvSpPr>
         <dsp:cNvPr id="0" name=""/>
         <dsp:cNvSpPr/>
       </dsp:nvSpPr>
       <dsp:spPr>
         <a:xfrm>
-          <a:off x="0" y="700165"/>
-          <a:ext cx="10927829" cy="0"/>
+          <a:off x="2442876" y="612"/>
+          <a:ext cx="1888098" cy="1300900"/>
         </a:xfrm>
-        <a:prstGeom prst="line">
+        <a:prstGeom prst="roundRect">
           <a:avLst/>
         </a:prstGeom>
         <a:solidFill>
@@ -4538,7 +4628,7 @@
         </a:solidFill>
         <a:ln w="19050" cap="flat" cmpd="sng" algn="ctr">
           <a:solidFill>
-            <a:schemeClr val="accent1">
+            <a:schemeClr val="lt1">
               <a:hueOff val="0"/>
               <a:satOff val="0"/>
               <a:lumOff val="0"/>
@@ -4565,15 +4655,15 @@
         </a:fontRef>
       </dsp:style>
     </dsp:sp>
-    <dsp:sp modelId="{354C1443-B13E-4492-95C7-E2DC70D701C1}">
+    <dsp:sp modelId="{3244EC74-332C-4C6B-B70F-FFFA1E610924}">
       <dsp:nvSpPr>
         <dsp:cNvPr id="0" name=""/>
         <dsp:cNvSpPr/>
       </dsp:nvSpPr>
       <dsp:spPr>
         <a:xfrm>
-          <a:off x="0" y="700165"/>
-          <a:ext cx="10927829" cy="698118"/>
+          <a:off x="2442876" y="1301512"/>
+          <a:ext cx="1888098" cy="700484"/>
         </a:xfrm>
         <a:prstGeom prst="rect">
           <a:avLst/>
@@ -4597,12 +4687,12 @@
         <a:fontRef idx="minor"/>
       </dsp:style>
       <dsp:txBody>
-        <a:bodyPr spcFirstLastPara="0" vert="horz" wrap="square" lIns="121920" tIns="121920" rIns="121920" bIns="121920" numCol="1" spcCol="1270" anchor="t" anchorCtr="0">
+        <a:bodyPr spcFirstLastPara="0" vert="horz" wrap="square" lIns="135128" tIns="135128" rIns="135128" bIns="0" numCol="1" spcCol="1270" anchor="t" anchorCtr="0">
           <a:noAutofit/>
         </a:bodyPr>
         <a:lstStyle/>
         <a:p>
-          <a:pPr marL="0" lvl="0" indent="0" algn="l" defTabSz="1422400">
+          <a:pPr marL="0" lvl="0" indent="0" algn="ctr" defTabSz="844550">
             <a:lnSpc>
               <a:spcPct val="90000"/>
             </a:lnSpc>
@@ -4615,27 +4705,27 @@
             <a:buNone/>
           </a:pPr>
           <a:r>
-            <a:rPr lang="en-US" sz="3200" kern="1200"/>
+            <a:rPr lang="en-US" sz="1900" kern="1200"/>
             <a:t>ASP.NET Core</a:t>
           </a:r>
         </a:p>
       </dsp:txBody>
       <dsp:txXfrm>
-        <a:off x="0" y="700165"/>
-        <a:ext cx="10927829" cy="698118"/>
+        <a:off x="2442876" y="1301512"/>
+        <a:ext cx="1888098" cy="700484"/>
       </dsp:txXfrm>
     </dsp:sp>
-    <dsp:sp modelId="{D396AE2F-C105-4693-8794-54129FFE21BF}">
+    <dsp:sp modelId="{75F26130-E691-482A-88F9-BC49F37453B0}">
       <dsp:nvSpPr>
         <dsp:cNvPr id="0" name=""/>
         <dsp:cNvSpPr/>
       </dsp:nvSpPr>
       <dsp:spPr>
         <a:xfrm>
-          <a:off x="0" y="1398284"/>
-          <a:ext cx="10927829" cy="0"/>
+          <a:off x="4519865" y="612"/>
+          <a:ext cx="1888098" cy="1300900"/>
         </a:xfrm>
-        <a:prstGeom prst="line">
+        <a:prstGeom prst="roundRect">
           <a:avLst/>
         </a:prstGeom>
         <a:solidFill>
@@ -4648,7 +4738,7 @@
         </a:solidFill>
         <a:ln w="19050" cap="flat" cmpd="sng" algn="ctr">
           <a:solidFill>
-            <a:schemeClr val="accent1">
+            <a:schemeClr val="lt1">
               <a:hueOff val="0"/>
               <a:satOff val="0"/>
               <a:lumOff val="0"/>
@@ -4675,15 +4765,15 @@
         </a:fontRef>
       </dsp:style>
     </dsp:sp>
-    <dsp:sp modelId="{B656D76C-E30B-4001-9506-C378C0EDEBAD}">
+    <dsp:sp modelId="{4B681FD5-06C9-497C-BD21-55FEB9BA82E2}">
       <dsp:nvSpPr>
         <dsp:cNvPr id="0" name=""/>
         <dsp:cNvSpPr/>
       </dsp:nvSpPr>
       <dsp:spPr>
         <a:xfrm>
-          <a:off x="0" y="1398284"/>
-          <a:ext cx="10927829" cy="698118"/>
+          <a:off x="4519865" y="1301512"/>
+          <a:ext cx="1888098" cy="700484"/>
         </a:xfrm>
         <a:prstGeom prst="rect">
           <a:avLst/>
@@ -4707,12 +4797,12 @@
         <a:fontRef idx="minor"/>
       </dsp:style>
       <dsp:txBody>
-        <a:bodyPr spcFirstLastPara="0" vert="horz" wrap="square" lIns="121920" tIns="121920" rIns="121920" bIns="121920" numCol="1" spcCol="1270" anchor="t" anchorCtr="0">
+        <a:bodyPr spcFirstLastPara="0" vert="horz" wrap="square" lIns="135128" tIns="135128" rIns="135128" bIns="0" numCol="1" spcCol="1270" anchor="t" anchorCtr="0">
           <a:noAutofit/>
         </a:bodyPr>
         <a:lstStyle/>
         <a:p>
-          <a:pPr marL="0" lvl="0" indent="0" algn="l" defTabSz="1422400">
+          <a:pPr marL="0" lvl="0" indent="0" algn="ctr" defTabSz="844550">
             <a:lnSpc>
               <a:spcPct val="90000"/>
             </a:lnSpc>
@@ -4725,27 +4815,27 @@
             <a:buNone/>
           </a:pPr>
           <a:r>
-            <a:rPr lang="en-US" sz="3200" kern="1200"/>
+            <a:rPr lang="en-US" sz="1900" kern="1200"/>
             <a:t>Redis</a:t>
           </a:r>
         </a:p>
       </dsp:txBody>
       <dsp:txXfrm>
-        <a:off x="0" y="1398284"/>
-        <a:ext cx="10927829" cy="698118"/>
+        <a:off x="4519865" y="1301512"/>
+        <a:ext cx="1888098" cy="700484"/>
       </dsp:txXfrm>
     </dsp:sp>
-    <dsp:sp modelId="{69DFA0AE-16C9-4434-8743-607025BC59AE}">
+    <dsp:sp modelId="{BD19690F-D384-4BFC-8D53-DC72BB64EA1E}">
       <dsp:nvSpPr>
         <dsp:cNvPr id="0" name=""/>
         <dsp:cNvSpPr/>
       </dsp:nvSpPr>
       <dsp:spPr>
         <a:xfrm>
-          <a:off x="0" y="2096402"/>
-          <a:ext cx="10927829" cy="0"/>
+          <a:off x="6596853" y="612"/>
+          <a:ext cx="1888098" cy="1300900"/>
         </a:xfrm>
-        <a:prstGeom prst="line">
+        <a:prstGeom prst="roundRect">
           <a:avLst/>
         </a:prstGeom>
         <a:solidFill>
@@ -4758,7 +4848,7 @@
         </a:solidFill>
         <a:ln w="19050" cap="flat" cmpd="sng" algn="ctr">
           <a:solidFill>
-            <a:schemeClr val="accent1">
+            <a:schemeClr val="lt1">
               <a:hueOff val="0"/>
               <a:satOff val="0"/>
               <a:lumOff val="0"/>
@@ -4785,15 +4875,15 @@
         </a:fontRef>
       </dsp:style>
     </dsp:sp>
-    <dsp:sp modelId="{8565C06A-CAD8-477A-9623-3DC86692A02F}">
+    <dsp:sp modelId="{17D85B77-9C2B-457A-99CA-7E6D8E381DE2}">
       <dsp:nvSpPr>
         <dsp:cNvPr id="0" name=""/>
         <dsp:cNvSpPr/>
       </dsp:nvSpPr>
       <dsp:spPr>
         <a:xfrm>
-          <a:off x="0" y="2096402"/>
-          <a:ext cx="10927829" cy="698118"/>
+          <a:off x="6596853" y="1301512"/>
+          <a:ext cx="1888098" cy="700484"/>
         </a:xfrm>
         <a:prstGeom prst="rect">
           <a:avLst/>
@@ -4817,12 +4907,12 @@
         <a:fontRef idx="minor"/>
       </dsp:style>
       <dsp:txBody>
-        <a:bodyPr spcFirstLastPara="0" vert="horz" wrap="square" lIns="121920" tIns="121920" rIns="121920" bIns="121920" numCol="1" spcCol="1270" anchor="t" anchorCtr="0">
+        <a:bodyPr spcFirstLastPara="0" vert="horz" wrap="square" lIns="135128" tIns="135128" rIns="135128" bIns="0" numCol="1" spcCol="1270" anchor="t" anchorCtr="0">
           <a:noAutofit/>
         </a:bodyPr>
         <a:lstStyle/>
         <a:p>
-          <a:pPr marL="0" lvl="0" indent="0" algn="l" defTabSz="1422400">
+          <a:pPr marL="0" lvl="0" indent="0" algn="ctr" defTabSz="844550">
             <a:lnSpc>
               <a:spcPct val="90000"/>
             </a:lnSpc>
@@ -4835,27 +4925,27 @@
             <a:buNone/>
           </a:pPr>
           <a:r>
-            <a:rPr lang="en-US" sz="3200" kern="1200" dirty="0"/>
+            <a:rPr lang="en-US" sz="1900" kern="1200" dirty="0"/>
             <a:t>Blazor</a:t>
           </a:r>
         </a:p>
       </dsp:txBody>
       <dsp:txXfrm>
-        <a:off x="0" y="2096402"/>
-        <a:ext cx="10927829" cy="698118"/>
+        <a:off x="6596853" y="1301512"/>
+        <a:ext cx="1888098" cy="700484"/>
       </dsp:txXfrm>
     </dsp:sp>
-    <dsp:sp modelId="{4D130CE0-E084-4A23-B5EC-229559F20AD9}">
+    <dsp:sp modelId="{E6799248-A500-4FAC-BD70-56976E66FBE4}">
       <dsp:nvSpPr>
         <dsp:cNvPr id="0" name=""/>
         <dsp:cNvSpPr/>
       </dsp:nvSpPr>
       <dsp:spPr>
         <a:xfrm>
-          <a:off x="0" y="2794520"/>
-          <a:ext cx="10927829" cy="0"/>
+          <a:off x="8673841" y="612"/>
+          <a:ext cx="1888098" cy="1300900"/>
         </a:xfrm>
-        <a:prstGeom prst="line">
+        <a:prstGeom prst="roundRect">
           <a:avLst/>
         </a:prstGeom>
         <a:solidFill>
@@ -4868,7 +4958,7 @@
         </a:solidFill>
         <a:ln w="19050" cap="flat" cmpd="sng" algn="ctr">
           <a:solidFill>
-            <a:schemeClr val="accent1">
+            <a:schemeClr val="lt1">
               <a:hueOff val="0"/>
               <a:satOff val="0"/>
               <a:lumOff val="0"/>
@@ -4895,15 +4985,15 @@
         </a:fontRef>
       </dsp:style>
     </dsp:sp>
-    <dsp:sp modelId="{42ADE5E0-D219-404E-B11F-D2CBE7633302}">
+    <dsp:sp modelId="{668109B2-504E-49BB-87B6-27582E177EDA}">
       <dsp:nvSpPr>
         <dsp:cNvPr id="0" name=""/>
         <dsp:cNvSpPr/>
       </dsp:nvSpPr>
       <dsp:spPr>
         <a:xfrm>
-          <a:off x="0" y="2794520"/>
-          <a:ext cx="10927829" cy="698118"/>
+          <a:off x="8673841" y="1301512"/>
+          <a:ext cx="1888098" cy="700484"/>
         </a:xfrm>
         <a:prstGeom prst="rect">
           <a:avLst/>
@@ -4927,12 +5017,12 @@
         <a:fontRef idx="minor"/>
       </dsp:style>
       <dsp:txBody>
-        <a:bodyPr spcFirstLastPara="0" vert="horz" wrap="square" lIns="121920" tIns="121920" rIns="121920" bIns="121920" numCol="1" spcCol="1270" anchor="t" anchorCtr="0">
+        <a:bodyPr spcFirstLastPara="0" vert="horz" wrap="square" lIns="135128" tIns="135128" rIns="135128" bIns="0" numCol="1" spcCol="1270" anchor="t" anchorCtr="0">
           <a:noAutofit/>
         </a:bodyPr>
         <a:lstStyle/>
         <a:p>
-          <a:pPr marL="0" lvl="0" indent="0" algn="l" defTabSz="1422400">
+          <a:pPr marL="0" lvl="0" indent="0" algn="ctr" defTabSz="844550">
             <a:lnSpc>
               <a:spcPct val="90000"/>
             </a:lnSpc>
@@ -4945,27 +5035,27 @@
             <a:buNone/>
           </a:pPr>
           <a:r>
-            <a:rPr lang="en-US" sz="3200" kern="1200" dirty="0"/>
+            <a:rPr lang="en-US" sz="1900" kern="1200" dirty="0"/>
             <a:t>MudBlazor</a:t>
           </a:r>
         </a:p>
       </dsp:txBody>
       <dsp:txXfrm>
-        <a:off x="0" y="2794520"/>
-        <a:ext cx="10927829" cy="698118"/>
+        <a:off x="8673841" y="1301512"/>
+        <a:ext cx="1888098" cy="700484"/>
       </dsp:txXfrm>
     </dsp:sp>
-    <dsp:sp modelId="{40336809-BB4E-4FE2-9764-AA602EB0AAF6}">
+    <dsp:sp modelId="{F618ECAB-7A67-4253-BBBF-DD902EB0D48F}">
       <dsp:nvSpPr>
         <dsp:cNvPr id="0" name=""/>
         <dsp:cNvSpPr/>
       </dsp:nvSpPr>
       <dsp:spPr>
         <a:xfrm>
-          <a:off x="0" y="3492639"/>
-          <a:ext cx="10927829" cy="0"/>
+          <a:off x="3481370" y="2190807"/>
+          <a:ext cx="1888098" cy="1300900"/>
         </a:xfrm>
-        <a:prstGeom prst="line">
+        <a:prstGeom prst="roundRect">
           <a:avLst/>
         </a:prstGeom>
         <a:solidFill>
@@ -4978,7 +5068,7 @@
         </a:solidFill>
         <a:ln w="19050" cap="flat" cmpd="sng" algn="ctr">
           <a:solidFill>
-            <a:schemeClr val="accent1">
+            <a:schemeClr val="lt1">
               <a:hueOff val="0"/>
               <a:satOff val="0"/>
               <a:lumOff val="0"/>
@@ -5005,15 +5095,15 @@
         </a:fontRef>
       </dsp:style>
     </dsp:sp>
-    <dsp:sp modelId="{BF4D86FE-31F6-434C-94FD-E600B1049AB4}">
+    <dsp:sp modelId="{5F9492FE-1F16-4487-B860-330D23F59E11}">
       <dsp:nvSpPr>
         <dsp:cNvPr id="0" name=""/>
         <dsp:cNvSpPr/>
       </dsp:nvSpPr>
       <dsp:spPr>
         <a:xfrm>
-          <a:off x="0" y="3492639"/>
-          <a:ext cx="10927829" cy="698118"/>
+          <a:off x="3481370" y="3491707"/>
+          <a:ext cx="1888098" cy="700484"/>
         </a:xfrm>
         <a:prstGeom prst="rect">
           <a:avLst/>
@@ -5037,12 +5127,12 @@
         <a:fontRef idx="minor"/>
       </dsp:style>
       <dsp:txBody>
-        <a:bodyPr spcFirstLastPara="0" vert="horz" wrap="square" lIns="121920" tIns="121920" rIns="121920" bIns="121920" numCol="1" spcCol="1270" anchor="t" anchorCtr="0">
+        <a:bodyPr spcFirstLastPara="0" vert="horz" wrap="square" lIns="135128" tIns="135128" rIns="135128" bIns="0" numCol="1" spcCol="1270" anchor="t" anchorCtr="0">
           <a:noAutofit/>
         </a:bodyPr>
         <a:lstStyle/>
         <a:p>
-          <a:pPr marL="0" lvl="0" indent="0" algn="l" defTabSz="1422400">
+          <a:pPr marL="0" lvl="0" indent="0" algn="ctr" defTabSz="844550">
             <a:lnSpc>
               <a:spcPct val="90000"/>
             </a:lnSpc>
@@ -5055,14 +5145,124 @@
             <a:buNone/>
           </a:pPr>
           <a:r>
-            <a:rPr lang="en-US" sz="3200" kern="1200" dirty="0"/>
+            <a:rPr lang="en-US" sz="1900" kern="1200" dirty="0"/>
             <a:t>Papercut</a:t>
           </a:r>
         </a:p>
       </dsp:txBody>
       <dsp:txXfrm>
-        <a:off x="0" y="3492639"/>
-        <a:ext cx="10927829" cy="698118"/>
+        <a:off x="3481370" y="3491707"/>
+        <a:ext cx="1888098" cy="700484"/>
+      </dsp:txXfrm>
+    </dsp:sp>
+    <dsp:sp modelId="{3811495F-C3B9-48CE-B0D3-454DC09E2E5A}">
+      <dsp:nvSpPr>
+        <dsp:cNvPr id="0" name=""/>
+        <dsp:cNvSpPr/>
+      </dsp:nvSpPr>
+      <dsp:spPr>
+        <a:xfrm>
+          <a:off x="5558359" y="2190807"/>
+          <a:ext cx="1888098" cy="1300900"/>
+        </a:xfrm>
+        <a:prstGeom prst="roundRect">
+          <a:avLst/>
+        </a:prstGeom>
+        <a:solidFill>
+          <a:schemeClr val="accent1">
+            <a:hueOff val="0"/>
+            <a:satOff val="0"/>
+            <a:lumOff val="0"/>
+            <a:alphaOff val="0"/>
+          </a:schemeClr>
+        </a:solidFill>
+        <a:ln w="19050" cap="flat" cmpd="sng" algn="ctr">
+          <a:solidFill>
+            <a:schemeClr val="lt1">
+              <a:hueOff val="0"/>
+              <a:satOff val="0"/>
+              <a:lumOff val="0"/>
+              <a:alphaOff val="0"/>
+            </a:schemeClr>
+          </a:solidFill>
+          <a:prstDash val="solid"/>
+          <a:miter lim="800000"/>
+        </a:ln>
+        <a:effectLst/>
+      </dsp:spPr>
+      <dsp:style>
+        <a:lnRef idx="2">
+          <a:scrgbClr r="0" g="0" b="0"/>
+        </a:lnRef>
+        <a:fillRef idx="1">
+          <a:scrgbClr r="0" g="0" b="0"/>
+        </a:fillRef>
+        <a:effectRef idx="0">
+          <a:scrgbClr r="0" g="0" b="0"/>
+        </a:effectRef>
+        <a:fontRef idx="minor">
+          <a:schemeClr val="lt1"/>
+        </a:fontRef>
+      </dsp:style>
+    </dsp:sp>
+    <dsp:sp modelId="{5ABCD49F-0E88-4BF6-874D-CD8C3972B01A}">
+      <dsp:nvSpPr>
+        <dsp:cNvPr id="0" name=""/>
+        <dsp:cNvSpPr/>
+      </dsp:nvSpPr>
+      <dsp:spPr>
+        <a:xfrm>
+          <a:off x="5558359" y="3491707"/>
+          <a:ext cx="1888098" cy="700484"/>
+        </a:xfrm>
+        <a:prstGeom prst="rect">
+          <a:avLst/>
+        </a:prstGeom>
+        <a:noFill/>
+        <a:ln>
+          <a:noFill/>
+        </a:ln>
+        <a:effectLst/>
+      </dsp:spPr>
+      <dsp:style>
+        <a:lnRef idx="0">
+          <a:scrgbClr r="0" g="0" b="0"/>
+        </a:lnRef>
+        <a:fillRef idx="0">
+          <a:scrgbClr r="0" g="0" b="0"/>
+        </a:fillRef>
+        <a:effectRef idx="0">
+          <a:scrgbClr r="0" g="0" b="0"/>
+        </a:effectRef>
+        <a:fontRef idx="minor"/>
+      </dsp:style>
+      <dsp:txBody>
+        <a:bodyPr spcFirstLastPara="0" vert="horz" wrap="square" lIns="135128" tIns="135128" rIns="135128" bIns="0" numCol="1" spcCol="1270" anchor="t" anchorCtr="0">
+          <a:noAutofit/>
+        </a:bodyPr>
+        <a:lstStyle/>
+        <a:p>
+          <a:pPr marL="0" lvl="0" indent="0" algn="ctr" defTabSz="844550">
+            <a:lnSpc>
+              <a:spcPct val="90000"/>
+            </a:lnSpc>
+            <a:spcBef>
+              <a:spcPct val="0"/>
+            </a:spcBef>
+            <a:spcAft>
+              <a:spcPct val="35000"/>
+            </a:spcAft>
+            <a:buNone/>
+          </a:pPr>
+          <a:r>
+            <a:rPr lang="en-US" sz="1900" kern="1200" dirty="0"/>
+            <a:t>JetBrains Rider</a:t>
+          </a:r>
+        </a:p>
+      </dsp:txBody>
+      <dsp:txXfrm>
+        <a:off x="5558359" y="3491707"/>
+        <a:ext cx="1888098" cy="700484"/>
       </dsp:txXfrm>
     </dsp:sp>
   </dsp:spTree>
@@ -5970,12 +6170,13 @@
 </file>
 
 <file path=ppt/diagrams/layout2.xml><?xml version="1.0" encoding="utf-8"?>
-<dgm:layoutDef xmlns:dgm="http://schemas.openxmlformats.org/drawingml/2006/diagram" xmlns:a="http://schemas.openxmlformats.org/drawingml/2006/main" uniqueId="urn:microsoft.com/office/officeart/2008/layout/LinedList">
+<dgm:layoutDef xmlns:dgm="http://schemas.openxmlformats.org/drawingml/2006/diagram" xmlns:a="http://schemas.openxmlformats.org/drawingml/2006/main" uniqueId="urn:microsoft.com/office/officeart/2005/8/layout/pList1">
   <dgm:title val=""/>
   <dgm:desc val=""/>
   <dgm:catLst>
-    <dgm:cat type="hierarchy" pri="8000"/>
-    <dgm:cat type="list" pri="2500"/>
+    <dgm:cat type="list" pri="2000"/>
+    <dgm:cat type="picture" pri="2500"/>
+    <dgm:cat type="pictureconvert" pri="2500"/>
   </dgm:catLst>
   <dgm:sampData>
     <dgm:dataModel>
@@ -5984,21 +6185,21 @@
         <dgm:pt modelId="1">
           <dgm:prSet phldr="1"/>
         </dgm:pt>
-        <dgm:pt modelId="11">
+        <dgm:pt modelId="2">
           <dgm:prSet phldr="1"/>
         </dgm:pt>
-        <dgm:pt modelId="12">
+        <dgm:pt modelId="3">
           <dgm:prSet phldr="1"/>
         </dgm:pt>
-        <dgm:pt modelId="13">
+        <dgm:pt modelId="4">
           <dgm:prSet phldr="1"/>
         </dgm:pt>
       </dgm:ptLst>
       <dgm:cxnLst>
-        <dgm:cxn modelId="2" srcId="0" destId="1" srcOrd="0" destOrd="0"/>
-        <dgm:cxn modelId="3" srcId="1" destId="11" srcOrd="0" destOrd="0"/>
-        <dgm:cxn modelId="4" srcId="1" destId="12" srcOrd="1" destOrd="0"/>
-        <dgm:cxn modelId="5" srcId="1" destId="13" srcOrd="2" destOrd="0"/>
+        <dgm:cxn modelId="7" srcId="0" destId="1" srcOrd="0" destOrd="0"/>
+        <dgm:cxn modelId="8" srcId="0" destId="2" srcOrd="1" destOrd="0"/>
+        <dgm:cxn modelId="9" srcId="0" destId="3" srcOrd="2" destOrd="0"/>
+        <dgm:cxn modelId="10" srcId="0" destId="4" srcOrd="3" destOrd="0"/>
       </dgm:cxnLst>
       <dgm:bg/>
       <dgm:whole/>
@@ -6008,65 +6209,48 @@
     <dgm:dataModel>
       <dgm:ptLst>
         <dgm:pt modelId="0" type="doc"/>
-        <dgm:pt modelId="1">
-          <dgm:prSet phldr="1"/>
-        </dgm:pt>
-        <dgm:pt modelId="11">
-          <dgm:prSet phldr="1"/>
-        </dgm:pt>
-        <dgm:pt modelId="12">
-          <dgm:prSet phldr="1"/>
-        </dgm:pt>
+        <dgm:pt modelId="1"/>
+        <dgm:pt modelId="2"/>
       </dgm:ptLst>
       <dgm:cxnLst>
-        <dgm:cxn modelId="2" srcId="0" destId="1" srcOrd="0" destOrd="0"/>
-        <dgm:cxn modelId="3" srcId="1" destId="11" srcOrd="0" destOrd="0"/>
-        <dgm:cxn modelId="4" srcId="1" destId="12" srcOrd="1" destOrd="0"/>
+        <dgm:cxn modelId="3" srcId="0" destId="1" srcOrd="0" destOrd="0"/>
+        <dgm:cxn modelId="4" srcId="0" destId="2" srcOrd="1" destOrd="0"/>
       </dgm:cxnLst>
       <dgm:bg/>
       <dgm:whole/>
     </dgm:dataModel>
   </dgm:styleData>
-  <dgm:clrData>
+  <dgm:clrData useDef="1">
     <dgm:dataModel>
-      <dgm:ptLst>
-        <dgm:pt modelId="0" type="doc"/>
-        <dgm:pt modelId="1">
-          <dgm:prSet phldr="1"/>
-        </dgm:pt>
-        <dgm:pt modelId="11">
-          <dgm:prSet phldr="1"/>
-        </dgm:pt>
-        <dgm:pt modelId="12">
-          <dgm:prSet phldr="1"/>
-        </dgm:pt>
-      </dgm:ptLst>
-      <dgm:cxnLst>
-        <dgm:cxn modelId="2" srcId="0" destId="1" srcOrd="0" destOrd="0"/>
-        <dgm:cxn modelId="3" srcId="1" destId="11" srcOrd="0" destOrd="0"/>
-        <dgm:cxn modelId="4" srcId="1" destId="12" srcOrd="1" destOrd="0"/>
-      </dgm:cxnLst>
+      <dgm:ptLst/>
       <dgm:bg/>
       <dgm:whole/>
     </dgm:dataModel>
   </dgm:clrData>
-  <dgm:layoutNode name="vert0">
+  <dgm:layoutNode name="Name0">
     <dgm:varLst>
       <dgm:dir/>
-      <dgm:animOne val="branch"/>
-      <dgm:animLvl val="lvl"/>
+      <dgm:resizeHandles val="exact"/>
     </dgm:varLst>
-    <dgm:choose name="Name0">
-      <dgm:if name="Name1" func="var" arg="dir" op="equ" val="norm">
-        <dgm:alg type="lin">
-          <dgm:param type="linDir" val="fromT"/>
-          <dgm:param type="nodeHorzAlign" val="l"/>
+    <dgm:choose name="Name1">
+      <dgm:if name="Name2" axis="self" func="var" arg="dir" op="equ" val="norm">
+        <dgm:alg type="snake">
+          <dgm:param type="grDir" val="tL"/>
+          <dgm:param type="flowDir" val="row"/>
+          <dgm:param type="contDir" val="sameDir"/>
+          <dgm:param type="off" val="ctr"/>
+          <dgm:param type="vertAlign" val="mid"/>
+          <dgm:param type="horzAlign" val="ctr"/>
         </dgm:alg>
       </dgm:if>
-      <dgm:else name="Name2">
-        <dgm:alg type="lin">
-          <dgm:param type="linDir" val="fromT"/>
-          <dgm:param type="nodeHorzAlign" val="r"/>
+      <dgm:else name="Name3">
+        <dgm:alg type="snake">
+          <dgm:param type="grDir" val="tR"/>
+          <dgm:param type="flowDir" val="row"/>
+          <dgm:param type="contDir" val="sameDir"/>
+          <dgm:param type="off" val="ctr"/>
+          <dgm:param type="vertAlign" val="mid"/>
+          <dgm:param type="horzAlign" val="ctr"/>
         </dgm:alg>
       </dgm:else>
     </dgm:choose>
@@ -6075,361 +6259,72 @@
     </dgm:shape>
     <dgm:presOf/>
     <dgm:constrLst>
-      <dgm:constr type="w" for="ch" forName="horz1" refType="w"/>
-      <dgm:constr type="h" for="ch" forName="horz1" refType="h"/>
-      <dgm:constr type="h" for="des" forName="vert1" refType="h"/>
-      <dgm:constr type="h" for="des" forName="tx1" refType="h"/>
-      <dgm:constr type="h" for="des" forName="horz2" refType="h"/>
-      <dgm:constr type="h" for="des" forName="vert2" refType="h"/>
-      <dgm:constr type="h" for="des" forName="horz3" refType="h"/>
-      <dgm:constr type="h" for="des" forName="vert3" refType="h"/>
-      <dgm:constr type="h" for="des" forName="horz4" refType="h"/>
-      <dgm:constr type="h" for="des" ptType="node" refType="h"/>
-      <dgm:constr type="primFontSz" for="des" forName="tx1" op="equ" val="65"/>
-      <dgm:constr type="primFontSz" for="des" forName="tx2" op="equ" val="65"/>
-      <dgm:constr type="primFontSz" for="des" forName="tx3" op="equ" val="65"/>
-      <dgm:constr type="primFontSz" for="des" forName="tx4" op="equ" val="65"/>
-      <dgm:constr type="w" for="des" forName="thickLine" refType="w"/>
-      <dgm:constr type="h" for="des" forName="thickLine"/>
-      <dgm:constr type="h" for="des" forName="thinLine1"/>
-      <dgm:constr type="h" for="des" forName="thinLine2b"/>
-      <dgm:constr type="h" for="des" forName="thinLine3"/>
-      <dgm:constr type="h" for="des" forName="vertSpace2a" refType="h" fact="0.05"/>
-      <dgm:constr type="h" for="des" forName="vertSpace2b" refType="h" refFor="des" refForName="vertSpace2a"/>
+      <dgm:constr type="w" for="ch" forName="compNode" refType="w"/>
+      <dgm:constr type="w" for="ch" ptType="sibTrans" refType="w" refFor="ch" refForName="compNode" op="equ" fact="0.1"/>
+      <dgm:constr type="sp" refType="w" refFor="ch" refForName="compNode" op="equ" fact="0.1"/>
+      <dgm:constr type="primFontSz" for="des" ptType="node" op="equ" val="65"/>
     </dgm:constrLst>
-    <dgm:forEach name="Name3" axis="ch" ptType="node">
-      <dgm:layoutNode name="thickLine" styleLbl="alignNode1">
-        <dgm:alg type="sp"/>
-        <dgm:shape xmlns:r="http://schemas.openxmlformats.org/officeDocument/2006/relationships" type="line" r:blip="">
-          <dgm:adjLst/>
-        </dgm:shape>
-        <dgm:presOf/>
-      </dgm:layoutNode>
-      <dgm:layoutNode name="horz1">
-        <dgm:choose name="Name4">
-          <dgm:if name="Name5" func="var" arg="dir" op="equ" val="norm">
-            <dgm:alg type="lin">
-              <dgm:param type="linDir" val="fromL"/>
-              <dgm:param type="nodeVertAlign" val="t"/>
-            </dgm:alg>
-          </dgm:if>
-          <dgm:else name="Name6">
-            <dgm:alg type="lin">
-              <dgm:param type="linDir" val="fromR"/>
-              <dgm:param type="nodeVertAlign" val="t"/>
-            </dgm:alg>
-          </dgm:else>
-        </dgm:choose>
+    <dgm:ruleLst/>
+    <dgm:forEach name="Name4" axis="ch" ptType="node">
+      <dgm:layoutNode name="compNode">
+        <dgm:alg type="composite">
+          <dgm:param type="ar" val="0.943"/>
+        </dgm:alg>
         <dgm:shape xmlns:r="http://schemas.openxmlformats.org/officeDocument/2006/relationships" r:blip="">
           <dgm:adjLst/>
         </dgm:shape>
-        <dgm:presOf/>
-        <dgm:choose name="Name7">
-          <dgm:if name="Name8" axis="root des" func="maxDepth" op="equ" val="1">
-            <dgm:constrLst>
-              <dgm:constr type="w" for="ch" forName="tx1" refType="w"/>
-            </dgm:constrLst>
-          </dgm:if>
-          <dgm:if name="Name9" axis="root des" func="maxDepth" op="equ" val="2">
-            <dgm:constrLst>
-              <dgm:constr type="w" for="ch" forName="tx1" refType="w" fact="0.2"/>
-              <dgm:constr type="w" for="des" forName="tx2" refType="w" fact="0.785"/>
-              <dgm:constr type="w" for="des" forName="horzSpace2" refType="w" fact="0.015"/>
-              <dgm:constr type="w" for="des" forName="thinLine2b" refType="w" fact="0.8"/>
-            </dgm:constrLst>
-          </dgm:if>
-          <dgm:if name="Name10" axis="root des" func="maxDepth" op="equ" val="3">
-            <dgm:constrLst>
-              <dgm:constr type="w" for="ch" forName="tx1" refType="w" fact="0.2"/>
-              <dgm:constr type="w" for="des" forName="tx2" refType="w" fact="0.385"/>
-              <dgm:constr type="w" for="des" forName="tx3" refType="w" fact="0.385"/>
-              <dgm:constr type="w" for="des" forName="horzSpace2" refType="w" fact="0.015"/>
-              <dgm:constr type="w" for="des" forName="horzSpace3" refType="w" fact="0.015"/>
-              <dgm:constr type="w" for="des" forName="thinLine2b" refType="w" fact="0.8"/>
-              <dgm:constr type="w" for="des" forName="thinLine3" refType="w" fact="0.385"/>
-            </dgm:constrLst>
-          </dgm:if>
-          <dgm:if name="Name11" axis="root des" func="maxDepth" op="gte" val="4">
-            <dgm:constrLst>
-              <dgm:constr type="w" for="ch" forName="tx1" refType="w" fact="0.2"/>
-              <dgm:constr type="w" for="des" forName="tx2" refType="w" fact="0.2516"/>
-              <dgm:constr type="w" for="des" forName="tx3" refType="w" fact="0.2516"/>
-              <dgm:constr type="w" for="des" forName="tx4" refType="w" fact="0.2516"/>
-              <dgm:constr type="w" for="des" forName="horzSpace2" refType="w" fact="0.015"/>
-              <dgm:constr type="w" for="des" forName="horzSpace3" refType="w" fact="0.015"/>
-              <dgm:constr type="w" for="des" forName="horzSpace4" refType="w" fact="0.015"/>
-              <dgm:constr type="w" for="des" forName="thinLine2b" refType="w" fact="0.8"/>
-              <dgm:constr type="w" for="des" forName="thinLine3" refType="w" fact="0.5332"/>
-            </dgm:constrLst>
-          </dgm:if>
-          <dgm:else name="Name12"/>
-        </dgm:choose>
-        <dgm:layoutNode name="tx1" styleLbl="revTx">
+        <dgm:presOf axis="self"/>
+        <dgm:constrLst>
+          <dgm:constr type="h" refType="w" fact="1.06"/>
+          <dgm:constr type="h" for="ch" forName="pictRect" refType="h" fact="0.65"/>
+          <dgm:constr type="w" for="ch" forName="pictRect" refType="w"/>
+          <dgm:constr type="l" for="ch" forName="pictRect"/>
+          <dgm:constr type="t" for="ch" forName="pictRect"/>
+          <dgm:constr type="w" for="ch" forName="textRect" refType="w"/>
+          <dgm:constr type="h" for="ch" forName="textRect" refType="h" fact="0.35"/>
+          <dgm:constr type="l" for="ch" forName="textRect"/>
+          <dgm:constr type="t" for="ch" forName="textRect" refType="b" refFor="ch" refForName="pictRect"/>
+        </dgm:constrLst>
+        <dgm:ruleLst/>
+        <dgm:layoutNode name="pictRect">
+          <dgm:alg type="sp"/>
+          <dgm:shape xmlns:r="http://schemas.openxmlformats.org/officeDocument/2006/relationships" type="roundRect" r:blip="" blipPhldr="1">
+            <dgm:adjLst/>
+          </dgm:shape>
+          <dgm:presOf/>
+          <dgm:constrLst/>
+          <dgm:ruleLst/>
+        </dgm:layoutNode>
+        <dgm:layoutNode name="textRect" styleLbl="revTx">
+          <dgm:varLst>
+            <dgm:bulletEnabled val="1"/>
+          </dgm:varLst>
           <dgm:alg type="tx">
-            <dgm:param type="parTxLTRAlign" val="l"/>
-            <dgm:param type="parTxRTLAlign" val="r"/>
             <dgm:param type="txAnchorVert" val="t"/>
           </dgm:alg>
           <dgm:shape xmlns:r="http://schemas.openxmlformats.org/officeDocument/2006/relationships" type="rect" r:blip="">
             <dgm:adjLst/>
           </dgm:shape>
-          <dgm:presOf axis="self"/>
+          <dgm:presOf axis="desOrSelf" ptType="node"/>
           <dgm:constrLst>
-            <dgm:constr type="tMarg" refType="primFontSz" fact="0.3"/>
-            <dgm:constr type="bMarg" refType="primFontSz" fact="0.3"/>
-            <dgm:constr type="lMarg" refType="primFontSz" fact="0.3"/>
-            <dgm:constr type="rMarg" refType="primFontSz" fact="0.3"/>
+            <dgm:constr type="bMarg"/>
           </dgm:constrLst>
           <dgm:ruleLst>
             <dgm:rule type="primFontSz" val="5" fact="NaN" max="NaN"/>
           </dgm:ruleLst>
         </dgm:layoutNode>
-        <dgm:layoutNode name="vert1">
-          <dgm:choose name="Name13">
-            <dgm:if name="Name14" func="var" arg="dir" op="equ" val="norm">
-              <dgm:alg type="lin">
-                <dgm:param type="linDir" val="fromT"/>
-                <dgm:param type="nodeHorzAlign" val="l"/>
-              </dgm:alg>
-            </dgm:if>
-            <dgm:else name="Name15">
-              <dgm:alg type="lin">
-                <dgm:param type="linDir" val="fromT"/>
-                <dgm:param type="nodeHorzAlign" val="r"/>
-              </dgm:alg>
-            </dgm:else>
-          </dgm:choose>
-          <dgm:shape xmlns:r="http://schemas.openxmlformats.org/officeDocument/2006/relationships" r:blip="">
+      </dgm:layoutNode>
+      <dgm:forEach name="Name5" axis="followSib" ptType="sibTrans" cnt="1">
+        <dgm:layoutNode name="sibTrans">
+          <dgm:alg type="sp"/>
+          <dgm:shape xmlns:r="http://schemas.openxmlformats.org/officeDocument/2006/relationships" type="rect" r:blip="" hideGeom="1">
             <dgm:adjLst/>
           </dgm:shape>
-          <dgm:presOf/>
-          <dgm:forEach name="Name16" axis="ch" ptType="node">
-            <dgm:choose name="Name17">
-              <dgm:if name="Name18" axis="self" ptType="node" func="pos" op="equ" val="1">
-                <dgm:layoutNode name="vertSpace2a">
-                  <dgm:alg type="sp"/>
-                  <dgm:shape xmlns:r="http://schemas.openxmlformats.org/officeDocument/2006/relationships" r:blip="">
-                    <dgm:adjLst/>
-                  </dgm:shape>
-                  <dgm:presOf/>
-                </dgm:layoutNode>
-              </dgm:if>
-              <dgm:else name="Name19"/>
-            </dgm:choose>
-            <dgm:layoutNode name="horz2">
-              <dgm:choose name="Name20">
-                <dgm:if name="Name21" func="var" arg="dir" op="equ" val="norm">
-                  <dgm:alg type="lin">
-                    <dgm:param type="linDir" val="fromL"/>
-                    <dgm:param type="nodeVertAlign" val="t"/>
-                  </dgm:alg>
-                </dgm:if>
-                <dgm:else name="Name22">
-                  <dgm:alg type="lin">
-                    <dgm:param type="linDir" val="fromR"/>
-                    <dgm:param type="nodeVertAlign" val="t"/>
-                  </dgm:alg>
-                </dgm:else>
-              </dgm:choose>
-              <dgm:shape xmlns:r="http://schemas.openxmlformats.org/officeDocument/2006/relationships" r:blip="">
-                <dgm:adjLst/>
-              </dgm:shape>
-              <dgm:presOf/>
-              <dgm:layoutNode name="horzSpace2">
-                <dgm:alg type="sp"/>
-                <dgm:shape xmlns:r="http://schemas.openxmlformats.org/officeDocument/2006/relationships" r:blip="">
-                  <dgm:adjLst/>
-                </dgm:shape>
-                <dgm:presOf/>
-              </dgm:layoutNode>
-              <dgm:layoutNode name="tx2" styleLbl="revTx">
-                <dgm:alg type="tx">
-                  <dgm:param type="parTxLTRAlign" val="l"/>
-                  <dgm:param type="parTxRTLAlign" val="r"/>
-                  <dgm:param type="txAnchorVert" val="t"/>
-                </dgm:alg>
-                <dgm:shape xmlns:r="http://schemas.openxmlformats.org/officeDocument/2006/relationships" type="rect" r:blip="">
-                  <dgm:adjLst/>
-                </dgm:shape>
-                <dgm:presOf axis="self"/>
-                <dgm:constrLst>
-                  <dgm:constr type="tMarg" refType="primFontSz" fact="0.3"/>
-                  <dgm:constr type="bMarg" refType="primFontSz" fact="0.3"/>
-                  <dgm:constr type="lMarg" refType="primFontSz" fact="0.3"/>
-                  <dgm:constr type="rMarg" refType="primFontSz" fact="0.3"/>
-                </dgm:constrLst>
-                <dgm:ruleLst>
-                  <dgm:rule type="primFontSz" val="5" fact="NaN" max="NaN"/>
-                </dgm:ruleLst>
-              </dgm:layoutNode>
-              <dgm:layoutNode name="vert2">
-                <dgm:choose name="Name23">
-                  <dgm:if name="Name24" func="var" arg="dir" op="equ" val="norm">
-                    <dgm:alg type="lin">
-                      <dgm:param type="linDir" val="fromT"/>
-                      <dgm:param type="nodeHorzAlign" val="l"/>
-                    </dgm:alg>
-                  </dgm:if>
-                  <dgm:else name="Name25">
-                    <dgm:alg type="lin">
-                      <dgm:param type="linDir" val="fromT"/>
-                      <dgm:param type="nodeHorzAlign" val="r"/>
-                    </dgm:alg>
-                  </dgm:else>
-                </dgm:choose>
-                <dgm:shape xmlns:r="http://schemas.openxmlformats.org/officeDocument/2006/relationships" r:blip="">
-                  <dgm:adjLst/>
-                </dgm:shape>
-                <dgm:presOf/>
-                <dgm:forEach name="Name26" axis="ch" ptType="node">
-                  <dgm:layoutNode name="horz3">
-                    <dgm:choose name="Name27">
-                      <dgm:if name="Name28" func="var" arg="dir" op="equ" val="norm">
-                        <dgm:alg type="lin">
-                          <dgm:param type="linDir" val="fromL"/>
-                          <dgm:param type="nodeVertAlign" val="t"/>
-                        </dgm:alg>
-                      </dgm:if>
-                      <dgm:else name="Name29">
-                        <dgm:alg type="lin">
-                          <dgm:param type="linDir" val="fromR"/>
-                          <dgm:param type="nodeVertAlign" val="t"/>
-                        </dgm:alg>
-                      </dgm:else>
-                    </dgm:choose>
-                    <dgm:shape xmlns:r="http://schemas.openxmlformats.org/officeDocument/2006/relationships" r:blip="">
-                      <dgm:adjLst/>
-                    </dgm:shape>
-                    <dgm:presOf/>
-                    <dgm:layoutNode name="horzSpace3">
-                      <dgm:alg type="sp"/>
-                      <dgm:shape xmlns:r="http://schemas.openxmlformats.org/officeDocument/2006/relationships" r:blip="">
-                        <dgm:adjLst/>
-                      </dgm:shape>
-                      <dgm:presOf/>
-                    </dgm:layoutNode>
-                    <dgm:layoutNode name="tx3" styleLbl="revTx">
-                      <dgm:alg type="tx">
-                        <dgm:param type="parTxLTRAlign" val="l"/>
-                        <dgm:param type="parTxRTLAlign" val="r"/>
-                        <dgm:param type="txAnchorVert" val="t"/>
-                      </dgm:alg>
-                      <dgm:shape xmlns:r="http://schemas.openxmlformats.org/officeDocument/2006/relationships" type="rect" r:blip="">
-                        <dgm:adjLst/>
-                      </dgm:shape>
-                      <dgm:presOf axis="self"/>
-                      <dgm:constrLst>
-                        <dgm:constr type="tMarg" refType="primFontSz" fact="0.3"/>
-                        <dgm:constr type="bMarg" refType="primFontSz" fact="0.3"/>
-                        <dgm:constr type="lMarg" refType="primFontSz" fact="0.3"/>
-                        <dgm:constr type="rMarg" refType="primFontSz" fact="0.3"/>
-                      </dgm:constrLst>
-                      <dgm:ruleLst>
-                        <dgm:rule type="primFontSz" val="5" fact="NaN" max="NaN"/>
-                      </dgm:ruleLst>
-                    </dgm:layoutNode>
-                    <dgm:layoutNode name="vert3">
-                      <dgm:choose name="Name30">
-                        <dgm:if name="Name31" func="var" arg="dir" op="equ" val="norm">
-                          <dgm:alg type="lin">
-                            <dgm:param type="linDir" val="fromT"/>
-                            <dgm:param type="nodeHorzAlign" val="l"/>
-                          </dgm:alg>
-                        </dgm:if>
-                        <dgm:else name="Name32">
-                          <dgm:alg type="lin">
-                            <dgm:param type="linDir" val="fromT"/>
-                            <dgm:param type="nodeHorzAlign" val="r"/>
-                          </dgm:alg>
-                        </dgm:else>
-                      </dgm:choose>
-                      <dgm:shape xmlns:r="http://schemas.openxmlformats.org/officeDocument/2006/relationships" r:blip="">
-                        <dgm:adjLst/>
-                      </dgm:shape>
-                      <dgm:presOf/>
-                      <dgm:forEach name="Name33" axis="ch" ptType="node">
-                        <dgm:layoutNode name="horz4">
-                          <dgm:choose name="Name34">
-                            <dgm:if name="Name35" func="var" arg="dir" op="equ" val="norm">
-                              <dgm:alg type="lin">
-                                <dgm:param type="linDir" val="fromL"/>
-                                <dgm:param type="nodeVertAlign" val="t"/>
-                              </dgm:alg>
-                            </dgm:if>
-                            <dgm:else name="Name36">
-                              <dgm:alg type="lin">
-                                <dgm:param type="linDir" val="fromR"/>
-                                <dgm:param type="nodeVertAlign" val="t"/>
-                              </dgm:alg>
-                            </dgm:else>
-                          </dgm:choose>
-                          <dgm:shape xmlns:r="http://schemas.openxmlformats.org/officeDocument/2006/relationships" r:blip="">
-                            <dgm:adjLst/>
-                          </dgm:shape>
-                          <dgm:presOf/>
-                          <dgm:layoutNode name="horzSpace4">
-                            <dgm:alg type="sp"/>
-                            <dgm:shape xmlns:r="http://schemas.openxmlformats.org/officeDocument/2006/relationships" r:blip="">
-                              <dgm:adjLst/>
-                            </dgm:shape>
-                            <dgm:presOf/>
-                          </dgm:layoutNode>
-                          <dgm:layoutNode name="tx4" styleLbl="revTx">
-                            <dgm:varLst>
-                              <dgm:bulletEnabled val="1"/>
-                            </dgm:varLst>
-                            <dgm:alg type="tx">
-                              <dgm:param type="parTxLTRAlign" val="l"/>
-                              <dgm:param type="parTxRTLAlign" val="r"/>
-                              <dgm:param type="txAnchorVert" val="t"/>
-                            </dgm:alg>
-                            <dgm:shape xmlns:r="http://schemas.openxmlformats.org/officeDocument/2006/relationships" type="rect" r:blip="">
-                              <dgm:adjLst/>
-                            </dgm:shape>
-                            <dgm:presOf axis="desOrSelf" ptType="node"/>
-                            <dgm:constrLst>
-                              <dgm:constr type="tMarg" refType="primFontSz" fact="0.3"/>
-                              <dgm:constr type="bMarg" refType="primFontSz" fact="0.3"/>
-                              <dgm:constr type="lMarg" refType="primFontSz" fact="0.3"/>
-                              <dgm:constr type="rMarg" refType="primFontSz" fact="0.3"/>
-                            </dgm:constrLst>
-                            <dgm:ruleLst>
-                              <dgm:rule type="primFontSz" val="5" fact="NaN" max="NaN"/>
-                            </dgm:ruleLst>
-                          </dgm:layoutNode>
-                        </dgm:layoutNode>
-                      </dgm:forEach>
-                    </dgm:layoutNode>
-                  </dgm:layoutNode>
-                  <dgm:forEach name="Name37" axis="followSib" ptType="sibTrans" cnt="1">
-                    <dgm:layoutNode name="thinLine3" styleLbl="callout">
-                      <dgm:alg type="sp"/>
-                      <dgm:shape xmlns:r="http://schemas.openxmlformats.org/officeDocument/2006/relationships" type="line" r:blip="">
-                        <dgm:adjLst/>
-                      </dgm:shape>
-                      <dgm:presOf/>
-                    </dgm:layoutNode>
-                  </dgm:forEach>
-                </dgm:forEach>
-              </dgm:layoutNode>
-            </dgm:layoutNode>
-            <dgm:layoutNode name="thinLine2b" styleLbl="callout">
-              <dgm:alg type="sp"/>
-              <dgm:shape xmlns:r="http://schemas.openxmlformats.org/officeDocument/2006/relationships" type="line" r:blip="">
-                <dgm:adjLst/>
-              </dgm:shape>
-              <dgm:presOf/>
-            </dgm:layoutNode>
-            <dgm:layoutNode name="vertSpace2b">
-              <dgm:alg type="sp"/>
-              <dgm:shape xmlns:r="http://schemas.openxmlformats.org/officeDocument/2006/relationships" r:blip="">
-                <dgm:adjLst/>
-              </dgm:shape>
-              <dgm:presOf/>
-            </dgm:layoutNode>
-          </dgm:forEach>
+          <dgm:presOf axis="self"/>
+          <dgm:constrLst/>
+          <dgm:ruleLst/>
         </dgm:layoutNode>
-      </dgm:layoutNode>
+      </dgm:forEach>
     </dgm:forEach>
   </dgm:layoutNode>
 </dgm:layoutDef>
@@ -10100,6 +9995,440 @@
 </dgm:styleDef>
 </file>
 
+<file path=ppt/notesMasters/notesMaster1.xml><?xml version="1.0" encoding="utf-8"?>
+<p:notesMaster xmlns:a="http://schemas.openxmlformats.org/drawingml/2006/main" xmlns:r="http://schemas.openxmlformats.org/officeDocument/2006/relationships" xmlns:p="http://schemas.openxmlformats.org/presentationml/2006/main">
+  <p:cSld>
+    <p:bg>
+      <p:bgRef idx="1001">
+        <a:schemeClr val="bg1"/>
+      </p:bgRef>
+    </p:bg>
+    <p:spTree>
+      <p:nvGrpSpPr>
+        <p:cNvPr id="1" name=""/>
+        <p:cNvGrpSpPr/>
+        <p:nvPr/>
+      </p:nvGrpSpPr>
+      <p:grpSpPr>
+        <a:xfrm>
+          <a:off x="0" y="0"/>
+          <a:ext cx="0" cy="0"/>
+          <a:chOff x="0" y="0"/>
+          <a:chExt cx="0" cy="0"/>
+        </a:xfrm>
+      </p:grpSpPr>
+      <p:sp>
+        <p:nvSpPr>
+          <p:cNvPr id="2" name="Header Placeholder 1"/>
+          <p:cNvSpPr>
+            <a:spLocks noGrp="1"/>
+          </p:cNvSpPr>
+          <p:nvPr>
+            <p:ph type="hdr" sz="quarter"/>
+          </p:nvPr>
+        </p:nvSpPr>
+        <p:spPr>
+          <a:xfrm>
+            <a:off x="0" y="0"/>
+            <a:ext cx="2971800" cy="458788"/>
+          </a:xfrm>
+          <a:prstGeom prst="rect">
+            <a:avLst/>
+          </a:prstGeom>
+        </p:spPr>
+        <p:txBody>
+          <a:bodyPr vert="horz" lIns="91440" tIns="45720" rIns="91440" bIns="45720" rtlCol="0"/>
+          <a:lstStyle>
+            <a:lvl1pPr algn="l">
+              <a:defRPr sz="1200"/>
+            </a:lvl1pPr>
+          </a:lstStyle>
+          <a:p>
+            <a:endParaRPr lang="bg-BG"/>
+          </a:p>
+        </p:txBody>
+      </p:sp>
+      <p:sp>
+        <p:nvSpPr>
+          <p:cNvPr id="3" name="Date Placeholder 2"/>
+          <p:cNvSpPr>
+            <a:spLocks noGrp="1"/>
+          </p:cNvSpPr>
+          <p:nvPr>
+            <p:ph type="dt" idx="1"/>
+          </p:nvPr>
+        </p:nvSpPr>
+        <p:spPr>
+          <a:xfrm>
+            <a:off x="3884613" y="0"/>
+            <a:ext cx="2971800" cy="458788"/>
+          </a:xfrm>
+          <a:prstGeom prst="rect">
+            <a:avLst/>
+          </a:prstGeom>
+        </p:spPr>
+        <p:txBody>
+          <a:bodyPr vert="horz" lIns="91440" tIns="45720" rIns="91440" bIns="45720" rtlCol="0"/>
+          <a:lstStyle>
+            <a:lvl1pPr algn="r">
+              <a:defRPr sz="1200"/>
+            </a:lvl1pPr>
+          </a:lstStyle>
+          <a:p>
+            <a:fld id="{6D6D1040-B092-4D52-B8C3-943E0B4A8CD5}" type="datetimeFigureOut">
+              <a:rPr lang="bg-BG" smtClean="0"/>
+              <a:t>23.6.2025 г.</a:t>
+            </a:fld>
+            <a:endParaRPr lang="bg-BG"/>
+          </a:p>
+        </p:txBody>
+      </p:sp>
+      <p:sp>
+        <p:nvSpPr>
+          <p:cNvPr id="4" name="Slide Image Placeholder 3"/>
+          <p:cNvSpPr>
+            <a:spLocks noGrp="1" noRot="1" noChangeAspect="1"/>
+          </p:cNvSpPr>
+          <p:nvPr>
+            <p:ph type="sldImg" idx="2"/>
+          </p:nvPr>
+        </p:nvSpPr>
+        <p:spPr>
+          <a:xfrm>
+            <a:off x="685800" y="1143000"/>
+            <a:ext cx="5486400" cy="3086100"/>
+          </a:xfrm>
+          <a:prstGeom prst="rect">
+            <a:avLst/>
+          </a:prstGeom>
+          <a:noFill/>
+          <a:ln w="12700">
+            <a:solidFill>
+              <a:prstClr val="black"/>
+            </a:solidFill>
+          </a:ln>
+        </p:spPr>
+        <p:txBody>
+          <a:bodyPr vert="horz" lIns="91440" tIns="45720" rIns="91440" bIns="45720" rtlCol="0" anchor="ctr"/>
+          <a:lstStyle/>
+          <a:p>
+            <a:endParaRPr lang="bg-BG"/>
+          </a:p>
+        </p:txBody>
+      </p:sp>
+      <p:sp>
+        <p:nvSpPr>
+          <p:cNvPr id="5" name="Notes Placeholder 4"/>
+          <p:cNvSpPr>
+            <a:spLocks noGrp="1"/>
+          </p:cNvSpPr>
+          <p:nvPr>
+            <p:ph type="body" sz="quarter" idx="3"/>
+          </p:nvPr>
+        </p:nvSpPr>
+        <p:spPr>
+          <a:xfrm>
+            <a:off x="685800" y="4400550"/>
+            <a:ext cx="5486400" cy="3600450"/>
+          </a:xfrm>
+          <a:prstGeom prst="rect">
+            <a:avLst/>
+          </a:prstGeom>
+        </p:spPr>
+        <p:txBody>
+          <a:bodyPr vert="horz" lIns="91440" tIns="45720" rIns="91440" bIns="45720" rtlCol="0"/>
+          <a:lstStyle/>
+          <a:p>
+            <a:pPr lvl="0"/>
+            <a:r>
+              <a:rPr lang="en-US"/>
+              <a:t>Click to edit Master text styles</a:t>
+            </a:r>
+          </a:p>
+          <a:p>
+            <a:pPr lvl="1"/>
+            <a:r>
+              <a:rPr lang="en-US"/>
+              <a:t>Second level</a:t>
+            </a:r>
+          </a:p>
+          <a:p>
+            <a:pPr lvl="2"/>
+            <a:r>
+              <a:rPr lang="en-US"/>
+              <a:t>Third level</a:t>
+            </a:r>
+          </a:p>
+          <a:p>
+            <a:pPr lvl="3"/>
+            <a:r>
+              <a:rPr lang="en-US"/>
+              <a:t>Fourth level</a:t>
+            </a:r>
+          </a:p>
+          <a:p>
+            <a:pPr lvl="4"/>
+            <a:r>
+              <a:rPr lang="en-US"/>
+              <a:t>Fifth level</a:t>
+            </a:r>
+            <a:endParaRPr lang="bg-BG"/>
+          </a:p>
+        </p:txBody>
+      </p:sp>
+      <p:sp>
+        <p:nvSpPr>
+          <p:cNvPr id="6" name="Footer Placeholder 5"/>
+          <p:cNvSpPr>
+            <a:spLocks noGrp="1"/>
+          </p:cNvSpPr>
+          <p:nvPr>
+            <p:ph type="ftr" sz="quarter" idx="4"/>
+          </p:nvPr>
+        </p:nvSpPr>
+        <p:spPr>
+          <a:xfrm>
+            <a:off x="0" y="8685213"/>
+            <a:ext cx="2971800" cy="458787"/>
+          </a:xfrm>
+          <a:prstGeom prst="rect">
+            <a:avLst/>
+          </a:prstGeom>
+        </p:spPr>
+        <p:txBody>
+          <a:bodyPr vert="horz" lIns="91440" tIns="45720" rIns="91440" bIns="45720" rtlCol="0" anchor="b"/>
+          <a:lstStyle>
+            <a:lvl1pPr algn="l">
+              <a:defRPr sz="1200"/>
+            </a:lvl1pPr>
+          </a:lstStyle>
+          <a:p>
+            <a:endParaRPr lang="bg-BG"/>
+          </a:p>
+        </p:txBody>
+      </p:sp>
+      <p:sp>
+        <p:nvSpPr>
+          <p:cNvPr id="7" name="Slide Number Placeholder 6"/>
+          <p:cNvSpPr>
+            <a:spLocks noGrp="1"/>
+          </p:cNvSpPr>
+          <p:nvPr>
+            <p:ph type="sldNum" sz="quarter" idx="5"/>
+          </p:nvPr>
+        </p:nvSpPr>
+        <p:spPr>
+          <a:xfrm>
+            <a:off x="3884613" y="8685213"/>
+            <a:ext cx="2971800" cy="458787"/>
+          </a:xfrm>
+          <a:prstGeom prst="rect">
+            <a:avLst/>
+          </a:prstGeom>
+        </p:spPr>
+        <p:txBody>
+          <a:bodyPr vert="horz" lIns="91440" tIns="45720" rIns="91440" bIns="45720" rtlCol="0" anchor="b"/>
+          <a:lstStyle>
+            <a:lvl1pPr algn="r">
+              <a:defRPr sz="1200"/>
+            </a:lvl1pPr>
+          </a:lstStyle>
+          <a:p>
+            <a:fld id="{915A2E96-BBC1-4A81-AACE-256CCC557776}" type="slidenum">
+              <a:rPr lang="bg-BG" smtClean="0"/>
+              <a:t>‹#›</a:t>
+            </a:fld>
+            <a:endParaRPr lang="bg-BG"/>
+          </a:p>
+        </p:txBody>
+      </p:sp>
+    </p:spTree>
+    <p:extLst>
+      <p:ext uri="{BB962C8B-B14F-4D97-AF65-F5344CB8AC3E}">
+        <p14:creationId xmlns:p14="http://schemas.microsoft.com/office/powerpoint/2010/main" val="1339195624"/>
+      </p:ext>
+    </p:extLst>
+  </p:cSld>
+  <p:clrMap bg1="lt1" tx1="dk1" bg2="lt2" tx2="dk2" accent1="accent1" accent2="accent2" accent3="accent3" accent4="accent4" accent5="accent5" accent6="accent6" hlink="hlink" folHlink="folHlink"/>
+  <p:notesStyle>
+    <a:lvl1pPr marL="0" algn="l" defTabSz="914400" rtl="0" eaLnBrk="1" latinLnBrk="0" hangingPunct="1">
+      <a:defRPr sz="1200" kern="1200">
+        <a:solidFill>
+          <a:schemeClr val="tx1"/>
+        </a:solidFill>
+        <a:latin typeface="+mn-lt"/>
+        <a:ea typeface="+mn-ea"/>
+        <a:cs typeface="+mn-cs"/>
+      </a:defRPr>
+    </a:lvl1pPr>
+    <a:lvl2pPr marL="457200" algn="l" defTabSz="914400" rtl="0" eaLnBrk="1" latinLnBrk="0" hangingPunct="1">
+      <a:defRPr sz="1200" kern="1200">
+        <a:solidFill>
+          <a:schemeClr val="tx1"/>
+        </a:solidFill>
+        <a:latin typeface="+mn-lt"/>
+        <a:ea typeface="+mn-ea"/>
+        <a:cs typeface="+mn-cs"/>
+      </a:defRPr>
+    </a:lvl2pPr>
+    <a:lvl3pPr marL="914400" algn="l" defTabSz="914400" rtl="0" eaLnBrk="1" latinLnBrk="0" hangingPunct="1">
+      <a:defRPr sz="1200" kern="1200">
+        <a:solidFill>
+          <a:schemeClr val="tx1"/>
+        </a:solidFill>
+        <a:latin typeface="+mn-lt"/>
+        <a:ea typeface="+mn-ea"/>
+        <a:cs typeface="+mn-cs"/>
+      </a:defRPr>
+    </a:lvl3pPr>
+    <a:lvl4pPr marL="1371600" algn="l" defTabSz="914400" rtl="0" eaLnBrk="1" latinLnBrk="0" hangingPunct="1">
+      <a:defRPr sz="1200" kern="1200">
+        <a:solidFill>
+          <a:schemeClr val="tx1"/>
+        </a:solidFill>
+        <a:latin typeface="+mn-lt"/>
+        <a:ea typeface="+mn-ea"/>
+        <a:cs typeface="+mn-cs"/>
+      </a:defRPr>
+    </a:lvl4pPr>
+    <a:lvl5pPr marL="1828800" algn="l" defTabSz="914400" rtl="0" eaLnBrk="1" latinLnBrk="0" hangingPunct="1">
+      <a:defRPr sz="1200" kern="1200">
+        <a:solidFill>
+          <a:schemeClr val="tx1"/>
+        </a:solidFill>
+        <a:latin typeface="+mn-lt"/>
+        <a:ea typeface="+mn-ea"/>
+        <a:cs typeface="+mn-cs"/>
+      </a:defRPr>
+    </a:lvl5pPr>
+    <a:lvl6pPr marL="2286000" algn="l" defTabSz="914400" rtl="0" eaLnBrk="1" latinLnBrk="0" hangingPunct="1">
+      <a:defRPr sz="1200" kern="1200">
+        <a:solidFill>
+          <a:schemeClr val="tx1"/>
+        </a:solidFill>
+        <a:latin typeface="+mn-lt"/>
+        <a:ea typeface="+mn-ea"/>
+        <a:cs typeface="+mn-cs"/>
+      </a:defRPr>
+    </a:lvl6pPr>
+    <a:lvl7pPr marL="2743200" algn="l" defTabSz="914400" rtl="0" eaLnBrk="1" latinLnBrk="0" hangingPunct="1">
+      <a:defRPr sz="1200" kern="1200">
+        <a:solidFill>
+          <a:schemeClr val="tx1"/>
+        </a:solidFill>
+        <a:latin typeface="+mn-lt"/>
+        <a:ea typeface="+mn-ea"/>
+        <a:cs typeface="+mn-cs"/>
+      </a:defRPr>
+    </a:lvl7pPr>
+    <a:lvl8pPr marL="3200400" algn="l" defTabSz="914400" rtl="0" eaLnBrk="1" latinLnBrk="0" hangingPunct="1">
+      <a:defRPr sz="1200" kern="1200">
+        <a:solidFill>
+          <a:schemeClr val="tx1"/>
+        </a:solidFill>
+        <a:latin typeface="+mn-lt"/>
+        <a:ea typeface="+mn-ea"/>
+        <a:cs typeface="+mn-cs"/>
+      </a:defRPr>
+    </a:lvl8pPr>
+    <a:lvl9pPr marL="3657600" algn="l" defTabSz="914400" rtl="0" eaLnBrk="1" latinLnBrk="0" hangingPunct="1">
+      <a:defRPr sz="1200" kern="1200">
+        <a:solidFill>
+          <a:schemeClr val="tx1"/>
+        </a:solidFill>
+        <a:latin typeface="+mn-lt"/>
+        <a:ea typeface="+mn-ea"/>
+        <a:cs typeface="+mn-cs"/>
+      </a:defRPr>
+    </a:lvl9pPr>
+  </p:notesStyle>
+</p:notesMaster>
+</file>
+
+<file path=ppt/notesSlides/notesSlide1.xml><?xml version="1.0" encoding="utf-8"?>
+<p:notes xmlns:a="http://schemas.openxmlformats.org/drawingml/2006/main" xmlns:r="http://schemas.openxmlformats.org/officeDocument/2006/relationships" xmlns:p="http://schemas.openxmlformats.org/presentationml/2006/main">
+  <p:cSld>
+    <p:spTree>
+      <p:nvGrpSpPr>
+        <p:cNvPr id="1" name=""/>
+        <p:cNvGrpSpPr/>
+        <p:nvPr/>
+      </p:nvGrpSpPr>
+      <p:grpSpPr>
+        <a:xfrm>
+          <a:off x="0" y="0"/>
+          <a:ext cx="0" cy="0"/>
+          <a:chOff x="0" y="0"/>
+          <a:chExt cx="0" cy="0"/>
+        </a:xfrm>
+      </p:grpSpPr>
+      <p:sp>
+        <p:nvSpPr>
+          <p:cNvPr id="2" name="Slide Image Placeholder 1"/>
+          <p:cNvSpPr>
+            <a:spLocks noGrp="1" noRot="1" noChangeAspect="1"/>
+          </p:cNvSpPr>
+          <p:nvPr>
+            <p:ph type="sldImg"/>
+          </p:nvPr>
+        </p:nvSpPr>
+        <p:spPr/>
+      </p:sp>
+      <p:sp>
+        <p:nvSpPr>
+          <p:cNvPr id="3" name="Notes Placeholder 2"/>
+          <p:cNvSpPr>
+            <a:spLocks noGrp="1"/>
+          </p:cNvSpPr>
+          <p:nvPr>
+            <p:ph type="body" idx="1"/>
+          </p:nvPr>
+        </p:nvSpPr>
+        <p:spPr/>
+        <p:txBody>
+          <a:bodyPr/>
+          <a:lstStyle/>
+          <a:p>
+            <a:endParaRPr lang="bg-BG" dirty="0"/>
+          </a:p>
+        </p:txBody>
+      </p:sp>
+      <p:sp>
+        <p:nvSpPr>
+          <p:cNvPr id="4" name="Slide Number Placeholder 3"/>
+          <p:cNvSpPr>
+            <a:spLocks noGrp="1"/>
+          </p:cNvSpPr>
+          <p:nvPr>
+            <p:ph type="sldNum" sz="quarter" idx="5"/>
+          </p:nvPr>
+        </p:nvSpPr>
+        <p:spPr/>
+        <p:txBody>
+          <a:bodyPr/>
+          <a:lstStyle/>
+          <a:p>
+            <a:fld id="{915A2E96-BBC1-4A81-AACE-256CCC557776}" type="slidenum">
+              <a:rPr lang="bg-BG" smtClean="0"/>
+              <a:t>4</a:t>
+            </a:fld>
+            <a:endParaRPr lang="bg-BG"/>
+          </a:p>
+        </p:txBody>
+      </p:sp>
+    </p:spTree>
+    <p:extLst>
+      <p:ext uri="{BB962C8B-B14F-4D97-AF65-F5344CB8AC3E}">
+        <p14:creationId xmlns:p14="http://schemas.microsoft.com/office/powerpoint/2010/main" val="462984853"/>
+      </p:ext>
+    </p:extLst>
+  </p:cSld>
+  <p:clrMapOvr>
+    <a:masterClrMapping/>
+  </p:clrMapOvr>
+</p:notes>
+</file>
+
 <file path=ppt/slideLayouts/slideLayout1.xml><?xml version="1.0" encoding="utf-8"?>
 <p:sldLayout xmlns:a="http://schemas.openxmlformats.org/drawingml/2006/main" xmlns:r="http://schemas.openxmlformats.org/officeDocument/2006/relationships" xmlns:p="http://schemas.openxmlformats.org/presentationml/2006/main" type="title" preserve="1">
   <p:cSld name="Title Slide">
@@ -10249,7 +10578,7 @@
           <a:p>
             <a:fld id="{DC796D05-CC1A-441E-9160-C5D56DB8F904}" type="datetimeFigureOut">
               <a:rPr lang="bg-BG" smtClean="0"/>
-              <a:t>22.6.2025 г.</a:t>
+              <a:t>23.6.2025 г.</a:t>
             </a:fld>
             <a:endParaRPr lang="bg-BG"/>
           </a:p>
@@ -10449,7 +10778,7 @@
           <a:p>
             <a:fld id="{DC796D05-CC1A-441E-9160-C5D56DB8F904}" type="datetimeFigureOut">
               <a:rPr lang="bg-BG" smtClean="0"/>
-              <a:t>22.6.2025 г.</a:t>
+              <a:t>23.6.2025 г.</a:t>
             </a:fld>
             <a:endParaRPr lang="bg-BG"/>
           </a:p>
@@ -10659,7 +10988,7 @@
           <a:p>
             <a:fld id="{DC796D05-CC1A-441E-9160-C5D56DB8F904}" type="datetimeFigureOut">
               <a:rPr lang="bg-BG" smtClean="0"/>
-              <a:t>22.6.2025 г.</a:t>
+              <a:t>23.6.2025 г.</a:t>
             </a:fld>
             <a:endParaRPr lang="bg-BG"/>
           </a:p>
@@ -10859,7 +11188,7 @@
           <a:p>
             <a:fld id="{DC796D05-CC1A-441E-9160-C5D56DB8F904}" type="datetimeFigureOut">
               <a:rPr lang="bg-BG" smtClean="0"/>
-              <a:t>22.6.2025 г.</a:t>
+              <a:t>23.6.2025 г.</a:t>
             </a:fld>
             <a:endParaRPr lang="bg-BG"/>
           </a:p>
@@ -11135,7 +11464,7 @@
           <a:p>
             <a:fld id="{DC796D05-CC1A-441E-9160-C5D56DB8F904}" type="datetimeFigureOut">
               <a:rPr lang="bg-BG" smtClean="0"/>
-              <a:t>22.6.2025 г.</a:t>
+              <a:t>23.6.2025 г.</a:t>
             </a:fld>
             <a:endParaRPr lang="bg-BG"/>
           </a:p>
@@ -11403,7 +11732,7 @@
           <a:p>
             <a:fld id="{DC796D05-CC1A-441E-9160-C5D56DB8F904}" type="datetimeFigureOut">
               <a:rPr lang="bg-BG" smtClean="0"/>
-              <a:t>22.6.2025 г.</a:t>
+              <a:t>23.6.2025 г.</a:t>
             </a:fld>
             <a:endParaRPr lang="bg-BG"/>
           </a:p>
@@ -11818,7 +12147,7 @@
           <a:p>
             <a:fld id="{DC796D05-CC1A-441E-9160-C5D56DB8F904}" type="datetimeFigureOut">
               <a:rPr lang="bg-BG" smtClean="0"/>
-              <a:t>22.6.2025 г.</a:t>
+              <a:t>23.6.2025 г.</a:t>
             </a:fld>
             <a:endParaRPr lang="bg-BG"/>
           </a:p>
@@ -11960,7 +12289,7 @@
           <a:p>
             <a:fld id="{DC796D05-CC1A-441E-9160-C5D56DB8F904}" type="datetimeFigureOut">
               <a:rPr lang="bg-BG" smtClean="0"/>
-              <a:t>22.6.2025 г.</a:t>
+              <a:t>23.6.2025 г.</a:t>
             </a:fld>
             <a:endParaRPr lang="bg-BG"/>
           </a:p>
@@ -12073,7 +12402,7 @@
           <a:p>
             <a:fld id="{DC796D05-CC1A-441E-9160-C5D56DB8F904}" type="datetimeFigureOut">
               <a:rPr lang="bg-BG" smtClean="0"/>
-              <a:t>22.6.2025 г.</a:t>
+              <a:t>23.6.2025 г.</a:t>
             </a:fld>
             <a:endParaRPr lang="bg-BG"/>
           </a:p>
@@ -12386,7 +12715,7 @@
           <a:p>
             <a:fld id="{DC796D05-CC1A-441E-9160-C5D56DB8F904}" type="datetimeFigureOut">
               <a:rPr lang="bg-BG" smtClean="0"/>
-              <a:t>22.6.2025 г.</a:t>
+              <a:t>23.6.2025 г.</a:t>
             </a:fld>
             <a:endParaRPr lang="bg-BG"/>
           </a:p>
@@ -12675,7 +13004,7 @@
           <a:p>
             <a:fld id="{DC796D05-CC1A-441E-9160-C5D56DB8F904}" type="datetimeFigureOut">
               <a:rPr lang="bg-BG" smtClean="0"/>
-              <a:t>22.6.2025 г.</a:t>
+              <a:t>23.6.2025 г.</a:t>
             </a:fld>
             <a:endParaRPr lang="bg-BG"/>
           </a:p>
@@ -12918,7 +13247,7 @@
           <a:p>
             <a:fld id="{DC796D05-CC1A-441E-9160-C5D56DB8F904}" type="datetimeFigureOut">
               <a:rPr lang="bg-BG" smtClean="0"/>
-              <a:t>22.6.2025 г.</a:t>
+              <a:t>23.6.2025 г.</a:t>
             </a:fld>
             <a:endParaRPr lang="bg-BG"/>
           </a:p>
@@ -15579,7 +15908,7 @@
       </p:grpSpPr>
       <p:sp useBgFill="1">
         <p:nvSpPr>
-          <p:cNvPr id="21" name="Rectangle 20">
+          <p:cNvPr id="32" name="Rectangle 31">
             <a:extLst>
               <a:ext uri="{FF2B5EF4-FFF2-40B4-BE49-F238E27FC236}">
                 <a16:creationId xmlns:a16="http://schemas.microsoft.com/office/drawing/2014/main" id="{AB8C311F-7253-4AED-9701-7FC0708C41C7}"/>
@@ -15655,7 +15984,7 @@
       </p:sp>
       <p:sp>
         <p:nvSpPr>
-          <p:cNvPr id="23" name="Rectangle 22">
+          <p:cNvPr id="34" name="Rectangle 33">
             <a:extLst>
               <a:ext uri="{FF2B5EF4-FFF2-40B4-BE49-F238E27FC236}">
                 <a16:creationId xmlns:a16="http://schemas.microsoft.com/office/drawing/2014/main" id="{E2384209-CB15-4CDF-9D31-C44FD9A3F20D}"/>
@@ -15728,7 +16057,7 @@
       </p:sp>
       <p:sp>
         <p:nvSpPr>
-          <p:cNvPr id="25" name="Rectangle 24">
+          <p:cNvPr id="36" name="Rectangle 35">
             <a:extLst>
               <a:ext uri="{FF2B5EF4-FFF2-40B4-BE49-F238E27FC236}">
                 <a16:creationId xmlns:a16="http://schemas.microsoft.com/office/drawing/2014/main" id="{2633B3B5-CC90-43F0-8714-D31D1F3F0209}"/>
@@ -15801,7 +16130,405 @@
       </p:sp>
       <p:sp>
         <p:nvSpPr>
-          <p:cNvPr id="27" name="Rectangle 26">
+          <p:cNvPr id="38" name="Rectangle 37">
+            <a:extLst>
+              <a:ext uri="{FF2B5EF4-FFF2-40B4-BE49-F238E27FC236}">
+                <a16:creationId xmlns:a16="http://schemas.microsoft.com/office/drawing/2014/main" id="{A8D57A06-A426-446D-B02C-A2DC6B62E45E}"/>
+              </a:ext>
+              <a:ext uri="{C183D7F6-B498-43B3-948B-1728B52AA6E4}">
+                <adec:decorative xmlns:adec="http://schemas.microsoft.com/office/drawing/2017/decorative" val="1"/>
+              </a:ext>
+            </a:extLst>
+          </p:cNvPr>
+          <p:cNvSpPr>
+            <a:spLocks noGrp="1" noRot="1" noChangeAspect="1" noMove="1" noResize="1" noEditPoints="1" noAdjustHandles="1" noChangeArrowheads="1" noChangeShapeType="1" noTextEdit="1"/>
+          </p:cNvSpPr>
+          <p:nvPr>
+            <p:extLst>
+              <p:ext uri="{386F3935-93C4-4BCD-93E2-E3B085C9AB24}">
+                <p16:designElem xmlns:p16="http://schemas.microsoft.com/office/powerpoint/2015/main" val="1"/>
+              </p:ext>
+            </p:extLst>
+          </p:nvPr>
+        </p:nvSpPr>
+        <p:spPr>
+          <a:xfrm rot="16200000" flipH="1">
+            <a:off x="3649491" y="-1685840"/>
+            <a:ext cx="4894564" cy="12193546"/>
+          </a:xfrm>
+          <a:prstGeom prst="rect">
+            <a:avLst/>
+          </a:prstGeom>
+          <a:gradFill>
+            <a:gsLst>
+              <a:gs pos="0">
+                <a:schemeClr val="accent5">
+                  <a:lumMod val="60000"/>
+                  <a:lumOff val="40000"/>
+                  <a:alpha val="0"/>
+                </a:schemeClr>
+              </a:gs>
+              <a:gs pos="100000">
+                <a:srgbClr val="000000">
+                  <a:alpha val="46000"/>
+                </a:srgbClr>
+              </a:gs>
+            </a:gsLst>
+            <a:lin ang="1200000" scaled="0"/>
+          </a:gradFill>
+          <a:ln>
+            <a:noFill/>
+          </a:ln>
+        </p:spPr>
+        <p:style>
+          <a:lnRef idx="2">
+            <a:schemeClr val="accent1">
+              <a:shade val="50000"/>
+            </a:schemeClr>
+          </a:lnRef>
+          <a:fillRef idx="1">
+            <a:schemeClr val="accent1"/>
+          </a:fillRef>
+          <a:effectRef idx="0">
+            <a:schemeClr val="accent1"/>
+          </a:effectRef>
+          <a:fontRef idx="minor">
+            <a:schemeClr val="lt1"/>
+          </a:fontRef>
+        </p:style>
+        <p:txBody>
+          <a:bodyPr rtlCol="0" anchor="ctr"/>
+          <a:lstStyle/>
+          <a:p>
+            <a:pPr algn="ctr"/>
+            <a:endParaRPr lang="en-US"/>
+          </a:p>
+        </p:txBody>
+      </p:sp>
+      <p:sp>
+        <p:nvSpPr>
+          <p:cNvPr id="8" name="Content Placeholder 7">
+            <a:extLst>
+              <a:ext uri="{FF2B5EF4-FFF2-40B4-BE49-F238E27FC236}">
+                <a16:creationId xmlns:a16="http://schemas.microsoft.com/office/drawing/2014/main" id="{529A3B62-3211-DD2F-7C5A-B2023DBE30B1}"/>
+              </a:ext>
+            </a:extLst>
+          </p:cNvPr>
+          <p:cNvSpPr>
+            <a:spLocks noGrp="1"/>
+          </p:cNvSpPr>
+          <p:nvPr>
+            <p:ph idx="1"/>
+          </p:nvPr>
+        </p:nvSpPr>
+        <p:spPr/>
+        <p:txBody>
+          <a:bodyPr/>
+          <a:lstStyle/>
+          <a:p>
+            <a:endParaRPr lang="bg-BG"/>
+          </a:p>
+        </p:txBody>
+      </p:sp>
+      <p:pic>
+        <p:nvPicPr>
+          <p:cNvPr id="10" name="Picture 9">
+            <a:extLst>
+              <a:ext uri="{FF2B5EF4-FFF2-40B4-BE49-F238E27FC236}">
+                <a16:creationId xmlns:a16="http://schemas.microsoft.com/office/drawing/2014/main" id="{A711DA53-74B0-E790-1A1A-81F7B4C8388F}"/>
+              </a:ext>
+            </a:extLst>
+          </p:cNvPr>
+          <p:cNvPicPr>
+            <a:picLocks noChangeAspect="1"/>
+          </p:cNvPicPr>
+          <p:nvPr/>
+        </p:nvPicPr>
+        <p:blipFill>
+          <a:blip r:embed="rId2"/>
+          <a:stretch>
+            <a:fillRect/>
+          </a:stretch>
+        </p:blipFill>
+        <p:spPr>
+          <a:xfrm>
+            <a:off x="509016" y="680609"/>
+            <a:ext cx="11173202" cy="5496354"/>
+          </a:xfrm>
+          <a:prstGeom prst="rect">
+            <a:avLst/>
+          </a:prstGeom>
+        </p:spPr>
+      </p:pic>
+    </p:spTree>
+    <p:extLst>
+      <p:ext uri="{BB962C8B-B14F-4D97-AF65-F5344CB8AC3E}">
+        <p14:creationId xmlns:p14="http://schemas.microsoft.com/office/powerpoint/2010/main" val="1616239"/>
+      </p:ext>
+    </p:extLst>
+  </p:cSld>
+  <p:clrMapOvr>
+    <a:masterClrMapping/>
+  </p:clrMapOvr>
+</p:sld>
+</file>
+
+<file path=ppt/slides/slide14.xml><?xml version="1.0" encoding="utf-8"?>
+<p:sld xmlns:a="http://schemas.openxmlformats.org/drawingml/2006/main" xmlns:r="http://schemas.openxmlformats.org/officeDocument/2006/relationships" xmlns:p="http://schemas.openxmlformats.org/presentationml/2006/main">
+  <p:cSld>
+    <p:bg>
+      <p:bgPr>
+        <a:solidFill>
+          <a:schemeClr val="bg1"/>
+        </a:solidFill>
+        <a:effectLst/>
+      </p:bgPr>
+    </p:bg>
+    <p:spTree>
+      <p:nvGrpSpPr>
+        <p:cNvPr id="1" name="">
+          <a:extLst>
+            <a:ext uri="{FF2B5EF4-FFF2-40B4-BE49-F238E27FC236}">
+              <a16:creationId xmlns:a16="http://schemas.microsoft.com/office/drawing/2014/main" id="{C9C79C7C-7807-C7AC-E538-1871AB332E17}"/>
+            </a:ext>
+          </a:extLst>
+        </p:cNvPr>
+        <p:cNvGrpSpPr/>
+        <p:nvPr/>
+      </p:nvGrpSpPr>
+      <p:grpSpPr>
+        <a:xfrm>
+          <a:off x="0" y="0"/>
+          <a:ext cx="0" cy="0"/>
+          <a:chOff x="0" y="0"/>
+          <a:chExt cx="0" cy="0"/>
+        </a:xfrm>
+      </p:grpSpPr>
+      <p:sp useBgFill="1">
+        <p:nvSpPr>
+          <p:cNvPr id="54" name="Rectangle 53">
+            <a:extLst>
+              <a:ext uri="{FF2B5EF4-FFF2-40B4-BE49-F238E27FC236}">
+                <a16:creationId xmlns:a16="http://schemas.microsoft.com/office/drawing/2014/main" id="{AB8C311F-7253-4AED-9701-7FC0708C41C7}"/>
+              </a:ext>
+              <a:ext uri="{C183D7F6-B498-43B3-948B-1728B52AA6E4}">
+                <adec:decorative xmlns:adec="http://schemas.microsoft.com/office/drawing/2017/decorative" val="1"/>
+              </a:ext>
+            </a:extLst>
+          </p:cNvPr>
+          <p:cNvSpPr>
+            <a:spLocks noGrp="1" noRot="1" noChangeAspect="1" noMove="1" noResize="1" noEditPoints="1" noAdjustHandles="1" noChangeArrowheads="1" noChangeShapeType="1" noTextEdit="1"/>
+          </p:cNvSpPr>
+          <p:nvPr>
+            <p:extLst>
+              <p:ext uri="{386F3935-93C4-4BCD-93E2-E3B085C9AB24}">
+                <p16:designElem xmlns:p16="http://schemas.microsoft.com/office/powerpoint/2015/main" val="1"/>
+              </p:ext>
+            </p:extLst>
+          </p:nvPr>
+        </p:nvSpPr>
+        <p:spPr>
+          <a:xfrm>
+            <a:off x="0" y="0"/>
+            <a:ext cx="12192000" cy="6858000"/>
+          </a:xfrm>
+          <a:prstGeom prst="rect">
+            <a:avLst/>
+          </a:prstGeom>
+          <a:ln w="12700" cap="flat" cmpd="sng" algn="ctr">
+            <a:noFill/>
+            <a:prstDash val="solid"/>
+            <a:miter lim="800000"/>
+          </a:ln>
+          <a:effectLst/>
+          <a:extLst>
+            <a:ext uri="{91240B29-F687-4F45-9708-019B960494DF}">
+              <a14:hiddenLine xmlns:a14="http://schemas.microsoft.com/office/drawing/2010/main" w="12700" cap="flat" cmpd="sng" algn="ctr">
+                <a:solidFill>
+                  <a:schemeClr val="accent1">
+                    <a:shade val="50000"/>
+                  </a:schemeClr>
+                </a:solidFill>
+                <a:prstDash val="solid"/>
+                <a:miter lim="800000"/>
+              </a14:hiddenLine>
+            </a:ext>
+          </a:extLst>
+        </p:spPr>
+        <p:style>
+          <a:lnRef idx="2">
+            <a:schemeClr val="accent1">
+              <a:shade val="50000"/>
+            </a:schemeClr>
+          </a:lnRef>
+          <a:fillRef idx="1">
+            <a:schemeClr val="accent1"/>
+          </a:fillRef>
+          <a:effectRef idx="0">
+            <a:schemeClr val="accent1"/>
+          </a:effectRef>
+          <a:fontRef idx="minor">
+            <a:schemeClr val="lt1"/>
+          </a:fontRef>
+        </p:style>
+        <p:txBody>
+          <a:bodyPr rtlCol="0" anchor="ctr"/>
+          <a:lstStyle/>
+          <a:p>
+            <a:pPr algn="ctr"/>
+            <a:endParaRPr lang="en-US"/>
+          </a:p>
+        </p:txBody>
+      </p:sp>
+      <p:sp>
+        <p:nvSpPr>
+          <p:cNvPr id="56" name="Rectangle 55">
+            <a:extLst>
+              <a:ext uri="{FF2B5EF4-FFF2-40B4-BE49-F238E27FC236}">
+                <a16:creationId xmlns:a16="http://schemas.microsoft.com/office/drawing/2014/main" id="{E2384209-CB15-4CDF-9D31-C44FD9A3F20D}"/>
+              </a:ext>
+              <a:ext uri="{C183D7F6-B498-43B3-948B-1728B52AA6E4}">
+                <adec:decorative xmlns:adec="http://schemas.microsoft.com/office/drawing/2017/decorative" val="1"/>
+              </a:ext>
+            </a:extLst>
+          </p:cNvPr>
+          <p:cNvSpPr>
+            <a:spLocks noGrp="1" noRot="1" noChangeAspect="1" noMove="1" noResize="1" noEditPoints="1" noAdjustHandles="1" noChangeArrowheads="1" noChangeShapeType="1" noTextEdit="1"/>
+          </p:cNvSpPr>
+          <p:nvPr>
+            <p:extLst>
+              <p:ext uri="{386F3935-93C4-4BCD-93E2-E3B085C9AB24}">
+                <p16:designElem xmlns:p16="http://schemas.microsoft.com/office/powerpoint/2015/main" val="1"/>
+              </p:ext>
+            </p:extLst>
+          </p:nvPr>
+        </p:nvSpPr>
+        <p:spPr>
+          <a:xfrm rot="16200000" flipH="1">
+            <a:off x="2666617" y="-2666188"/>
+            <a:ext cx="6858000" cy="12191233"/>
+          </a:xfrm>
+          <a:prstGeom prst="rect">
+            <a:avLst/>
+          </a:prstGeom>
+          <a:gradFill>
+            <a:gsLst>
+              <a:gs pos="8000">
+                <a:schemeClr val="accent1"/>
+              </a:gs>
+              <a:gs pos="100000">
+                <a:schemeClr val="accent1">
+                  <a:lumMod val="50000"/>
+                </a:schemeClr>
+              </a:gs>
+            </a:gsLst>
+            <a:lin ang="12000000" scaled="0"/>
+          </a:gradFill>
+          <a:ln>
+            <a:noFill/>
+          </a:ln>
+        </p:spPr>
+        <p:style>
+          <a:lnRef idx="2">
+            <a:schemeClr val="accent1">
+              <a:shade val="50000"/>
+            </a:schemeClr>
+          </a:lnRef>
+          <a:fillRef idx="1">
+            <a:schemeClr val="accent1"/>
+          </a:fillRef>
+          <a:effectRef idx="0">
+            <a:schemeClr val="accent1"/>
+          </a:effectRef>
+          <a:fontRef idx="minor">
+            <a:schemeClr val="lt1"/>
+          </a:fontRef>
+        </p:style>
+        <p:txBody>
+          <a:bodyPr rtlCol="0" anchor="ctr"/>
+          <a:lstStyle/>
+          <a:p>
+            <a:pPr algn="ctr"/>
+            <a:endParaRPr lang="en-US"/>
+          </a:p>
+        </p:txBody>
+      </p:sp>
+      <p:sp>
+        <p:nvSpPr>
+          <p:cNvPr id="58" name="Rectangle 57">
+            <a:extLst>
+              <a:ext uri="{FF2B5EF4-FFF2-40B4-BE49-F238E27FC236}">
+                <a16:creationId xmlns:a16="http://schemas.microsoft.com/office/drawing/2014/main" id="{2633B3B5-CC90-43F0-8714-D31D1F3F0209}"/>
+              </a:ext>
+              <a:ext uri="{C183D7F6-B498-43B3-948B-1728B52AA6E4}">
+                <adec:decorative xmlns:adec="http://schemas.microsoft.com/office/drawing/2017/decorative" val="1"/>
+              </a:ext>
+            </a:extLst>
+          </p:cNvPr>
+          <p:cNvSpPr>
+            <a:spLocks noGrp="1" noRot="1" noChangeAspect="1" noMove="1" noResize="1" noEditPoints="1" noAdjustHandles="1" noChangeArrowheads="1" noChangeShapeType="1" noTextEdit="1"/>
+          </p:cNvSpPr>
+          <p:nvPr>
+            <p:extLst>
+              <p:ext uri="{386F3935-93C4-4BCD-93E2-E3B085C9AB24}">
+                <p16:designElem xmlns:p16="http://schemas.microsoft.com/office/powerpoint/2015/main" val="1"/>
+              </p:ext>
+            </p:extLst>
+          </p:nvPr>
+        </p:nvSpPr>
+        <p:spPr>
+          <a:xfrm rot="10800000" flipH="1">
+            <a:off x="-2311" y="0"/>
+            <a:ext cx="9070846" cy="6857572"/>
+          </a:xfrm>
+          <a:prstGeom prst="rect">
+            <a:avLst/>
+          </a:prstGeom>
+          <a:gradFill>
+            <a:gsLst>
+              <a:gs pos="8000">
+                <a:srgbClr val="000000">
+                  <a:alpha val="52000"/>
+                </a:srgbClr>
+              </a:gs>
+              <a:gs pos="100000">
+                <a:schemeClr val="accent1"/>
+              </a:gs>
+            </a:gsLst>
+            <a:lin ang="4800000" scaled="0"/>
+          </a:gradFill>
+          <a:ln>
+            <a:noFill/>
+          </a:ln>
+        </p:spPr>
+        <p:style>
+          <a:lnRef idx="2">
+            <a:schemeClr val="accent1">
+              <a:shade val="50000"/>
+            </a:schemeClr>
+          </a:lnRef>
+          <a:fillRef idx="1">
+            <a:schemeClr val="accent1"/>
+          </a:fillRef>
+          <a:effectRef idx="0">
+            <a:schemeClr val="accent1"/>
+          </a:effectRef>
+          <a:fontRef idx="minor">
+            <a:schemeClr val="lt1"/>
+          </a:fontRef>
+        </p:style>
+        <p:txBody>
+          <a:bodyPr rtlCol="0" anchor="ctr"/>
+          <a:lstStyle/>
+          <a:p>
+            <a:pPr algn="ctr"/>
+            <a:endParaRPr lang="en-US"/>
+          </a:p>
+        </p:txBody>
+      </p:sp>
+      <p:sp>
+        <p:nvSpPr>
+          <p:cNvPr id="60" name="Rectangle 59">
             <a:extLst>
               <a:ext uri="{FF2B5EF4-FFF2-40B4-BE49-F238E27FC236}">
                 <a16:creationId xmlns:a16="http://schemas.microsoft.com/office/drawing/2014/main" id="{A8D57A06-A426-446D-B02C-A2DC6B62E45E}"/>
@@ -15878,10 +16605,10 @@
       </p:sp>
       <p:pic>
         <p:nvPicPr>
-          <p:cNvPr id="4" name="Content Placeholder 3" descr="A screenshot of a computer&#10;&#10;AI-generated content may be incorrect.">
+          <p:cNvPr id="5" name="Content Placeholder 4">
             <a:extLst>
               <a:ext uri="{FF2B5EF4-FFF2-40B4-BE49-F238E27FC236}">
-                <a16:creationId xmlns:a16="http://schemas.microsoft.com/office/drawing/2014/main" id="{6138BCFF-5334-6E4D-EBCD-6A62244269C9}"/>
+                <a16:creationId xmlns:a16="http://schemas.microsoft.com/office/drawing/2014/main" id="{25ACAE31-BEF8-9D23-4A97-98D305C4B1FA}"/>
               </a:ext>
             </a:extLst>
           </p:cNvPr>
@@ -15900,8 +16627,8 @@
         </p:blipFill>
         <p:spPr>
           <a:xfrm>
-            <a:off x="457200" y="1469517"/>
-            <a:ext cx="11277600" cy="3918966"/>
+            <a:off x="457200" y="637795"/>
+            <a:ext cx="11277600" cy="5582410"/>
           </a:xfrm>
           <a:prstGeom prst="rect">
             <a:avLst/>
@@ -15911,7 +16638,7 @@
     </p:spTree>
     <p:extLst>
       <p:ext uri="{BB962C8B-B14F-4D97-AF65-F5344CB8AC3E}">
-        <p14:creationId xmlns:p14="http://schemas.microsoft.com/office/powerpoint/2010/main" val="1616239"/>
+        <p14:creationId xmlns:p14="http://schemas.microsoft.com/office/powerpoint/2010/main" val="3997742786"/>
       </p:ext>
     </p:extLst>
   </p:cSld>
@@ -15921,7 +16648,7 @@
 </p:sld>
 </file>
 
-<file path=ppt/slides/slide14.xml><?xml version="1.0" encoding="utf-8"?>
+<file path=ppt/slides/slide15.xml><?xml version="1.0" encoding="utf-8"?>
 <p:sld xmlns:a="http://schemas.openxmlformats.org/drawingml/2006/main" xmlns:r="http://schemas.openxmlformats.org/officeDocument/2006/relationships" xmlns:p="http://schemas.openxmlformats.org/presentationml/2006/main">
   <p:cSld>
     <p:bg>
@@ -15937,7 +16664,7 @@
         <p:cNvPr id="1" name="">
           <a:extLst>
             <a:ext uri="{FF2B5EF4-FFF2-40B4-BE49-F238E27FC236}">
-              <a16:creationId xmlns:a16="http://schemas.microsoft.com/office/drawing/2014/main" id="{C9C79C7C-7807-C7AC-E538-1871AB332E17}"/>
+              <a16:creationId xmlns:a16="http://schemas.microsoft.com/office/drawing/2014/main" id="{397F9AC6-A06A-096A-0C33-E3F12D9F2F6E}"/>
             </a:ext>
           </a:extLst>
         </p:cNvPr>
@@ -15954,7 +16681,7 @@
       </p:grpSpPr>
       <p:sp useBgFill="1">
         <p:nvSpPr>
-          <p:cNvPr id="43" name="Rectangle 42">
+          <p:cNvPr id="54" name="Rectangle 53">
             <a:extLst>
               <a:ext uri="{FF2B5EF4-FFF2-40B4-BE49-F238E27FC236}">
                 <a16:creationId xmlns:a16="http://schemas.microsoft.com/office/drawing/2014/main" id="{AB8C311F-7253-4AED-9701-7FC0708C41C7}"/>
@@ -16030,7 +16757,7 @@
       </p:sp>
       <p:sp>
         <p:nvSpPr>
-          <p:cNvPr id="45" name="Rectangle 44">
+          <p:cNvPr id="56" name="Rectangle 55">
             <a:extLst>
               <a:ext uri="{FF2B5EF4-FFF2-40B4-BE49-F238E27FC236}">
                 <a16:creationId xmlns:a16="http://schemas.microsoft.com/office/drawing/2014/main" id="{E2384209-CB15-4CDF-9D31-C44FD9A3F20D}"/>
@@ -16103,7 +16830,7 @@
       </p:sp>
       <p:sp>
         <p:nvSpPr>
-          <p:cNvPr id="47" name="Rectangle 46">
+          <p:cNvPr id="58" name="Rectangle 57">
             <a:extLst>
               <a:ext uri="{FF2B5EF4-FFF2-40B4-BE49-F238E27FC236}">
                 <a16:creationId xmlns:a16="http://schemas.microsoft.com/office/drawing/2014/main" id="{2633B3B5-CC90-43F0-8714-D31D1F3F0209}"/>
@@ -16176,7 +16903,7 @@
       </p:sp>
       <p:sp>
         <p:nvSpPr>
-          <p:cNvPr id="49" name="Rectangle 48">
+          <p:cNvPr id="60" name="Rectangle 59">
             <a:extLst>
               <a:ext uri="{FF2B5EF4-FFF2-40B4-BE49-F238E27FC236}">
                 <a16:creationId xmlns:a16="http://schemas.microsoft.com/office/drawing/2014/main" id="{A8D57A06-A426-446D-B02C-A2DC6B62E45E}"/>
@@ -16253,10 +16980,10 @@
       </p:sp>
       <p:pic>
         <p:nvPicPr>
-          <p:cNvPr id="9" name="Content Placeholder 8" descr="A screenshot of a graph&#10;&#10;AI-generated content may be incorrect.">
+          <p:cNvPr id="6" name="Content Placeholder 5">
             <a:extLst>
               <a:ext uri="{FF2B5EF4-FFF2-40B4-BE49-F238E27FC236}">
-                <a16:creationId xmlns:a16="http://schemas.microsoft.com/office/drawing/2014/main" id="{49756507-EA4B-BCEC-CAF1-049679E20CF8}"/>
+                <a16:creationId xmlns:a16="http://schemas.microsoft.com/office/drawing/2014/main" id="{ED49F87E-ED85-1712-3C62-8B5D85DE6C6A}"/>
               </a:ext>
             </a:extLst>
           </p:cNvPr>
@@ -16269,15 +16996,14 @@
         </p:nvPicPr>
         <p:blipFill>
           <a:blip r:embed="rId2"/>
-          <a:srcRect b="1028"/>
           <a:stretch>
             <a:fillRect/>
           </a:stretch>
         </p:blipFill>
         <p:spPr>
           <a:xfrm>
-            <a:off x="457200" y="457200"/>
-            <a:ext cx="11277600" cy="5943600"/>
+            <a:off x="457200" y="651891"/>
+            <a:ext cx="11277600" cy="5554217"/>
           </a:xfrm>
           <a:prstGeom prst="rect">
             <a:avLst/>
@@ -16287,7 +17013,7 @@
     </p:spTree>
     <p:extLst>
       <p:ext uri="{BB962C8B-B14F-4D97-AF65-F5344CB8AC3E}">
-        <p14:creationId xmlns:p14="http://schemas.microsoft.com/office/powerpoint/2010/main" val="3997742786"/>
+        <p14:creationId xmlns:p14="http://schemas.microsoft.com/office/powerpoint/2010/main" val="2023325523"/>
       </p:ext>
     </p:extLst>
   </p:cSld>
@@ -16297,7 +17023,7 @@
 </p:sld>
 </file>
 
-<file path=ppt/slides/slide15.xml><?xml version="1.0" encoding="utf-8"?>
+<file path=ppt/slides/slide16.xml><?xml version="1.0" encoding="utf-8"?>
 <p:sld xmlns:a="http://schemas.openxmlformats.org/drawingml/2006/main" xmlns:r="http://schemas.openxmlformats.org/officeDocument/2006/relationships" xmlns:p="http://schemas.openxmlformats.org/presentationml/2006/main">
   <p:cSld>
     <p:bg>
@@ -16313,7 +17039,7 @@
         <p:cNvPr id="1" name="">
           <a:extLst>
             <a:ext uri="{FF2B5EF4-FFF2-40B4-BE49-F238E27FC236}">
-              <a16:creationId xmlns:a16="http://schemas.microsoft.com/office/drawing/2014/main" id="{397F9AC6-A06A-096A-0C33-E3F12D9F2F6E}"/>
+              <a16:creationId xmlns:a16="http://schemas.microsoft.com/office/drawing/2014/main" id="{B239C27E-4E6E-FF55-2B6A-E27A6FCE11BE}"/>
             </a:ext>
           </a:extLst>
         </p:cNvPr>
@@ -16330,7 +17056,7 @@
       </p:grpSpPr>
       <p:sp useBgFill="1">
         <p:nvSpPr>
-          <p:cNvPr id="43" name="Rectangle 42">
+          <p:cNvPr id="86" name="Rectangle 85">
             <a:extLst>
               <a:ext uri="{FF2B5EF4-FFF2-40B4-BE49-F238E27FC236}">
                 <a16:creationId xmlns:a16="http://schemas.microsoft.com/office/drawing/2014/main" id="{AB8C311F-7253-4AED-9701-7FC0708C41C7}"/>
@@ -16406,7 +17132,7 @@
       </p:sp>
       <p:sp>
         <p:nvSpPr>
-          <p:cNvPr id="45" name="Rectangle 44">
+          <p:cNvPr id="88" name="Rectangle 87">
             <a:extLst>
               <a:ext uri="{FF2B5EF4-FFF2-40B4-BE49-F238E27FC236}">
                 <a16:creationId xmlns:a16="http://schemas.microsoft.com/office/drawing/2014/main" id="{E2384209-CB15-4CDF-9D31-C44FD9A3F20D}"/>
@@ -16479,7 +17205,7 @@
       </p:sp>
       <p:sp>
         <p:nvSpPr>
-          <p:cNvPr id="47" name="Rectangle 46">
+          <p:cNvPr id="90" name="Rectangle 89">
             <a:extLst>
               <a:ext uri="{FF2B5EF4-FFF2-40B4-BE49-F238E27FC236}">
                 <a16:creationId xmlns:a16="http://schemas.microsoft.com/office/drawing/2014/main" id="{2633B3B5-CC90-43F0-8714-D31D1F3F0209}"/>
@@ -16552,7 +17278,7 @@
       </p:sp>
       <p:sp>
         <p:nvSpPr>
-          <p:cNvPr id="49" name="Rectangle 48">
+          <p:cNvPr id="92" name="Rectangle 91">
             <a:extLst>
               <a:ext uri="{FF2B5EF4-FFF2-40B4-BE49-F238E27FC236}">
                 <a16:creationId xmlns:a16="http://schemas.microsoft.com/office/drawing/2014/main" id="{A8D57A06-A426-446D-B02C-A2DC6B62E45E}"/>
@@ -16629,10 +17355,10 @@
       </p:sp>
       <p:pic>
         <p:nvPicPr>
-          <p:cNvPr id="4" name="Content Placeholder 4" descr="A screenshot of a computer&#10;&#10;AI-generated content may be incorrect.">
+          <p:cNvPr id="5" name="Content Placeholder 4">
             <a:extLst>
               <a:ext uri="{FF2B5EF4-FFF2-40B4-BE49-F238E27FC236}">
-                <a16:creationId xmlns:a16="http://schemas.microsoft.com/office/drawing/2014/main" id="{A6B2850F-00AC-D805-1FB0-B1E2907E3880}"/>
+                <a16:creationId xmlns:a16="http://schemas.microsoft.com/office/drawing/2014/main" id="{B4EB8D26-5172-E31B-1A54-636A1813796D}"/>
               </a:ext>
             </a:extLst>
           </p:cNvPr>
@@ -16651,8 +17377,8 @@
         </p:blipFill>
         <p:spPr>
           <a:xfrm>
-            <a:off x="457200" y="1751457"/>
-            <a:ext cx="11277600" cy="3355085"/>
+            <a:off x="457200" y="651891"/>
+            <a:ext cx="11277600" cy="5554217"/>
           </a:xfrm>
           <a:prstGeom prst="rect">
             <a:avLst/>
@@ -16662,7 +17388,7 @@
     </p:spTree>
     <p:extLst>
       <p:ext uri="{BB962C8B-B14F-4D97-AF65-F5344CB8AC3E}">
-        <p14:creationId xmlns:p14="http://schemas.microsoft.com/office/powerpoint/2010/main" val="2023325523"/>
+        <p14:creationId xmlns:p14="http://schemas.microsoft.com/office/powerpoint/2010/main" val="5086054"/>
       </p:ext>
     </p:extLst>
   </p:cSld>
@@ -16672,7 +17398,7 @@
 </p:sld>
 </file>
 
-<file path=ppt/slides/slide16.xml><?xml version="1.0" encoding="utf-8"?>
+<file path=ppt/slides/slide17.xml><?xml version="1.0" encoding="utf-8"?>
 <p:sld xmlns:a="http://schemas.openxmlformats.org/drawingml/2006/main" xmlns:r="http://schemas.openxmlformats.org/officeDocument/2006/relationships" xmlns:p="http://schemas.openxmlformats.org/presentationml/2006/main">
   <p:cSld>
     <p:bg>
@@ -16688,7 +17414,7 @@
         <p:cNvPr id="1" name="">
           <a:extLst>
             <a:ext uri="{FF2B5EF4-FFF2-40B4-BE49-F238E27FC236}">
-              <a16:creationId xmlns:a16="http://schemas.microsoft.com/office/drawing/2014/main" id="{B239C27E-4E6E-FF55-2B6A-E27A6FCE11BE}"/>
+              <a16:creationId xmlns:a16="http://schemas.microsoft.com/office/drawing/2014/main" id="{926CE082-11D4-A589-E187-494B3E8DBC39}"/>
             </a:ext>
           </a:extLst>
         </p:cNvPr>
@@ -16705,10 +17431,10 @@
       </p:grpSpPr>
       <p:sp useBgFill="1">
         <p:nvSpPr>
-          <p:cNvPr id="75" name="Rectangle 74">
+          <p:cNvPr id="86" name="Rectangle 85">
             <a:extLst>
               <a:ext uri="{FF2B5EF4-FFF2-40B4-BE49-F238E27FC236}">
-                <a16:creationId xmlns:a16="http://schemas.microsoft.com/office/drawing/2014/main" id="{AB8C311F-7253-4AED-9701-7FC0708C41C7}"/>
+                <a16:creationId xmlns:a16="http://schemas.microsoft.com/office/drawing/2014/main" id="{39D72F7E-EF16-3DB5-7E00-315EC5835F1A}"/>
               </a:ext>
               <a:ext uri="{C183D7F6-B498-43B3-948B-1728B52AA6E4}">
                 <adec:decorative xmlns:adec="http://schemas.microsoft.com/office/drawing/2017/decorative" val="1"/>
@@ -16781,10 +17507,10 @@
       </p:sp>
       <p:sp>
         <p:nvSpPr>
-          <p:cNvPr id="77" name="Rectangle 76">
+          <p:cNvPr id="88" name="Rectangle 87">
             <a:extLst>
               <a:ext uri="{FF2B5EF4-FFF2-40B4-BE49-F238E27FC236}">
-                <a16:creationId xmlns:a16="http://schemas.microsoft.com/office/drawing/2014/main" id="{E2384209-CB15-4CDF-9D31-C44FD9A3F20D}"/>
+                <a16:creationId xmlns:a16="http://schemas.microsoft.com/office/drawing/2014/main" id="{51278F37-3F93-907A-6254-03E3D83F239D}"/>
               </a:ext>
               <a:ext uri="{C183D7F6-B498-43B3-948B-1728B52AA6E4}">
                 <adec:decorative xmlns:adec="http://schemas.microsoft.com/office/drawing/2017/decorative" val="1"/>
@@ -16854,10 +17580,10 @@
       </p:sp>
       <p:sp>
         <p:nvSpPr>
-          <p:cNvPr id="79" name="Rectangle 78">
+          <p:cNvPr id="90" name="Rectangle 89">
             <a:extLst>
               <a:ext uri="{FF2B5EF4-FFF2-40B4-BE49-F238E27FC236}">
-                <a16:creationId xmlns:a16="http://schemas.microsoft.com/office/drawing/2014/main" id="{2633B3B5-CC90-43F0-8714-D31D1F3F0209}"/>
+                <a16:creationId xmlns:a16="http://schemas.microsoft.com/office/drawing/2014/main" id="{90E5B869-0FA0-4DE7-ED20-61CD5371B0F5}"/>
               </a:ext>
               <a:ext uri="{C183D7F6-B498-43B3-948B-1728B52AA6E4}">
                 <adec:decorative xmlns:adec="http://schemas.microsoft.com/office/drawing/2017/decorative" val="1"/>
@@ -16927,10 +17653,10 @@
       </p:sp>
       <p:sp>
         <p:nvSpPr>
-          <p:cNvPr id="81" name="Rectangle 80">
+          <p:cNvPr id="92" name="Rectangle 91">
             <a:extLst>
               <a:ext uri="{FF2B5EF4-FFF2-40B4-BE49-F238E27FC236}">
-                <a16:creationId xmlns:a16="http://schemas.microsoft.com/office/drawing/2014/main" id="{A8D57A06-A426-446D-B02C-A2DC6B62E45E}"/>
+                <a16:creationId xmlns:a16="http://schemas.microsoft.com/office/drawing/2014/main" id="{CB67B9D8-315F-C7A0-44A3-6E0FE86BD8E3}"/>
               </a:ext>
               <a:ext uri="{C183D7F6-B498-43B3-948B-1728B52AA6E4}">
                 <adec:decorative xmlns:adec="http://schemas.microsoft.com/office/drawing/2017/decorative" val="1"/>
@@ -17004,10 +17730,10 @@
       </p:sp>
       <p:pic>
         <p:nvPicPr>
-          <p:cNvPr id="14" name="Content Placeholder 13" descr="A screenshot of a computer screen&#10;&#10;AI-generated content may be incorrect.">
+          <p:cNvPr id="6" name="Content Placeholder 5">
             <a:extLst>
               <a:ext uri="{FF2B5EF4-FFF2-40B4-BE49-F238E27FC236}">
-                <a16:creationId xmlns:a16="http://schemas.microsoft.com/office/drawing/2014/main" id="{9B754087-149D-2F8E-F00C-C8FAA9866AF0}"/>
+                <a16:creationId xmlns:a16="http://schemas.microsoft.com/office/drawing/2014/main" id="{6FBFBA64-127C-86C1-ECAE-1AA28D105C6B}"/>
               </a:ext>
             </a:extLst>
           </p:cNvPr>
@@ -17026,18 +17752,15 @@
         </p:blipFill>
         <p:spPr>
           <a:xfrm>
-            <a:off x="457200" y="2061591"/>
-            <a:ext cx="11277600" cy="2734817"/>
+            <a:off x="431826" y="658903"/>
+            <a:ext cx="11327582" cy="5539766"/>
           </a:xfrm>
-          <a:prstGeom prst="rect">
-            <a:avLst/>
-          </a:prstGeom>
         </p:spPr>
       </p:pic>
     </p:spTree>
     <p:extLst>
       <p:ext uri="{BB962C8B-B14F-4D97-AF65-F5344CB8AC3E}">
-        <p14:creationId xmlns:p14="http://schemas.microsoft.com/office/powerpoint/2010/main" val="5086054"/>
+        <p14:creationId xmlns:p14="http://schemas.microsoft.com/office/powerpoint/2010/main" val="853027014"/>
       </p:ext>
     </p:extLst>
   </p:cSld>
@@ -17047,7 +17770,7 @@
 </p:sld>
 </file>
 
-<file path=ppt/slides/slide17.xml><?xml version="1.0" encoding="utf-8"?>
+<file path=ppt/slides/slide18.xml><?xml version="1.0" encoding="utf-8"?>
 <p:sld xmlns:a="http://schemas.openxmlformats.org/drawingml/2006/main" xmlns:r="http://schemas.openxmlformats.org/officeDocument/2006/relationships" xmlns:p="http://schemas.openxmlformats.org/presentationml/2006/main">
   <p:cSld>
     <p:bg>
@@ -17379,10 +18102,10 @@
       </p:sp>
       <p:pic>
         <p:nvPicPr>
-          <p:cNvPr id="11" name="Content Placeholder 10">
+          <p:cNvPr id="5" name="Content Placeholder 4">
             <a:extLst>
               <a:ext uri="{FF2B5EF4-FFF2-40B4-BE49-F238E27FC236}">
-                <a16:creationId xmlns:a16="http://schemas.microsoft.com/office/drawing/2014/main" id="{5EB545CC-CDF9-8A1A-E37C-B00C50E7E14A}"/>
+                <a16:creationId xmlns:a16="http://schemas.microsoft.com/office/drawing/2014/main" id="{1362BBAB-B9FE-895F-BDC3-E525FB7F4E52}"/>
               </a:ext>
             </a:extLst>
           </p:cNvPr>
@@ -17401,8 +18124,8 @@
         </p:blipFill>
         <p:spPr>
           <a:xfrm>
-            <a:off x="354857" y="486269"/>
-            <a:ext cx="11481520" cy="5885034"/>
+            <a:off x="442279" y="649277"/>
+            <a:ext cx="11306676" cy="5559018"/>
           </a:xfrm>
         </p:spPr>
       </p:pic>
@@ -17419,7 +18142,7 @@
 </p:sld>
 </file>
 
-<file path=ppt/slides/slide18.xml><?xml version="1.0" encoding="utf-8"?>
+<file path=ppt/slides/slide19.xml><?xml version="1.0" encoding="utf-8"?>
 <p:sld xmlns:a="http://schemas.openxmlformats.org/drawingml/2006/main" xmlns:r="http://schemas.openxmlformats.org/officeDocument/2006/relationships" xmlns:p="http://schemas.openxmlformats.org/presentationml/2006/main">
   <p:cSld>
     <p:bg>
@@ -17827,494 +18550,6 @@
     <p:extLst>
       <p:ext uri="{BB962C8B-B14F-4D97-AF65-F5344CB8AC3E}">
         <p14:creationId xmlns:p14="http://schemas.microsoft.com/office/powerpoint/2010/main" val="2129189057"/>
-      </p:ext>
-    </p:extLst>
-  </p:cSld>
-  <p:clrMapOvr>
-    <a:masterClrMapping/>
-  </p:clrMapOvr>
-</p:sld>
-</file>
-
-<file path=ppt/slides/slide19.xml><?xml version="1.0" encoding="utf-8"?>
-<p:sld xmlns:a="http://schemas.openxmlformats.org/drawingml/2006/main" xmlns:r="http://schemas.openxmlformats.org/officeDocument/2006/relationships" xmlns:p="http://schemas.openxmlformats.org/presentationml/2006/main">
-  <p:cSld>
-    <p:bg>
-      <p:bgPr>
-        <a:solidFill>
-          <a:schemeClr val="bg1"/>
-        </a:solidFill>
-        <a:effectLst/>
-      </p:bgPr>
-    </p:bg>
-    <p:spTree>
-      <p:nvGrpSpPr>
-        <p:cNvPr id="1" name="">
-          <a:extLst>
-            <a:ext uri="{FF2B5EF4-FFF2-40B4-BE49-F238E27FC236}">
-              <a16:creationId xmlns:a16="http://schemas.microsoft.com/office/drawing/2014/main" id="{291ACB8B-9DD3-84B5-59EA-9B3AE2D19502}"/>
-            </a:ext>
-          </a:extLst>
-        </p:cNvPr>
-        <p:cNvGrpSpPr/>
-        <p:nvPr/>
-      </p:nvGrpSpPr>
-      <p:grpSpPr>
-        <a:xfrm>
-          <a:off x="0" y="0"/>
-          <a:ext cx="0" cy="0"/>
-          <a:chOff x="0" y="0"/>
-          <a:chExt cx="0" cy="0"/>
-        </a:xfrm>
-      </p:grpSpPr>
-      <p:sp useBgFill="1">
-        <p:nvSpPr>
-          <p:cNvPr id="8" name="Rectangle 7">
-            <a:extLst>
-              <a:ext uri="{FF2B5EF4-FFF2-40B4-BE49-F238E27FC236}">
-                <a16:creationId xmlns:a16="http://schemas.microsoft.com/office/drawing/2014/main" id="{0E27F8EE-8CDC-B985-A3BB-A989DF9F9074}"/>
-              </a:ext>
-              <a:ext uri="{C183D7F6-B498-43B3-948B-1728B52AA6E4}">
-                <adec:decorative xmlns:adec="http://schemas.microsoft.com/office/drawing/2017/decorative" val="1"/>
-              </a:ext>
-            </a:extLst>
-          </p:cNvPr>
-          <p:cNvSpPr>
-            <a:spLocks noGrp="1" noRot="1" noChangeAspect="1" noMove="1" noResize="1" noEditPoints="1" noAdjustHandles="1" noChangeArrowheads="1" noChangeShapeType="1" noTextEdit="1"/>
-          </p:cNvSpPr>
-          <p:nvPr>
-            <p:extLst>
-              <p:ext uri="{386F3935-93C4-4BCD-93E2-E3B085C9AB24}">
-                <p16:designElem xmlns:p16="http://schemas.microsoft.com/office/powerpoint/2015/main" val="1"/>
-              </p:ext>
-            </p:extLst>
-          </p:nvPr>
-        </p:nvSpPr>
-        <p:spPr>
-          <a:xfrm>
-            <a:off x="0" y="0"/>
-            <a:ext cx="12192000" cy="6858000"/>
-          </a:xfrm>
-          <a:prstGeom prst="rect">
-            <a:avLst/>
-          </a:prstGeom>
-          <a:ln w="12700" cap="flat" cmpd="sng" algn="ctr">
-            <a:noFill/>
-            <a:prstDash val="solid"/>
-            <a:miter lim="800000"/>
-          </a:ln>
-          <a:effectLst/>
-          <a:extLst>
-            <a:ext uri="{91240B29-F687-4F45-9708-019B960494DF}">
-              <a14:hiddenLine xmlns:a14="http://schemas.microsoft.com/office/drawing/2010/main" w="12700" cap="flat" cmpd="sng" algn="ctr">
-                <a:solidFill>
-                  <a:schemeClr val="accent1">
-                    <a:shade val="50000"/>
-                  </a:schemeClr>
-                </a:solidFill>
-                <a:prstDash val="solid"/>
-                <a:miter lim="800000"/>
-              </a14:hiddenLine>
-            </a:ext>
-          </a:extLst>
-        </p:spPr>
-        <p:style>
-          <a:lnRef idx="2">
-            <a:schemeClr val="accent1">
-              <a:shade val="50000"/>
-            </a:schemeClr>
-          </a:lnRef>
-          <a:fillRef idx="1">
-            <a:schemeClr val="accent1"/>
-          </a:fillRef>
-          <a:effectRef idx="0">
-            <a:schemeClr val="accent1"/>
-          </a:effectRef>
-          <a:fontRef idx="minor">
-            <a:schemeClr val="lt1"/>
-          </a:fontRef>
-        </p:style>
-        <p:txBody>
-          <a:bodyPr rtlCol="0" anchor="ctr"/>
-          <a:lstStyle/>
-          <a:p>
-            <a:pPr algn="ctr"/>
-            <a:endParaRPr lang="en-US"/>
-          </a:p>
-        </p:txBody>
-      </p:sp>
-      <p:sp>
-        <p:nvSpPr>
-          <p:cNvPr id="10" name="Rectangle 9">
-            <a:extLst>
-              <a:ext uri="{FF2B5EF4-FFF2-40B4-BE49-F238E27FC236}">
-                <a16:creationId xmlns:a16="http://schemas.microsoft.com/office/drawing/2014/main" id="{A48B8124-DF17-915A-691E-F294DF5D806F}"/>
-              </a:ext>
-              <a:ext uri="{C183D7F6-B498-43B3-948B-1728B52AA6E4}">
-                <adec:decorative xmlns:adec="http://schemas.microsoft.com/office/drawing/2017/decorative" val="1"/>
-              </a:ext>
-            </a:extLst>
-          </p:cNvPr>
-          <p:cNvSpPr>
-            <a:spLocks noGrp="1" noRot="1" noChangeAspect="1" noMove="1" noResize="1" noEditPoints="1" noAdjustHandles="1" noChangeArrowheads="1" noChangeShapeType="1" noTextEdit="1"/>
-          </p:cNvSpPr>
-          <p:nvPr>
-            <p:extLst>
-              <p:ext uri="{386F3935-93C4-4BCD-93E2-E3B085C9AB24}">
-                <p16:designElem xmlns:p16="http://schemas.microsoft.com/office/powerpoint/2015/main" val="1"/>
-              </p:ext>
-            </p:extLst>
-          </p:nvPr>
-        </p:nvSpPr>
-        <p:spPr>
-          <a:xfrm flipH="1">
-            <a:off x="-1" y="-1"/>
-            <a:ext cx="12191998" cy="1590742"/>
-          </a:xfrm>
-          <a:prstGeom prst="rect">
-            <a:avLst/>
-          </a:prstGeom>
-          <a:gradFill>
-            <a:gsLst>
-              <a:gs pos="0">
-                <a:srgbClr val="000000"/>
-              </a:gs>
-              <a:gs pos="100000">
-                <a:schemeClr val="accent1">
-                  <a:lumMod val="75000"/>
-                </a:schemeClr>
-              </a:gs>
-            </a:gsLst>
-            <a:lin ang="8400000" scaled="0"/>
-          </a:gradFill>
-          <a:ln>
-            <a:noFill/>
-          </a:ln>
-        </p:spPr>
-        <p:style>
-          <a:lnRef idx="2">
-            <a:schemeClr val="accent1">
-              <a:shade val="50000"/>
-            </a:schemeClr>
-          </a:lnRef>
-          <a:fillRef idx="1">
-            <a:schemeClr val="accent1"/>
-          </a:fillRef>
-          <a:effectRef idx="0">
-            <a:schemeClr val="accent1"/>
-          </a:effectRef>
-          <a:fontRef idx="minor">
-            <a:schemeClr val="lt1"/>
-          </a:fontRef>
-        </p:style>
-        <p:txBody>
-          <a:bodyPr rtlCol="0" anchor="ctr"/>
-          <a:lstStyle/>
-          <a:p>
-            <a:pPr algn="ctr"/>
-            <a:endParaRPr lang="en-US"/>
-          </a:p>
-        </p:txBody>
-      </p:sp>
-      <p:sp>
-        <p:nvSpPr>
-          <p:cNvPr id="12" name="Rectangle 11">
-            <a:extLst>
-              <a:ext uri="{FF2B5EF4-FFF2-40B4-BE49-F238E27FC236}">
-                <a16:creationId xmlns:a16="http://schemas.microsoft.com/office/drawing/2014/main" id="{B4D4F618-95F9-53DF-1466-0C47651880F3}"/>
-              </a:ext>
-              <a:ext uri="{C183D7F6-B498-43B3-948B-1728B52AA6E4}">
-                <adec:decorative xmlns:adec="http://schemas.microsoft.com/office/drawing/2017/decorative" val="1"/>
-              </a:ext>
-            </a:extLst>
-          </p:cNvPr>
-          <p:cNvSpPr>
-            <a:spLocks noGrp="1" noRot="1" noChangeAspect="1" noMove="1" noResize="1" noEditPoints="1" noAdjustHandles="1" noChangeArrowheads="1" noChangeShapeType="1" noTextEdit="1"/>
-          </p:cNvSpPr>
-          <p:nvPr>
-            <p:extLst>
-              <p:ext uri="{386F3935-93C4-4BCD-93E2-E3B085C9AB24}">
-                <p16:designElem xmlns:p16="http://schemas.microsoft.com/office/powerpoint/2015/main" val="1"/>
-              </p:ext>
-            </p:extLst>
-          </p:nvPr>
-        </p:nvSpPr>
-        <p:spPr>
-          <a:xfrm rot="10800000" flipH="1">
-            <a:off x="-3" y="0"/>
-            <a:ext cx="8115306" cy="1590742"/>
-          </a:xfrm>
-          <a:prstGeom prst="rect">
-            <a:avLst/>
-          </a:prstGeom>
-          <a:gradFill>
-            <a:gsLst>
-              <a:gs pos="20000">
-                <a:schemeClr val="accent1">
-                  <a:alpha val="0"/>
-                </a:schemeClr>
-              </a:gs>
-              <a:gs pos="100000">
-                <a:schemeClr val="accent1">
-                  <a:lumMod val="50000"/>
-                  <a:alpha val="55000"/>
-                </a:schemeClr>
-              </a:gs>
-            </a:gsLst>
-            <a:lin ang="13800000" scaled="0"/>
-          </a:gradFill>
-          <a:ln>
-            <a:noFill/>
-          </a:ln>
-        </p:spPr>
-        <p:style>
-          <a:lnRef idx="2">
-            <a:schemeClr val="accent1">
-              <a:shade val="50000"/>
-            </a:schemeClr>
-          </a:lnRef>
-          <a:fillRef idx="1">
-            <a:schemeClr val="accent1"/>
-          </a:fillRef>
-          <a:effectRef idx="0">
-            <a:schemeClr val="accent1"/>
-          </a:effectRef>
-          <a:fontRef idx="minor">
-            <a:schemeClr val="lt1"/>
-          </a:fontRef>
-        </p:style>
-        <p:txBody>
-          <a:bodyPr rtlCol="0" anchor="ctr"/>
-          <a:lstStyle/>
-          <a:p>
-            <a:pPr algn="ctr"/>
-            <a:endParaRPr lang="en-US"/>
-          </a:p>
-        </p:txBody>
-      </p:sp>
-      <p:sp>
-        <p:nvSpPr>
-          <p:cNvPr id="14" name="Rectangle 13">
-            <a:extLst>
-              <a:ext uri="{FF2B5EF4-FFF2-40B4-BE49-F238E27FC236}">
-                <a16:creationId xmlns:a16="http://schemas.microsoft.com/office/drawing/2014/main" id="{4C2D352E-E521-D06D-1C6A-5FC4AFC5C58E}"/>
-              </a:ext>
-              <a:ext uri="{C183D7F6-B498-43B3-948B-1728B52AA6E4}">
-                <adec:decorative xmlns:adec="http://schemas.microsoft.com/office/drawing/2017/decorative" val="1"/>
-              </a:ext>
-            </a:extLst>
-          </p:cNvPr>
-          <p:cNvSpPr>
-            <a:spLocks noGrp="1" noRot="1" noChangeAspect="1" noMove="1" noResize="1" noEditPoints="1" noAdjustHandles="1" noChangeArrowheads="1" noChangeShapeType="1" noTextEdit="1"/>
-          </p:cNvSpPr>
-          <p:nvPr>
-            <p:extLst>
-              <p:ext uri="{386F3935-93C4-4BCD-93E2-E3B085C9AB24}">
-                <p16:designElem xmlns:p16="http://schemas.microsoft.com/office/powerpoint/2015/main" val="1"/>
-              </p:ext>
-            </p:extLst>
-          </p:nvPr>
-        </p:nvSpPr>
-        <p:spPr>
-          <a:xfrm flipH="1">
-            <a:off x="8115299" y="-1"/>
-            <a:ext cx="4076698" cy="1590742"/>
-          </a:xfrm>
-          <a:prstGeom prst="rect">
-            <a:avLst/>
-          </a:prstGeom>
-          <a:gradFill>
-            <a:gsLst>
-              <a:gs pos="0">
-                <a:schemeClr val="accent1">
-                  <a:alpha val="66000"/>
-                </a:schemeClr>
-              </a:gs>
-              <a:gs pos="100000">
-                <a:srgbClr val="000000">
-                  <a:alpha val="30000"/>
-                </a:srgbClr>
-              </a:gs>
-            </a:gsLst>
-            <a:lin ang="13200000" scaled="0"/>
-          </a:gradFill>
-          <a:ln>
-            <a:noFill/>
-          </a:ln>
-        </p:spPr>
-        <p:style>
-          <a:lnRef idx="2">
-            <a:schemeClr val="accent1">
-              <a:shade val="50000"/>
-            </a:schemeClr>
-          </a:lnRef>
-          <a:fillRef idx="1">
-            <a:schemeClr val="accent1"/>
-          </a:fillRef>
-          <a:effectRef idx="0">
-            <a:schemeClr val="accent1"/>
-          </a:effectRef>
-          <a:fontRef idx="minor">
-            <a:schemeClr val="lt1"/>
-          </a:fontRef>
-        </p:style>
-        <p:txBody>
-          <a:bodyPr rtlCol="0" anchor="ctr"/>
-          <a:lstStyle/>
-          <a:p>
-            <a:pPr algn="ctr"/>
-            <a:endParaRPr lang="en-US"/>
-          </a:p>
-        </p:txBody>
-      </p:sp>
-      <p:sp>
-        <p:nvSpPr>
-          <p:cNvPr id="16" name="Rectangle 15">
-            <a:extLst>
-              <a:ext uri="{FF2B5EF4-FFF2-40B4-BE49-F238E27FC236}">
-                <a16:creationId xmlns:a16="http://schemas.microsoft.com/office/drawing/2014/main" id="{BD464D72-8127-2133-AE9C-8F3BC0B8B9BE}"/>
-              </a:ext>
-              <a:ext uri="{C183D7F6-B498-43B3-948B-1728B52AA6E4}">
-                <adec:decorative xmlns:adec="http://schemas.microsoft.com/office/drawing/2017/decorative" val="1"/>
-              </a:ext>
-            </a:extLst>
-          </p:cNvPr>
-          <p:cNvSpPr>
-            <a:spLocks noGrp="1" noRot="1" noChangeAspect="1" noMove="1" noResize="1" noEditPoints="1" noAdjustHandles="1" noChangeArrowheads="1" noChangeShapeType="1" noTextEdit="1"/>
-          </p:cNvSpPr>
-          <p:nvPr>
-            <p:extLst>
-              <p:ext uri="{386F3935-93C4-4BCD-93E2-E3B085C9AB24}">
-                <p16:designElem xmlns:p16="http://schemas.microsoft.com/office/powerpoint/2015/main" val="1"/>
-              </p:ext>
-            </p:extLst>
-          </p:nvPr>
-        </p:nvSpPr>
-        <p:spPr>
-          <a:xfrm>
-            <a:off x="459350" y="-1"/>
-            <a:ext cx="11732646" cy="1597433"/>
-          </a:xfrm>
-          <a:prstGeom prst="rect">
-            <a:avLst/>
-          </a:prstGeom>
-          <a:gradFill>
-            <a:gsLst>
-              <a:gs pos="50000">
-                <a:srgbClr val="000000">
-                  <a:alpha val="0"/>
-                </a:srgbClr>
-              </a:gs>
-              <a:gs pos="99000">
-                <a:schemeClr val="accent1">
-                  <a:lumMod val="50000"/>
-                  <a:alpha val="52000"/>
-                </a:schemeClr>
-              </a:gs>
-            </a:gsLst>
-            <a:lin ang="16800000" scaled="0"/>
-          </a:gradFill>
-          <a:ln>
-            <a:noFill/>
-          </a:ln>
-        </p:spPr>
-        <p:style>
-          <a:lnRef idx="2">
-            <a:schemeClr val="accent1">
-              <a:shade val="50000"/>
-            </a:schemeClr>
-          </a:lnRef>
-          <a:fillRef idx="1">
-            <a:schemeClr val="accent1"/>
-          </a:fillRef>
-          <a:effectRef idx="0">
-            <a:schemeClr val="accent1"/>
-          </a:effectRef>
-          <a:fontRef idx="minor">
-            <a:schemeClr val="lt1"/>
-          </a:fontRef>
-        </p:style>
-        <p:txBody>
-          <a:bodyPr rtlCol="0" anchor="ctr"/>
-          <a:lstStyle/>
-          <a:p>
-            <a:pPr algn="ctr"/>
-            <a:endParaRPr lang="en-US"/>
-          </a:p>
-        </p:txBody>
-      </p:sp>
-      <p:sp>
-        <p:nvSpPr>
-          <p:cNvPr id="2" name="Title 1">
-            <a:extLst>
-              <a:ext uri="{FF2B5EF4-FFF2-40B4-BE49-F238E27FC236}">
-                <a16:creationId xmlns:a16="http://schemas.microsoft.com/office/drawing/2014/main" id="{2E8E46EB-C529-A7DF-BC98-8E8F363D6BD8}"/>
-              </a:ext>
-            </a:extLst>
-          </p:cNvPr>
-          <p:cNvSpPr>
-            <a:spLocks noGrp="1"/>
-          </p:cNvSpPr>
-          <p:nvPr>
-            <p:ph type="title"/>
-          </p:nvPr>
-        </p:nvSpPr>
-        <p:spPr>
-          <a:xfrm>
-            <a:off x="459346" y="400620"/>
-            <a:ext cx="9895951" cy="1033669"/>
-          </a:xfrm>
-        </p:spPr>
-        <p:txBody>
-          <a:bodyPr>
-            <a:normAutofit/>
-          </a:bodyPr>
-          <a:lstStyle/>
-          <a:p>
-            <a:endParaRPr lang="bg-BG" sz="4000" dirty="0">
-              <a:solidFill>
-                <a:srgbClr val="FFFFFF"/>
-              </a:solidFill>
-            </a:endParaRPr>
-          </a:p>
-        </p:txBody>
-      </p:sp>
-      <p:sp>
-        <p:nvSpPr>
-          <p:cNvPr id="3" name="Content Placeholder 2">
-            <a:extLst>
-              <a:ext uri="{FF2B5EF4-FFF2-40B4-BE49-F238E27FC236}">
-                <a16:creationId xmlns:a16="http://schemas.microsoft.com/office/drawing/2014/main" id="{8AB32334-306F-96F8-D418-02F42C5DCE1C}"/>
-              </a:ext>
-            </a:extLst>
-          </p:cNvPr>
-          <p:cNvSpPr>
-            <a:spLocks noGrp="1"/>
-          </p:cNvSpPr>
-          <p:nvPr>
-            <p:ph idx="1"/>
-          </p:nvPr>
-        </p:nvSpPr>
-        <p:spPr>
-          <a:xfrm>
-            <a:off x="459347" y="1998052"/>
-            <a:ext cx="9895950" cy="4459328"/>
-          </a:xfrm>
-        </p:spPr>
-        <p:txBody>
-          <a:bodyPr anchor="ctr">
-            <a:normAutofit/>
-          </a:bodyPr>
-          <a:lstStyle/>
-          <a:p>
-            <a:endParaRPr lang="bg-BG" sz="2000" dirty="0"/>
-          </a:p>
-        </p:txBody>
-      </p:sp>
-    </p:spTree>
-    <p:extLst>
-      <p:ext uri="{BB962C8B-B14F-4D97-AF65-F5344CB8AC3E}">
-        <p14:creationId xmlns:p14="http://schemas.microsoft.com/office/powerpoint/2010/main" val="1379456196"/>
       </p:ext>
     </p:extLst>
   </p:cSld>
@@ -18985,6 +19220,494 @@
 </p:sld>
 </file>
 
+<file path=ppt/slides/slide20.xml><?xml version="1.0" encoding="utf-8"?>
+<p:sld xmlns:a="http://schemas.openxmlformats.org/drawingml/2006/main" xmlns:r="http://schemas.openxmlformats.org/officeDocument/2006/relationships" xmlns:p="http://schemas.openxmlformats.org/presentationml/2006/main">
+  <p:cSld>
+    <p:bg>
+      <p:bgPr>
+        <a:solidFill>
+          <a:schemeClr val="bg1"/>
+        </a:solidFill>
+        <a:effectLst/>
+      </p:bgPr>
+    </p:bg>
+    <p:spTree>
+      <p:nvGrpSpPr>
+        <p:cNvPr id="1" name="">
+          <a:extLst>
+            <a:ext uri="{FF2B5EF4-FFF2-40B4-BE49-F238E27FC236}">
+              <a16:creationId xmlns:a16="http://schemas.microsoft.com/office/drawing/2014/main" id="{291ACB8B-9DD3-84B5-59EA-9B3AE2D19502}"/>
+            </a:ext>
+          </a:extLst>
+        </p:cNvPr>
+        <p:cNvGrpSpPr/>
+        <p:nvPr/>
+      </p:nvGrpSpPr>
+      <p:grpSpPr>
+        <a:xfrm>
+          <a:off x="0" y="0"/>
+          <a:ext cx="0" cy="0"/>
+          <a:chOff x="0" y="0"/>
+          <a:chExt cx="0" cy="0"/>
+        </a:xfrm>
+      </p:grpSpPr>
+      <p:sp useBgFill="1">
+        <p:nvSpPr>
+          <p:cNvPr id="8" name="Rectangle 7">
+            <a:extLst>
+              <a:ext uri="{FF2B5EF4-FFF2-40B4-BE49-F238E27FC236}">
+                <a16:creationId xmlns:a16="http://schemas.microsoft.com/office/drawing/2014/main" id="{0E27F8EE-8CDC-B985-A3BB-A989DF9F9074}"/>
+              </a:ext>
+              <a:ext uri="{C183D7F6-B498-43B3-948B-1728B52AA6E4}">
+                <adec:decorative xmlns:adec="http://schemas.microsoft.com/office/drawing/2017/decorative" val="1"/>
+              </a:ext>
+            </a:extLst>
+          </p:cNvPr>
+          <p:cNvSpPr>
+            <a:spLocks noGrp="1" noRot="1" noChangeAspect="1" noMove="1" noResize="1" noEditPoints="1" noAdjustHandles="1" noChangeArrowheads="1" noChangeShapeType="1" noTextEdit="1"/>
+          </p:cNvSpPr>
+          <p:nvPr>
+            <p:extLst>
+              <p:ext uri="{386F3935-93C4-4BCD-93E2-E3B085C9AB24}">
+                <p16:designElem xmlns:p16="http://schemas.microsoft.com/office/powerpoint/2015/main" val="1"/>
+              </p:ext>
+            </p:extLst>
+          </p:nvPr>
+        </p:nvSpPr>
+        <p:spPr>
+          <a:xfrm>
+            <a:off x="0" y="0"/>
+            <a:ext cx="12192000" cy="6858000"/>
+          </a:xfrm>
+          <a:prstGeom prst="rect">
+            <a:avLst/>
+          </a:prstGeom>
+          <a:ln w="12700" cap="flat" cmpd="sng" algn="ctr">
+            <a:noFill/>
+            <a:prstDash val="solid"/>
+            <a:miter lim="800000"/>
+          </a:ln>
+          <a:effectLst/>
+          <a:extLst>
+            <a:ext uri="{91240B29-F687-4F45-9708-019B960494DF}">
+              <a14:hiddenLine xmlns:a14="http://schemas.microsoft.com/office/drawing/2010/main" w="12700" cap="flat" cmpd="sng" algn="ctr">
+                <a:solidFill>
+                  <a:schemeClr val="accent1">
+                    <a:shade val="50000"/>
+                  </a:schemeClr>
+                </a:solidFill>
+                <a:prstDash val="solid"/>
+                <a:miter lim="800000"/>
+              </a14:hiddenLine>
+            </a:ext>
+          </a:extLst>
+        </p:spPr>
+        <p:style>
+          <a:lnRef idx="2">
+            <a:schemeClr val="accent1">
+              <a:shade val="50000"/>
+            </a:schemeClr>
+          </a:lnRef>
+          <a:fillRef idx="1">
+            <a:schemeClr val="accent1"/>
+          </a:fillRef>
+          <a:effectRef idx="0">
+            <a:schemeClr val="accent1"/>
+          </a:effectRef>
+          <a:fontRef idx="minor">
+            <a:schemeClr val="lt1"/>
+          </a:fontRef>
+        </p:style>
+        <p:txBody>
+          <a:bodyPr rtlCol="0" anchor="ctr"/>
+          <a:lstStyle/>
+          <a:p>
+            <a:pPr algn="ctr"/>
+            <a:endParaRPr lang="en-US"/>
+          </a:p>
+        </p:txBody>
+      </p:sp>
+      <p:sp>
+        <p:nvSpPr>
+          <p:cNvPr id="10" name="Rectangle 9">
+            <a:extLst>
+              <a:ext uri="{FF2B5EF4-FFF2-40B4-BE49-F238E27FC236}">
+                <a16:creationId xmlns:a16="http://schemas.microsoft.com/office/drawing/2014/main" id="{A48B8124-DF17-915A-691E-F294DF5D806F}"/>
+              </a:ext>
+              <a:ext uri="{C183D7F6-B498-43B3-948B-1728B52AA6E4}">
+                <adec:decorative xmlns:adec="http://schemas.microsoft.com/office/drawing/2017/decorative" val="1"/>
+              </a:ext>
+            </a:extLst>
+          </p:cNvPr>
+          <p:cNvSpPr>
+            <a:spLocks noGrp="1" noRot="1" noChangeAspect="1" noMove="1" noResize="1" noEditPoints="1" noAdjustHandles="1" noChangeArrowheads="1" noChangeShapeType="1" noTextEdit="1"/>
+          </p:cNvSpPr>
+          <p:nvPr>
+            <p:extLst>
+              <p:ext uri="{386F3935-93C4-4BCD-93E2-E3B085C9AB24}">
+                <p16:designElem xmlns:p16="http://schemas.microsoft.com/office/powerpoint/2015/main" val="1"/>
+              </p:ext>
+            </p:extLst>
+          </p:nvPr>
+        </p:nvSpPr>
+        <p:spPr>
+          <a:xfrm flipH="1">
+            <a:off x="-1" y="-1"/>
+            <a:ext cx="12191998" cy="1590742"/>
+          </a:xfrm>
+          <a:prstGeom prst="rect">
+            <a:avLst/>
+          </a:prstGeom>
+          <a:gradFill>
+            <a:gsLst>
+              <a:gs pos="0">
+                <a:srgbClr val="000000"/>
+              </a:gs>
+              <a:gs pos="100000">
+                <a:schemeClr val="accent1">
+                  <a:lumMod val="75000"/>
+                </a:schemeClr>
+              </a:gs>
+            </a:gsLst>
+            <a:lin ang="8400000" scaled="0"/>
+          </a:gradFill>
+          <a:ln>
+            <a:noFill/>
+          </a:ln>
+        </p:spPr>
+        <p:style>
+          <a:lnRef idx="2">
+            <a:schemeClr val="accent1">
+              <a:shade val="50000"/>
+            </a:schemeClr>
+          </a:lnRef>
+          <a:fillRef idx="1">
+            <a:schemeClr val="accent1"/>
+          </a:fillRef>
+          <a:effectRef idx="0">
+            <a:schemeClr val="accent1"/>
+          </a:effectRef>
+          <a:fontRef idx="minor">
+            <a:schemeClr val="lt1"/>
+          </a:fontRef>
+        </p:style>
+        <p:txBody>
+          <a:bodyPr rtlCol="0" anchor="ctr"/>
+          <a:lstStyle/>
+          <a:p>
+            <a:pPr algn="ctr"/>
+            <a:endParaRPr lang="en-US"/>
+          </a:p>
+        </p:txBody>
+      </p:sp>
+      <p:sp>
+        <p:nvSpPr>
+          <p:cNvPr id="12" name="Rectangle 11">
+            <a:extLst>
+              <a:ext uri="{FF2B5EF4-FFF2-40B4-BE49-F238E27FC236}">
+                <a16:creationId xmlns:a16="http://schemas.microsoft.com/office/drawing/2014/main" id="{B4D4F618-95F9-53DF-1466-0C47651880F3}"/>
+              </a:ext>
+              <a:ext uri="{C183D7F6-B498-43B3-948B-1728B52AA6E4}">
+                <adec:decorative xmlns:adec="http://schemas.microsoft.com/office/drawing/2017/decorative" val="1"/>
+              </a:ext>
+            </a:extLst>
+          </p:cNvPr>
+          <p:cNvSpPr>
+            <a:spLocks noGrp="1" noRot="1" noChangeAspect="1" noMove="1" noResize="1" noEditPoints="1" noAdjustHandles="1" noChangeArrowheads="1" noChangeShapeType="1" noTextEdit="1"/>
+          </p:cNvSpPr>
+          <p:nvPr>
+            <p:extLst>
+              <p:ext uri="{386F3935-93C4-4BCD-93E2-E3B085C9AB24}">
+                <p16:designElem xmlns:p16="http://schemas.microsoft.com/office/powerpoint/2015/main" val="1"/>
+              </p:ext>
+            </p:extLst>
+          </p:nvPr>
+        </p:nvSpPr>
+        <p:spPr>
+          <a:xfrm rot="10800000" flipH="1">
+            <a:off x="-3" y="0"/>
+            <a:ext cx="8115306" cy="1590742"/>
+          </a:xfrm>
+          <a:prstGeom prst="rect">
+            <a:avLst/>
+          </a:prstGeom>
+          <a:gradFill>
+            <a:gsLst>
+              <a:gs pos="20000">
+                <a:schemeClr val="accent1">
+                  <a:alpha val="0"/>
+                </a:schemeClr>
+              </a:gs>
+              <a:gs pos="100000">
+                <a:schemeClr val="accent1">
+                  <a:lumMod val="50000"/>
+                  <a:alpha val="55000"/>
+                </a:schemeClr>
+              </a:gs>
+            </a:gsLst>
+            <a:lin ang="13800000" scaled="0"/>
+          </a:gradFill>
+          <a:ln>
+            <a:noFill/>
+          </a:ln>
+        </p:spPr>
+        <p:style>
+          <a:lnRef idx="2">
+            <a:schemeClr val="accent1">
+              <a:shade val="50000"/>
+            </a:schemeClr>
+          </a:lnRef>
+          <a:fillRef idx="1">
+            <a:schemeClr val="accent1"/>
+          </a:fillRef>
+          <a:effectRef idx="0">
+            <a:schemeClr val="accent1"/>
+          </a:effectRef>
+          <a:fontRef idx="minor">
+            <a:schemeClr val="lt1"/>
+          </a:fontRef>
+        </p:style>
+        <p:txBody>
+          <a:bodyPr rtlCol="0" anchor="ctr"/>
+          <a:lstStyle/>
+          <a:p>
+            <a:pPr algn="ctr"/>
+            <a:endParaRPr lang="en-US"/>
+          </a:p>
+        </p:txBody>
+      </p:sp>
+      <p:sp>
+        <p:nvSpPr>
+          <p:cNvPr id="14" name="Rectangle 13">
+            <a:extLst>
+              <a:ext uri="{FF2B5EF4-FFF2-40B4-BE49-F238E27FC236}">
+                <a16:creationId xmlns:a16="http://schemas.microsoft.com/office/drawing/2014/main" id="{4C2D352E-E521-D06D-1C6A-5FC4AFC5C58E}"/>
+              </a:ext>
+              <a:ext uri="{C183D7F6-B498-43B3-948B-1728B52AA6E4}">
+                <adec:decorative xmlns:adec="http://schemas.microsoft.com/office/drawing/2017/decorative" val="1"/>
+              </a:ext>
+            </a:extLst>
+          </p:cNvPr>
+          <p:cNvSpPr>
+            <a:spLocks noGrp="1" noRot="1" noChangeAspect="1" noMove="1" noResize="1" noEditPoints="1" noAdjustHandles="1" noChangeArrowheads="1" noChangeShapeType="1" noTextEdit="1"/>
+          </p:cNvSpPr>
+          <p:nvPr>
+            <p:extLst>
+              <p:ext uri="{386F3935-93C4-4BCD-93E2-E3B085C9AB24}">
+                <p16:designElem xmlns:p16="http://schemas.microsoft.com/office/powerpoint/2015/main" val="1"/>
+              </p:ext>
+            </p:extLst>
+          </p:nvPr>
+        </p:nvSpPr>
+        <p:spPr>
+          <a:xfrm flipH="1">
+            <a:off x="8115299" y="-1"/>
+            <a:ext cx="4076698" cy="1590742"/>
+          </a:xfrm>
+          <a:prstGeom prst="rect">
+            <a:avLst/>
+          </a:prstGeom>
+          <a:gradFill>
+            <a:gsLst>
+              <a:gs pos="0">
+                <a:schemeClr val="accent1">
+                  <a:alpha val="66000"/>
+                </a:schemeClr>
+              </a:gs>
+              <a:gs pos="100000">
+                <a:srgbClr val="000000">
+                  <a:alpha val="30000"/>
+                </a:srgbClr>
+              </a:gs>
+            </a:gsLst>
+            <a:lin ang="13200000" scaled="0"/>
+          </a:gradFill>
+          <a:ln>
+            <a:noFill/>
+          </a:ln>
+        </p:spPr>
+        <p:style>
+          <a:lnRef idx="2">
+            <a:schemeClr val="accent1">
+              <a:shade val="50000"/>
+            </a:schemeClr>
+          </a:lnRef>
+          <a:fillRef idx="1">
+            <a:schemeClr val="accent1"/>
+          </a:fillRef>
+          <a:effectRef idx="0">
+            <a:schemeClr val="accent1"/>
+          </a:effectRef>
+          <a:fontRef idx="minor">
+            <a:schemeClr val="lt1"/>
+          </a:fontRef>
+        </p:style>
+        <p:txBody>
+          <a:bodyPr rtlCol="0" anchor="ctr"/>
+          <a:lstStyle/>
+          <a:p>
+            <a:pPr algn="ctr"/>
+            <a:endParaRPr lang="en-US"/>
+          </a:p>
+        </p:txBody>
+      </p:sp>
+      <p:sp>
+        <p:nvSpPr>
+          <p:cNvPr id="16" name="Rectangle 15">
+            <a:extLst>
+              <a:ext uri="{FF2B5EF4-FFF2-40B4-BE49-F238E27FC236}">
+                <a16:creationId xmlns:a16="http://schemas.microsoft.com/office/drawing/2014/main" id="{BD464D72-8127-2133-AE9C-8F3BC0B8B9BE}"/>
+              </a:ext>
+              <a:ext uri="{C183D7F6-B498-43B3-948B-1728B52AA6E4}">
+                <adec:decorative xmlns:adec="http://schemas.microsoft.com/office/drawing/2017/decorative" val="1"/>
+              </a:ext>
+            </a:extLst>
+          </p:cNvPr>
+          <p:cNvSpPr>
+            <a:spLocks noGrp="1" noRot="1" noChangeAspect="1" noMove="1" noResize="1" noEditPoints="1" noAdjustHandles="1" noChangeArrowheads="1" noChangeShapeType="1" noTextEdit="1"/>
+          </p:cNvSpPr>
+          <p:nvPr>
+            <p:extLst>
+              <p:ext uri="{386F3935-93C4-4BCD-93E2-E3B085C9AB24}">
+                <p16:designElem xmlns:p16="http://schemas.microsoft.com/office/powerpoint/2015/main" val="1"/>
+              </p:ext>
+            </p:extLst>
+          </p:nvPr>
+        </p:nvSpPr>
+        <p:spPr>
+          <a:xfrm>
+            <a:off x="459350" y="-1"/>
+            <a:ext cx="11732646" cy="1597433"/>
+          </a:xfrm>
+          <a:prstGeom prst="rect">
+            <a:avLst/>
+          </a:prstGeom>
+          <a:gradFill>
+            <a:gsLst>
+              <a:gs pos="50000">
+                <a:srgbClr val="000000">
+                  <a:alpha val="0"/>
+                </a:srgbClr>
+              </a:gs>
+              <a:gs pos="99000">
+                <a:schemeClr val="accent1">
+                  <a:lumMod val="50000"/>
+                  <a:alpha val="52000"/>
+                </a:schemeClr>
+              </a:gs>
+            </a:gsLst>
+            <a:lin ang="16800000" scaled="0"/>
+          </a:gradFill>
+          <a:ln>
+            <a:noFill/>
+          </a:ln>
+        </p:spPr>
+        <p:style>
+          <a:lnRef idx="2">
+            <a:schemeClr val="accent1">
+              <a:shade val="50000"/>
+            </a:schemeClr>
+          </a:lnRef>
+          <a:fillRef idx="1">
+            <a:schemeClr val="accent1"/>
+          </a:fillRef>
+          <a:effectRef idx="0">
+            <a:schemeClr val="accent1"/>
+          </a:effectRef>
+          <a:fontRef idx="minor">
+            <a:schemeClr val="lt1"/>
+          </a:fontRef>
+        </p:style>
+        <p:txBody>
+          <a:bodyPr rtlCol="0" anchor="ctr"/>
+          <a:lstStyle/>
+          <a:p>
+            <a:pPr algn="ctr"/>
+            <a:endParaRPr lang="en-US"/>
+          </a:p>
+        </p:txBody>
+      </p:sp>
+      <p:sp>
+        <p:nvSpPr>
+          <p:cNvPr id="2" name="Title 1">
+            <a:extLst>
+              <a:ext uri="{FF2B5EF4-FFF2-40B4-BE49-F238E27FC236}">
+                <a16:creationId xmlns:a16="http://schemas.microsoft.com/office/drawing/2014/main" id="{2E8E46EB-C529-A7DF-BC98-8E8F363D6BD8}"/>
+              </a:ext>
+            </a:extLst>
+          </p:cNvPr>
+          <p:cNvSpPr>
+            <a:spLocks noGrp="1"/>
+          </p:cNvSpPr>
+          <p:nvPr>
+            <p:ph type="title"/>
+          </p:nvPr>
+        </p:nvSpPr>
+        <p:spPr>
+          <a:xfrm>
+            <a:off x="459346" y="400620"/>
+            <a:ext cx="9895951" cy="1033669"/>
+          </a:xfrm>
+        </p:spPr>
+        <p:txBody>
+          <a:bodyPr>
+            <a:normAutofit/>
+          </a:bodyPr>
+          <a:lstStyle/>
+          <a:p>
+            <a:endParaRPr lang="bg-BG" sz="4000" dirty="0">
+              <a:solidFill>
+                <a:srgbClr val="FFFFFF"/>
+              </a:solidFill>
+            </a:endParaRPr>
+          </a:p>
+        </p:txBody>
+      </p:sp>
+      <p:sp>
+        <p:nvSpPr>
+          <p:cNvPr id="3" name="Content Placeholder 2">
+            <a:extLst>
+              <a:ext uri="{FF2B5EF4-FFF2-40B4-BE49-F238E27FC236}">
+                <a16:creationId xmlns:a16="http://schemas.microsoft.com/office/drawing/2014/main" id="{8AB32334-306F-96F8-D418-02F42C5DCE1C}"/>
+              </a:ext>
+            </a:extLst>
+          </p:cNvPr>
+          <p:cNvSpPr>
+            <a:spLocks noGrp="1"/>
+          </p:cNvSpPr>
+          <p:nvPr>
+            <p:ph idx="1"/>
+          </p:nvPr>
+        </p:nvSpPr>
+        <p:spPr>
+          <a:xfrm>
+            <a:off x="459347" y="1998052"/>
+            <a:ext cx="9895950" cy="4459328"/>
+          </a:xfrm>
+        </p:spPr>
+        <p:txBody>
+          <a:bodyPr anchor="ctr">
+            <a:normAutofit/>
+          </a:bodyPr>
+          <a:lstStyle/>
+          <a:p>
+            <a:endParaRPr lang="bg-BG" sz="2000" dirty="0"/>
+          </a:p>
+        </p:txBody>
+      </p:sp>
+    </p:spTree>
+    <p:extLst>
+      <p:ext uri="{BB962C8B-B14F-4D97-AF65-F5344CB8AC3E}">
+        <p14:creationId xmlns:p14="http://schemas.microsoft.com/office/powerpoint/2010/main" val="1379456196"/>
+      </p:ext>
+    </p:extLst>
+  </p:cSld>
+  <p:clrMapOvr>
+    <a:masterClrMapping/>
+  </p:clrMapOvr>
+</p:sld>
+</file>
+
 <file path=ppt/slides/slide3.xml><?xml version="1.0" encoding="utf-8"?>
 <p:sld xmlns:a="http://schemas.openxmlformats.org/drawingml/2006/main" xmlns:r="http://schemas.openxmlformats.org/officeDocument/2006/relationships" xmlns:p="http://schemas.openxmlformats.org/presentationml/2006/main">
   <p:cSld>
@@ -19933,7 +20656,7 @@
             <p:ph idx="1"/>
             <p:extLst>
               <p:ext uri="{D42A27DB-BD31-4B8C-83A1-F6EECF244321}">
-                <p14:modId xmlns:p14="http://schemas.microsoft.com/office/powerpoint/2010/main" val="1395643135"/>
+                <p14:modId xmlns:p14="http://schemas.microsoft.com/office/powerpoint/2010/main" val="748060461"/>
               </p:ext>
             </p:extLst>
           </p:nvPr>
@@ -19944,10 +20667,262 @@
         </p:xfrm>
         <a:graphic>
           <a:graphicData uri="http://schemas.openxmlformats.org/drawingml/2006/diagram">
-            <dgm:relIds xmlns:dgm="http://schemas.openxmlformats.org/drawingml/2006/diagram" xmlns:r="http://schemas.openxmlformats.org/officeDocument/2006/relationships" r:dm="rId2" r:lo="rId3" r:qs="rId4" r:cs="rId5"/>
+            <dgm:relIds xmlns:dgm="http://schemas.openxmlformats.org/drawingml/2006/diagram" xmlns:r="http://schemas.openxmlformats.org/officeDocument/2006/relationships" r:dm="rId3" r:lo="rId4" r:qs="rId5" r:cs="rId6"/>
           </a:graphicData>
         </a:graphic>
       </p:graphicFrame>
+      <p:pic>
+        <p:nvPicPr>
+          <p:cNvPr id="4" name="Picture 3" descr="A blue and white elephant&#10;&#10;AI-generated content may be incorrect.">
+            <a:extLst>
+              <a:ext uri="{FF2B5EF4-FFF2-40B4-BE49-F238E27FC236}">
+                <a16:creationId xmlns:a16="http://schemas.microsoft.com/office/drawing/2014/main" id="{A5F66A37-9AD4-A67D-C5AB-0ED971D5D420}"/>
+              </a:ext>
+            </a:extLst>
+          </p:cNvPr>
+          <p:cNvPicPr>
+            <a:picLocks noChangeAspect="1"/>
+          </p:cNvPicPr>
+          <p:nvPr/>
+        </p:nvPicPr>
+        <p:blipFill>
+          <a:blip r:embed="rId8">
+            <a:extLst>
+              <a:ext uri="{28A0092B-C50C-407E-A947-70E740481C1C}">
+                <a14:useLocalDpi xmlns:a14="http://schemas.microsoft.com/office/drawing/2010/main" val="0"/>
+              </a:ext>
+            </a:extLst>
+          </a:blip>
+          <a:stretch>
+            <a:fillRect/>
+          </a:stretch>
+        </p:blipFill>
+        <p:spPr>
+          <a:xfrm>
+            <a:off x="1375545" y="2212848"/>
+            <a:ext cx="1046718" cy="1078992"/>
+          </a:xfrm>
+          <a:prstGeom prst="rect">
+            <a:avLst/>
+          </a:prstGeom>
+        </p:spPr>
+      </p:pic>
+      <p:pic>
+        <p:nvPicPr>
+          <p:cNvPr id="6" name="Picture 5" descr="A purple circle with white text&#10;&#10;AI-generated content may be incorrect.">
+            <a:extLst>
+              <a:ext uri="{FF2B5EF4-FFF2-40B4-BE49-F238E27FC236}">
+                <a16:creationId xmlns:a16="http://schemas.microsoft.com/office/drawing/2014/main" id="{8897A762-F7BB-1189-E6E7-8D7D2FC3DCF5}"/>
+              </a:ext>
+            </a:extLst>
+          </p:cNvPr>
+          <p:cNvPicPr>
+            <a:picLocks noChangeAspect="1"/>
+          </p:cNvPicPr>
+          <p:nvPr/>
+        </p:nvPicPr>
+        <p:blipFill>
+          <a:blip r:embed="rId9">
+            <a:extLst>
+              <a:ext uri="{28A0092B-C50C-407E-A947-70E740481C1C}">
+                <a14:useLocalDpi xmlns:a14="http://schemas.microsoft.com/office/drawing/2010/main" val="0"/>
+              </a:ext>
+            </a:extLst>
+          </a:blip>
+          <a:stretch>
+            <a:fillRect/>
+          </a:stretch>
+        </p:blipFill>
+        <p:spPr>
+          <a:xfrm>
+            <a:off x="3400640" y="2139696"/>
+            <a:ext cx="1225296" cy="1225296"/>
+          </a:xfrm>
+          <a:prstGeom prst="rect">
+            <a:avLst/>
+          </a:prstGeom>
+        </p:spPr>
+      </p:pic>
+      <p:pic>
+        <p:nvPicPr>
+          <p:cNvPr id="8" name="Picture 7" descr="A stack of red objects&#10;&#10;AI-generated content may be incorrect.">
+            <a:extLst>
+              <a:ext uri="{FF2B5EF4-FFF2-40B4-BE49-F238E27FC236}">
+                <a16:creationId xmlns:a16="http://schemas.microsoft.com/office/drawing/2014/main" id="{3E6084F2-3CAD-974C-6A16-7A7ED95EAE7A}"/>
+              </a:ext>
+            </a:extLst>
+          </p:cNvPr>
+          <p:cNvPicPr>
+            <a:picLocks noChangeAspect="1"/>
+          </p:cNvPicPr>
+          <p:nvPr/>
+        </p:nvPicPr>
+        <p:blipFill>
+          <a:blip r:embed="rId10">
+            <a:extLst>
+              <a:ext uri="{28A0092B-C50C-407E-A947-70E740481C1C}">
+                <a14:useLocalDpi xmlns:a14="http://schemas.microsoft.com/office/drawing/2010/main" val="0"/>
+              </a:ext>
+            </a:extLst>
+          </a:blip>
+          <a:stretch>
+            <a:fillRect/>
+          </a:stretch>
+        </p:blipFill>
+        <p:spPr>
+          <a:xfrm>
+            <a:off x="4867434" y="1932585"/>
+            <a:ext cx="2481072" cy="1713122"/>
+          </a:xfrm>
+          <a:prstGeom prst="rect">
+            <a:avLst/>
+          </a:prstGeom>
+        </p:spPr>
+      </p:pic>
+      <p:pic>
+        <p:nvPicPr>
+          <p:cNvPr id="10" name="Picture 9" descr="A purple and black symbol&#10;&#10;AI-generated content may be incorrect.">
+            <a:extLst>
+              <a:ext uri="{FF2B5EF4-FFF2-40B4-BE49-F238E27FC236}">
+                <a16:creationId xmlns:a16="http://schemas.microsoft.com/office/drawing/2014/main" id="{55436726-5F5A-6E79-75C5-A2B989D7F199}"/>
+              </a:ext>
+            </a:extLst>
+          </p:cNvPr>
+          <p:cNvPicPr>
+            <a:picLocks noChangeAspect="1"/>
+          </p:cNvPicPr>
+          <p:nvPr/>
+        </p:nvPicPr>
+        <p:blipFill>
+          <a:blip r:embed="rId11">
+            <a:extLst>
+              <a:ext uri="{28A0092B-C50C-407E-A947-70E740481C1C}">
+                <a14:useLocalDpi xmlns:a14="http://schemas.microsoft.com/office/drawing/2010/main" val="0"/>
+              </a:ext>
+            </a:extLst>
+          </a:blip>
+          <a:stretch>
+            <a:fillRect/>
+          </a:stretch>
+        </p:blipFill>
+        <p:spPr>
+          <a:xfrm>
+            <a:off x="7746920" y="2139696"/>
+            <a:ext cx="1102394" cy="1102394"/>
+          </a:xfrm>
+          <a:prstGeom prst="rect">
+            <a:avLst/>
+          </a:prstGeom>
+        </p:spPr>
+      </p:pic>
+      <p:pic>
+        <p:nvPicPr>
+          <p:cNvPr id="12" name="Picture 11" descr="A purple and black logo&#10;&#10;AI-generated content may be incorrect.">
+            <a:extLst>
+              <a:ext uri="{FF2B5EF4-FFF2-40B4-BE49-F238E27FC236}">
+                <a16:creationId xmlns:a16="http://schemas.microsoft.com/office/drawing/2014/main" id="{39D3DC40-6AD2-DDD9-5E7A-EEB212EE176E}"/>
+              </a:ext>
+            </a:extLst>
+          </p:cNvPr>
+          <p:cNvPicPr>
+            <a:picLocks noChangeAspect="1"/>
+          </p:cNvPicPr>
+          <p:nvPr/>
+        </p:nvPicPr>
+        <p:blipFill>
+          <a:blip r:embed="rId12">
+            <a:extLst>
+              <a:ext uri="{28A0092B-C50C-407E-A947-70E740481C1C}">
+                <a14:useLocalDpi xmlns:a14="http://schemas.microsoft.com/office/drawing/2010/main" val="0"/>
+              </a:ext>
+            </a:extLst>
+          </a:blip>
+          <a:stretch>
+            <a:fillRect/>
+          </a:stretch>
+        </p:blipFill>
+        <p:spPr>
+          <a:xfrm>
+            <a:off x="9689310" y="2231055"/>
+            <a:ext cx="1042578" cy="1042578"/>
+          </a:xfrm>
+          <a:prstGeom prst="rect">
+            <a:avLst/>
+          </a:prstGeom>
+        </p:spPr>
+      </p:pic>
+      <p:pic>
+        <p:nvPicPr>
+          <p:cNvPr id="15" name="Picture 14" descr="A black and white logo&#10;&#10;AI-generated content may be incorrect.">
+            <a:extLst>
+              <a:ext uri="{FF2B5EF4-FFF2-40B4-BE49-F238E27FC236}">
+                <a16:creationId xmlns:a16="http://schemas.microsoft.com/office/drawing/2014/main" id="{D05AB154-178B-AF9B-1E88-8A85E8F2DAAF}"/>
+              </a:ext>
+            </a:extLst>
+          </p:cNvPr>
+          <p:cNvPicPr>
+            <a:picLocks noChangeAspect="1"/>
+          </p:cNvPicPr>
+          <p:nvPr/>
+        </p:nvPicPr>
+        <p:blipFill>
+          <a:blip r:embed="rId13">
+            <a:extLst>
+              <a:ext uri="{28A0092B-C50C-407E-A947-70E740481C1C}">
+                <a14:useLocalDpi xmlns:a14="http://schemas.microsoft.com/office/drawing/2010/main" val="0"/>
+              </a:ext>
+            </a:extLst>
+          </a:blip>
+          <a:stretch>
+            <a:fillRect/>
+          </a:stretch>
+        </p:blipFill>
+        <p:spPr>
+          <a:xfrm>
+            <a:off x="4227156" y="4771313"/>
+            <a:ext cx="1571016" cy="408464"/>
+          </a:xfrm>
+          <a:prstGeom prst="rect">
+            <a:avLst/>
+          </a:prstGeom>
+        </p:spPr>
+      </p:pic>
+      <p:pic>
+        <p:nvPicPr>
+          <p:cNvPr id="17" name="Picture 16" descr="A logo with colorful squares&#10;&#10;AI-generated content may be incorrect.">
+            <a:extLst>
+              <a:ext uri="{FF2B5EF4-FFF2-40B4-BE49-F238E27FC236}">
+                <a16:creationId xmlns:a16="http://schemas.microsoft.com/office/drawing/2014/main" id="{393EFC79-8435-2D01-4812-0228C5EF6E4B}"/>
+              </a:ext>
+            </a:extLst>
+          </p:cNvPr>
+          <p:cNvPicPr>
+            <a:picLocks noChangeAspect="1"/>
+          </p:cNvPicPr>
+          <p:nvPr/>
+        </p:nvPicPr>
+        <p:blipFill>
+          <a:blip r:embed="rId14">
+            <a:extLst>
+              <a:ext uri="{28A0092B-C50C-407E-A947-70E740481C1C}">
+                <a14:useLocalDpi xmlns:a14="http://schemas.microsoft.com/office/drawing/2010/main" val="0"/>
+              </a:ext>
+            </a:extLst>
+          </a:blip>
+          <a:stretch>
+            <a:fillRect/>
+          </a:stretch>
+        </p:blipFill>
+        <p:spPr>
+          <a:xfrm>
+            <a:off x="6665976" y="4470311"/>
+            <a:ext cx="951128" cy="951128"/>
+          </a:xfrm>
+          <a:prstGeom prst="rect">
+            <a:avLst/>
+          </a:prstGeom>
+        </p:spPr>
+      </p:pic>
     </p:spTree>
     <p:extLst>
       <p:ext uri="{BB962C8B-B14F-4D97-AF65-F5344CB8AC3E}">
@@ -23026,4 +24001,319 @@
     </a:ext>
   </a:extLst>
 </a:theme>
+</file>
+
+<file path=ppt/theme/theme2.xml><?xml version="1.0" encoding="utf-8"?>
+<a:theme xmlns:a="http://schemas.openxmlformats.org/drawingml/2006/main" name="Office Theme">
+  <a:themeElements>
+    <a:clrScheme name="Office">
+      <a:dk1>
+        <a:sysClr val="windowText" lastClr="000000"/>
+      </a:dk1>
+      <a:lt1>
+        <a:sysClr val="window" lastClr="FFFFFF"/>
+      </a:lt1>
+      <a:dk2>
+        <a:srgbClr val="0E2841"/>
+      </a:dk2>
+      <a:lt2>
+        <a:srgbClr val="E8E8E8"/>
+      </a:lt2>
+      <a:accent1>
+        <a:srgbClr val="156082"/>
+      </a:accent1>
+      <a:accent2>
+        <a:srgbClr val="E97132"/>
+      </a:accent2>
+      <a:accent3>
+        <a:srgbClr val="196B24"/>
+      </a:accent3>
+      <a:accent4>
+        <a:srgbClr val="0F9ED5"/>
+      </a:accent4>
+      <a:accent5>
+        <a:srgbClr val="A02B93"/>
+      </a:accent5>
+      <a:accent6>
+        <a:srgbClr val="4EA72E"/>
+      </a:accent6>
+      <a:hlink>
+        <a:srgbClr val="467886"/>
+      </a:hlink>
+      <a:folHlink>
+        <a:srgbClr val="96607D"/>
+      </a:folHlink>
+    </a:clrScheme>
+    <a:fontScheme name="Office">
+      <a:majorFont>
+        <a:latin typeface="Aptos Display" panose="02110004020202020204"/>
+        <a:ea typeface=""/>
+        <a:cs typeface=""/>
+        <a:font script="Jpan" typeface="游ゴシック Light"/>
+        <a:font script="Hang" typeface="맑은 고딕"/>
+        <a:font script="Hans" typeface="等线 Light"/>
+        <a:font script="Hant" typeface="新細明體"/>
+        <a:font script="Arab" typeface="Times New Roman"/>
+        <a:font script="Hebr" typeface="Times New Roman"/>
+        <a:font script="Thai" typeface="Angsana New"/>
+        <a:font script="Ethi" typeface="Nyala"/>
+        <a:font script="Beng" typeface="Vrinda"/>
+        <a:font script="Gujr" typeface="Shruti"/>
+        <a:font script="Khmr" typeface="MoolBoran"/>
+        <a:font script="Knda" typeface="Tunga"/>
+        <a:font script="Guru" typeface="Raavi"/>
+        <a:font script="Cans" typeface="Euphemia"/>
+        <a:font script="Cher" typeface="Plantagenet Cherokee"/>
+        <a:font script="Yiii" typeface="Microsoft Yi Baiti"/>
+        <a:font script="Tibt" typeface="Microsoft Himalaya"/>
+        <a:font script="Thaa" typeface="MV Boli"/>
+        <a:font script="Deva" typeface="Mangal"/>
+        <a:font script="Telu" typeface="Gautami"/>
+        <a:font script="Taml" typeface="Latha"/>
+        <a:font script="Syrc" typeface="Estrangelo Edessa"/>
+        <a:font script="Orya" typeface="Kalinga"/>
+        <a:font script="Mlym" typeface="Kartika"/>
+        <a:font script="Laoo" typeface="DokChampa"/>
+        <a:font script="Sinh" typeface="Iskoola Pota"/>
+        <a:font script="Mong" typeface="Mongolian Baiti"/>
+        <a:font script="Viet" typeface="Times New Roman"/>
+        <a:font script="Uigh" typeface="Microsoft Uighur"/>
+        <a:font script="Geor" typeface="Sylfaen"/>
+        <a:font script="Armn" typeface="Arial"/>
+        <a:font script="Bugi" typeface="Leelawadee UI"/>
+        <a:font script="Bopo" typeface="Microsoft JhengHei"/>
+        <a:font script="Java" typeface="Javanese Text"/>
+        <a:font script="Lisu" typeface="Segoe UI"/>
+        <a:font script="Mymr" typeface="Myanmar Text"/>
+        <a:font script="Nkoo" typeface="Ebrima"/>
+        <a:font script="Olck" typeface="Nirmala UI"/>
+        <a:font script="Osma" typeface="Ebrima"/>
+        <a:font script="Phag" typeface="Phagspa"/>
+        <a:font script="Syrn" typeface="Estrangelo Edessa"/>
+        <a:font script="Syrj" typeface="Estrangelo Edessa"/>
+        <a:font script="Syre" typeface="Estrangelo Edessa"/>
+        <a:font script="Sora" typeface="Nirmala UI"/>
+        <a:font script="Tale" typeface="Microsoft Tai Le"/>
+        <a:font script="Talu" typeface="Microsoft New Tai Lue"/>
+        <a:font script="Tfng" typeface="Ebrima"/>
+      </a:majorFont>
+      <a:minorFont>
+        <a:latin typeface="Aptos" panose="02110004020202020204"/>
+        <a:ea typeface=""/>
+        <a:cs typeface=""/>
+        <a:font script="Jpan" typeface="游ゴシック"/>
+        <a:font script="Hang" typeface="맑은 고딕"/>
+        <a:font script="Hans" typeface="等线"/>
+        <a:font script="Hant" typeface="新細明體"/>
+        <a:font script="Arab" typeface="Arial"/>
+        <a:font script="Hebr" typeface="Arial"/>
+        <a:font script="Thai" typeface="Cordia New"/>
+        <a:font script="Ethi" typeface="Nyala"/>
+        <a:font script="Beng" typeface="Vrinda"/>
+        <a:font script="Gujr" typeface="Shruti"/>
+        <a:font script="Khmr" typeface="DaunPenh"/>
+        <a:font script="Knda" typeface="Tunga"/>
+        <a:font script="Guru" typeface="Raavi"/>
+        <a:font script="Cans" typeface="Euphemia"/>
+        <a:font script="Cher" typeface="Plantagenet Cherokee"/>
+        <a:font script="Yiii" typeface="Microsoft Yi Baiti"/>
+        <a:font script="Tibt" typeface="Microsoft Himalaya"/>
+        <a:font script="Thaa" typeface="MV Boli"/>
+        <a:font script="Deva" typeface="Mangal"/>
+        <a:font script="Telu" typeface="Gautami"/>
+        <a:font script="Taml" typeface="Latha"/>
+        <a:font script="Syrc" typeface="Estrangelo Edessa"/>
+        <a:font script="Orya" typeface="Kalinga"/>
+        <a:font script="Mlym" typeface="Kartika"/>
+        <a:font script="Laoo" typeface="DokChampa"/>
+        <a:font script="Sinh" typeface="Iskoola Pota"/>
+        <a:font script="Mong" typeface="Mongolian Baiti"/>
+        <a:font script="Viet" typeface="Arial"/>
+        <a:font script="Uigh" typeface="Microsoft Uighur"/>
+        <a:font script="Geor" typeface="Sylfaen"/>
+        <a:font script="Armn" typeface="Arial"/>
+        <a:font script="Bugi" typeface="Leelawadee UI"/>
+        <a:font script="Bopo" typeface="Microsoft JhengHei"/>
+        <a:font script="Java" typeface="Javanese Text"/>
+        <a:font script="Lisu" typeface="Segoe UI"/>
+        <a:font script="Mymr" typeface="Myanmar Text"/>
+        <a:font script="Nkoo" typeface="Ebrima"/>
+        <a:font script="Olck" typeface="Nirmala UI"/>
+        <a:font script="Osma" typeface="Ebrima"/>
+        <a:font script="Phag" typeface="Phagspa"/>
+        <a:font script="Syrn" typeface="Estrangelo Edessa"/>
+        <a:font script="Syrj" typeface="Estrangelo Edessa"/>
+        <a:font script="Syre" typeface="Estrangelo Edessa"/>
+        <a:font script="Sora" typeface="Nirmala UI"/>
+        <a:font script="Tale" typeface="Microsoft Tai Le"/>
+        <a:font script="Talu" typeface="Microsoft New Tai Lue"/>
+        <a:font script="Tfng" typeface="Ebrima"/>
+      </a:minorFont>
+    </a:fontScheme>
+    <a:fmtScheme name="Office">
+      <a:fillStyleLst>
+        <a:solidFill>
+          <a:schemeClr val="phClr"/>
+        </a:solidFill>
+        <a:gradFill rotWithShape="1">
+          <a:gsLst>
+            <a:gs pos="0">
+              <a:schemeClr val="phClr">
+                <a:lumMod val="110000"/>
+                <a:satMod val="105000"/>
+                <a:tint val="67000"/>
+              </a:schemeClr>
+            </a:gs>
+            <a:gs pos="50000">
+              <a:schemeClr val="phClr">
+                <a:lumMod val="105000"/>
+                <a:satMod val="103000"/>
+                <a:tint val="73000"/>
+              </a:schemeClr>
+            </a:gs>
+            <a:gs pos="100000">
+              <a:schemeClr val="phClr">
+                <a:lumMod val="105000"/>
+                <a:satMod val="109000"/>
+                <a:tint val="81000"/>
+              </a:schemeClr>
+            </a:gs>
+          </a:gsLst>
+          <a:lin ang="5400000" scaled="0"/>
+        </a:gradFill>
+        <a:gradFill rotWithShape="1">
+          <a:gsLst>
+            <a:gs pos="0">
+              <a:schemeClr val="phClr">
+                <a:satMod val="103000"/>
+                <a:lumMod val="102000"/>
+                <a:tint val="94000"/>
+              </a:schemeClr>
+            </a:gs>
+            <a:gs pos="50000">
+              <a:schemeClr val="phClr">
+                <a:satMod val="110000"/>
+                <a:lumMod val="100000"/>
+                <a:shade val="100000"/>
+              </a:schemeClr>
+            </a:gs>
+            <a:gs pos="100000">
+              <a:schemeClr val="phClr">
+                <a:lumMod val="99000"/>
+                <a:satMod val="120000"/>
+                <a:shade val="78000"/>
+              </a:schemeClr>
+            </a:gs>
+          </a:gsLst>
+          <a:lin ang="5400000" scaled="0"/>
+        </a:gradFill>
+      </a:fillStyleLst>
+      <a:lnStyleLst>
+        <a:ln w="12700" cap="flat" cmpd="sng" algn="ctr">
+          <a:solidFill>
+            <a:schemeClr val="phClr"/>
+          </a:solidFill>
+          <a:prstDash val="solid"/>
+          <a:miter lim="800000"/>
+        </a:ln>
+        <a:ln w="19050" cap="flat" cmpd="sng" algn="ctr">
+          <a:solidFill>
+            <a:schemeClr val="phClr"/>
+          </a:solidFill>
+          <a:prstDash val="solid"/>
+          <a:miter lim="800000"/>
+        </a:ln>
+        <a:ln w="25400" cap="flat" cmpd="sng" algn="ctr">
+          <a:solidFill>
+            <a:schemeClr val="phClr"/>
+          </a:solidFill>
+          <a:prstDash val="solid"/>
+          <a:miter lim="800000"/>
+        </a:ln>
+      </a:lnStyleLst>
+      <a:effectStyleLst>
+        <a:effectStyle>
+          <a:effectLst/>
+        </a:effectStyle>
+        <a:effectStyle>
+          <a:effectLst/>
+        </a:effectStyle>
+        <a:effectStyle>
+          <a:effectLst>
+            <a:outerShdw blurRad="57150" dist="19050" dir="5400000" algn="ctr" rotWithShape="0">
+              <a:srgbClr val="000000">
+                <a:alpha val="63000"/>
+              </a:srgbClr>
+            </a:outerShdw>
+          </a:effectLst>
+        </a:effectStyle>
+      </a:effectStyleLst>
+      <a:bgFillStyleLst>
+        <a:solidFill>
+          <a:schemeClr val="phClr"/>
+        </a:solidFill>
+        <a:solidFill>
+          <a:schemeClr val="phClr">
+            <a:tint val="95000"/>
+            <a:satMod val="170000"/>
+          </a:schemeClr>
+        </a:solidFill>
+        <a:gradFill rotWithShape="1">
+          <a:gsLst>
+            <a:gs pos="0">
+              <a:schemeClr val="phClr">
+                <a:tint val="93000"/>
+                <a:satMod val="150000"/>
+                <a:shade val="98000"/>
+                <a:lumMod val="102000"/>
+              </a:schemeClr>
+            </a:gs>
+            <a:gs pos="50000">
+              <a:schemeClr val="phClr">
+                <a:tint val="98000"/>
+                <a:satMod val="130000"/>
+                <a:shade val="90000"/>
+                <a:lumMod val="103000"/>
+              </a:schemeClr>
+            </a:gs>
+            <a:gs pos="100000">
+              <a:schemeClr val="phClr">
+                <a:shade val="63000"/>
+                <a:satMod val="120000"/>
+              </a:schemeClr>
+            </a:gs>
+          </a:gsLst>
+          <a:lin ang="5400000" scaled="0"/>
+        </a:gradFill>
+      </a:bgFillStyleLst>
+    </a:fmtScheme>
+  </a:themeElements>
+  <a:objectDefaults>
+    <a:lnDef>
+      <a:spPr/>
+      <a:bodyPr/>
+      <a:lstStyle/>
+      <a:style>
+        <a:lnRef idx="2">
+          <a:schemeClr val="accent1"/>
+        </a:lnRef>
+        <a:fillRef idx="0">
+          <a:schemeClr val="accent1"/>
+        </a:fillRef>
+        <a:effectRef idx="1">
+          <a:schemeClr val="accent1"/>
+        </a:effectRef>
+        <a:fontRef idx="minor">
+          <a:schemeClr val="tx1"/>
+        </a:fontRef>
+      </a:style>
+    </a:lnDef>
+  </a:objectDefaults>
+  <a:extraClrSchemeLst/>
+  <a:extLst>
+    <a:ext uri="{05A4C25C-085E-4340-85A3-A5531E510DB2}">
+      <thm15:themeFamily xmlns:thm15="http://schemas.microsoft.com/office/thememl/2012/main" name="Office Theme" id="{2E142A2C-CD16-42D6-873A-C26D2A0506FA}" vid="{1BDDFF52-6CD6-40A5-AB3C-68EB2F1E4D0A}"/>
+    </a:ext>
+  </a:extLst>
+</a:theme>
 </file>
--- a/Document/Presentation.pptx
+++ b/Document/Presentation.pptx
@@ -27,7 +27,7 @@
     <p:sldId id="286" r:id="rId18"/>
     <p:sldId id="285" r:id="rId19"/>
     <p:sldId id="270" r:id="rId20"/>
-    <p:sldId id="273" r:id="rId21"/>
+    <p:sldId id="287" r:id="rId21"/>
   </p:sldIdLst>
   <p:sldSz cx="12192000" cy="6858000"/>
   <p:notesSz cx="6858000" cy="9144000"/>
@@ -127,6 +127,34 @@
     </a:lvl9pPr>
   </p:defaultTextStyle>
   <p:extLst>
+    <p:ext uri="{521415D9-36F7-43E2-AB2F-B90AF26B5E84}">
+      <p14:sectionLst xmlns:p14="http://schemas.microsoft.com/office/powerpoint/2010/main">
+        <p14:section name="Default Section" id="{0B4C5CAC-579F-4384-81FE-E5407FDC928A}">
+          <p14:sldIdLst>
+            <p14:sldId id="256"/>
+            <p14:sldId id="259"/>
+            <p14:sldId id="260"/>
+            <p14:sldId id="262"/>
+            <p14:sldId id="266"/>
+            <p14:sldId id="265"/>
+            <p14:sldId id="267"/>
+            <p14:sldId id="268"/>
+            <p14:sldId id="269"/>
+            <p14:sldId id="271"/>
+            <p14:sldId id="284"/>
+            <p14:sldId id="278"/>
+            <p14:sldId id="279"/>
+            <p14:sldId id="280"/>
+            <p14:sldId id="281"/>
+            <p14:sldId id="282"/>
+            <p14:sldId id="286"/>
+            <p14:sldId id="285"/>
+            <p14:sldId id="270"/>
+            <p14:sldId id="287"/>
+          </p14:sldIdLst>
+        </p14:section>
+      </p14:sectionLst>
+    </p:ext>
     <p:ext uri="{EFAFB233-063F-42B5-8137-9DF3F51BA10A}">
       <p15:sldGuideLst xmlns:p15="http://schemas.microsoft.com/office/powerpoint/2012/main"/>
     </p:ext>
@@ -2397,10 +2425,9 @@
         <a:lstStyle/>
         <a:p>
           <a:r>
-            <a:rPr lang="bg-BG"/>
+            <a:rPr lang="bg-BG" noProof="0" dirty="0"/>
             <a:t>Увод</a:t>
           </a:r>
-          <a:endParaRPr lang="en-US"/>
         </a:p>
       </dgm:t>
     </dgm:pt>
@@ -2434,10 +2461,9 @@
         <a:lstStyle/>
         <a:p>
           <a:r>
-            <a:rPr lang="bg-BG"/>
+            <a:rPr lang="bg-BG" noProof="0" dirty="0"/>
             <a:t>Технологии</a:t>
           </a:r>
-          <a:endParaRPr lang="en-US"/>
         </a:p>
       </dgm:t>
     </dgm:pt>
@@ -2471,10 +2497,9 @@
         <a:lstStyle/>
         <a:p>
           <a:r>
-            <a:rPr lang="bg-BG"/>
+            <a:rPr lang="bg-BG" noProof="0" dirty="0"/>
             <a:t>Реализация</a:t>
           </a:r>
-          <a:endParaRPr lang="en-US"/>
         </a:p>
       </dgm:t>
     </dgm:pt>
@@ -2508,10 +2533,9 @@
         <a:lstStyle/>
         <a:p>
           <a:r>
-            <a:rPr lang="bg-BG"/>
+            <a:rPr lang="bg-BG" noProof="0" dirty="0"/>
             <a:t>Архитектура</a:t>
           </a:r>
-          <a:endParaRPr lang="en-US" dirty="0"/>
         </a:p>
       </dgm:t>
     </dgm:pt>
@@ -2545,10 +2569,9 @@
         <a:lstStyle/>
         <a:p>
           <a:r>
-            <a:rPr lang="bg-BG"/>
+            <a:rPr lang="bg-BG" noProof="0" dirty="0"/>
             <a:t>Бъдещо развитие</a:t>
           </a:r>
-          <a:endParaRPr lang="en-US"/>
         </a:p>
       </dgm:t>
     </dgm:pt>
@@ -2582,10 +2605,9 @@
         <a:lstStyle/>
         <a:p>
           <a:r>
-            <a:rPr lang="bg-BG" dirty="0"/>
+            <a:rPr lang="bg-BG" noProof="0" dirty="0"/>
             <a:t>Потребителски интерфейс</a:t>
           </a:r>
-          <a:endParaRPr lang="en-US" dirty="0"/>
         </a:p>
       </dgm:t>
     </dgm:pt>
@@ -2619,10 +2641,9 @@
         <a:lstStyle/>
         <a:p>
           <a:r>
-            <a:rPr lang="bg-BG" dirty="0"/>
+            <a:rPr lang="bg-BG" noProof="0" dirty="0"/>
             <a:t>База данни</a:t>
           </a:r>
-          <a:endParaRPr lang="en-US" dirty="0"/>
         </a:p>
       </dgm:t>
     </dgm:pt>
@@ -2656,10 +2677,9 @@
         <a:lstStyle/>
         <a:p>
           <a:r>
-            <a:rPr lang="bg-BG" dirty="0"/>
+            <a:rPr lang="bg-BG" noProof="0" dirty="0"/>
             <a:t>Потребители</a:t>
           </a:r>
-          <a:endParaRPr lang="en-US" dirty="0"/>
         </a:p>
       </dgm:t>
     </dgm:pt>
@@ -2693,10 +2713,9 @@
         <a:lstStyle/>
         <a:p>
           <a:r>
-            <a:rPr lang="bg-BG" dirty="0"/>
+            <a:rPr lang="bg-BG" noProof="0" dirty="0"/>
             <a:t>Семеен бюджет</a:t>
           </a:r>
-          <a:endParaRPr lang="en-US" dirty="0"/>
         </a:p>
       </dgm:t>
     </dgm:pt>
@@ -2941,7 +2960,7 @@
         <a:lstStyle/>
         <a:p>
           <a:r>
-            <a:rPr lang="en-US" dirty="0"/>
+            <a:rPr lang="bg-BG" noProof="0" dirty="0"/>
             <a:t>PostgreSQL</a:t>
           </a:r>
         </a:p>
@@ -2977,7 +2996,7 @@
         <a:lstStyle/>
         <a:p>
           <a:r>
-            <a:rPr lang="en-US"/>
+            <a:rPr lang="bg-BG" noProof="0" dirty="0"/>
             <a:t>ASP.NET Core</a:t>
           </a:r>
         </a:p>
@@ -3013,7 +3032,7 @@
         <a:lstStyle/>
         <a:p>
           <a:r>
-            <a:rPr lang="en-US"/>
+            <a:rPr lang="bg-BG" noProof="0" dirty="0"/>
             <a:t>Redis</a:t>
           </a:r>
         </a:p>
@@ -3049,7 +3068,7 @@
         <a:lstStyle/>
         <a:p>
           <a:r>
-            <a:rPr lang="en-US" dirty="0"/>
+            <a:rPr lang="bg-BG" noProof="0" dirty="0"/>
             <a:t>Blazor</a:t>
           </a:r>
         </a:p>
@@ -3085,7 +3104,7 @@
         <a:lstStyle/>
         <a:p>
           <a:r>
-            <a:rPr lang="en-US" dirty="0"/>
+            <a:rPr lang="bg-BG" noProof="0" dirty="0"/>
             <a:t>Papercut</a:t>
           </a:r>
         </a:p>
@@ -3121,7 +3140,7 @@
         <a:lstStyle/>
         <a:p>
           <a:r>
-            <a:rPr lang="en-US" dirty="0"/>
+            <a:rPr lang="bg-BG" noProof="0" dirty="0"/>
             <a:t>MudBlazor</a:t>
           </a:r>
         </a:p>
@@ -3157,7 +3176,7 @@
         <a:lstStyle/>
         <a:p>
           <a:r>
-            <a:rPr lang="en-US" dirty="0"/>
+            <a:rPr lang="bg-BG" noProof="0" dirty="0"/>
             <a:t>JetBrains Rider</a:t>
           </a:r>
         </a:p>
@@ -3413,10 +3432,9 @@
         <a:lstStyle/>
         <a:p>
           <a:r>
-            <a:rPr lang="bg-BG" dirty="0"/>
+            <a:rPr lang="bg-BG" noProof="0" dirty="0"/>
             <a:t>Изграждане на мобилно приложение</a:t>
           </a:r>
-          <a:endParaRPr lang="en-US" dirty="0"/>
         </a:p>
       </dgm:t>
     </dgm:pt>
@@ -3450,12 +3468,8 @@
         <a:lstStyle/>
         <a:p>
           <a:r>
-            <a:rPr lang="bg-BG"/>
-            <a:t>Интеграция на </a:t>
-          </a:r>
-          <a:r>
-            <a:rPr lang="en-US"/>
-            <a:t>OCR</a:t>
+            <a:rPr lang="bg-BG" noProof="0" dirty="0"/>
+            <a:t>Интеграция на OCR</a:t>
           </a:r>
         </a:p>
       </dgm:t>
@@ -3490,10 +3504,9 @@
         <a:lstStyle/>
         <a:p>
           <a:r>
-            <a:rPr lang="bg-BG" dirty="0"/>
+            <a:rPr lang="bg-BG" noProof="0" dirty="0"/>
             <a:t>Възможност за работа с различни валути</a:t>
           </a:r>
-          <a:endParaRPr lang="en-US" dirty="0"/>
         </a:p>
       </dgm:t>
     </dgm:pt>
@@ -3527,10 +3540,9 @@
         <a:lstStyle/>
         <a:p>
           <a:r>
-            <a:rPr lang="bg-BG" dirty="0"/>
+            <a:rPr lang="bg-BG" noProof="0" dirty="0"/>
             <a:t>Подобряване на потребителският интерфейс</a:t>
           </a:r>
-          <a:endParaRPr lang="en-US" dirty="0"/>
         </a:p>
       </dgm:t>
     </dgm:pt>
@@ -3564,10 +3576,9 @@
         <a:lstStyle/>
         <a:p>
           <a:r>
-            <a:rPr lang="bg-BG" dirty="0"/>
+            <a:rPr lang="bg-BG" noProof="0" dirty="0"/>
             <a:t>Повишаване на сигурността</a:t>
           </a:r>
-          <a:endParaRPr lang="en-US" dirty="0"/>
         </a:p>
       </dgm:t>
     </dgm:pt>
@@ -3920,10 +3931,9 @@
             <a:buNone/>
           </a:pPr>
           <a:r>
-            <a:rPr lang="bg-BG" sz="2100" kern="1200"/>
+            <a:rPr lang="bg-BG" sz="2100" kern="1200" noProof="0"/>
             <a:t>Увод</a:t>
           </a:r>
-          <a:endParaRPr lang="en-US" sz="2100" kern="1200"/>
         </a:p>
       </dsp:txBody>
       <dsp:txXfrm>
@@ -4069,10 +4079,9 @@
             <a:buNone/>
           </a:pPr>
           <a:r>
-            <a:rPr lang="bg-BG" sz="2100" kern="1200"/>
+            <a:rPr lang="bg-BG" sz="2100" kern="1200" noProof="0"/>
             <a:t>Технологии</a:t>
           </a:r>
-          <a:endParaRPr lang="en-US" sz="2100" kern="1200"/>
         </a:p>
       </dsp:txBody>
       <dsp:txXfrm>
@@ -4147,10 +4156,9 @@
             <a:buChar char="•"/>
           </a:pPr>
           <a:r>
-            <a:rPr lang="bg-BG" sz="2100" kern="1200"/>
+            <a:rPr lang="bg-BG" sz="2100" kern="1200" noProof="0" dirty="0"/>
             <a:t>Архитектура</a:t>
           </a:r>
-          <a:endParaRPr lang="en-US" sz="2100" kern="1200" dirty="0"/>
         </a:p>
         <a:p>
           <a:pPr marL="228600" lvl="1" indent="-228600" algn="l" defTabSz="933450">
@@ -4166,10 +4174,9 @@
             <a:buChar char="•"/>
           </a:pPr>
           <a:r>
-            <a:rPr lang="bg-BG" sz="2100" kern="1200" dirty="0"/>
+            <a:rPr lang="bg-BG" sz="2100" kern="1200" noProof="0" dirty="0"/>
             <a:t>База данни</a:t>
           </a:r>
-          <a:endParaRPr lang="en-US" sz="2100" kern="1200" dirty="0"/>
         </a:p>
         <a:p>
           <a:pPr marL="228600" lvl="1" indent="-228600" algn="l" defTabSz="933450">
@@ -4185,10 +4192,9 @@
             <a:buChar char="•"/>
           </a:pPr>
           <a:r>
-            <a:rPr lang="bg-BG" sz="2100" kern="1200" dirty="0"/>
+            <a:rPr lang="bg-BG" sz="2100" kern="1200" noProof="0" dirty="0"/>
             <a:t>Потребители</a:t>
           </a:r>
-          <a:endParaRPr lang="en-US" sz="2100" kern="1200" dirty="0"/>
         </a:p>
         <a:p>
           <a:pPr marL="228600" lvl="1" indent="-228600" algn="l" defTabSz="933450">
@@ -4204,10 +4210,9 @@
             <a:buChar char="•"/>
           </a:pPr>
           <a:r>
-            <a:rPr lang="bg-BG" sz="2100" kern="1200" dirty="0"/>
+            <a:rPr lang="bg-BG" sz="2100" kern="1200" noProof="0" dirty="0"/>
             <a:t>Семеен бюджет</a:t>
           </a:r>
-          <a:endParaRPr lang="en-US" sz="2100" kern="1200" dirty="0"/>
         </a:p>
         <a:p>
           <a:pPr marL="228600" lvl="1" indent="-228600" algn="l" defTabSz="933450">
@@ -4223,10 +4228,9 @@
             <a:buChar char="•"/>
           </a:pPr>
           <a:r>
-            <a:rPr lang="bg-BG" sz="2100" kern="1200" dirty="0"/>
+            <a:rPr lang="bg-BG" sz="2100" kern="1200" noProof="0" dirty="0"/>
             <a:t>Потребителски интерфейс</a:t>
           </a:r>
-          <a:endParaRPr lang="en-US" sz="2100" kern="1200" dirty="0"/>
         </a:p>
       </dsp:txBody>
       <dsp:txXfrm>
@@ -4323,10 +4327,9 @@
             <a:buNone/>
           </a:pPr>
           <a:r>
-            <a:rPr lang="bg-BG" sz="2100" kern="1200"/>
+            <a:rPr lang="bg-BG" sz="2100" kern="1200" noProof="0"/>
             <a:t>Реализация</a:t>
           </a:r>
-          <a:endParaRPr lang="en-US" sz="2100" kern="1200"/>
         </a:p>
       </dsp:txBody>
       <dsp:txXfrm>
@@ -4472,10 +4475,9 @@
             <a:buNone/>
           </a:pPr>
           <a:r>
-            <a:rPr lang="bg-BG" sz="2100" kern="1200"/>
+            <a:rPr lang="bg-BG" sz="2100" kern="1200" noProof="0"/>
             <a:t>Бъдещо развитие</a:t>
           </a:r>
-          <a:endParaRPr lang="en-US" sz="2100" kern="1200"/>
         </a:p>
       </dsp:txBody>
       <dsp:txXfrm>
@@ -4595,7 +4597,7 @@
             <a:buNone/>
           </a:pPr>
           <a:r>
-            <a:rPr lang="en-US" sz="1900" kern="1200" dirty="0"/>
+            <a:rPr lang="en-US" sz="1900" kern="1200" noProof="0" dirty="0"/>
             <a:t>PostgreSQL</a:t>
           </a:r>
         </a:p>
@@ -4705,7 +4707,7 @@
             <a:buNone/>
           </a:pPr>
           <a:r>
-            <a:rPr lang="en-US" sz="1900" kern="1200"/>
+            <a:rPr lang="en-US" sz="1900" kern="1200" noProof="0"/>
             <a:t>ASP.NET Core</a:t>
           </a:r>
         </a:p>
@@ -4815,7 +4817,7 @@
             <a:buNone/>
           </a:pPr>
           <a:r>
-            <a:rPr lang="en-US" sz="1900" kern="1200"/>
+            <a:rPr lang="en-US" sz="1900" kern="1200" noProof="0"/>
             <a:t>Redis</a:t>
           </a:r>
         </a:p>
@@ -4925,7 +4927,7 @@
             <a:buNone/>
           </a:pPr>
           <a:r>
-            <a:rPr lang="en-US" sz="1900" kern="1200" dirty="0"/>
+            <a:rPr lang="en-US" sz="1900" kern="1200" noProof="0" dirty="0"/>
             <a:t>Blazor</a:t>
           </a:r>
         </a:p>
@@ -5035,7 +5037,7 @@
             <a:buNone/>
           </a:pPr>
           <a:r>
-            <a:rPr lang="en-US" sz="1900" kern="1200" dirty="0"/>
+            <a:rPr lang="en-US" sz="1900" kern="1200" noProof="0" dirty="0"/>
             <a:t>MudBlazor</a:t>
           </a:r>
         </a:p>
@@ -5145,7 +5147,7 @@
             <a:buNone/>
           </a:pPr>
           <a:r>
-            <a:rPr lang="en-US" sz="1900" kern="1200" dirty="0"/>
+            <a:rPr lang="en-US" sz="1900" kern="1200" noProof="0" dirty="0"/>
             <a:t>Papercut</a:t>
           </a:r>
         </a:p>
@@ -5255,7 +5257,7 @@
             <a:buNone/>
           </a:pPr>
           <a:r>
-            <a:rPr lang="en-US" sz="1900" kern="1200" dirty="0"/>
+            <a:rPr lang="en-US" sz="1900" kern="1200" noProof="0" dirty="0"/>
             <a:t>JetBrains Rider</a:t>
           </a:r>
         </a:p>
@@ -5398,10 +5400,9 @@
             <a:buNone/>
           </a:pPr>
           <a:r>
-            <a:rPr lang="bg-BG" sz="1600" kern="1200" dirty="0"/>
+            <a:rPr lang="bg-BG" sz="1600" kern="1200" noProof="0" dirty="0"/>
             <a:t>Изграждане на мобилно приложение</a:t>
           </a:r>
-          <a:endParaRPr lang="en-US" sz="1600" kern="1200" dirty="0"/>
         </a:p>
       </dsp:txBody>
       <dsp:txXfrm>
@@ -5530,12 +5531,8 @@
             <a:buNone/>
           </a:pPr>
           <a:r>
-            <a:rPr lang="bg-BG" sz="1600" kern="1200"/>
-            <a:t>Интеграция на </a:t>
-          </a:r>
-          <a:r>
-            <a:rPr lang="en-US" sz="1600" kern="1200"/>
-            <a:t>OCR</a:t>
+            <a:rPr lang="bg-BG" sz="1600" kern="1200" noProof="0"/>
+            <a:t>Интеграция на OCR</a:t>
           </a:r>
         </a:p>
       </dsp:txBody>
@@ -5665,10 +5662,9 @@
             <a:buNone/>
           </a:pPr>
           <a:r>
-            <a:rPr lang="bg-BG" sz="1600" kern="1200" dirty="0"/>
+            <a:rPr lang="bg-BG" sz="1600" kern="1200" noProof="0" dirty="0"/>
             <a:t>Възможност за работа с различни валути</a:t>
           </a:r>
-          <a:endParaRPr lang="en-US" sz="1600" kern="1200" dirty="0"/>
         </a:p>
       </dsp:txBody>
       <dsp:txXfrm>
@@ -5797,10 +5793,9 @@
             <a:buNone/>
           </a:pPr>
           <a:r>
-            <a:rPr lang="bg-BG" sz="1600" kern="1200" dirty="0"/>
+            <a:rPr lang="bg-BG" sz="1600" kern="1200" noProof="0" dirty="0"/>
             <a:t>Подобряване на потребителският интерфейс</a:t>
           </a:r>
-          <a:endParaRPr lang="en-US" sz="1600" kern="1200" dirty="0"/>
         </a:p>
       </dsp:txBody>
       <dsp:txXfrm>
@@ -5929,10 +5924,9 @@
             <a:buNone/>
           </a:pPr>
           <a:r>
-            <a:rPr lang="bg-BG" sz="1600" kern="1200" dirty="0"/>
+            <a:rPr lang="bg-BG" sz="1600" kern="1200" noProof="0" dirty="0"/>
             <a:t>Повишаване на сигурността</a:t>
           </a:r>
-          <a:endParaRPr lang="en-US" sz="1600" kern="1200" dirty="0"/>
         </a:p>
       </dsp:txBody>
       <dsp:txXfrm>
@@ -10044,7 +10038,7 @@
             </a:lvl1pPr>
           </a:lstStyle>
           <a:p>
-            <a:endParaRPr lang="bg-BG"/>
+            <a:endParaRPr lang="bg-BG" dirty="0"/>
           </a:p>
         </p:txBody>
       </p:sp>
@@ -10077,9 +10071,9 @@
           <a:p>
             <a:fld id="{6D6D1040-B092-4D52-B8C3-943E0B4A8CD5}" type="datetimeFigureOut">
               <a:rPr lang="bg-BG" smtClean="0"/>
-              <a:t>23.6.2025 г.</a:t>
+              <a:t>26.6.2025 г.</a:t>
             </a:fld>
-            <a:endParaRPr lang="bg-BG"/>
+            <a:endParaRPr lang="bg-BG" dirty="0"/>
           </a:p>
         </p:txBody>
       </p:sp>
@@ -10112,7 +10106,7 @@
           <a:bodyPr vert="horz" lIns="91440" tIns="45720" rIns="91440" bIns="45720" rtlCol="0" anchor="ctr"/>
           <a:lstStyle/>
           <a:p>
-            <a:endParaRPr lang="bg-BG"/>
+            <a:endParaRPr lang="bg-BG" dirty="0"/>
           </a:p>
         </p:txBody>
       </p:sp>
@@ -10203,7 +10197,7 @@
             </a:lvl1pPr>
           </a:lstStyle>
           <a:p>
-            <a:endParaRPr lang="bg-BG"/>
+            <a:endParaRPr lang="bg-BG" dirty="0"/>
           </a:p>
         </p:txBody>
       </p:sp>
@@ -10238,7 +10232,7 @@
               <a:rPr lang="bg-BG" smtClean="0"/>
               <a:t>‹#›</a:t>
             </a:fld>
-            <a:endParaRPr lang="bg-BG"/>
+            <a:endParaRPr lang="bg-BG" dirty="0"/>
           </a:p>
         </p:txBody>
       </p:sp>
@@ -10412,7 +10406,7 @@
               <a:rPr lang="bg-BG" smtClean="0"/>
               <a:t>4</a:t>
             </a:fld>
-            <a:endParaRPr lang="bg-BG"/>
+            <a:endParaRPr lang="bg-BG" dirty="0"/>
           </a:p>
         </p:txBody>
       </p:sp>
@@ -10420,6 +10414,211 @@
     <p:extLst>
       <p:ext uri="{BB962C8B-B14F-4D97-AF65-F5344CB8AC3E}">
         <p14:creationId xmlns:p14="http://schemas.microsoft.com/office/powerpoint/2010/main" val="462984853"/>
+      </p:ext>
+    </p:extLst>
+  </p:cSld>
+  <p:clrMapOvr>
+    <a:masterClrMapping/>
+  </p:clrMapOvr>
+</p:notes>
+</file>
+
+<file path=ppt/notesSlides/notesSlide2.xml><?xml version="1.0" encoding="utf-8"?>
+<p:notes xmlns:a="http://schemas.openxmlformats.org/drawingml/2006/main" xmlns:r="http://schemas.openxmlformats.org/officeDocument/2006/relationships" xmlns:p="http://schemas.openxmlformats.org/presentationml/2006/main">
+  <p:cSld>
+    <p:spTree>
+      <p:nvGrpSpPr>
+        <p:cNvPr id="1" name=""/>
+        <p:cNvGrpSpPr/>
+        <p:nvPr/>
+      </p:nvGrpSpPr>
+      <p:grpSpPr>
+        <a:xfrm>
+          <a:off x="0" y="0"/>
+          <a:ext cx="0" cy="0"/>
+          <a:chOff x="0" y="0"/>
+          <a:chExt cx="0" cy="0"/>
+        </a:xfrm>
+      </p:grpSpPr>
+      <p:sp>
+        <p:nvSpPr>
+          <p:cNvPr id="2" name="Slide Image Placeholder 1"/>
+          <p:cNvSpPr>
+            <a:spLocks noGrp="1" noRot="1" noChangeAspect="1"/>
+          </p:cNvSpPr>
+          <p:nvPr>
+            <p:ph type="sldImg"/>
+          </p:nvPr>
+        </p:nvSpPr>
+        <p:spPr/>
+      </p:sp>
+      <p:sp>
+        <p:nvSpPr>
+          <p:cNvPr id="3" name="Notes Placeholder 2"/>
+          <p:cNvSpPr>
+            <a:spLocks noGrp="1"/>
+          </p:cNvSpPr>
+          <p:nvPr>
+            <p:ph type="body" idx="1"/>
+          </p:nvPr>
+        </p:nvSpPr>
+        <p:spPr/>
+        <p:txBody>
+          <a:bodyPr/>
+          <a:lstStyle/>
+          <a:p>
+            <a:endParaRPr lang="bg-BG" dirty="0"/>
+          </a:p>
+        </p:txBody>
+      </p:sp>
+      <p:sp>
+        <p:nvSpPr>
+          <p:cNvPr id="4" name="Slide Number Placeholder 3"/>
+          <p:cNvSpPr>
+            <a:spLocks noGrp="1"/>
+          </p:cNvSpPr>
+          <p:nvPr>
+            <p:ph type="sldNum" sz="quarter" idx="5"/>
+          </p:nvPr>
+        </p:nvSpPr>
+        <p:spPr/>
+        <p:txBody>
+          <a:bodyPr/>
+          <a:lstStyle/>
+          <a:p>
+            <a:fld id="{915A2E96-BBC1-4A81-AACE-256CCC557776}" type="slidenum">
+              <a:rPr lang="bg-BG" smtClean="0"/>
+              <a:t>16</a:t>
+            </a:fld>
+            <a:endParaRPr lang="bg-BG" dirty="0"/>
+          </a:p>
+        </p:txBody>
+      </p:sp>
+    </p:spTree>
+    <p:extLst>
+      <p:ext uri="{BB962C8B-B14F-4D97-AF65-F5344CB8AC3E}">
+        <p14:creationId xmlns:p14="http://schemas.microsoft.com/office/powerpoint/2010/main" val="3778247295"/>
+      </p:ext>
+    </p:extLst>
+  </p:cSld>
+  <p:clrMapOvr>
+    <a:masterClrMapping/>
+  </p:clrMapOvr>
+</p:notes>
+</file>
+
+<file path=ppt/notesSlides/notesSlide3.xml><?xml version="1.0" encoding="utf-8"?>
+<p:notes xmlns:a="http://schemas.openxmlformats.org/drawingml/2006/main" xmlns:r="http://schemas.openxmlformats.org/officeDocument/2006/relationships" xmlns:p="http://schemas.openxmlformats.org/presentationml/2006/main">
+  <p:cSld>
+    <p:spTree>
+      <p:nvGrpSpPr>
+        <p:cNvPr id="1" name=""/>
+        <p:cNvGrpSpPr/>
+        <p:nvPr/>
+      </p:nvGrpSpPr>
+      <p:grpSpPr>
+        <a:xfrm>
+          <a:off x="0" y="0"/>
+          <a:ext cx="0" cy="0"/>
+          <a:chOff x="0" y="0"/>
+          <a:chExt cx="0" cy="0"/>
+        </a:xfrm>
+      </p:grpSpPr>
+      <p:sp>
+        <p:nvSpPr>
+          <p:cNvPr id="2" name="Slide Image Placeholder 1"/>
+          <p:cNvSpPr>
+            <a:spLocks noGrp="1" noRot="1" noChangeAspect="1"/>
+          </p:cNvSpPr>
+          <p:nvPr>
+            <p:ph type="sldImg"/>
+          </p:nvPr>
+        </p:nvSpPr>
+        <p:spPr/>
+      </p:sp>
+      <p:sp>
+        <p:nvSpPr>
+          <p:cNvPr id="3" name="Notes Placeholder 2"/>
+          <p:cNvSpPr>
+            <a:spLocks noGrp="1"/>
+          </p:cNvSpPr>
+          <p:nvPr>
+            <p:ph type="body" idx="1"/>
+          </p:nvPr>
+        </p:nvSpPr>
+        <p:spPr/>
+        <p:txBody>
+          <a:bodyPr/>
+          <a:lstStyle/>
+          <a:p>
+            <a:r>
+              <a:rPr lang="bg-BG" dirty="0"/>
+              <a:t>Логика в </a:t>
+            </a:r>
+            <a:r>
+              <a:rPr lang="en-US" dirty="0"/>
+              <a:t>PostgreSQL</a:t>
+            </a:r>
+            <a:r>
+              <a:rPr lang="bg-BG" dirty="0"/>
+              <a:t> – В конкретния случай съзнателно следваме „Първо код“ и се стремим да запазим бизнес логиката извън базата данни като така се постига по лесно поддръжка и тестване на бизнес логиката. Също така се позволява лесна бъдеща миграция към друга система за база данни. </a:t>
+            </a:r>
+            <a:endParaRPr lang="ru-RU" dirty="0"/>
+          </a:p>
+          <a:p>
+            <a:endParaRPr lang="bg-BG" dirty="0"/>
+          </a:p>
+          <a:p>
+            <a:r>
+              <a:rPr lang="bg-BG" dirty="0"/>
+              <a:t>Различни валутни курсове </a:t>
+            </a:r>
+            <a:r>
+              <a:rPr lang="en-US" dirty="0"/>
+              <a:t>– </a:t>
+            </a:r>
+            <a:r>
+              <a:rPr lang="bg-BG" dirty="0"/>
+              <a:t>потребителя да може да си избере предпочитана валута;  Валутата ще бъде избрана по подразбиране във формата за създаване на транзакции.  В менюто за всички транзакции ще бъде показвана стойността на транзакцията във предпочитаната валута. Ако потребителя въведе транзакция в друга валута да се появи допълнителна колона в която да бъде показана стойността в предпочитаната валута. За превалутиране да се използва </a:t>
+            </a:r>
+            <a:r>
+              <a:rPr lang="en-US" dirty="0"/>
+              <a:t>API </a:t>
+            </a:r>
+            <a:r>
+              <a:rPr lang="bg-BG" dirty="0"/>
+              <a:t>да достъп до реални валутни курсове.</a:t>
+            </a:r>
+          </a:p>
+        </p:txBody>
+      </p:sp>
+      <p:sp>
+        <p:nvSpPr>
+          <p:cNvPr id="4" name="Slide Number Placeholder 3"/>
+          <p:cNvSpPr>
+            <a:spLocks noGrp="1"/>
+          </p:cNvSpPr>
+          <p:nvPr>
+            <p:ph type="sldNum" sz="quarter" idx="5"/>
+          </p:nvPr>
+        </p:nvSpPr>
+        <p:spPr/>
+        <p:txBody>
+          <a:bodyPr/>
+          <a:lstStyle/>
+          <a:p>
+            <a:fld id="{915A2E96-BBC1-4A81-AACE-256CCC557776}" type="slidenum">
+              <a:rPr lang="bg-BG" smtClean="0"/>
+              <a:t>20</a:t>
+            </a:fld>
+            <a:endParaRPr lang="bg-BG" dirty="0"/>
+          </a:p>
+        </p:txBody>
+      </p:sp>
+    </p:spTree>
+    <p:extLst>
+      <p:ext uri="{BB962C8B-B14F-4D97-AF65-F5344CB8AC3E}">
+        <p14:creationId xmlns:p14="http://schemas.microsoft.com/office/powerpoint/2010/main" val="17879038"/>
       </p:ext>
     </p:extLst>
   </p:cSld>
@@ -10578,9 +10777,9 @@
           <a:p>
             <a:fld id="{DC796D05-CC1A-441E-9160-C5D56DB8F904}" type="datetimeFigureOut">
               <a:rPr lang="bg-BG" smtClean="0"/>
-              <a:t>23.6.2025 г.</a:t>
+              <a:t>26.6.2025 г.</a:t>
             </a:fld>
-            <a:endParaRPr lang="bg-BG"/>
+            <a:endParaRPr lang="bg-BG" dirty="0"/>
           </a:p>
         </p:txBody>
       </p:sp>
@@ -10605,7 +10804,7 @@
           <a:bodyPr/>
           <a:lstStyle/>
           <a:p>
-            <a:endParaRPr lang="bg-BG"/>
+            <a:endParaRPr lang="bg-BG" dirty="0"/>
           </a:p>
         </p:txBody>
       </p:sp>
@@ -10634,7 +10833,7 @@
               <a:rPr lang="bg-BG" smtClean="0"/>
               <a:t>‹#›</a:t>
             </a:fld>
-            <a:endParaRPr lang="bg-BG"/>
+            <a:endParaRPr lang="bg-BG" dirty="0"/>
           </a:p>
         </p:txBody>
       </p:sp>
@@ -10778,9 +10977,9 @@
           <a:p>
             <a:fld id="{DC796D05-CC1A-441E-9160-C5D56DB8F904}" type="datetimeFigureOut">
               <a:rPr lang="bg-BG" smtClean="0"/>
-              <a:t>23.6.2025 г.</a:t>
+              <a:t>26.6.2025 г.</a:t>
             </a:fld>
-            <a:endParaRPr lang="bg-BG"/>
+            <a:endParaRPr lang="bg-BG" dirty="0"/>
           </a:p>
         </p:txBody>
       </p:sp>
@@ -10805,7 +11004,7 @@
           <a:bodyPr/>
           <a:lstStyle/>
           <a:p>
-            <a:endParaRPr lang="bg-BG"/>
+            <a:endParaRPr lang="bg-BG" dirty="0"/>
           </a:p>
         </p:txBody>
       </p:sp>
@@ -10834,7 +11033,7 @@
               <a:rPr lang="bg-BG" smtClean="0"/>
               <a:t>‹#›</a:t>
             </a:fld>
-            <a:endParaRPr lang="bg-BG"/>
+            <a:endParaRPr lang="bg-BG" dirty="0"/>
           </a:p>
         </p:txBody>
       </p:sp>
@@ -10988,9 +11187,9 @@
           <a:p>
             <a:fld id="{DC796D05-CC1A-441E-9160-C5D56DB8F904}" type="datetimeFigureOut">
               <a:rPr lang="bg-BG" smtClean="0"/>
-              <a:t>23.6.2025 г.</a:t>
+              <a:t>26.6.2025 г.</a:t>
             </a:fld>
-            <a:endParaRPr lang="bg-BG"/>
+            <a:endParaRPr lang="bg-BG" dirty="0"/>
           </a:p>
         </p:txBody>
       </p:sp>
@@ -11015,7 +11214,7 @@
           <a:bodyPr/>
           <a:lstStyle/>
           <a:p>
-            <a:endParaRPr lang="bg-BG"/>
+            <a:endParaRPr lang="bg-BG" dirty="0"/>
           </a:p>
         </p:txBody>
       </p:sp>
@@ -11044,7 +11243,7 @@
               <a:rPr lang="bg-BG" smtClean="0"/>
               <a:t>‹#›</a:t>
             </a:fld>
-            <a:endParaRPr lang="bg-BG"/>
+            <a:endParaRPr lang="bg-BG" dirty="0"/>
           </a:p>
         </p:txBody>
       </p:sp>
@@ -11188,9 +11387,9 @@
           <a:p>
             <a:fld id="{DC796D05-CC1A-441E-9160-C5D56DB8F904}" type="datetimeFigureOut">
               <a:rPr lang="bg-BG" smtClean="0"/>
-              <a:t>23.6.2025 г.</a:t>
+              <a:t>26.6.2025 г.</a:t>
             </a:fld>
-            <a:endParaRPr lang="bg-BG"/>
+            <a:endParaRPr lang="bg-BG" dirty="0"/>
           </a:p>
         </p:txBody>
       </p:sp>
@@ -11215,7 +11414,7 @@
           <a:bodyPr/>
           <a:lstStyle/>
           <a:p>
-            <a:endParaRPr lang="bg-BG"/>
+            <a:endParaRPr lang="bg-BG" dirty="0"/>
           </a:p>
         </p:txBody>
       </p:sp>
@@ -11244,7 +11443,7 @@
               <a:rPr lang="bg-BG" smtClean="0"/>
               <a:t>‹#›</a:t>
             </a:fld>
-            <a:endParaRPr lang="bg-BG"/>
+            <a:endParaRPr lang="bg-BG" dirty="0"/>
           </a:p>
         </p:txBody>
       </p:sp>
@@ -11464,9 +11663,9 @@
           <a:p>
             <a:fld id="{DC796D05-CC1A-441E-9160-C5D56DB8F904}" type="datetimeFigureOut">
               <a:rPr lang="bg-BG" smtClean="0"/>
-              <a:t>23.6.2025 г.</a:t>
+              <a:t>26.6.2025 г.</a:t>
             </a:fld>
-            <a:endParaRPr lang="bg-BG"/>
+            <a:endParaRPr lang="bg-BG" dirty="0"/>
           </a:p>
         </p:txBody>
       </p:sp>
@@ -11491,7 +11690,7 @@
           <a:bodyPr/>
           <a:lstStyle/>
           <a:p>
-            <a:endParaRPr lang="bg-BG"/>
+            <a:endParaRPr lang="bg-BG" dirty="0"/>
           </a:p>
         </p:txBody>
       </p:sp>
@@ -11520,7 +11719,7 @@
               <a:rPr lang="bg-BG" smtClean="0"/>
               <a:t>‹#›</a:t>
             </a:fld>
-            <a:endParaRPr lang="bg-BG"/>
+            <a:endParaRPr lang="bg-BG" dirty="0"/>
           </a:p>
         </p:txBody>
       </p:sp>
@@ -11732,9 +11931,9 @@
           <a:p>
             <a:fld id="{DC796D05-CC1A-441E-9160-C5D56DB8F904}" type="datetimeFigureOut">
               <a:rPr lang="bg-BG" smtClean="0"/>
-              <a:t>23.6.2025 г.</a:t>
+              <a:t>26.6.2025 г.</a:t>
             </a:fld>
-            <a:endParaRPr lang="bg-BG"/>
+            <a:endParaRPr lang="bg-BG" dirty="0"/>
           </a:p>
         </p:txBody>
       </p:sp>
@@ -11759,7 +11958,7 @@
           <a:bodyPr/>
           <a:lstStyle/>
           <a:p>
-            <a:endParaRPr lang="bg-BG"/>
+            <a:endParaRPr lang="bg-BG" dirty="0"/>
           </a:p>
         </p:txBody>
       </p:sp>
@@ -11788,7 +11987,7 @@
               <a:rPr lang="bg-BG" smtClean="0"/>
               <a:t>‹#›</a:t>
             </a:fld>
-            <a:endParaRPr lang="bg-BG"/>
+            <a:endParaRPr lang="bg-BG" dirty="0"/>
           </a:p>
         </p:txBody>
       </p:sp>
@@ -12147,9 +12346,9 @@
           <a:p>
             <a:fld id="{DC796D05-CC1A-441E-9160-C5D56DB8F904}" type="datetimeFigureOut">
               <a:rPr lang="bg-BG" smtClean="0"/>
-              <a:t>23.6.2025 г.</a:t>
+              <a:t>26.6.2025 г.</a:t>
             </a:fld>
-            <a:endParaRPr lang="bg-BG"/>
+            <a:endParaRPr lang="bg-BG" dirty="0"/>
           </a:p>
         </p:txBody>
       </p:sp>
@@ -12174,7 +12373,7 @@
           <a:bodyPr/>
           <a:lstStyle/>
           <a:p>
-            <a:endParaRPr lang="bg-BG"/>
+            <a:endParaRPr lang="bg-BG" dirty="0"/>
           </a:p>
         </p:txBody>
       </p:sp>
@@ -12203,7 +12402,7 @@
               <a:rPr lang="bg-BG" smtClean="0"/>
               <a:t>‹#›</a:t>
             </a:fld>
-            <a:endParaRPr lang="bg-BG"/>
+            <a:endParaRPr lang="bg-BG" dirty="0"/>
           </a:p>
         </p:txBody>
       </p:sp>
@@ -12289,9 +12488,9 @@
           <a:p>
             <a:fld id="{DC796D05-CC1A-441E-9160-C5D56DB8F904}" type="datetimeFigureOut">
               <a:rPr lang="bg-BG" smtClean="0"/>
-              <a:t>23.6.2025 г.</a:t>
+              <a:t>26.6.2025 г.</a:t>
             </a:fld>
-            <a:endParaRPr lang="bg-BG"/>
+            <a:endParaRPr lang="bg-BG" dirty="0"/>
           </a:p>
         </p:txBody>
       </p:sp>
@@ -12316,7 +12515,7 @@
           <a:bodyPr/>
           <a:lstStyle/>
           <a:p>
-            <a:endParaRPr lang="bg-BG"/>
+            <a:endParaRPr lang="bg-BG" dirty="0"/>
           </a:p>
         </p:txBody>
       </p:sp>
@@ -12345,7 +12544,7 @@
               <a:rPr lang="bg-BG" smtClean="0"/>
               <a:t>‹#›</a:t>
             </a:fld>
-            <a:endParaRPr lang="bg-BG"/>
+            <a:endParaRPr lang="bg-BG" dirty="0"/>
           </a:p>
         </p:txBody>
       </p:sp>
@@ -12402,9 +12601,9 @@
           <a:p>
             <a:fld id="{DC796D05-CC1A-441E-9160-C5D56DB8F904}" type="datetimeFigureOut">
               <a:rPr lang="bg-BG" smtClean="0"/>
-              <a:t>23.6.2025 г.</a:t>
+              <a:t>26.6.2025 г.</a:t>
             </a:fld>
-            <a:endParaRPr lang="bg-BG"/>
+            <a:endParaRPr lang="bg-BG" dirty="0"/>
           </a:p>
         </p:txBody>
       </p:sp>
@@ -12429,7 +12628,7 @@
           <a:bodyPr/>
           <a:lstStyle/>
           <a:p>
-            <a:endParaRPr lang="bg-BG"/>
+            <a:endParaRPr lang="bg-BG" dirty="0"/>
           </a:p>
         </p:txBody>
       </p:sp>
@@ -12458,7 +12657,7 @@
               <a:rPr lang="bg-BG" smtClean="0"/>
               <a:t>‹#›</a:t>
             </a:fld>
-            <a:endParaRPr lang="bg-BG"/>
+            <a:endParaRPr lang="bg-BG" dirty="0"/>
           </a:p>
         </p:txBody>
       </p:sp>
@@ -12715,9 +12914,9 @@
           <a:p>
             <a:fld id="{DC796D05-CC1A-441E-9160-C5D56DB8F904}" type="datetimeFigureOut">
               <a:rPr lang="bg-BG" smtClean="0"/>
-              <a:t>23.6.2025 г.</a:t>
+              <a:t>26.6.2025 г.</a:t>
             </a:fld>
-            <a:endParaRPr lang="bg-BG"/>
+            <a:endParaRPr lang="bg-BG" dirty="0"/>
           </a:p>
         </p:txBody>
       </p:sp>
@@ -12742,7 +12941,7 @@
           <a:bodyPr/>
           <a:lstStyle/>
           <a:p>
-            <a:endParaRPr lang="bg-BG"/>
+            <a:endParaRPr lang="bg-BG" dirty="0"/>
           </a:p>
         </p:txBody>
       </p:sp>
@@ -12771,7 +12970,7 @@
               <a:rPr lang="bg-BG" smtClean="0"/>
               <a:t>‹#›</a:t>
             </a:fld>
-            <a:endParaRPr lang="bg-BG"/>
+            <a:endParaRPr lang="bg-BG" dirty="0"/>
           </a:p>
         </p:txBody>
       </p:sp>
@@ -12906,7 +13105,7 @@
             </a:lvl9pPr>
           </a:lstStyle>
           <a:p>
-            <a:endParaRPr lang="bg-BG"/>
+            <a:endParaRPr lang="bg-BG" dirty="0"/>
           </a:p>
         </p:txBody>
       </p:sp>
@@ -13004,9 +13203,9 @@
           <a:p>
             <a:fld id="{DC796D05-CC1A-441E-9160-C5D56DB8F904}" type="datetimeFigureOut">
               <a:rPr lang="bg-BG" smtClean="0"/>
-              <a:t>23.6.2025 г.</a:t>
+              <a:t>26.6.2025 г.</a:t>
             </a:fld>
-            <a:endParaRPr lang="bg-BG"/>
+            <a:endParaRPr lang="bg-BG" dirty="0"/>
           </a:p>
         </p:txBody>
       </p:sp>
@@ -13031,7 +13230,7 @@
           <a:bodyPr/>
           <a:lstStyle/>
           <a:p>
-            <a:endParaRPr lang="bg-BG"/>
+            <a:endParaRPr lang="bg-BG" dirty="0"/>
           </a:p>
         </p:txBody>
       </p:sp>
@@ -13060,7 +13259,7 @@
               <a:rPr lang="bg-BG" smtClean="0"/>
               <a:t>‹#›</a:t>
             </a:fld>
-            <a:endParaRPr lang="bg-BG"/>
+            <a:endParaRPr lang="bg-BG" dirty="0"/>
           </a:p>
         </p:txBody>
       </p:sp>
@@ -13247,9 +13446,9 @@
           <a:p>
             <a:fld id="{DC796D05-CC1A-441E-9160-C5D56DB8F904}" type="datetimeFigureOut">
               <a:rPr lang="bg-BG" smtClean="0"/>
-              <a:t>23.6.2025 г.</a:t>
+              <a:t>26.6.2025 г.</a:t>
             </a:fld>
-            <a:endParaRPr lang="bg-BG"/>
+            <a:endParaRPr lang="bg-BG" dirty="0"/>
           </a:p>
         </p:txBody>
       </p:sp>
@@ -13292,7 +13491,7 @@
             </a:lvl1pPr>
           </a:lstStyle>
           <a:p>
-            <a:endParaRPr lang="bg-BG"/>
+            <a:endParaRPr lang="bg-BG" dirty="0"/>
           </a:p>
         </p:txBody>
       </p:sp>
@@ -13339,7 +13538,7 @@
               <a:rPr lang="bg-BG" smtClean="0"/>
               <a:t>‹#›</a:t>
             </a:fld>
-            <a:endParaRPr lang="bg-BG"/>
+            <a:endParaRPr lang="bg-BG" dirty="0"/>
           </a:p>
         </p:txBody>
       </p:sp>
@@ -13744,7 +13943,7 @@
           <a:lstStyle/>
           <a:p>
             <a:pPr algn="ctr"/>
-            <a:endParaRPr lang="en-US"/>
+            <a:endParaRPr lang="bg-BG" noProof="0" dirty="0"/>
           </a:p>
         </p:txBody>
       </p:sp>
@@ -13778,13 +13977,13 @@
           <a:p>
             <a:pPr algn="l"/>
             <a:r>
-              <a:rPr lang="bg-BG" sz="4800" dirty="0">
+              <a:rPr lang="bg-BG" sz="4800" noProof="0" dirty="0">
                 <a:latin typeface="Arial" panose="020B0604020202020204" pitchFamily="34" charset="0"/>
                 <a:ea typeface="Times New Roman" panose="02020603050405020304" pitchFamily="18" charset="0"/>
               </a:rPr>
               <a:t>Уеб базирана система за управление на лични и семейни финанси</a:t>
             </a:r>
-            <a:endParaRPr lang="bg-BG" sz="4800" dirty="0"/>
+            <a:endParaRPr lang="bg-BG" sz="4800" noProof="0" dirty="0"/>
           </a:p>
         </p:txBody>
       </p:sp>
@@ -13857,7 +14056,7 @@
           <a:lstStyle/>
           <a:p>
             <a:pPr algn="ctr"/>
-            <a:endParaRPr lang="en-US"/>
+            <a:endParaRPr lang="bg-BG" noProof="0" dirty="0"/>
           </a:p>
         </p:txBody>
       </p:sp>
@@ -13933,7 +14132,7 @@
           <a:lstStyle/>
           <a:p>
             <a:pPr algn="ctr"/>
-            <a:endParaRPr lang="en-US"/>
+            <a:endParaRPr lang="bg-BG" noProof="0" dirty="0"/>
           </a:p>
         </p:txBody>
       </p:sp>
@@ -14009,7 +14208,7 @@
           <a:lstStyle/>
           <a:p>
             <a:pPr algn="ctr"/>
-            <a:endParaRPr lang="en-US"/>
+            <a:endParaRPr lang="bg-BG" noProof="0" dirty="0"/>
           </a:p>
         </p:txBody>
       </p:sp>
@@ -14085,7 +14284,7 @@
           <a:lstStyle/>
           <a:p>
             <a:pPr algn="ctr"/>
-            <a:endParaRPr lang="en-US"/>
+            <a:endParaRPr lang="bg-BG" noProof="0" dirty="0"/>
           </a:p>
         </p:txBody>
       </p:sp>
@@ -14119,7 +14318,7 @@
           <a:p>
             <a:pPr algn="l"/>
             <a:r>
-              <a:rPr lang="bg-BG" sz="2200" dirty="0">
+              <a:rPr lang="bg-BG" sz="2200" noProof="0" dirty="0">
                 <a:solidFill>
                   <a:srgbClr val="FFFFFF"/>
                 </a:solidFill>
@@ -14130,18 +14329,13 @@
           <a:p>
             <a:pPr algn="l"/>
             <a:r>
-              <a:rPr lang="bg-BG" sz="2200" dirty="0">
+              <a:rPr lang="bg-BG" sz="2200" noProof="0" dirty="0">
                 <a:solidFill>
                   <a:srgbClr val="FFFFFF"/>
                 </a:solidFill>
               </a:rPr>
               <a:t>Специалност: Информатика и Софтуерни Науки</a:t>
             </a:r>
-            <a:endParaRPr lang="en-US" sz="2200" dirty="0">
-              <a:solidFill>
-                <a:srgbClr val="FFFFFF"/>
-              </a:solidFill>
-            </a:endParaRPr>
           </a:p>
         </p:txBody>
       </p:sp>
@@ -14247,7 +14441,7 @@
           <a:p>
             <a:pPr algn="ctr"/>
             <a:r>
-              <a:rPr lang="bg-BG" dirty="0">
+              <a:rPr lang="bg-BG" noProof="0" dirty="0">
                 <a:solidFill>
                   <a:schemeClr val="bg1"/>
                 </a:solidFill>
@@ -14373,7 +14567,7 @@
           <a:lstStyle/>
           <a:p>
             <a:pPr algn="ctr"/>
-            <a:endParaRPr lang="en-US"/>
+            <a:endParaRPr lang="bg-BG" noProof="0" dirty="0"/>
           </a:p>
         </p:txBody>
       </p:sp>
@@ -14446,7 +14640,7 @@
           <a:lstStyle/>
           <a:p>
             <a:pPr algn="ctr"/>
-            <a:endParaRPr lang="en-US" dirty="0"/>
+            <a:endParaRPr lang="bg-BG" noProof="0" dirty="0"/>
           </a:p>
         </p:txBody>
       </p:sp>
@@ -14522,7 +14716,7 @@
           <a:lstStyle/>
           <a:p>
             <a:pPr algn="ctr"/>
-            <a:endParaRPr lang="en-US"/>
+            <a:endParaRPr lang="bg-BG" noProof="0" dirty="0"/>
           </a:p>
         </p:txBody>
       </p:sp>
@@ -14597,7 +14791,7 @@
           <a:lstStyle/>
           <a:p>
             <a:pPr algn="ctr"/>
-            <a:endParaRPr lang="en-US" dirty="0"/>
+            <a:endParaRPr lang="bg-BG" noProof="0" dirty="0"/>
           </a:p>
         </p:txBody>
       </p:sp>
@@ -14770,7 +14964,7 @@
           <a:lstStyle/>
           <a:p>
             <a:pPr algn="ctr"/>
-            <a:endParaRPr lang="en-US" dirty="0"/>
+            <a:endParaRPr lang="bg-BG" noProof="0" dirty="0"/>
           </a:p>
         </p:txBody>
       </p:sp>
@@ -14803,7 +14997,7 @@
           <a:lstStyle/>
           <a:p>
             <a:r>
-              <a:rPr lang="en-US" sz="4000" kern="1200">
+              <a:rPr lang="bg-BG" sz="4000" kern="1200" noProof="0" dirty="0">
                 <a:solidFill>
                   <a:srgbClr val="FFFFFF"/>
                 </a:solidFill>
@@ -14958,7 +15152,7 @@
           <a:lstStyle/>
           <a:p>
             <a:pPr algn="ctr"/>
-            <a:endParaRPr lang="en-US"/>
+            <a:endParaRPr lang="bg-BG" noProof="0" dirty="0"/>
           </a:p>
         </p:txBody>
       </p:sp>
@@ -15031,7 +15225,7 @@
           <a:lstStyle/>
           <a:p>
             <a:pPr algn="ctr"/>
-            <a:endParaRPr lang="en-US"/>
+            <a:endParaRPr lang="bg-BG" noProof="0" dirty="0"/>
           </a:p>
         </p:txBody>
       </p:sp>
@@ -15107,7 +15301,7 @@
           <a:lstStyle/>
           <a:p>
             <a:pPr algn="ctr"/>
-            <a:endParaRPr lang="en-US"/>
+            <a:endParaRPr lang="bg-BG" noProof="0" dirty="0"/>
           </a:p>
         </p:txBody>
       </p:sp>
@@ -15183,7 +15377,7 @@
           <a:lstStyle/>
           <a:p>
             <a:pPr algn="ctr"/>
-            <a:endParaRPr lang="en-US"/>
+            <a:endParaRPr lang="bg-BG" noProof="0" dirty="0"/>
           </a:p>
         </p:txBody>
       </p:sp>
@@ -15260,7 +15454,7 @@
           <a:lstStyle/>
           <a:p>
             <a:pPr algn="ctr"/>
-            <a:endParaRPr lang="en-US" dirty="0"/>
+            <a:endParaRPr lang="bg-BG" noProof="0" dirty="0"/>
           </a:p>
         </p:txBody>
       </p:sp>
@@ -15294,7 +15488,7 @@
           <a:p>
             <a:pPr algn="r"/>
             <a:r>
-              <a:rPr lang="bg-BG" sz="4800" dirty="0">
+              <a:rPr lang="bg-BG" sz="4800" noProof="0" dirty="0">
                 <a:solidFill>
                   <a:srgbClr val="FFFFFF"/>
                 </a:solidFill>
@@ -15376,7 +15570,7 @@
           <a:lstStyle/>
           <a:p>
             <a:pPr algn="ctr"/>
-            <a:endParaRPr lang="en-US"/>
+            <a:endParaRPr lang="bg-BG" noProof="0" dirty="0"/>
           </a:p>
         </p:txBody>
       </p:sp>
@@ -15409,7 +15603,7 @@
           <a:lstStyle/>
           <a:p>
             <a:pPr algn="r"/>
-            <a:endParaRPr lang="bg-BG" dirty="0">
+            <a:endParaRPr lang="bg-BG" noProof="0" dirty="0">
               <a:solidFill>
                 <a:srgbClr val="FFFFFF"/>
               </a:solidFill>
@@ -15489,7 +15683,7 @@
           <a:lstStyle/>
           <a:p>
             <a:pPr algn="ctr"/>
-            <a:endParaRPr lang="en-US"/>
+            <a:endParaRPr lang="bg-BG" noProof="0" dirty="0"/>
           </a:p>
         </p:txBody>
       </p:sp>
@@ -15603,7 +15797,7 @@
           <a:lstStyle/>
           <a:p>
             <a:pPr algn="ctr"/>
-            <a:endParaRPr lang="en-US"/>
+            <a:endParaRPr lang="bg-BG" noProof="0" dirty="0"/>
           </a:p>
         </p:txBody>
       </p:sp>
@@ -15676,7 +15870,7 @@
           <a:lstStyle/>
           <a:p>
             <a:pPr algn="ctr"/>
-            <a:endParaRPr lang="en-US"/>
+            <a:endParaRPr lang="bg-BG" noProof="0" dirty="0"/>
           </a:p>
         </p:txBody>
       </p:sp>
@@ -15749,7 +15943,7 @@
           <a:lstStyle/>
           <a:p>
             <a:pPr algn="ctr"/>
-            <a:endParaRPr lang="en-US"/>
+            <a:endParaRPr lang="bg-BG" noProof="0" dirty="0"/>
           </a:p>
         </p:txBody>
       </p:sp>
@@ -15826,7 +16020,7 @@
           <a:lstStyle/>
           <a:p>
             <a:pPr algn="ctr"/>
-            <a:endParaRPr lang="en-US"/>
+            <a:endParaRPr lang="bg-BG" noProof="0" dirty="0"/>
           </a:p>
         </p:txBody>
       </p:sp>
@@ -15978,7 +16172,7 @@
           <a:lstStyle/>
           <a:p>
             <a:pPr algn="ctr"/>
-            <a:endParaRPr lang="en-US"/>
+            <a:endParaRPr lang="bg-BG" noProof="0" dirty="0"/>
           </a:p>
         </p:txBody>
       </p:sp>
@@ -16051,7 +16245,7 @@
           <a:lstStyle/>
           <a:p>
             <a:pPr algn="ctr"/>
-            <a:endParaRPr lang="en-US"/>
+            <a:endParaRPr lang="bg-BG" noProof="0" dirty="0"/>
           </a:p>
         </p:txBody>
       </p:sp>
@@ -16124,7 +16318,7 @@
           <a:lstStyle/>
           <a:p>
             <a:pPr algn="ctr"/>
-            <a:endParaRPr lang="en-US"/>
+            <a:endParaRPr lang="bg-BG" noProof="0" dirty="0"/>
           </a:p>
         </p:txBody>
       </p:sp>
@@ -16201,7 +16395,7 @@
           <a:lstStyle/>
           <a:p>
             <a:pPr algn="ctr"/>
-            <a:endParaRPr lang="en-US"/>
+            <a:endParaRPr lang="bg-BG" noProof="0" dirty="0"/>
           </a:p>
         </p:txBody>
       </p:sp>
@@ -16226,7 +16420,7 @@
           <a:bodyPr/>
           <a:lstStyle/>
           <a:p>
-            <a:endParaRPr lang="bg-BG"/>
+            <a:endParaRPr lang="bg-BG" noProof="0" dirty="0"/>
           </a:p>
         </p:txBody>
       </p:sp>
@@ -16376,7 +16570,7 @@
           <a:lstStyle/>
           <a:p>
             <a:pPr algn="ctr"/>
-            <a:endParaRPr lang="en-US"/>
+            <a:endParaRPr lang="bg-BG" noProof="0" dirty="0"/>
           </a:p>
         </p:txBody>
       </p:sp>
@@ -16449,7 +16643,7 @@
           <a:lstStyle/>
           <a:p>
             <a:pPr algn="ctr"/>
-            <a:endParaRPr lang="en-US"/>
+            <a:endParaRPr lang="bg-BG" noProof="0" dirty="0"/>
           </a:p>
         </p:txBody>
       </p:sp>
@@ -16522,7 +16716,7 @@
           <a:lstStyle/>
           <a:p>
             <a:pPr algn="ctr"/>
-            <a:endParaRPr lang="en-US"/>
+            <a:endParaRPr lang="bg-BG" noProof="0" dirty="0"/>
           </a:p>
         </p:txBody>
       </p:sp>
@@ -16599,7 +16793,7 @@
           <a:lstStyle/>
           <a:p>
             <a:pPr algn="ctr"/>
-            <a:endParaRPr lang="en-US"/>
+            <a:endParaRPr lang="bg-BG" noProof="0" dirty="0"/>
           </a:p>
         </p:txBody>
       </p:sp>
@@ -16751,7 +16945,7 @@
           <a:lstStyle/>
           <a:p>
             <a:pPr algn="ctr"/>
-            <a:endParaRPr lang="en-US"/>
+            <a:endParaRPr lang="bg-BG" noProof="0" dirty="0"/>
           </a:p>
         </p:txBody>
       </p:sp>
@@ -16824,7 +17018,7 @@
           <a:lstStyle/>
           <a:p>
             <a:pPr algn="ctr"/>
-            <a:endParaRPr lang="en-US"/>
+            <a:endParaRPr lang="bg-BG" noProof="0" dirty="0"/>
           </a:p>
         </p:txBody>
       </p:sp>
@@ -16897,7 +17091,7 @@
           <a:lstStyle/>
           <a:p>
             <a:pPr algn="ctr"/>
-            <a:endParaRPr lang="en-US"/>
+            <a:endParaRPr lang="bg-BG" noProof="0" dirty="0"/>
           </a:p>
         </p:txBody>
       </p:sp>
@@ -16974,7 +17168,7 @@
           <a:lstStyle/>
           <a:p>
             <a:pPr algn="ctr"/>
-            <a:endParaRPr lang="en-US"/>
+            <a:endParaRPr lang="bg-BG" noProof="0" dirty="0"/>
           </a:p>
         </p:txBody>
       </p:sp>
@@ -17126,7 +17320,7 @@
           <a:lstStyle/>
           <a:p>
             <a:pPr algn="ctr"/>
-            <a:endParaRPr lang="en-US"/>
+            <a:endParaRPr lang="bg-BG" noProof="0" dirty="0"/>
           </a:p>
         </p:txBody>
       </p:sp>
@@ -17199,7 +17393,7 @@
           <a:lstStyle/>
           <a:p>
             <a:pPr algn="ctr"/>
-            <a:endParaRPr lang="en-US"/>
+            <a:endParaRPr lang="bg-BG" noProof="0" dirty="0"/>
           </a:p>
         </p:txBody>
       </p:sp>
@@ -17272,7 +17466,7 @@
           <a:lstStyle/>
           <a:p>
             <a:pPr algn="ctr"/>
-            <a:endParaRPr lang="en-US"/>
+            <a:endParaRPr lang="bg-BG" noProof="0" dirty="0"/>
           </a:p>
         </p:txBody>
       </p:sp>
@@ -17349,7 +17543,7 @@
           <a:lstStyle/>
           <a:p>
             <a:pPr algn="ctr"/>
-            <a:endParaRPr lang="en-US"/>
+            <a:endParaRPr lang="bg-BG" noProof="0" dirty="0"/>
           </a:p>
         </p:txBody>
       </p:sp>
@@ -17370,7 +17564,7 @@
           </p:nvPr>
         </p:nvPicPr>
         <p:blipFill>
-          <a:blip r:embed="rId2"/>
+          <a:blip r:embed="rId3"/>
           <a:stretch>
             <a:fillRect/>
           </a:stretch>
@@ -17501,7 +17695,7 @@
           <a:lstStyle/>
           <a:p>
             <a:pPr algn="ctr"/>
-            <a:endParaRPr lang="en-US"/>
+            <a:endParaRPr lang="bg-BG" noProof="0" dirty="0"/>
           </a:p>
         </p:txBody>
       </p:sp>
@@ -17574,7 +17768,7 @@
           <a:lstStyle/>
           <a:p>
             <a:pPr algn="ctr"/>
-            <a:endParaRPr lang="en-US"/>
+            <a:endParaRPr lang="bg-BG" noProof="0" dirty="0"/>
           </a:p>
         </p:txBody>
       </p:sp>
@@ -17647,7 +17841,7 @@
           <a:lstStyle/>
           <a:p>
             <a:pPr algn="ctr"/>
-            <a:endParaRPr lang="en-US"/>
+            <a:endParaRPr lang="bg-BG" noProof="0" dirty="0"/>
           </a:p>
         </p:txBody>
       </p:sp>
@@ -17724,7 +17918,7 @@
           <a:lstStyle/>
           <a:p>
             <a:pPr algn="ctr"/>
-            <a:endParaRPr lang="en-US"/>
+            <a:endParaRPr lang="bg-BG" noProof="0" dirty="0"/>
           </a:p>
         </p:txBody>
       </p:sp>
@@ -17873,7 +18067,7 @@
           <a:lstStyle/>
           <a:p>
             <a:pPr algn="ctr"/>
-            <a:endParaRPr lang="en-US"/>
+            <a:endParaRPr lang="bg-BG" noProof="0" dirty="0"/>
           </a:p>
         </p:txBody>
       </p:sp>
@@ -17946,7 +18140,7 @@
           <a:lstStyle/>
           <a:p>
             <a:pPr algn="ctr"/>
-            <a:endParaRPr lang="en-US"/>
+            <a:endParaRPr lang="bg-BG" noProof="0" dirty="0"/>
           </a:p>
         </p:txBody>
       </p:sp>
@@ -18019,7 +18213,7 @@
           <a:lstStyle/>
           <a:p>
             <a:pPr algn="ctr"/>
-            <a:endParaRPr lang="en-US"/>
+            <a:endParaRPr lang="bg-BG" noProof="0" dirty="0"/>
           </a:p>
         </p:txBody>
       </p:sp>
@@ -18096,7 +18290,7 @@
           <a:lstStyle/>
           <a:p>
             <a:pPr algn="ctr"/>
-            <a:endParaRPr lang="en-US"/>
+            <a:endParaRPr lang="bg-BG" noProof="0" dirty="0"/>
           </a:p>
         </p:txBody>
       </p:sp>
@@ -18245,7 +18439,7 @@
           <a:lstStyle/>
           <a:p>
             <a:pPr algn="ctr"/>
-            <a:endParaRPr lang="en-US"/>
+            <a:endParaRPr lang="bg-BG" noProof="0" dirty="0"/>
           </a:p>
         </p:txBody>
       </p:sp>
@@ -18320,7 +18514,7 @@
           <a:lstStyle/>
           <a:p>
             <a:pPr algn="ctr"/>
-            <a:endParaRPr lang="en-US"/>
+            <a:endParaRPr lang="bg-BG" noProof="0" dirty="0"/>
           </a:p>
         </p:txBody>
       </p:sp>
@@ -18396,7 +18590,7 @@
           <a:lstStyle/>
           <a:p>
             <a:pPr algn="ctr"/>
-            <a:endParaRPr lang="en-US"/>
+            <a:endParaRPr lang="bg-BG" noProof="0" dirty="0"/>
           </a:p>
         </p:txBody>
       </p:sp>
@@ -18472,7 +18666,7 @@
           <a:lstStyle/>
           <a:p>
             <a:pPr algn="ctr"/>
-            <a:endParaRPr lang="en-US" dirty="0"/>
+            <a:endParaRPr lang="bg-BG" noProof="0" dirty="0"/>
           </a:p>
         </p:txBody>
       </p:sp>
@@ -18505,7 +18699,7 @@
           <a:lstStyle/>
           <a:p>
             <a:r>
-              <a:rPr lang="bg-BG" sz="4000" dirty="0">
+              <a:rPr lang="bg-BG" sz="4000" noProof="0" dirty="0">
                 <a:solidFill>
                   <a:srgbClr val="FFFFFF"/>
                 </a:solidFill>
@@ -18531,7 +18725,7 @@
             <p:ph idx="1"/>
             <p:extLst>
               <p:ext uri="{D42A27DB-BD31-4B8C-83A1-F6EECF244321}">
-                <p14:modId xmlns:p14="http://schemas.microsoft.com/office/powerpoint/2010/main" val="4008061908"/>
+                <p14:modId xmlns:p14="http://schemas.microsoft.com/office/powerpoint/2010/main" val="2239003388"/>
               </p:ext>
             </p:extLst>
           </p:nvPr>
@@ -18662,7 +18856,7 @@
           <a:lstStyle/>
           <a:p>
             <a:pPr algn="ctr"/>
-            <a:endParaRPr lang="en-US"/>
+            <a:endParaRPr lang="bg-BG" noProof="0" dirty="0"/>
           </a:p>
         </p:txBody>
       </p:sp>
@@ -18735,7 +18929,7 @@
           <a:lstStyle/>
           <a:p>
             <a:pPr algn="ctr"/>
-            <a:endParaRPr lang="en-US"/>
+            <a:endParaRPr lang="bg-BG" noProof="0" dirty="0"/>
           </a:p>
         </p:txBody>
       </p:sp>
@@ -18810,7 +19004,7 @@
           <a:lstStyle/>
           <a:p>
             <a:pPr algn="ctr"/>
-            <a:endParaRPr lang="en-US"/>
+            <a:endParaRPr lang="bg-BG" noProof="0" dirty="0"/>
           </a:p>
         </p:txBody>
       </p:sp>
@@ -18885,7 +19079,7 @@
           <a:lstStyle/>
           <a:p>
             <a:pPr algn="ctr"/>
-            <a:endParaRPr lang="en-US" dirty="0"/>
+            <a:endParaRPr lang="bg-BG" noProof="0" dirty="0"/>
           </a:p>
         </p:txBody>
       </p:sp>
@@ -19055,7 +19249,7 @@
           <a:lstStyle/>
           <a:p>
             <a:pPr algn="ctr"/>
-            <a:endParaRPr lang="en-US" dirty="0"/>
+            <a:endParaRPr lang="bg-BG" noProof="0" dirty="0"/>
           </a:p>
         </p:txBody>
       </p:sp>
@@ -19132,7 +19326,7 @@
           <a:lstStyle/>
           <a:p>
             <a:pPr algn="ctr"/>
-            <a:endParaRPr lang="en-US"/>
+            <a:endParaRPr lang="bg-BG" noProof="0" dirty="0"/>
           </a:p>
         </p:txBody>
       </p:sp>
@@ -19166,7 +19360,7 @@
           <a:p>
             <a:pPr algn="r"/>
             <a:r>
-              <a:rPr lang="bg-BG" sz="4000">
+              <a:rPr lang="bg-BG" sz="4000" noProof="0" dirty="0">
                 <a:solidFill>
                   <a:srgbClr val="FFFFFF"/>
                 </a:solidFill>
@@ -19192,7 +19386,7 @@
             <p:ph idx="1"/>
             <p:extLst>
               <p:ext uri="{D42A27DB-BD31-4B8C-83A1-F6EECF244321}">
-                <p14:modId xmlns:p14="http://schemas.microsoft.com/office/powerpoint/2010/main" val="3194597913"/>
+                <p14:modId xmlns:p14="http://schemas.microsoft.com/office/powerpoint/2010/main" val="221357746"/>
               </p:ext>
             </p:extLst>
           </p:nvPr>
@@ -19233,13 +19427,7 @@
     </p:bg>
     <p:spTree>
       <p:nvGrpSpPr>
-        <p:cNvPr id="1" name="">
-          <a:extLst>
-            <a:ext uri="{FF2B5EF4-FFF2-40B4-BE49-F238E27FC236}">
-              <a16:creationId xmlns:a16="http://schemas.microsoft.com/office/drawing/2014/main" id="{291ACB8B-9DD3-84B5-59EA-9B3AE2D19502}"/>
-            </a:ext>
-          </a:extLst>
-        </p:cNvPr>
+        <p:cNvPr id="1" name=""/>
         <p:cNvGrpSpPr/>
         <p:nvPr/>
       </p:nvGrpSpPr>
@@ -19253,10 +19441,10 @@
       </p:grpSpPr>
       <p:sp useBgFill="1">
         <p:nvSpPr>
-          <p:cNvPr id="8" name="Rectangle 7">
+          <p:cNvPr id="25" name="Rectangle 24">
             <a:extLst>
               <a:ext uri="{FF2B5EF4-FFF2-40B4-BE49-F238E27FC236}">
-                <a16:creationId xmlns:a16="http://schemas.microsoft.com/office/drawing/2014/main" id="{0E27F8EE-8CDC-B985-A3BB-A989DF9F9074}"/>
+                <a16:creationId xmlns:a16="http://schemas.microsoft.com/office/drawing/2014/main" id="{A4E37431-20F0-4DD6-84A9-ED2B644943A2}"/>
               </a:ext>
               <a:ext uri="{C183D7F6-B498-43B3-948B-1728B52AA6E4}">
                 <adec:decorative xmlns:adec="http://schemas.microsoft.com/office/drawing/2017/decorative" val="1"/>
@@ -19323,7 +19511,582 @@
           <a:lstStyle/>
           <a:p>
             <a:pPr algn="ctr"/>
-            <a:endParaRPr lang="en-US"/>
+            <a:endParaRPr lang="bg-BG" noProof="0" dirty="0"/>
+          </a:p>
+        </p:txBody>
+      </p:sp>
+      <p:sp>
+        <p:nvSpPr>
+          <p:cNvPr id="27" name="Rectangle 26">
+            <a:extLst>
+              <a:ext uri="{FF2B5EF4-FFF2-40B4-BE49-F238E27FC236}">
+                <a16:creationId xmlns:a16="http://schemas.microsoft.com/office/drawing/2014/main" id="{0AE98B72-66C6-4AB4-AF0D-BA830DE86393}"/>
+              </a:ext>
+              <a:ext uri="{C183D7F6-B498-43B3-948B-1728B52AA6E4}">
+                <adec:decorative xmlns:adec="http://schemas.microsoft.com/office/drawing/2017/decorative" val="1"/>
+              </a:ext>
+            </a:extLst>
+          </p:cNvPr>
+          <p:cNvSpPr>
+            <a:spLocks noGrp="1" noRot="1" noChangeAspect="1" noMove="1" noResize="1" noEditPoints="1" noAdjustHandles="1" noChangeArrowheads="1" noChangeShapeType="1" noTextEdit="1"/>
+          </p:cNvSpPr>
+          <p:nvPr>
+            <p:extLst>
+              <p:ext uri="{386F3935-93C4-4BCD-93E2-E3B085C9AB24}">
+                <p16:designElem xmlns:p16="http://schemas.microsoft.com/office/powerpoint/2015/main" val="1"/>
+              </p:ext>
+            </p:extLst>
+          </p:nvPr>
+        </p:nvSpPr>
+        <p:spPr>
+          <a:xfrm rot="5400000" flipH="1">
+            <a:off x="-638515" y="639280"/>
+            <a:ext cx="6858000" cy="5579440"/>
+          </a:xfrm>
+          <a:prstGeom prst="rect">
+            <a:avLst/>
+          </a:prstGeom>
+          <a:gradFill>
+            <a:gsLst>
+              <a:gs pos="8000">
+                <a:srgbClr val="000000"/>
+              </a:gs>
+              <a:gs pos="100000">
+                <a:schemeClr val="accent1">
+                  <a:lumMod val="75000"/>
+                </a:schemeClr>
+              </a:gs>
+            </a:gsLst>
+            <a:lin ang="3000000" scaled="0"/>
+          </a:gradFill>
+          <a:ln>
+            <a:noFill/>
+          </a:ln>
+        </p:spPr>
+        <p:style>
+          <a:lnRef idx="2">
+            <a:schemeClr val="accent1">
+              <a:shade val="50000"/>
+            </a:schemeClr>
+          </a:lnRef>
+          <a:fillRef idx="1">
+            <a:schemeClr val="accent1"/>
+          </a:fillRef>
+          <a:effectRef idx="0">
+            <a:schemeClr val="accent1"/>
+          </a:effectRef>
+          <a:fontRef idx="minor">
+            <a:schemeClr val="lt1"/>
+          </a:fontRef>
+        </p:style>
+        <p:txBody>
+          <a:bodyPr rtlCol="0" anchor="ctr"/>
+          <a:lstStyle/>
+          <a:p>
+            <a:pPr algn="ctr"/>
+            <a:endParaRPr lang="bg-BG" noProof="0" dirty="0"/>
+          </a:p>
+        </p:txBody>
+      </p:sp>
+      <p:sp>
+        <p:nvSpPr>
+          <p:cNvPr id="29" name="Rectangle 28">
+            <a:extLst>
+              <a:ext uri="{FF2B5EF4-FFF2-40B4-BE49-F238E27FC236}">
+                <a16:creationId xmlns:a16="http://schemas.microsoft.com/office/drawing/2014/main" id="{407EAFC6-733F-403D-BB4D-05A3A28742F1}"/>
+              </a:ext>
+              <a:ext uri="{C183D7F6-B498-43B3-948B-1728B52AA6E4}">
+                <adec:decorative xmlns:adec="http://schemas.microsoft.com/office/drawing/2017/decorative" val="1"/>
+              </a:ext>
+            </a:extLst>
+          </p:cNvPr>
+          <p:cNvSpPr>
+            <a:spLocks noGrp="1" noRot="1" noChangeAspect="1" noMove="1" noResize="1" noEditPoints="1" noAdjustHandles="1" noChangeArrowheads="1" noChangeShapeType="1" noTextEdit="1"/>
+          </p:cNvSpPr>
+          <p:nvPr>
+            <p:extLst>
+              <p:ext uri="{386F3935-93C4-4BCD-93E2-E3B085C9AB24}">
+                <p16:designElem xmlns:p16="http://schemas.microsoft.com/office/powerpoint/2015/main" val="1"/>
+              </p:ext>
+            </p:extLst>
+          </p:nvPr>
+        </p:nvSpPr>
+        <p:spPr>
+          <a:xfrm rot="5400000" flipH="1">
+            <a:off x="-393206" y="395206"/>
+            <a:ext cx="6346209" cy="5576080"/>
+          </a:xfrm>
+          <a:prstGeom prst="rect">
+            <a:avLst/>
+          </a:prstGeom>
+          <a:gradFill>
+            <a:gsLst>
+              <a:gs pos="0">
+                <a:srgbClr val="000000">
+                  <a:alpha val="0"/>
+                </a:srgbClr>
+              </a:gs>
+              <a:gs pos="99000">
+                <a:schemeClr val="accent1">
+                  <a:alpha val="0"/>
+                </a:schemeClr>
+              </a:gs>
+            </a:gsLst>
+            <a:lin ang="1800000" scaled="0"/>
+          </a:gradFill>
+          <a:ln>
+            <a:noFill/>
+          </a:ln>
+        </p:spPr>
+        <p:style>
+          <a:lnRef idx="2">
+            <a:schemeClr val="accent1">
+              <a:shade val="50000"/>
+            </a:schemeClr>
+          </a:lnRef>
+          <a:fillRef idx="1">
+            <a:schemeClr val="accent1"/>
+          </a:fillRef>
+          <a:effectRef idx="0">
+            <a:schemeClr val="accent1"/>
+          </a:effectRef>
+          <a:fontRef idx="minor">
+            <a:schemeClr val="lt1"/>
+          </a:fontRef>
+        </p:style>
+        <p:txBody>
+          <a:bodyPr rtlCol="0" anchor="ctr"/>
+          <a:lstStyle/>
+          <a:p>
+            <a:pPr algn="ctr"/>
+            <a:endParaRPr lang="bg-BG" noProof="0" dirty="0"/>
+          </a:p>
+        </p:txBody>
+      </p:sp>
+      <p:sp>
+        <p:nvSpPr>
+          <p:cNvPr id="31" name="Rectangle 30">
+            <a:extLst>
+              <a:ext uri="{FF2B5EF4-FFF2-40B4-BE49-F238E27FC236}">
+                <a16:creationId xmlns:a16="http://schemas.microsoft.com/office/drawing/2014/main" id="{17A36730-4CB0-4F61-AD11-A44C9765833F}"/>
+              </a:ext>
+              <a:ext uri="{C183D7F6-B498-43B3-948B-1728B52AA6E4}">
+                <adec:decorative xmlns:adec="http://schemas.microsoft.com/office/drawing/2017/decorative" val="1"/>
+              </a:ext>
+            </a:extLst>
+          </p:cNvPr>
+          <p:cNvSpPr>
+            <a:spLocks noGrp="1" noRot="1" noChangeAspect="1" noMove="1" noResize="1" noEditPoints="1" noAdjustHandles="1" noChangeArrowheads="1" noChangeShapeType="1" noTextEdit="1"/>
+          </p:cNvSpPr>
+          <p:nvPr>
+            <p:extLst>
+              <p:ext uri="{386F3935-93C4-4BCD-93E2-E3B085C9AB24}">
+                <p16:designElem xmlns:p16="http://schemas.microsoft.com/office/powerpoint/2015/main" val="1"/>
+              </p:ext>
+            </p:extLst>
+          </p:nvPr>
+        </p:nvSpPr>
+        <p:spPr>
+          <a:xfrm rot="5400000" flipH="1">
+            <a:off x="1528907" y="2818967"/>
+            <a:ext cx="2501979" cy="5576080"/>
+          </a:xfrm>
+          <a:prstGeom prst="rect">
+            <a:avLst/>
+          </a:prstGeom>
+          <a:gradFill>
+            <a:gsLst>
+              <a:gs pos="2000">
+                <a:schemeClr val="accent1">
+                  <a:alpha val="29000"/>
+                </a:schemeClr>
+              </a:gs>
+              <a:gs pos="100000">
+                <a:srgbClr val="000000">
+                  <a:alpha val="30000"/>
+                </a:srgbClr>
+              </a:gs>
+            </a:gsLst>
+            <a:lin ang="7800000" scaled="0"/>
+          </a:gradFill>
+          <a:ln>
+            <a:noFill/>
+          </a:ln>
+        </p:spPr>
+        <p:style>
+          <a:lnRef idx="2">
+            <a:schemeClr val="accent1">
+              <a:shade val="50000"/>
+            </a:schemeClr>
+          </a:lnRef>
+          <a:fillRef idx="1">
+            <a:schemeClr val="accent1"/>
+          </a:fillRef>
+          <a:effectRef idx="0">
+            <a:schemeClr val="accent1"/>
+          </a:effectRef>
+          <a:fontRef idx="minor">
+            <a:schemeClr val="lt1"/>
+          </a:fontRef>
+        </p:style>
+        <p:txBody>
+          <a:bodyPr rtlCol="0" anchor="ctr"/>
+          <a:lstStyle/>
+          <a:p>
+            <a:pPr algn="ctr"/>
+            <a:endParaRPr lang="bg-BG" noProof="0" dirty="0"/>
+          </a:p>
+        </p:txBody>
+      </p:sp>
+      <p:sp>
+        <p:nvSpPr>
+          <p:cNvPr id="33" name="Rectangle 32">
+            <a:extLst>
+              <a:ext uri="{FF2B5EF4-FFF2-40B4-BE49-F238E27FC236}">
+                <a16:creationId xmlns:a16="http://schemas.microsoft.com/office/drawing/2014/main" id="{C69C79E1-F916-4929-A4F3-DE763D4BFA57}"/>
+              </a:ext>
+              <a:ext uri="{C183D7F6-B498-43B3-948B-1728B52AA6E4}">
+                <adec:decorative xmlns:adec="http://schemas.microsoft.com/office/drawing/2017/decorative" val="1"/>
+              </a:ext>
+            </a:extLst>
+          </p:cNvPr>
+          <p:cNvSpPr>
+            <a:spLocks noGrp="1" noRot="1" noChangeAspect="1" noMove="1" noResize="1" noEditPoints="1" noAdjustHandles="1" noChangeArrowheads="1" noChangeShapeType="1" noTextEdit="1"/>
+          </p:cNvSpPr>
+          <p:nvPr>
+            <p:extLst>
+              <p:ext uri="{386F3935-93C4-4BCD-93E2-E3B085C9AB24}">
+                <p16:designElem xmlns:p16="http://schemas.microsoft.com/office/powerpoint/2015/main" val="1"/>
+              </p:ext>
+            </p:extLst>
+          </p:nvPr>
+        </p:nvSpPr>
+        <p:spPr>
+          <a:xfrm rot="5400000" flipH="1">
+            <a:off x="-425002" y="852793"/>
+            <a:ext cx="6858001" cy="5152412"/>
+          </a:xfrm>
+          <a:prstGeom prst="rect">
+            <a:avLst/>
+          </a:prstGeom>
+          <a:gradFill>
+            <a:gsLst>
+              <a:gs pos="0">
+                <a:srgbClr val="000000">
+                  <a:alpha val="0"/>
+                </a:srgbClr>
+              </a:gs>
+              <a:gs pos="99000">
+                <a:schemeClr val="accent1">
+                  <a:alpha val="11000"/>
+                </a:schemeClr>
+              </a:gs>
+            </a:gsLst>
+            <a:lin ang="7800000" scaled="0"/>
+          </a:gradFill>
+          <a:ln>
+            <a:noFill/>
+          </a:ln>
+        </p:spPr>
+        <p:style>
+          <a:lnRef idx="2">
+            <a:schemeClr val="accent1">
+              <a:shade val="50000"/>
+            </a:schemeClr>
+          </a:lnRef>
+          <a:fillRef idx="1">
+            <a:schemeClr val="accent1"/>
+          </a:fillRef>
+          <a:effectRef idx="0">
+            <a:schemeClr val="accent1"/>
+          </a:effectRef>
+          <a:fontRef idx="minor">
+            <a:schemeClr val="lt1"/>
+          </a:fontRef>
+        </p:style>
+        <p:txBody>
+          <a:bodyPr rtlCol="0" anchor="ctr"/>
+          <a:lstStyle/>
+          <a:p>
+            <a:pPr algn="ctr"/>
+            <a:endParaRPr lang="bg-BG" noProof="0" dirty="0"/>
+          </a:p>
+        </p:txBody>
+      </p:sp>
+      <p:sp>
+        <p:nvSpPr>
+          <p:cNvPr id="35" name="Oval 34">
+            <a:extLst>
+              <a:ext uri="{FF2B5EF4-FFF2-40B4-BE49-F238E27FC236}">
+                <a16:creationId xmlns:a16="http://schemas.microsoft.com/office/drawing/2014/main" id="{767334AB-16BD-4EC7-8C6B-4B5171600933}"/>
+              </a:ext>
+              <a:ext uri="{C183D7F6-B498-43B3-948B-1728B52AA6E4}">
+                <adec:decorative xmlns:adec="http://schemas.microsoft.com/office/drawing/2017/decorative" val="1"/>
+              </a:ext>
+            </a:extLst>
+          </p:cNvPr>
+          <p:cNvSpPr>
+            <a:spLocks noGrp="1" noRot="1" noChangeAspect="1" noMove="1" noResize="1" noEditPoints="1" noAdjustHandles="1" noChangeArrowheads="1" noChangeShapeType="1" noTextEdit="1"/>
+          </p:cNvSpPr>
+          <p:nvPr>
+            <p:extLst>
+              <p:ext uri="{386F3935-93C4-4BCD-93E2-E3B085C9AB24}">
+                <p16:designElem xmlns:p16="http://schemas.microsoft.com/office/powerpoint/2015/main" val="1"/>
+              </p:ext>
+            </p:extLst>
+          </p:nvPr>
+        </p:nvSpPr>
+        <p:spPr>
+          <a:xfrm rot="6097846">
+            <a:off x="818753" y="1128497"/>
+            <a:ext cx="4318303" cy="4318303"/>
+          </a:xfrm>
+          <a:prstGeom prst="ellipse">
+            <a:avLst/>
+          </a:prstGeom>
+          <a:gradFill>
+            <a:gsLst>
+              <a:gs pos="39000">
+                <a:schemeClr val="accent1">
+                  <a:alpha val="0"/>
+                </a:schemeClr>
+              </a:gs>
+              <a:gs pos="100000">
+                <a:schemeClr val="accent1">
+                  <a:lumMod val="60000"/>
+                  <a:lumOff val="40000"/>
+                  <a:alpha val="15000"/>
+                </a:schemeClr>
+              </a:gs>
+            </a:gsLst>
+            <a:lin ang="17400000" scaled="0"/>
+          </a:gradFill>
+          <a:ln>
+            <a:noFill/>
+          </a:ln>
+        </p:spPr>
+        <p:style>
+          <a:lnRef idx="2">
+            <a:schemeClr val="accent1">
+              <a:shade val="50000"/>
+            </a:schemeClr>
+          </a:lnRef>
+          <a:fillRef idx="1">
+            <a:schemeClr val="accent1"/>
+          </a:fillRef>
+          <a:effectRef idx="0">
+            <a:schemeClr val="accent1"/>
+          </a:effectRef>
+          <a:fontRef idx="minor">
+            <a:schemeClr val="lt1"/>
+          </a:fontRef>
+        </p:style>
+        <p:txBody>
+          <a:bodyPr rtlCol="0" anchor="ctr"/>
+          <a:lstStyle/>
+          <a:p>
+            <a:pPr algn="ctr"/>
+            <a:endParaRPr lang="bg-BG" noProof="0" dirty="0"/>
+          </a:p>
+        </p:txBody>
+      </p:sp>
+      <p:sp>
+        <p:nvSpPr>
+          <p:cNvPr id="4" name="Title 3">
+            <a:extLst>
+              <a:ext uri="{FF2B5EF4-FFF2-40B4-BE49-F238E27FC236}">
+                <a16:creationId xmlns:a16="http://schemas.microsoft.com/office/drawing/2014/main" id="{8D20D18A-67ED-B443-C1CF-9DF05E4FB73B}"/>
+              </a:ext>
+            </a:extLst>
+          </p:cNvPr>
+          <p:cNvSpPr>
+            <a:spLocks noGrp="1"/>
+          </p:cNvSpPr>
+          <p:nvPr>
+            <p:ph type="title"/>
+          </p:nvPr>
+        </p:nvSpPr>
+        <p:spPr>
+          <a:xfrm>
+            <a:off x="660042" y="891652"/>
+            <a:ext cx="4412021" cy="3030724"/>
+          </a:xfrm>
+        </p:spPr>
+        <p:txBody>
+          <a:bodyPr vert="horz" lIns="91440" tIns="45720" rIns="91440" bIns="45720" rtlCol="0" anchor="b">
+            <a:normAutofit/>
+          </a:bodyPr>
+          <a:lstStyle/>
+          <a:p>
+            <a:pPr algn="r"/>
+            <a:r>
+              <a:rPr lang="bg-BG" sz="4000" kern="1200" noProof="0" dirty="0">
+                <a:solidFill>
+                  <a:srgbClr val="FFFFFF"/>
+                </a:solidFill>
+                <a:latin typeface="+mj-lt"/>
+                <a:ea typeface="+mj-ea"/>
+                <a:cs typeface="+mj-cs"/>
+              </a:rPr>
+              <a:t>Въпроси?</a:t>
+            </a:r>
+          </a:p>
+        </p:txBody>
+      </p:sp>
+      <p:pic>
+        <p:nvPicPr>
+          <p:cNvPr id="5" name="Content Placeholder 4" descr="A cartoon character sitting on a chair with a question mark&#10;&#10;Description automatically generated">
+            <a:extLst>
+              <a:ext uri="{FF2B5EF4-FFF2-40B4-BE49-F238E27FC236}">
+                <a16:creationId xmlns:a16="http://schemas.microsoft.com/office/drawing/2014/main" id="{422387E7-4781-7415-A127-6FD0151B1EF2}"/>
+              </a:ext>
+            </a:extLst>
+          </p:cNvPr>
+          <p:cNvPicPr>
+            <a:picLocks noChangeAspect="1"/>
+          </p:cNvPicPr>
+          <p:nvPr/>
+        </p:nvPicPr>
+        <p:blipFill>
+          <a:blip r:embed="rId3">
+            <a:extLst>
+              <a:ext uri="{28A0092B-C50C-407E-A947-70E740481C1C}">
+                <a14:useLocalDpi xmlns:a14="http://schemas.microsoft.com/office/drawing/2010/main" val="0"/>
+              </a:ext>
+            </a:extLst>
+          </a:blip>
+          <a:srcRect l="12403" r="418"/>
+          <a:stretch>
+            <a:fillRect/>
+          </a:stretch>
+        </p:blipFill>
+        <p:spPr>
+          <a:xfrm>
+            <a:off x="6328749" y="457199"/>
+            <a:ext cx="5142821" cy="5899152"/>
+          </a:xfrm>
+          <a:prstGeom prst="rect">
+            <a:avLst/>
+          </a:prstGeom>
+        </p:spPr>
+      </p:pic>
+    </p:spTree>
+    <p:extLst>
+      <p:ext uri="{BB962C8B-B14F-4D97-AF65-F5344CB8AC3E}">
+        <p14:creationId xmlns:p14="http://schemas.microsoft.com/office/powerpoint/2010/main" val="1632595641"/>
+      </p:ext>
+    </p:extLst>
+  </p:cSld>
+  <p:clrMapOvr>
+    <a:masterClrMapping/>
+  </p:clrMapOvr>
+</p:sld>
+</file>
+
+<file path=ppt/slides/slide3.xml><?xml version="1.0" encoding="utf-8"?>
+<p:sld xmlns:a="http://schemas.openxmlformats.org/drawingml/2006/main" xmlns:r="http://schemas.openxmlformats.org/officeDocument/2006/relationships" xmlns:p="http://schemas.openxmlformats.org/presentationml/2006/main">
+  <p:cSld>
+    <p:bg>
+      <p:bgPr>
+        <a:solidFill>
+          <a:schemeClr val="bg1"/>
+        </a:solidFill>
+        <a:effectLst/>
+      </p:bgPr>
+    </p:bg>
+    <p:spTree>
+      <p:nvGrpSpPr>
+        <p:cNvPr id="1" name="">
+          <a:extLst>
+            <a:ext uri="{FF2B5EF4-FFF2-40B4-BE49-F238E27FC236}">
+              <a16:creationId xmlns:a16="http://schemas.microsoft.com/office/drawing/2014/main" id="{D02DAB0B-CDC6-ABFC-BADC-0B7414B1CDD6}"/>
+            </a:ext>
+          </a:extLst>
+        </p:cNvPr>
+        <p:cNvGrpSpPr/>
+        <p:nvPr/>
+      </p:nvGrpSpPr>
+      <p:grpSpPr>
+        <a:xfrm>
+          <a:off x="0" y="0"/>
+          <a:ext cx="0" cy="0"/>
+          <a:chOff x="0" y="0"/>
+          <a:chExt cx="0" cy="0"/>
+        </a:xfrm>
+      </p:grpSpPr>
+      <p:sp useBgFill="1">
+        <p:nvSpPr>
+          <p:cNvPr id="8" name="Rectangle 7">
+            <a:extLst>
+              <a:ext uri="{FF2B5EF4-FFF2-40B4-BE49-F238E27FC236}">
+                <a16:creationId xmlns:a16="http://schemas.microsoft.com/office/drawing/2014/main" id="{0355F614-77AA-5957-F8E2-97703F803168}"/>
+              </a:ext>
+              <a:ext uri="{C183D7F6-B498-43B3-948B-1728B52AA6E4}">
+                <adec:decorative xmlns:adec="http://schemas.microsoft.com/office/drawing/2017/decorative" val="1"/>
+              </a:ext>
+            </a:extLst>
+          </p:cNvPr>
+          <p:cNvSpPr>
+            <a:spLocks noGrp="1" noRot="1" noChangeAspect="1" noMove="1" noResize="1" noEditPoints="1" noAdjustHandles="1" noChangeArrowheads="1" noChangeShapeType="1" noTextEdit="1"/>
+          </p:cNvSpPr>
+          <p:nvPr>
+            <p:extLst>
+              <p:ext uri="{386F3935-93C4-4BCD-93E2-E3B085C9AB24}">
+                <p16:designElem xmlns:p16="http://schemas.microsoft.com/office/powerpoint/2015/main" val="1"/>
+              </p:ext>
+            </p:extLst>
+          </p:nvPr>
+        </p:nvSpPr>
+        <p:spPr>
+          <a:xfrm>
+            <a:off x="0" y="0"/>
+            <a:ext cx="12192000" cy="6858000"/>
+          </a:xfrm>
+          <a:prstGeom prst="rect">
+            <a:avLst/>
+          </a:prstGeom>
+          <a:ln w="12700" cap="flat" cmpd="sng" algn="ctr">
+            <a:noFill/>
+            <a:prstDash val="solid"/>
+            <a:miter lim="800000"/>
+          </a:ln>
+          <a:effectLst/>
+          <a:extLst>
+            <a:ext uri="{91240B29-F687-4F45-9708-019B960494DF}">
+              <a14:hiddenLine xmlns:a14="http://schemas.microsoft.com/office/drawing/2010/main" w="12700" cap="flat" cmpd="sng" algn="ctr">
+                <a:solidFill>
+                  <a:schemeClr val="accent1">
+                    <a:shade val="50000"/>
+                  </a:schemeClr>
+                </a:solidFill>
+                <a:prstDash val="solid"/>
+                <a:miter lim="800000"/>
+              </a14:hiddenLine>
+            </a:ext>
+          </a:extLst>
+        </p:spPr>
+        <p:style>
+          <a:lnRef idx="2">
+            <a:schemeClr val="accent1">
+              <a:shade val="50000"/>
+            </a:schemeClr>
+          </a:lnRef>
+          <a:fillRef idx="1">
+            <a:schemeClr val="accent1"/>
+          </a:fillRef>
+          <a:effectRef idx="0">
+            <a:schemeClr val="accent1"/>
+          </a:effectRef>
+          <a:fontRef idx="minor">
+            <a:schemeClr val="lt1"/>
+          </a:fontRef>
+        </p:style>
+        <p:txBody>
+          <a:bodyPr rtlCol="0" anchor="ctr"/>
+          <a:lstStyle/>
+          <a:p>
+            <a:pPr algn="ctr"/>
+            <a:endParaRPr lang="bg-BG" noProof="0" dirty="0"/>
           </a:p>
         </p:txBody>
       </p:sp>
@@ -19332,7 +20095,7 @@
           <p:cNvPr id="10" name="Rectangle 9">
             <a:extLst>
               <a:ext uri="{FF2B5EF4-FFF2-40B4-BE49-F238E27FC236}">
-                <a16:creationId xmlns:a16="http://schemas.microsoft.com/office/drawing/2014/main" id="{A48B8124-DF17-915A-691E-F294DF5D806F}"/>
+                <a16:creationId xmlns:a16="http://schemas.microsoft.com/office/drawing/2014/main" id="{FC282EF7-5536-4D0D-F4F8-5DA0DA728829}"/>
               </a:ext>
               <a:ext uri="{C183D7F6-B498-43B3-948B-1728B52AA6E4}">
                 <adec:decorative xmlns:adec="http://schemas.microsoft.com/office/drawing/2017/decorative" val="1"/>
@@ -19396,7 +20159,7 @@
           <a:lstStyle/>
           <a:p>
             <a:pPr algn="ctr"/>
-            <a:endParaRPr lang="en-US"/>
+            <a:endParaRPr lang="bg-BG" noProof="0" dirty="0"/>
           </a:p>
         </p:txBody>
       </p:sp>
@@ -19405,7 +20168,7 @@
           <p:cNvPr id="12" name="Rectangle 11">
             <a:extLst>
               <a:ext uri="{FF2B5EF4-FFF2-40B4-BE49-F238E27FC236}">
-                <a16:creationId xmlns:a16="http://schemas.microsoft.com/office/drawing/2014/main" id="{B4D4F618-95F9-53DF-1466-0C47651880F3}"/>
+                <a16:creationId xmlns:a16="http://schemas.microsoft.com/office/drawing/2014/main" id="{A63F6623-4CD4-8E76-B4DF-750BEBABA07F}"/>
               </a:ext>
               <a:ext uri="{C183D7F6-B498-43B3-948B-1728B52AA6E4}">
                 <adec:decorative xmlns:adec="http://schemas.microsoft.com/office/drawing/2017/decorative" val="1"/>
@@ -19472,7 +20235,7 @@
           <a:lstStyle/>
           <a:p>
             <a:pPr algn="ctr"/>
-            <a:endParaRPr lang="en-US"/>
+            <a:endParaRPr lang="bg-BG" noProof="0" dirty="0"/>
           </a:p>
         </p:txBody>
       </p:sp>
@@ -19481,7 +20244,7 @@
           <p:cNvPr id="14" name="Rectangle 13">
             <a:extLst>
               <a:ext uri="{FF2B5EF4-FFF2-40B4-BE49-F238E27FC236}">
-                <a16:creationId xmlns:a16="http://schemas.microsoft.com/office/drawing/2014/main" id="{4C2D352E-E521-D06D-1C6A-5FC4AFC5C58E}"/>
+                <a16:creationId xmlns:a16="http://schemas.microsoft.com/office/drawing/2014/main" id="{1DC0FA98-291F-9E2A-1783-4BA9024214F1}"/>
               </a:ext>
               <a:ext uri="{C183D7F6-B498-43B3-948B-1728B52AA6E4}">
                 <adec:decorative xmlns:adec="http://schemas.microsoft.com/office/drawing/2017/decorative" val="1"/>
@@ -19547,7 +20310,7 @@
           <a:lstStyle/>
           <a:p>
             <a:pPr algn="ctr"/>
-            <a:endParaRPr lang="en-US"/>
+            <a:endParaRPr lang="bg-BG" noProof="0" dirty="0"/>
           </a:p>
         </p:txBody>
       </p:sp>
@@ -19556,7 +20319,7 @@
           <p:cNvPr id="16" name="Rectangle 15">
             <a:extLst>
               <a:ext uri="{FF2B5EF4-FFF2-40B4-BE49-F238E27FC236}">
-                <a16:creationId xmlns:a16="http://schemas.microsoft.com/office/drawing/2014/main" id="{BD464D72-8127-2133-AE9C-8F3BC0B8B9BE}"/>
+                <a16:creationId xmlns:a16="http://schemas.microsoft.com/office/drawing/2014/main" id="{69C4D6CD-E8E0-68B1-EBAB-98860A51CA11}"/>
               </a:ext>
               <a:ext uri="{C183D7F6-B498-43B3-948B-1728B52AA6E4}">
                 <adec:decorative xmlns:adec="http://schemas.microsoft.com/office/drawing/2017/decorative" val="1"/>
@@ -19623,7 +20386,7 @@
           <a:lstStyle/>
           <a:p>
             <a:pPr algn="ctr"/>
-            <a:endParaRPr lang="en-US"/>
+            <a:endParaRPr lang="bg-BG" noProof="0" dirty="0"/>
           </a:p>
         </p:txBody>
       </p:sp>
@@ -19632,7 +20395,7 @@
           <p:cNvPr id="2" name="Title 1">
             <a:extLst>
               <a:ext uri="{FF2B5EF4-FFF2-40B4-BE49-F238E27FC236}">
-                <a16:creationId xmlns:a16="http://schemas.microsoft.com/office/drawing/2014/main" id="{2E8E46EB-C529-A7DF-BC98-8E8F363D6BD8}"/>
+                <a16:creationId xmlns:a16="http://schemas.microsoft.com/office/drawing/2014/main" id="{74A28A3C-C718-CB4C-0810-AF64445014FF}"/>
               </a:ext>
             </a:extLst>
           </p:cNvPr>
@@ -19655,11 +20418,14 @@
           </a:bodyPr>
           <a:lstStyle/>
           <a:p>
-            <a:endParaRPr lang="bg-BG" sz="4000" dirty="0">
-              <a:solidFill>
-                <a:srgbClr val="FFFFFF"/>
-              </a:solidFill>
-            </a:endParaRPr>
+            <a:r>
+              <a:rPr lang="bg-BG" sz="4000" noProof="0" dirty="0">
+                <a:solidFill>
+                  <a:srgbClr val="FFFFFF"/>
+                </a:solidFill>
+              </a:rPr>
+              <a:t>Увод</a:t>
+            </a:r>
           </a:p>
         </p:txBody>
       </p:sp>
@@ -19668,7 +20434,7 @@
           <p:cNvPr id="3" name="Content Placeholder 2">
             <a:extLst>
               <a:ext uri="{FF2B5EF4-FFF2-40B4-BE49-F238E27FC236}">
-                <a16:creationId xmlns:a16="http://schemas.microsoft.com/office/drawing/2014/main" id="{8AB32334-306F-96F8-D418-02F42C5DCE1C}"/>
+                <a16:creationId xmlns:a16="http://schemas.microsoft.com/office/drawing/2014/main" id="{D8B9D95E-3C7D-DC79-A27E-BEF2BA6493E7}"/>
               </a:ext>
             </a:extLst>
           </p:cNvPr>
@@ -19681,8 +20447,8 @@
         </p:nvSpPr>
         <p:spPr>
           <a:xfrm>
-            <a:off x="459347" y="1998052"/>
-            <a:ext cx="9895950" cy="4459328"/>
+            <a:off x="459346" y="1998052"/>
+            <a:ext cx="9724031" cy="4459328"/>
           </a:xfrm>
         </p:spPr>
         <p:txBody>
@@ -19691,14 +20457,82 @@
           </a:bodyPr>
           <a:lstStyle/>
           <a:p>
-            <a:endParaRPr lang="bg-BG" sz="2000" dirty="0"/>
+            <a:r>
+              <a:rPr lang="bg-BG" sz="2400" noProof="0" dirty="0"/>
+              <a:t>Проблем</a:t>
+            </a:r>
+          </a:p>
+          <a:p>
+            <a:pPr lvl="1"/>
+            <a:r>
+              <a:rPr lang="bg-BG" sz="2000" noProof="0" dirty="0"/>
+              <a:t>Трудност при проследяване на лични и семейни разходи</a:t>
+            </a:r>
+          </a:p>
+          <a:p>
+            <a:pPr lvl="1"/>
+            <a:r>
+              <a:rPr lang="bg-BG" sz="2000" noProof="0" dirty="0"/>
+              <a:t>Липса на прозрачност и координация между членовете на семейството</a:t>
+            </a:r>
+          </a:p>
+          <a:p>
+            <a:pPr lvl="1"/>
+            <a:r>
+              <a:rPr lang="bg-BG" sz="2000" noProof="0" dirty="0"/>
+              <a:t>Неудобство при използване на ръчни методи</a:t>
+            </a:r>
+          </a:p>
+          <a:p>
+            <a:r>
+              <a:rPr lang="bg-BG" sz="2400" noProof="0" dirty="0"/>
+              <a:t>Решение</a:t>
+            </a:r>
+          </a:p>
+          <a:p>
+            <a:pPr lvl="1"/>
+            <a:r>
+              <a:rPr lang="bg-BG" sz="2000" noProof="0" dirty="0"/>
+              <a:t>Създаване на приложение за управление на личен и семеен бюджет с централизирана структура, визуализации и възможност за съвместна работа.</a:t>
+            </a:r>
+          </a:p>
+          <a:p>
+            <a:r>
+              <a:rPr lang="bg-BG" sz="2400" noProof="0" dirty="0"/>
+              <a:t>Ключови функционалности</a:t>
+            </a:r>
+          </a:p>
+          <a:p>
+            <a:pPr lvl="1"/>
+            <a:r>
+              <a:rPr lang="bg-BG" sz="2000" noProof="0" dirty="0"/>
+              <a:t>Създаване на категории и транзакции</a:t>
+            </a:r>
+          </a:p>
+          <a:p>
+            <a:pPr lvl="1"/>
+            <a:r>
+              <a:rPr lang="bg-BG" sz="2000" noProof="0" dirty="0"/>
+              <a:t>Формиране на „семейство“ с общ бюджет</a:t>
+            </a:r>
+          </a:p>
+          <a:p>
+            <a:pPr lvl="1"/>
+            <a:r>
+              <a:rPr lang="bg-BG" sz="2000" noProof="0" dirty="0"/>
+              <a:t>Визуализация на разходи и приходи</a:t>
+            </a:r>
+          </a:p>
+          <a:p>
+            <a:pPr lvl="1"/>
+            <a:endParaRPr lang="bg-BG" sz="2000" noProof="0" dirty="0"/>
           </a:p>
         </p:txBody>
       </p:sp>
     </p:spTree>
     <p:extLst>
       <p:ext uri="{BB962C8B-B14F-4D97-AF65-F5344CB8AC3E}">
-        <p14:creationId xmlns:p14="http://schemas.microsoft.com/office/powerpoint/2010/main" val="1379456196"/>
+        <p14:creationId xmlns:p14="http://schemas.microsoft.com/office/powerpoint/2010/main" val="465240486"/>
       </p:ext>
     </p:extLst>
   </p:cSld>
@@ -19708,7 +20542,7 @@
 </p:sld>
 </file>
 
-<file path=ppt/slides/slide3.xml><?xml version="1.0" encoding="utf-8"?>
+<file path=ppt/slides/slide4.xml><?xml version="1.0" encoding="utf-8"?>
 <p:sld xmlns:a="http://schemas.openxmlformats.org/drawingml/2006/main" xmlns:r="http://schemas.openxmlformats.org/officeDocument/2006/relationships" xmlns:p="http://schemas.openxmlformats.org/presentationml/2006/main">
   <p:cSld>
     <p:bg>
@@ -19724,7 +20558,7 @@
         <p:cNvPr id="1" name="">
           <a:extLst>
             <a:ext uri="{FF2B5EF4-FFF2-40B4-BE49-F238E27FC236}">
-              <a16:creationId xmlns:a16="http://schemas.microsoft.com/office/drawing/2014/main" id="{D02DAB0B-CDC6-ABFC-BADC-0B7414B1CDD6}"/>
+              <a16:creationId xmlns:a16="http://schemas.microsoft.com/office/drawing/2014/main" id="{8ED541BC-1164-A6EB-2E47-C2292EDBD347}"/>
             </a:ext>
           </a:extLst>
         </p:cNvPr>
@@ -19741,10 +20575,10 @@
       </p:grpSpPr>
       <p:sp useBgFill="1">
         <p:nvSpPr>
-          <p:cNvPr id="8" name="Rectangle 7">
+          <p:cNvPr id="22" name="Rectangle 21">
             <a:extLst>
               <a:ext uri="{FF2B5EF4-FFF2-40B4-BE49-F238E27FC236}">
-                <a16:creationId xmlns:a16="http://schemas.microsoft.com/office/drawing/2014/main" id="{0355F614-77AA-5957-F8E2-97703F803168}"/>
+                <a16:creationId xmlns:a16="http://schemas.microsoft.com/office/drawing/2014/main" id="{BACC6370-2D7E-4714-9D71-7542949D7D5D}"/>
               </a:ext>
               <a:ext uri="{C183D7F6-B498-43B3-948B-1728B52AA6E4}">
                 <adec:decorative xmlns:adec="http://schemas.microsoft.com/office/drawing/2017/decorative" val="1"/>
@@ -19811,567 +20645,7 @@
           <a:lstStyle/>
           <a:p>
             <a:pPr algn="ctr"/>
-            <a:endParaRPr lang="en-US"/>
-          </a:p>
-        </p:txBody>
-      </p:sp>
-      <p:sp>
-        <p:nvSpPr>
-          <p:cNvPr id="10" name="Rectangle 9">
-            <a:extLst>
-              <a:ext uri="{FF2B5EF4-FFF2-40B4-BE49-F238E27FC236}">
-                <a16:creationId xmlns:a16="http://schemas.microsoft.com/office/drawing/2014/main" id="{FC282EF7-5536-4D0D-F4F8-5DA0DA728829}"/>
-              </a:ext>
-              <a:ext uri="{C183D7F6-B498-43B3-948B-1728B52AA6E4}">
-                <adec:decorative xmlns:adec="http://schemas.microsoft.com/office/drawing/2017/decorative" val="1"/>
-              </a:ext>
-            </a:extLst>
-          </p:cNvPr>
-          <p:cNvSpPr>
-            <a:spLocks noGrp="1" noRot="1" noChangeAspect="1" noMove="1" noResize="1" noEditPoints="1" noAdjustHandles="1" noChangeArrowheads="1" noChangeShapeType="1" noTextEdit="1"/>
-          </p:cNvSpPr>
-          <p:nvPr>
-            <p:extLst>
-              <p:ext uri="{386F3935-93C4-4BCD-93E2-E3B085C9AB24}">
-                <p16:designElem xmlns:p16="http://schemas.microsoft.com/office/powerpoint/2015/main" val="1"/>
-              </p:ext>
-            </p:extLst>
-          </p:nvPr>
-        </p:nvSpPr>
-        <p:spPr>
-          <a:xfrm flipH="1">
-            <a:off x="-1" y="-1"/>
-            <a:ext cx="12191998" cy="1590742"/>
-          </a:xfrm>
-          <a:prstGeom prst="rect">
-            <a:avLst/>
-          </a:prstGeom>
-          <a:gradFill>
-            <a:gsLst>
-              <a:gs pos="0">
-                <a:srgbClr val="000000"/>
-              </a:gs>
-              <a:gs pos="100000">
-                <a:schemeClr val="accent1">
-                  <a:lumMod val="75000"/>
-                </a:schemeClr>
-              </a:gs>
-            </a:gsLst>
-            <a:lin ang="8400000" scaled="0"/>
-          </a:gradFill>
-          <a:ln>
-            <a:noFill/>
-          </a:ln>
-        </p:spPr>
-        <p:style>
-          <a:lnRef idx="2">
-            <a:schemeClr val="accent1">
-              <a:shade val="50000"/>
-            </a:schemeClr>
-          </a:lnRef>
-          <a:fillRef idx="1">
-            <a:schemeClr val="accent1"/>
-          </a:fillRef>
-          <a:effectRef idx="0">
-            <a:schemeClr val="accent1"/>
-          </a:effectRef>
-          <a:fontRef idx="minor">
-            <a:schemeClr val="lt1"/>
-          </a:fontRef>
-        </p:style>
-        <p:txBody>
-          <a:bodyPr rtlCol="0" anchor="ctr"/>
-          <a:lstStyle/>
-          <a:p>
-            <a:pPr algn="ctr"/>
-            <a:endParaRPr lang="en-US"/>
-          </a:p>
-        </p:txBody>
-      </p:sp>
-      <p:sp>
-        <p:nvSpPr>
-          <p:cNvPr id="12" name="Rectangle 11">
-            <a:extLst>
-              <a:ext uri="{FF2B5EF4-FFF2-40B4-BE49-F238E27FC236}">
-                <a16:creationId xmlns:a16="http://schemas.microsoft.com/office/drawing/2014/main" id="{A63F6623-4CD4-8E76-B4DF-750BEBABA07F}"/>
-              </a:ext>
-              <a:ext uri="{C183D7F6-B498-43B3-948B-1728B52AA6E4}">
-                <adec:decorative xmlns:adec="http://schemas.microsoft.com/office/drawing/2017/decorative" val="1"/>
-              </a:ext>
-            </a:extLst>
-          </p:cNvPr>
-          <p:cNvSpPr>
-            <a:spLocks noGrp="1" noRot="1" noChangeAspect="1" noMove="1" noResize="1" noEditPoints="1" noAdjustHandles="1" noChangeArrowheads="1" noChangeShapeType="1" noTextEdit="1"/>
-          </p:cNvSpPr>
-          <p:nvPr>
-            <p:extLst>
-              <p:ext uri="{386F3935-93C4-4BCD-93E2-E3B085C9AB24}">
-                <p16:designElem xmlns:p16="http://schemas.microsoft.com/office/powerpoint/2015/main" val="1"/>
-              </p:ext>
-            </p:extLst>
-          </p:nvPr>
-        </p:nvSpPr>
-        <p:spPr>
-          <a:xfrm rot="10800000" flipH="1">
-            <a:off x="-3" y="0"/>
-            <a:ext cx="8115306" cy="1590742"/>
-          </a:xfrm>
-          <a:prstGeom prst="rect">
-            <a:avLst/>
-          </a:prstGeom>
-          <a:gradFill>
-            <a:gsLst>
-              <a:gs pos="20000">
-                <a:schemeClr val="accent1">
-                  <a:alpha val="0"/>
-                </a:schemeClr>
-              </a:gs>
-              <a:gs pos="100000">
-                <a:schemeClr val="accent1">
-                  <a:lumMod val="50000"/>
-                  <a:alpha val="55000"/>
-                </a:schemeClr>
-              </a:gs>
-            </a:gsLst>
-            <a:lin ang="13800000" scaled="0"/>
-          </a:gradFill>
-          <a:ln>
-            <a:noFill/>
-          </a:ln>
-        </p:spPr>
-        <p:style>
-          <a:lnRef idx="2">
-            <a:schemeClr val="accent1">
-              <a:shade val="50000"/>
-            </a:schemeClr>
-          </a:lnRef>
-          <a:fillRef idx="1">
-            <a:schemeClr val="accent1"/>
-          </a:fillRef>
-          <a:effectRef idx="0">
-            <a:schemeClr val="accent1"/>
-          </a:effectRef>
-          <a:fontRef idx="minor">
-            <a:schemeClr val="lt1"/>
-          </a:fontRef>
-        </p:style>
-        <p:txBody>
-          <a:bodyPr rtlCol="0" anchor="ctr"/>
-          <a:lstStyle/>
-          <a:p>
-            <a:pPr algn="ctr"/>
-            <a:endParaRPr lang="en-US"/>
-          </a:p>
-        </p:txBody>
-      </p:sp>
-      <p:sp>
-        <p:nvSpPr>
-          <p:cNvPr id="14" name="Rectangle 13">
-            <a:extLst>
-              <a:ext uri="{FF2B5EF4-FFF2-40B4-BE49-F238E27FC236}">
-                <a16:creationId xmlns:a16="http://schemas.microsoft.com/office/drawing/2014/main" id="{1DC0FA98-291F-9E2A-1783-4BA9024214F1}"/>
-              </a:ext>
-              <a:ext uri="{C183D7F6-B498-43B3-948B-1728B52AA6E4}">
-                <adec:decorative xmlns:adec="http://schemas.microsoft.com/office/drawing/2017/decorative" val="1"/>
-              </a:ext>
-            </a:extLst>
-          </p:cNvPr>
-          <p:cNvSpPr>
-            <a:spLocks noGrp="1" noRot="1" noChangeAspect="1" noMove="1" noResize="1" noEditPoints="1" noAdjustHandles="1" noChangeArrowheads="1" noChangeShapeType="1" noTextEdit="1"/>
-          </p:cNvSpPr>
-          <p:nvPr>
-            <p:extLst>
-              <p:ext uri="{386F3935-93C4-4BCD-93E2-E3B085C9AB24}">
-                <p16:designElem xmlns:p16="http://schemas.microsoft.com/office/powerpoint/2015/main" val="1"/>
-              </p:ext>
-            </p:extLst>
-          </p:nvPr>
-        </p:nvSpPr>
-        <p:spPr>
-          <a:xfrm flipH="1">
-            <a:off x="8115299" y="-1"/>
-            <a:ext cx="4076698" cy="1590742"/>
-          </a:xfrm>
-          <a:prstGeom prst="rect">
-            <a:avLst/>
-          </a:prstGeom>
-          <a:gradFill>
-            <a:gsLst>
-              <a:gs pos="0">
-                <a:schemeClr val="accent1">
-                  <a:alpha val="66000"/>
-                </a:schemeClr>
-              </a:gs>
-              <a:gs pos="100000">
-                <a:srgbClr val="000000">
-                  <a:alpha val="30000"/>
-                </a:srgbClr>
-              </a:gs>
-            </a:gsLst>
-            <a:lin ang="13200000" scaled="0"/>
-          </a:gradFill>
-          <a:ln>
-            <a:noFill/>
-          </a:ln>
-        </p:spPr>
-        <p:style>
-          <a:lnRef idx="2">
-            <a:schemeClr val="accent1">
-              <a:shade val="50000"/>
-            </a:schemeClr>
-          </a:lnRef>
-          <a:fillRef idx="1">
-            <a:schemeClr val="accent1"/>
-          </a:fillRef>
-          <a:effectRef idx="0">
-            <a:schemeClr val="accent1"/>
-          </a:effectRef>
-          <a:fontRef idx="minor">
-            <a:schemeClr val="lt1"/>
-          </a:fontRef>
-        </p:style>
-        <p:txBody>
-          <a:bodyPr rtlCol="0" anchor="ctr"/>
-          <a:lstStyle/>
-          <a:p>
-            <a:pPr algn="ctr"/>
-            <a:endParaRPr lang="en-US"/>
-          </a:p>
-        </p:txBody>
-      </p:sp>
-      <p:sp>
-        <p:nvSpPr>
-          <p:cNvPr id="16" name="Rectangle 15">
-            <a:extLst>
-              <a:ext uri="{FF2B5EF4-FFF2-40B4-BE49-F238E27FC236}">
-                <a16:creationId xmlns:a16="http://schemas.microsoft.com/office/drawing/2014/main" id="{69C4D6CD-E8E0-68B1-EBAB-98860A51CA11}"/>
-              </a:ext>
-              <a:ext uri="{C183D7F6-B498-43B3-948B-1728B52AA6E4}">
-                <adec:decorative xmlns:adec="http://schemas.microsoft.com/office/drawing/2017/decorative" val="1"/>
-              </a:ext>
-            </a:extLst>
-          </p:cNvPr>
-          <p:cNvSpPr>
-            <a:spLocks noGrp="1" noRot="1" noChangeAspect="1" noMove="1" noResize="1" noEditPoints="1" noAdjustHandles="1" noChangeArrowheads="1" noChangeShapeType="1" noTextEdit="1"/>
-          </p:cNvSpPr>
-          <p:nvPr>
-            <p:extLst>
-              <p:ext uri="{386F3935-93C4-4BCD-93E2-E3B085C9AB24}">
-                <p16:designElem xmlns:p16="http://schemas.microsoft.com/office/powerpoint/2015/main" val="1"/>
-              </p:ext>
-            </p:extLst>
-          </p:nvPr>
-        </p:nvSpPr>
-        <p:spPr>
-          <a:xfrm>
-            <a:off x="459350" y="-1"/>
-            <a:ext cx="11732646" cy="1597433"/>
-          </a:xfrm>
-          <a:prstGeom prst="rect">
-            <a:avLst/>
-          </a:prstGeom>
-          <a:gradFill>
-            <a:gsLst>
-              <a:gs pos="50000">
-                <a:srgbClr val="000000">
-                  <a:alpha val="0"/>
-                </a:srgbClr>
-              </a:gs>
-              <a:gs pos="99000">
-                <a:schemeClr val="accent1">
-                  <a:lumMod val="50000"/>
-                  <a:alpha val="52000"/>
-                </a:schemeClr>
-              </a:gs>
-            </a:gsLst>
-            <a:lin ang="16800000" scaled="0"/>
-          </a:gradFill>
-          <a:ln>
-            <a:noFill/>
-          </a:ln>
-        </p:spPr>
-        <p:style>
-          <a:lnRef idx="2">
-            <a:schemeClr val="accent1">
-              <a:shade val="50000"/>
-            </a:schemeClr>
-          </a:lnRef>
-          <a:fillRef idx="1">
-            <a:schemeClr val="accent1"/>
-          </a:fillRef>
-          <a:effectRef idx="0">
-            <a:schemeClr val="accent1"/>
-          </a:effectRef>
-          <a:fontRef idx="minor">
-            <a:schemeClr val="lt1"/>
-          </a:fontRef>
-        </p:style>
-        <p:txBody>
-          <a:bodyPr rtlCol="0" anchor="ctr"/>
-          <a:lstStyle/>
-          <a:p>
-            <a:pPr algn="ctr"/>
-            <a:endParaRPr lang="en-US"/>
-          </a:p>
-        </p:txBody>
-      </p:sp>
-      <p:sp>
-        <p:nvSpPr>
-          <p:cNvPr id="2" name="Title 1">
-            <a:extLst>
-              <a:ext uri="{FF2B5EF4-FFF2-40B4-BE49-F238E27FC236}">
-                <a16:creationId xmlns:a16="http://schemas.microsoft.com/office/drawing/2014/main" id="{74A28A3C-C718-CB4C-0810-AF64445014FF}"/>
-              </a:ext>
-            </a:extLst>
-          </p:cNvPr>
-          <p:cNvSpPr>
-            <a:spLocks noGrp="1"/>
-          </p:cNvSpPr>
-          <p:nvPr>
-            <p:ph type="title"/>
-          </p:nvPr>
-        </p:nvSpPr>
-        <p:spPr>
-          <a:xfrm>
-            <a:off x="459346" y="400620"/>
-            <a:ext cx="9895951" cy="1033669"/>
-          </a:xfrm>
-        </p:spPr>
-        <p:txBody>
-          <a:bodyPr>
-            <a:normAutofit/>
-          </a:bodyPr>
-          <a:lstStyle/>
-          <a:p>
-            <a:r>
-              <a:rPr lang="bg-BG" sz="4000" dirty="0">
-                <a:solidFill>
-                  <a:srgbClr val="FFFFFF"/>
-                </a:solidFill>
-              </a:rPr>
-              <a:t>Увод</a:t>
-            </a:r>
-          </a:p>
-        </p:txBody>
-      </p:sp>
-      <p:sp>
-        <p:nvSpPr>
-          <p:cNvPr id="3" name="Content Placeholder 2">
-            <a:extLst>
-              <a:ext uri="{FF2B5EF4-FFF2-40B4-BE49-F238E27FC236}">
-                <a16:creationId xmlns:a16="http://schemas.microsoft.com/office/drawing/2014/main" id="{D8B9D95E-3C7D-DC79-A27E-BEF2BA6493E7}"/>
-              </a:ext>
-            </a:extLst>
-          </p:cNvPr>
-          <p:cNvSpPr>
-            <a:spLocks noGrp="1"/>
-          </p:cNvSpPr>
-          <p:nvPr>
-            <p:ph idx="1"/>
-          </p:nvPr>
-        </p:nvSpPr>
-        <p:spPr>
-          <a:xfrm>
-            <a:off x="459346" y="1998052"/>
-            <a:ext cx="9724031" cy="4459328"/>
-          </a:xfrm>
-        </p:spPr>
-        <p:txBody>
-          <a:bodyPr anchor="ctr">
-            <a:normAutofit/>
-          </a:bodyPr>
-          <a:lstStyle/>
-          <a:p>
-            <a:r>
-              <a:rPr lang="bg-BG" sz="2400" dirty="0"/>
-              <a:t>Проблем</a:t>
-            </a:r>
-          </a:p>
-          <a:p>
-            <a:pPr lvl="1"/>
-            <a:r>
-              <a:rPr lang="bg-BG" sz="2000" dirty="0"/>
-              <a:t>Трудност при проследяване на лични и семейни разходи</a:t>
-            </a:r>
-          </a:p>
-          <a:p>
-            <a:pPr lvl="1"/>
-            <a:r>
-              <a:rPr lang="bg-BG" sz="2000" dirty="0"/>
-              <a:t>Липса на прозрачност и координация между членовете на семейството</a:t>
-            </a:r>
-          </a:p>
-          <a:p>
-            <a:pPr lvl="1"/>
-            <a:r>
-              <a:rPr lang="bg-BG" sz="2000" dirty="0"/>
-              <a:t>Неудобство при използване на ръчни методи</a:t>
-            </a:r>
-          </a:p>
-          <a:p>
-            <a:r>
-              <a:rPr lang="bg-BG" sz="2400" dirty="0"/>
-              <a:t>Решение</a:t>
-            </a:r>
-          </a:p>
-          <a:p>
-            <a:pPr lvl="1"/>
-            <a:r>
-              <a:rPr lang="bg-BG" sz="2000" dirty="0"/>
-              <a:t>Създаване на приложение за управление на личен и семеен бюджет с централизирана структура, визуализации и възможност за съвместна работа.</a:t>
-            </a:r>
-            <a:endParaRPr lang="en-US" sz="2000" dirty="0"/>
-          </a:p>
-          <a:p>
-            <a:r>
-              <a:rPr lang="bg-BG" sz="2400" dirty="0"/>
-              <a:t>Ключови функционалности</a:t>
-            </a:r>
-          </a:p>
-          <a:p>
-            <a:pPr lvl="1"/>
-            <a:r>
-              <a:rPr lang="bg-BG" sz="2000" dirty="0"/>
-              <a:t>Създаване на категории и транзакции</a:t>
-            </a:r>
-          </a:p>
-          <a:p>
-            <a:pPr lvl="1"/>
-            <a:r>
-              <a:rPr lang="bg-BG" sz="2000" dirty="0"/>
-              <a:t>Формиране на „семейство“ с общ бюджет</a:t>
-            </a:r>
-          </a:p>
-          <a:p>
-            <a:pPr lvl="1"/>
-            <a:r>
-              <a:rPr lang="bg-BG" sz="2000" dirty="0"/>
-              <a:t>Визуализация на разходи и приходи</a:t>
-            </a:r>
-          </a:p>
-          <a:p>
-            <a:pPr lvl="1"/>
-            <a:endParaRPr lang="en-US" sz="2000" dirty="0"/>
-          </a:p>
-        </p:txBody>
-      </p:sp>
-    </p:spTree>
-    <p:extLst>
-      <p:ext uri="{BB962C8B-B14F-4D97-AF65-F5344CB8AC3E}">
-        <p14:creationId xmlns:p14="http://schemas.microsoft.com/office/powerpoint/2010/main" val="465240486"/>
-      </p:ext>
-    </p:extLst>
-  </p:cSld>
-  <p:clrMapOvr>
-    <a:masterClrMapping/>
-  </p:clrMapOvr>
-</p:sld>
-</file>
-
-<file path=ppt/slides/slide4.xml><?xml version="1.0" encoding="utf-8"?>
-<p:sld xmlns:a="http://schemas.openxmlformats.org/drawingml/2006/main" xmlns:r="http://schemas.openxmlformats.org/officeDocument/2006/relationships" xmlns:p="http://schemas.openxmlformats.org/presentationml/2006/main">
-  <p:cSld>
-    <p:bg>
-      <p:bgPr>
-        <a:solidFill>
-          <a:schemeClr val="bg1"/>
-        </a:solidFill>
-        <a:effectLst/>
-      </p:bgPr>
-    </p:bg>
-    <p:spTree>
-      <p:nvGrpSpPr>
-        <p:cNvPr id="1" name="">
-          <a:extLst>
-            <a:ext uri="{FF2B5EF4-FFF2-40B4-BE49-F238E27FC236}">
-              <a16:creationId xmlns:a16="http://schemas.microsoft.com/office/drawing/2014/main" id="{8ED541BC-1164-A6EB-2E47-C2292EDBD347}"/>
-            </a:ext>
-          </a:extLst>
-        </p:cNvPr>
-        <p:cNvGrpSpPr/>
-        <p:nvPr/>
-      </p:nvGrpSpPr>
-      <p:grpSpPr>
-        <a:xfrm>
-          <a:off x="0" y="0"/>
-          <a:ext cx="0" cy="0"/>
-          <a:chOff x="0" y="0"/>
-          <a:chExt cx="0" cy="0"/>
-        </a:xfrm>
-      </p:grpSpPr>
-      <p:sp useBgFill="1">
-        <p:nvSpPr>
-          <p:cNvPr id="22" name="Rectangle 21">
-            <a:extLst>
-              <a:ext uri="{FF2B5EF4-FFF2-40B4-BE49-F238E27FC236}">
-                <a16:creationId xmlns:a16="http://schemas.microsoft.com/office/drawing/2014/main" id="{BACC6370-2D7E-4714-9D71-7542949D7D5D}"/>
-              </a:ext>
-              <a:ext uri="{C183D7F6-B498-43B3-948B-1728B52AA6E4}">
-                <adec:decorative xmlns:adec="http://schemas.microsoft.com/office/drawing/2017/decorative" val="1"/>
-              </a:ext>
-            </a:extLst>
-          </p:cNvPr>
-          <p:cNvSpPr>
-            <a:spLocks noGrp="1" noRot="1" noChangeAspect="1" noMove="1" noResize="1" noEditPoints="1" noAdjustHandles="1" noChangeArrowheads="1" noChangeShapeType="1" noTextEdit="1"/>
-          </p:cNvSpPr>
-          <p:nvPr>
-            <p:extLst>
-              <p:ext uri="{386F3935-93C4-4BCD-93E2-E3B085C9AB24}">
-                <p16:designElem xmlns:p16="http://schemas.microsoft.com/office/powerpoint/2015/main" val="1"/>
-              </p:ext>
-            </p:extLst>
-          </p:nvPr>
-        </p:nvSpPr>
-        <p:spPr>
-          <a:xfrm>
-            <a:off x="0" y="0"/>
-            <a:ext cx="12192000" cy="6858000"/>
-          </a:xfrm>
-          <a:prstGeom prst="rect">
-            <a:avLst/>
-          </a:prstGeom>
-          <a:ln w="12700" cap="flat" cmpd="sng" algn="ctr">
-            <a:noFill/>
-            <a:prstDash val="solid"/>
-            <a:miter lim="800000"/>
-          </a:ln>
-          <a:effectLst/>
-          <a:extLst>
-            <a:ext uri="{91240B29-F687-4F45-9708-019B960494DF}">
-              <a14:hiddenLine xmlns:a14="http://schemas.microsoft.com/office/drawing/2010/main" w="12700" cap="flat" cmpd="sng" algn="ctr">
-                <a:solidFill>
-                  <a:schemeClr val="accent1">
-                    <a:shade val="50000"/>
-                  </a:schemeClr>
-                </a:solidFill>
-                <a:prstDash val="solid"/>
-                <a:miter lim="800000"/>
-              </a14:hiddenLine>
-            </a:ext>
-          </a:extLst>
-        </p:spPr>
-        <p:style>
-          <a:lnRef idx="2">
-            <a:schemeClr val="accent1">
-              <a:shade val="50000"/>
-            </a:schemeClr>
-          </a:lnRef>
-          <a:fillRef idx="1">
-            <a:schemeClr val="accent1"/>
-          </a:fillRef>
-          <a:effectRef idx="0">
-            <a:schemeClr val="accent1"/>
-          </a:effectRef>
-          <a:fontRef idx="minor">
-            <a:schemeClr val="lt1"/>
-          </a:fontRef>
-        </p:style>
-        <p:txBody>
-          <a:bodyPr rtlCol="0" anchor="ctr"/>
-          <a:lstStyle/>
-          <a:p>
-            <a:pPr algn="ctr"/>
-            <a:endParaRPr lang="en-US"/>
+            <a:endParaRPr lang="bg-BG" noProof="0" dirty="0"/>
           </a:p>
         </p:txBody>
       </p:sp>
@@ -20446,7 +20720,7 @@
           <a:lstStyle/>
           <a:p>
             <a:pPr algn="ctr"/>
-            <a:endParaRPr lang="en-US"/>
+            <a:endParaRPr lang="bg-BG" noProof="0" dirty="0"/>
           </a:p>
         </p:txBody>
       </p:sp>
@@ -20522,7 +20796,7 @@
           <a:lstStyle/>
           <a:p>
             <a:pPr algn="ctr"/>
-            <a:endParaRPr lang="en-US"/>
+            <a:endParaRPr lang="bg-BG" noProof="0" dirty="0"/>
           </a:p>
         </p:txBody>
       </p:sp>
@@ -20597,7 +20871,7 @@
           <a:lstStyle/>
           <a:p>
             <a:pPr algn="ctr"/>
-            <a:endParaRPr lang="en-US" dirty="0"/>
+            <a:endParaRPr lang="bg-BG" noProof="0" dirty="0"/>
           </a:p>
         </p:txBody>
       </p:sp>
@@ -20630,7 +20904,7 @@
           <a:lstStyle/>
           <a:p>
             <a:r>
-              <a:rPr lang="bg-BG" sz="4000" dirty="0">
+              <a:rPr lang="bg-BG" sz="4000" noProof="0" dirty="0">
                 <a:solidFill>
                   <a:srgbClr val="FFFFFF"/>
                 </a:solidFill>
@@ -20656,7 +20930,7 @@
             <p:ph idx="1"/>
             <p:extLst>
               <p:ext uri="{D42A27DB-BD31-4B8C-83A1-F6EECF244321}">
-                <p14:modId xmlns:p14="http://schemas.microsoft.com/office/powerpoint/2010/main" val="748060461"/>
+                <p14:modId xmlns:p14="http://schemas.microsoft.com/office/powerpoint/2010/main" val="1236125065"/>
               </p:ext>
             </p:extLst>
           </p:nvPr>
@@ -21039,7 +21313,7 @@
           <a:lstStyle/>
           <a:p>
             <a:pPr algn="ctr"/>
-            <a:endParaRPr lang="en-US"/>
+            <a:endParaRPr lang="bg-BG" noProof="0" dirty="0"/>
           </a:p>
         </p:txBody>
       </p:sp>
@@ -21112,7 +21386,7 @@
           <a:lstStyle/>
           <a:p>
             <a:pPr algn="ctr"/>
-            <a:endParaRPr lang="en-US"/>
+            <a:endParaRPr lang="bg-BG" noProof="0" dirty="0"/>
           </a:p>
         </p:txBody>
       </p:sp>
@@ -21188,7 +21462,7 @@
           <a:lstStyle/>
           <a:p>
             <a:pPr algn="ctr"/>
-            <a:endParaRPr lang="en-US"/>
+            <a:endParaRPr lang="bg-BG" noProof="0" dirty="0"/>
           </a:p>
         </p:txBody>
       </p:sp>
@@ -21263,7 +21537,7 @@
           <a:lstStyle/>
           <a:p>
             <a:pPr algn="ctr"/>
-            <a:endParaRPr lang="en-US"/>
+            <a:endParaRPr lang="bg-BG" noProof="0" dirty="0"/>
           </a:p>
         </p:txBody>
       </p:sp>
@@ -21339,7 +21613,7 @@
           <a:lstStyle/>
           <a:p>
             <a:pPr algn="ctr"/>
-            <a:endParaRPr lang="en-US"/>
+            <a:endParaRPr lang="bg-BG" noProof="0" dirty="0"/>
           </a:p>
         </p:txBody>
       </p:sp>
@@ -21372,7 +21646,7 @@
           <a:lstStyle/>
           <a:p>
             <a:r>
-              <a:rPr lang="bg-BG" sz="4000" dirty="0">
+              <a:rPr lang="bg-BG" sz="4000" noProof="0" dirty="0">
                 <a:solidFill>
                   <a:srgbClr val="FFFFFF"/>
                 </a:solidFill>
@@ -21533,7 +21807,7 @@
           <a:lstStyle/>
           <a:p>
             <a:pPr algn="ctr"/>
-            <a:endParaRPr lang="en-US"/>
+            <a:endParaRPr lang="bg-BG" noProof="0" dirty="0"/>
           </a:p>
         </p:txBody>
       </p:sp>
@@ -21606,7 +21880,7 @@
           <a:lstStyle/>
           <a:p>
             <a:pPr algn="ctr"/>
-            <a:endParaRPr lang="en-US"/>
+            <a:endParaRPr lang="bg-BG" noProof="0" dirty="0"/>
           </a:p>
         </p:txBody>
       </p:sp>
@@ -21682,7 +21956,7 @@
           <a:lstStyle/>
           <a:p>
             <a:pPr algn="ctr"/>
-            <a:endParaRPr lang="en-US"/>
+            <a:endParaRPr lang="bg-BG" noProof="0" dirty="0"/>
           </a:p>
         </p:txBody>
       </p:sp>
@@ -21757,7 +22031,7 @@
           <a:lstStyle/>
           <a:p>
             <a:pPr algn="ctr"/>
-            <a:endParaRPr lang="en-US"/>
+            <a:endParaRPr lang="bg-BG" noProof="0" dirty="0"/>
           </a:p>
         </p:txBody>
       </p:sp>
@@ -21833,7 +22107,7 @@
           <a:lstStyle/>
           <a:p>
             <a:pPr algn="ctr"/>
-            <a:endParaRPr lang="en-US"/>
+            <a:endParaRPr lang="bg-BG" noProof="0" dirty="0"/>
           </a:p>
         </p:txBody>
       </p:sp>
@@ -21866,7 +22140,7 @@
           <a:lstStyle/>
           <a:p>
             <a:r>
-              <a:rPr lang="bg-BG" sz="4000" dirty="0">
+              <a:rPr lang="bg-BG" sz="4000" noProof="0" dirty="0">
                 <a:solidFill>
                   <a:srgbClr val="FFFFFF"/>
                 </a:solidFill>
@@ -22027,7 +22301,7 @@
           <a:lstStyle/>
           <a:p>
             <a:pPr algn="ctr"/>
-            <a:endParaRPr lang="en-US"/>
+            <a:endParaRPr lang="bg-BG" noProof="0" dirty="0"/>
           </a:p>
         </p:txBody>
       </p:sp>
@@ -22100,7 +22374,7 @@
           <a:lstStyle/>
           <a:p>
             <a:pPr algn="ctr"/>
-            <a:endParaRPr lang="en-US"/>
+            <a:endParaRPr lang="bg-BG" noProof="0" dirty="0"/>
           </a:p>
         </p:txBody>
       </p:sp>
@@ -22176,7 +22450,7 @@
           <a:lstStyle/>
           <a:p>
             <a:pPr algn="ctr"/>
-            <a:endParaRPr lang="en-US"/>
+            <a:endParaRPr lang="bg-BG" noProof="0" dirty="0"/>
           </a:p>
         </p:txBody>
       </p:sp>
@@ -22251,7 +22525,7 @@
           <a:lstStyle/>
           <a:p>
             <a:pPr algn="ctr"/>
-            <a:endParaRPr lang="en-US"/>
+            <a:endParaRPr lang="bg-BG" noProof="0" dirty="0"/>
           </a:p>
         </p:txBody>
       </p:sp>
@@ -22327,7 +22601,7 @@
           <a:lstStyle/>
           <a:p>
             <a:pPr algn="ctr"/>
-            <a:endParaRPr lang="en-US"/>
+            <a:endParaRPr lang="bg-BG" noProof="0" dirty="0"/>
           </a:p>
         </p:txBody>
       </p:sp>
@@ -22360,7 +22634,7 @@
           <a:lstStyle/>
           <a:p>
             <a:r>
-              <a:rPr lang="bg-BG" sz="4000" dirty="0">
+              <a:rPr lang="bg-BG" sz="4000" noProof="0" dirty="0">
                 <a:solidFill>
                   <a:srgbClr val="FFFFFF"/>
                 </a:solidFill>
@@ -22521,7 +22795,7 @@
           <a:lstStyle/>
           <a:p>
             <a:pPr algn="ctr"/>
-            <a:endParaRPr lang="en-US"/>
+            <a:endParaRPr lang="bg-BG" noProof="0" dirty="0"/>
           </a:p>
         </p:txBody>
       </p:sp>
@@ -22594,7 +22868,7 @@
           <a:lstStyle/>
           <a:p>
             <a:pPr algn="ctr"/>
-            <a:endParaRPr lang="en-US"/>
+            <a:endParaRPr lang="bg-BG" noProof="0" dirty="0"/>
           </a:p>
         </p:txBody>
       </p:sp>
@@ -22670,7 +22944,7 @@
           <a:lstStyle/>
           <a:p>
             <a:pPr algn="ctr"/>
-            <a:endParaRPr lang="en-US"/>
+            <a:endParaRPr lang="bg-BG" noProof="0" dirty="0"/>
           </a:p>
         </p:txBody>
       </p:sp>
@@ -22745,7 +23019,7 @@
           <a:lstStyle/>
           <a:p>
             <a:pPr algn="ctr"/>
-            <a:endParaRPr lang="en-US"/>
+            <a:endParaRPr lang="bg-BG" noProof="0" dirty="0"/>
           </a:p>
         </p:txBody>
       </p:sp>
@@ -22821,7 +23095,7 @@
           <a:lstStyle/>
           <a:p>
             <a:pPr algn="ctr"/>
-            <a:endParaRPr lang="en-US"/>
+            <a:endParaRPr lang="bg-BG" noProof="0" dirty="0"/>
           </a:p>
         </p:txBody>
       </p:sp>
@@ -22854,7 +23128,7 @@
           <a:lstStyle/>
           <a:p>
             <a:r>
-              <a:rPr lang="bg-BG" sz="4000" dirty="0">
+              <a:rPr lang="bg-BG" sz="4000" noProof="0" dirty="0">
                 <a:solidFill>
                   <a:srgbClr val="FFFFFF"/>
                 </a:solidFill>
@@ -22893,13 +23167,13 @@
           <a:lstStyle/>
           <a:p>
             <a:r>
-              <a:rPr lang="bg-BG" sz="2400" dirty="0"/>
+              <a:rPr lang="bg-BG" sz="2400" noProof="0" dirty="0"/>
               <a:t>Удостоверяване базирано на токъни</a:t>
             </a:r>
           </a:p>
           <a:p>
             <a:r>
-              <a:rPr lang="bg-BG" sz="2400" dirty="0"/>
+              <a:rPr lang="bg-BG" sz="2400" noProof="0" dirty="0"/>
               <a:t>2 вида токъни</a:t>
             </a:r>
           </a:p>
@@ -22909,14 +23183,9 @@
               <a:buChar char="o"/>
             </a:pPr>
             <a:r>
-              <a:rPr lang="bg-BG" sz="2000" dirty="0"/>
-              <a:t>Токън за достъп - </a:t>
+              <a:rPr lang="bg-BG" sz="2000" noProof="0" dirty="0"/>
+              <a:t>Токън за достъп - JWT</a:t>
             </a:r>
-            <a:r>
-              <a:rPr lang="en-US" sz="2000" dirty="0"/>
-              <a:t>JWT</a:t>
-            </a:r>
-            <a:endParaRPr lang="bg-BG" sz="2000" dirty="0"/>
           </a:p>
           <a:p>
             <a:pPr lvl="1">
@@ -22924,19 +23193,19 @@
               <a:buChar char="o"/>
             </a:pPr>
             <a:r>
-              <a:rPr lang="bg-BG" sz="2000" dirty="0"/>
+              <a:rPr lang="bg-BG" sz="2000" noProof="0" dirty="0"/>
               <a:t>Токън за опресняване</a:t>
             </a:r>
           </a:p>
           <a:p>
             <a:r>
-              <a:rPr lang="bg-BG" sz="2400" dirty="0"/>
+              <a:rPr lang="bg-BG" sz="2400" noProof="0" dirty="0"/>
               <a:t>Контрол на достъп чрез роли</a:t>
             </a:r>
           </a:p>
           <a:p>
             <a:r>
-              <a:rPr lang="bg-BG" sz="2200" dirty="0"/>
+              <a:rPr lang="bg-BG" sz="2200" noProof="0" dirty="0"/>
               <a:t>4 роли</a:t>
             </a:r>
           </a:p>
@@ -22946,7 +23215,7 @@
               <a:buChar char="o"/>
             </a:pPr>
             <a:r>
-              <a:rPr lang="bg-BG" sz="2000" dirty="0"/>
+              <a:rPr lang="bg-BG" sz="2000" noProof="0" dirty="0"/>
               <a:t>Потребител</a:t>
             </a:r>
           </a:p>
@@ -22956,7 +23225,7 @@
               <a:buChar char="o"/>
             </a:pPr>
             <a:r>
-              <a:rPr lang="bg-BG" sz="2000" dirty="0"/>
+              <a:rPr lang="bg-BG" sz="2000" noProof="0" dirty="0"/>
               <a:t>Администратор</a:t>
             </a:r>
           </a:p>
@@ -22966,7 +23235,7 @@
               <a:buChar char="o"/>
             </a:pPr>
             <a:r>
-              <a:rPr lang="bg-BG" sz="2000" dirty="0"/>
+              <a:rPr lang="bg-BG" sz="2000" noProof="0" dirty="0"/>
               <a:t>Семеен администратор</a:t>
             </a:r>
           </a:p>
@@ -22976,7 +23245,7 @@
               <a:buChar char="o"/>
             </a:pPr>
             <a:r>
-              <a:rPr lang="bg-BG" sz="2000" dirty="0"/>
+              <a:rPr lang="bg-BG" sz="2000" noProof="0" dirty="0"/>
               <a:t>Член на семейство</a:t>
             </a:r>
           </a:p>
@@ -23370,7 +23639,7 @@
           <a:lstStyle/>
           <a:p>
             <a:pPr algn="ctr"/>
-            <a:endParaRPr lang="en-US"/>
+            <a:endParaRPr lang="bg-BG" noProof="0" dirty="0"/>
           </a:p>
         </p:txBody>
       </p:sp>
@@ -23445,7 +23714,7 @@
           <a:lstStyle/>
           <a:p>
             <a:pPr algn="ctr"/>
-            <a:endParaRPr lang="en-US"/>
+            <a:endParaRPr lang="bg-BG" noProof="0" dirty="0"/>
           </a:p>
         </p:txBody>
       </p:sp>
@@ -23522,7 +23791,7 @@
           <a:lstStyle/>
           <a:p>
             <a:pPr algn="ctr"/>
-            <a:endParaRPr lang="en-US"/>
+            <a:endParaRPr lang="bg-BG" noProof="0" dirty="0"/>
           </a:p>
         </p:txBody>
       </p:sp>
@@ -23597,7 +23866,7 @@
           <a:lstStyle/>
           <a:p>
             <a:pPr algn="ctr"/>
-            <a:endParaRPr lang="en-US"/>
+            <a:endParaRPr lang="bg-BG" noProof="0" dirty="0"/>
           </a:p>
         </p:txBody>
       </p:sp>
@@ -23630,7 +23899,7 @@
           <a:lstStyle/>
           <a:p>
             <a:r>
-              <a:rPr lang="en-US" sz="4000" kern="1200">
+              <a:rPr lang="bg-BG" sz="4000" kern="1200" noProof="0" dirty="0">
                 <a:solidFill>
                   <a:srgbClr val="FFFFFF"/>
                 </a:solidFill>

--- a/Document/Presentation.pptx
+++ b/Document/Presentation.pptx
@@ -3779,7 +3779,7 @@
   <dgm:whole/>
   <dgm:extLst>
     <a:ext uri="http://schemas.microsoft.com/office/drawing/2008/diagram">
-      <dsp:dataModelExt xmlns:dsp="http://schemas.microsoft.com/office/drawing/2008/diagram" relId="rId6" minVer="http://schemas.openxmlformats.org/drawingml/2006/diagram"/>
+      <dsp:dataModelExt xmlns:dsp="http://schemas.microsoft.com/office/drawing/2008/diagram" relId="rId7" minVer="http://schemas.openxmlformats.org/drawingml/2006/diagram"/>
     </a:ext>
   </dgm:extLst>
 </dgm:dataModel>
@@ -3931,7 +3931,7 @@
             <a:buNone/>
           </a:pPr>
           <a:r>
-            <a:rPr lang="bg-BG" sz="2100" kern="1200" noProof="0"/>
+            <a:rPr lang="bg-BG" sz="2100" kern="1200" noProof="0" dirty="0"/>
             <a:t>Увод</a:t>
           </a:r>
         </a:p>
@@ -4079,7 +4079,7 @@
             <a:buNone/>
           </a:pPr>
           <a:r>
-            <a:rPr lang="bg-BG" sz="2100" kern="1200" noProof="0"/>
+            <a:rPr lang="bg-BG" sz="2100" kern="1200" noProof="0" dirty="0"/>
             <a:t>Технологии</a:t>
           </a:r>
         </a:p>
@@ -4327,7 +4327,7 @@
             <a:buNone/>
           </a:pPr>
           <a:r>
-            <a:rPr lang="bg-BG" sz="2100" kern="1200" noProof="0"/>
+            <a:rPr lang="bg-BG" sz="2100" kern="1200" noProof="0" dirty="0"/>
             <a:t>Реализация</a:t>
           </a:r>
         </a:p>
@@ -4475,7 +4475,7 @@
             <a:buNone/>
           </a:pPr>
           <a:r>
-            <a:rPr lang="bg-BG" sz="2100" kern="1200" noProof="0"/>
+            <a:rPr lang="bg-BG" sz="2100" kern="1200" noProof="0" dirty="0"/>
             <a:t>Бъдещо развитие</a:t>
           </a:r>
         </a:p>
@@ -4597,7 +4597,7 @@
             <a:buNone/>
           </a:pPr>
           <a:r>
-            <a:rPr lang="en-US" sz="1900" kern="1200" noProof="0" dirty="0"/>
+            <a:rPr lang="bg-BG" sz="1900" kern="1200" noProof="0" dirty="0"/>
             <a:t>PostgreSQL</a:t>
           </a:r>
         </a:p>
@@ -4707,7 +4707,7 @@
             <a:buNone/>
           </a:pPr>
           <a:r>
-            <a:rPr lang="en-US" sz="1900" kern="1200" noProof="0"/>
+            <a:rPr lang="bg-BG" sz="1900" kern="1200" noProof="0" dirty="0"/>
             <a:t>ASP.NET Core</a:t>
           </a:r>
         </a:p>
@@ -4817,7 +4817,7 @@
             <a:buNone/>
           </a:pPr>
           <a:r>
-            <a:rPr lang="en-US" sz="1900" kern="1200" noProof="0"/>
+            <a:rPr lang="bg-BG" sz="1900" kern="1200" noProof="0" dirty="0"/>
             <a:t>Redis</a:t>
           </a:r>
         </a:p>
@@ -4927,7 +4927,7 @@
             <a:buNone/>
           </a:pPr>
           <a:r>
-            <a:rPr lang="en-US" sz="1900" kern="1200" noProof="0" dirty="0"/>
+            <a:rPr lang="bg-BG" sz="1900" kern="1200" noProof="0" dirty="0"/>
             <a:t>Blazor</a:t>
           </a:r>
         </a:p>
@@ -5037,7 +5037,7 @@
             <a:buNone/>
           </a:pPr>
           <a:r>
-            <a:rPr lang="en-US" sz="1900" kern="1200" noProof="0" dirty="0"/>
+            <a:rPr lang="bg-BG" sz="1900" kern="1200" noProof="0" dirty="0"/>
             <a:t>MudBlazor</a:t>
           </a:r>
         </a:p>
@@ -5147,7 +5147,7 @@
             <a:buNone/>
           </a:pPr>
           <a:r>
-            <a:rPr lang="en-US" sz="1900" kern="1200" noProof="0" dirty="0"/>
+            <a:rPr lang="bg-BG" sz="1900" kern="1200" noProof="0" dirty="0"/>
             <a:t>Papercut</a:t>
           </a:r>
         </a:p>
@@ -5257,7 +5257,7 @@
             <a:buNone/>
           </a:pPr>
           <a:r>
-            <a:rPr lang="en-US" sz="1900" kern="1200" noProof="0" dirty="0"/>
+            <a:rPr lang="bg-BG" sz="1900" kern="1200" noProof="0" dirty="0"/>
             <a:t>JetBrains Rider</a:t>
           </a:r>
         </a:p>
@@ -5531,7 +5531,7 @@
             <a:buNone/>
           </a:pPr>
           <a:r>
-            <a:rPr lang="bg-BG" sz="1600" kern="1200" noProof="0"/>
+            <a:rPr lang="bg-BG" sz="1600" kern="1200" noProof="0" dirty="0"/>
             <a:t>Интеграция на OCR</a:t>
           </a:r>
         </a:p>
@@ -10071,7 +10071,7 @@
           <a:p>
             <a:fld id="{6D6D1040-B092-4D52-B8C3-943E0B4A8CD5}" type="datetimeFigureOut">
               <a:rPr lang="bg-BG" smtClean="0"/>
-              <a:t>26.6.2025 г.</a:t>
+              <a:t>2.7.2025 г.</a:t>
             </a:fld>
             <a:endParaRPr lang="bg-BG" dirty="0"/>
           </a:p>
@@ -10467,7 +10467,29 @@
           <a:bodyPr/>
           <a:lstStyle/>
           <a:p>
+            <a:r>
+              <a:rPr lang="en-US" dirty="0"/>
+              <a:t>Client-server architecture</a:t>
+            </a:r>
             <a:endParaRPr lang="bg-BG" dirty="0"/>
+          </a:p>
+          <a:p>
+            <a:r>
+              <a:rPr lang="bg-BG" dirty="0"/>
+              <a:t>База данни -  съхранение на данни</a:t>
+            </a:r>
+          </a:p>
+          <a:p>
+            <a:r>
+              <a:rPr lang="bg-BG" dirty="0"/>
+              <a:t>Сървър – обработване на информация</a:t>
+            </a:r>
+          </a:p>
+          <a:p>
+            <a:r>
+              <a:rPr lang="bg-BG" dirty="0"/>
+              <a:t>Клиент – потребителски интерфейс</a:t>
+            </a:r>
           </a:p>
         </p:txBody>
       </p:sp>
@@ -10488,6 +10510,212 @@
           <a:p>
             <a:fld id="{915A2E96-BBC1-4A81-AACE-256CCC557776}" type="slidenum">
               <a:rPr lang="bg-BG" smtClean="0"/>
+              <a:t>5</a:t>
+            </a:fld>
+            <a:endParaRPr lang="bg-BG" dirty="0"/>
+          </a:p>
+        </p:txBody>
+      </p:sp>
+    </p:spTree>
+    <p:extLst>
+      <p:ext uri="{BB962C8B-B14F-4D97-AF65-F5344CB8AC3E}">
+        <p14:creationId xmlns:p14="http://schemas.microsoft.com/office/powerpoint/2010/main" val="4048891663"/>
+      </p:ext>
+    </p:extLst>
+  </p:cSld>
+  <p:clrMapOvr>
+    <a:masterClrMapping/>
+  </p:clrMapOvr>
+</p:notes>
+</file>
+
+<file path=ppt/notesSlides/notesSlide3.xml><?xml version="1.0" encoding="utf-8"?>
+<p:notes xmlns:a="http://schemas.openxmlformats.org/drawingml/2006/main" xmlns:r="http://schemas.openxmlformats.org/officeDocument/2006/relationships" xmlns:p="http://schemas.openxmlformats.org/presentationml/2006/main">
+  <p:cSld>
+    <p:spTree>
+      <p:nvGrpSpPr>
+        <p:cNvPr id="1" name=""/>
+        <p:cNvGrpSpPr/>
+        <p:nvPr/>
+      </p:nvGrpSpPr>
+      <p:grpSpPr>
+        <a:xfrm>
+          <a:off x="0" y="0"/>
+          <a:ext cx="0" cy="0"/>
+          <a:chOff x="0" y="0"/>
+          <a:chExt cx="0" cy="0"/>
+        </a:xfrm>
+      </p:grpSpPr>
+      <p:sp>
+        <p:nvSpPr>
+          <p:cNvPr id="2" name="Slide Image Placeholder 1"/>
+          <p:cNvSpPr>
+            <a:spLocks noGrp="1" noRot="1" noChangeAspect="1"/>
+          </p:cNvSpPr>
+          <p:nvPr>
+            <p:ph type="sldImg"/>
+          </p:nvPr>
+        </p:nvSpPr>
+        <p:spPr/>
+      </p:sp>
+      <p:sp>
+        <p:nvSpPr>
+          <p:cNvPr id="3" name="Notes Placeholder 2"/>
+          <p:cNvSpPr>
+            <a:spLocks noGrp="1"/>
+          </p:cNvSpPr>
+          <p:nvPr>
+            <p:ph type="body" idx="1"/>
+          </p:nvPr>
+        </p:nvSpPr>
+        <p:spPr/>
+        <p:txBody>
+          <a:bodyPr/>
+          <a:lstStyle/>
+          <a:p>
+            <a:r>
+              <a:rPr lang="bg-BG" dirty="0"/>
+              <a:t>Многослойна архитектура; 3 слоя</a:t>
+            </a:r>
+          </a:p>
+          <a:p>
+            <a:r>
+              <a:rPr lang="en-US" dirty="0"/>
+              <a:t>Repository  - design pattern; </a:t>
+            </a:r>
+            <a:r>
+              <a:rPr lang="bg-BG" dirty="0"/>
+              <a:t>интеракция с базата</a:t>
+            </a:r>
+          </a:p>
+          <a:p>
+            <a:r>
+              <a:rPr lang="en-US" dirty="0"/>
+              <a:t>Service – </a:t>
+            </a:r>
+            <a:r>
+              <a:rPr lang="bg-BG" dirty="0"/>
+              <a:t>бизнес логика</a:t>
+            </a:r>
+          </a:p>
+          <a:p>
+            <a:r>
+              <a:rPr lang="en-US" dirty="0"/>
+              <a:t>API – </a:t>
+            </a:r>
+            <a:r>
+              <a:rPr lang="bg-BG" dirty="0"/>
+              <a:t>приемане на заявки/</a:t>
+            </a:r>
+            <a:r>
+              <a:rPr lang="en-US" dirty="0"/>
+              <a:t>authentication and authorization</a:t>
+            </a:r>
+            <a:endParaRPr lang="bg-BG" dirty="0"/>
+          </a:p>
+        </p:txBody>
+      </p:sp>
+      <p:sp>
+        <p:nvSpPr>
+          <p:cNvPr id="4" name="Slide Number Placeholder 3"/>
+          <p:cNvSpPr>
+            <a:spLocks noGrp="1"/>
+          </p:cNvSpPr>
+          <p:nvPr>
+            <p:ph type="sldNum" sz="quarter" idx="5"/>
+          </p:nvPr>
+        </p:nvSpPr>
+        <p:spPr/>
+        <p:txBody>
+          <a:bodyPr/>
+          <a:lstStyle/>
+          <a:p>
+            <a:fld id="{915A2E96-BBC1-4A81-AACE-256CCC557776}" type="slidenum">
+              <a:rPr lang="bg-BG" smtClean="0"/>
+              <a:t>6</a:t>
+            </a:fld>
+            <a:endParaRPr lang="bg-BG" dirty="0"/>
+          </a:p>
+        </p:txBody>
+      </p:sp>
+    </p:spTree>
+    <p:extLst>
+      <p:ext uri="{BB962C8B-B14F-4D97-AF65-F5344CB8AC3E}">
+        <p14:creationId xmlns:p14="http://schemas.microsoft.com/office/powerpoint/2010/main" val="4187590369"/>
+      </p:ext>
+    </p:extLst>
+  </p:cSld>
+  <p:clrMapOvr>
+    <a:masterClrMapping/>
+  </p:clrMapOvr>
+</p:notes>
+</file>
+
+<file path=ppt/notesSlides/notesSlide4.xml><?xml version="1.0" encoding="utf-8"?>
+<p:notes xmlns:a="http://schemas.openxmlformats.org/drawingml/2006/main" xmlns:r="http://schemas.openxmlformats.org/officeDocument/2006/relationships" xmlns:p="http://schemas.openxmlformats.org/presentationml/2006/main">
+  <p:cSld>
+    <p:spTree>
+      <p:nvGrpSpPr>
+        <p:cNvPr id="1" name=""/>
+        <p:cNvGrpSpPr/>
+        <p:nvPr/>
+      </p:nvGrpSpPr>
+      <p:grpSpPr>
+        <a:xfrm>
+          <a:off x="0" y="0"/>
+          <a:ext cx="0" cy="0"/>
+          <a:chOff x="0" y="0"/>
+          <a:chExt cx="0" cy="0"/>
+        </a:xfrm>
+      </p:grpSpPr>
+      <p:sp>
+        <p:nvSpPr>
+          <p:cNvPr id="2" name="Slide Image Placeholder 1"/>
+          <p:cNvSpPr>
+            <a:spLocks noGrp="1" noRot="1" noChangeAspect="1"/>
+          </p:cNvSpPr>
+          <p:nvPr>
+            <p:ph type="sldImg"/>
+          </p:nvPr>
+        </p:nvSpPr>
+        <p:spPr/>
+      </p:sp>
+      <p:sp>
+        <p:nvSpPr>
+          <p:cNvPr id="3" name="Notes Placeholder 2"/>
+          <p:cNvSpPr>
+            <a:spLocks noGrp="1"/>
+          </p:cNvSpPr>
+          <p:nvPr>
+            <p:ph type="body" idx="1"/>
+          </p:nvPr>
+        </p:nvSpPr>
+        <p:spPr/>
+        <p:txBody>
+          <a:bodyPr/>
+          <a:lstStyle/>
+          <a:p>
+            <a:endParaRPr lang="bg-BG" dirty="0"/>
+          </a:p>
+        </p:txBody>
+      </p:sp>
+      <p:sp>
+        <p:nvSpPr>
+          <p:cNvPr id="4" name="Slide Number Placeholder 3"/>
+          <p:cNvSpPr>
+            <a:spLocks noGrp="1"/>
+          </p:cNvSpPr>
+          <p:nvPr>
+            <p:ph type="sldNum" sz="quarter" idx="5"/>
+          </p:nvPr>
+        </p:nvSpPr>
+        <p:spPr/>
+        <p:txBody>
+          <a:bodyPr/>
+          <a:lstStyle/>
+          <a:p>
+            <a:fld id="{915A2E96-BBC1-4A81-AACE-256CCC557776}" type="slidenum">
+              <a:rPr lang="bg-BG" smtClean="0"/>
               <a:t>16</a:t>
             </a:fld>
             <a:endParaRPr lang="bg-BG" dirty="0"/>
@@ -10507,7 +10735,145 @@
 </p:notes>
 </file>
 
-<file path=ppt/notesSlides/notesSlide3.xml><?xml version="1.0" encoding="utf-8"?>
+<file path=ppt/notesSlides/notesSlide5.xml><?xml version="1.0" encoding="utf-8"?>
+<p:notes xmlns:a="http://schemas.openxmlformats.org/drawingml/2006/main" xmlns:r="http://schemas.openxmlformats.org/officeDocument/2006/relationships" xmlns:p="http://schemas.openxmlformats.org/presentationml/2006/main">
+  <p:cSld>
+    <p:spTree>
+      <p:nvGrpSpPr>
+        <p:cNvPr id="1" name=""/>
+        <p:cNvGrpSpPr/>
+        <p:nvPr/>
+      </p:nvGrpSpPr>
+      <p:grpSpPr>
+        <a:xfrm>
+          <a:off x="0" y="0"/>
+          <a:ext cx="0" cy="0"/>
+          <a:chOff x="0" y="0"/>
+          <a:chExt cx="0" cy="0"/>
+        </a:xfrm>
+      </p:grpSpPr>
+      <p:sp>
+        <p:nvSpPr>
+          <p:cNvPr id="2" name="Slide Image Placeholder 1"/>
+          <p:cNvSpPr>
+            <a:spLocks noGrp="1" noRot="1" noChangeAspect="1"/>
+          </p:cNvSpPr>
+          <p:nvPr>
+            <p:ph type="sldImg"/>
+          </p:nvPr>
+        </p:nvSpPr>
+        <p:spPr/>
+      </p:sp>
+      <p:sp>
+        <p:nvSpPr>
+          <p:cNvPr id="3" name="Notes Placeholder 2"/>
+          <p:cNvSpPr>
+            <a:spLocks noGrp="1"/>
+          </p:cNvSpPr>
+          <p:nvPr>
+            <p:ph type="body" idx="1"/>
+          </p:nvPr>
+        </p:nvSpPr>
+        <p:spPr/>
+        <p:txBody>
+          <a:bodyPr/>
+          <a:lstStyle/>
+          <a:p>
+            <a:r>
+              <a:rPr lang="bg-BG" dirty="0"/>
+              <a:t>Мобилно приложение за по голяма достъпност</a:t>
+            </a:r>
+          </a:p>
+          <a:p>
+            <a:r>
+              <a:rPr lang="en-US" dirty="0"/>
+              <a:t>OCR </a:t>
+            </a:r>
+            <a:r>
+              <a:rPr lang="bg-BG"/>
+              <a:t>за лесно </a:t>
+            </a:r>
+            <a:r>
+              <a:rPr lang="bg-BG" dirty="0"/>
+              <a:t>създаване на транзакции</a:t>
+            </a:r>
+          </a:p>
+          <a:p>
+            <a:r>
+              <a:rPr lang="en-US" dirty="0"/>
+              <a:t>UI </a:t>
+            </a:r>
+            <a:r>
+              <a:rPr lang="bg-BG" dirty="0"/>
+              <a:t>– </a:t>
+            </a:r>
+            <a:r>
+              <a:rPr lang="en-US" dirty="0"/>
+              <a:t>dark mode,</a:t>
+            </a:r>
+            <a:r>
+              <a:rPr lang="bg-BG" dirty="0"/>
+              <a:t> </a:t>
+            </a:r>
+            <a:r>
+              <a:rPr lang="en-US" dirty="0"/>
+              <a:t>color themes, </a:t>
+            </a:r>
+            <a:r>
+              <a:rPr lang="bg-BG" dirty="0"/>
+              <a:t>пренареждане на елементи</a:t>
+            </a:r>
+          </a:p>
+          <a:p>
+            <a:r>
+              <a:rPr lang="en-US" dirty="0"/>
+              <a:t>Sec – 2FA, data encryption/</a:t>
+            </a:r>
+            <a:r>
+              <a:rPr lang="en-US" dirty="0" err="1"/>
+              <a:t>anonimization</a:t>
+            </a:r>
+            <a:endParaRPr lang="bg-BG" dirty="0"/>
+          </a:p>
+        </p:txBody>
+      </p:sp>
+      <p:sp>
+        <p:nvSpPr>
+          <p:cNvPr id="4" name="Slide Number Placeholder 3"/>
+          <p:cNvSpPr>
+            <a:spLocks noGrp="1"/>
+          </p:cNvSpPr>
+          <p:nvPr>
+            <p:ph type="sldNum" sz="quarter" idx="5"/>
+          </p:nvPr>
+        </p:nvSpPr>
+        <p:spPr/>
+        <p:txBody>
+          <a:bodyPr/>
+          <a:lstStyle/>
+          <a:p>
+            <a:fld id="{915A2E96-BBC1-4A81-AACE-256CCC557776}" type="slidenum">
+              <a:rPr lang="bg-BG" smtClean="0"/>
+              <a:t>19</a:t>
+            </a:fld>
+            <a:endParaRPr lang="bg-BG" dirty="0"/>
+          </a:p>
+        </p:txBody>
+      </p:sp>
+    </p:spTree>
+    <p:extLst>
+      <p:ext uri="{BB962C8B-B14F-4D97-AF65-F5344CB8AC3E}">
+        <p14:creationId xmlns:p14="http://schemas.microsoft.com/office/powerpoint/2010/main" val="3233846446"/>
+      </p:ext>
+    </p:extLst>
+  </p:cSld>
+  <p:clrMapOvr>
+    <a:masterClrMapping/>
+  </p:clrMapOvr>
+</p:notes>
+</file>
+
+<file path=ppt/notesSlides/notesSlide6.xml><?xml version="1.0" encoding="utf-8"?>
 <p:notes xmlns:a="http://schemas.openxmlformats.org/drawingml/2006/main" xmlns:r="http://schemas.openxmlformats.org/officeDocument/2006/relationships" xmlns:p="http://schemas.openxmlformats.org/presentationml/2006/main">
   <p:cSld>
     <p:spTree>
@@ -10777,7 +11143,7 @@
           <a:p>
             <a:fld id="{DC796D05-CC1A-441E-9160-C5D56DB8F904}" type="datetimeFigureOut">
               <a:rPr lang="bg-BG" smtClean="0"/>
-              <a:t>26.6.2025 г.</a:t>
+              <a:t>2.7.2025 г.</a:t>
             </a:fld>
             <a:endParaRPr lang="bg-BG" dirty="0"/>
           </a:p>
@@ -10977,7 +11343,7 @@
           <a:p>
             <a:fld id="{DC796D05-CC1A-441E-9160-C5D56DB8F904}" type="datetimeFigureOut">
               <a:rPr lang="bg-BG" smtClean="0"/>
-              <a:t>26.6.2025 г.</a:t>
+              <a:t>2.7.2025 г.</a:t>
             </a:fld>
             <a:endParaRPr lang="bg-BG" dirty="0"/>
           </a:p>
@@ -11187,7 +11553,7 @@
           <a:p>
             <a:fld id="{DC796D05-CC1A-441E-9160-C5D56DB8F904}" type="datetimeFigureOut">
               <a:rPr lang="bg-BG" smtClean="0"/>
-              <a:t>26.6.2025 г.</a:t>
+              <a:t>2.7.2025 г.</a:t>
             </a:fld>
             <a:endParaRPr lang="bg-BG" dirty="0"/>
           </a:p>
@@ -11387,7 +11753,7 @@
           <a:p>
             <a:fld id="{DC796D05-CC1A-441E-9160-C5D56DB8F904}" type="datetimeFigureOut">
               <a:rPr lang="bg-BG" smtClean="0"/>
-              <a:t>26.6.2025 г.</a:t>
+              <a:t>2.7.2025 г.</a:t>
             </a:fld>
             <a:endParaRPr lang="bg-BG" dirty="0"/>
           </a:p>
@@ -11663,7 +12029,7 @@
           <a:p>
             <a:fld id="{DC796D05-CC1A-441E-9160-C5D56DB8F904}" type="datetimeFigureOut">
               <a:rPr lang="bg-BG" smtClean="0"/>
-              <a:t>26.6.2025 г.</a:t>
+              <a:t>2.7.2025 г.</a:t>
             </a:fld>
             <a:endParaRPr lang="bg-BG" dirty="0"/>
           </a:p>
@@ -11931,7 +12297,7 @@
           <a:p>
             <a:fld id="{DC796D05-CC1A-441E-9160-C5D56DB8F904}" type="datetimeFigureOut">
               <a:rPr lang="bg-BG" smtClean="0"/>
-              <a:t>26.6.2025 г.</a:t>
+              <a:t>2.7.2025 г.</a:t>
             </a:fld>
             <a:endParaRPr lang="bg-BG" dirty="0"/>
           </a:p>
@@ -12346,7 +12712,7 @@
           <a:p>
             <a:fld id="{DC796D05-CC1A-441E-9160-C5D56DB8F904}" type="datetimeFigureOut">
               <a:rPr lang="bg-BG" smtClean="0"/>
-              <a:t>26.6.2025 г.</a:t>
+              <a:t>2.7.2025 г.</a:t>
             </a:fld>
             <a:endParaRPr lang="bg-BG" dirty="0"/>
           </a:p>
@@ -12488,7 +12854,7 @@
           <a:p>
             <a:fld id="{DC796D05-CC1A-441E-9160-C5D56DB8F904}" type="datetimeFigureOut">
               <a:rPr lang="bg-BG" smtClean="0"/>
-              <a:t>26.6.2025 г.</a:t>
+              <a:t>2.7.2025 г.</a:t>
             </a:fld>
             <a:endParaRPr lang="bg-BG" dirty="0"/>
           </a:p>
@@ -12601,7 +12967,7 @@
           <a:p>
             <a:fld id="{DC796D05-CC1A-441E-9160-C5D56DB8F904}" type="datetimeFigureOut">
               <a:rPr lang="bg-BG" smtClean="0"/>
-              <a:t>26.6.2025 г.</a:t>
+              <a:t>2.7.2025 г.</a:t>
             </a:fld>
             <a:endParaRPr lang="bg-BG" dirty="0"/>
           </a:p>
@@ -12914,7 +13280,7 @@
           <a:p>
             <a:fld id="{DC796D05-CC1A-441E-9160-C5D56DB8F904}" type="datetimeFigureOut">
               <a:rPr lang="bg-BG" smtClean="0"/>
-              <a:t>26.6.2025 г.</a:t>
+              <a:t>2.7.2025 г.</a:t>
             </a:fld>
             <a:endParaRPr lang="bg-BG" dirty="0"/>
           </a:p>
@@ -13203,7 +13569,7 @@
           <a:p>
             <a:fld id="{DC796D05-CC1A-441E-9160-C5D56DB8F904}" type="datetimeFigureOut">
               <a:rPr lang="bg-BG" smtClean="0"/>
-              <a:t>26.6.2025 г.</a:t>
+              <a:t>2.7.2025 г.</a:t>
             </a:fld>
             <a:endParaRPr lang="bg-BG" dirty="0"/>
           </a:p>
@@ -13446,7 +13812,7 @@
           <a:p>
             <a:fld id="{DC796D05-CC1A-441E-9160-C5D56DB8F904}" type="datetimeFigureOut">
               <a:rPr lang="bg-BG" smtClean="0"/>
-              <a:t>26.6.2025 г.</a:t>
+              <a:t>2.7.2025 г.</a:t>
             </a:fld>
             <a:endParaRPr lang="bg-BG" dirty="0"/>
           </a:p>
@@ -18736,7 +19102,7 @@
         </p:xfrm>
         <a:graphic>
           <a:graphicData uri="http://schemas.openxmlformats.org/drawingml/2006/diagram">
-            <dgm:relIds xmlns:dgm="http://schemas.openxmlformats.org/drawingml/2006/diagram" xmlns:r="http://schemas.openxmlformats.org/officeDocument/2006/relationships" r:dm="rId2" r:lo="rId3" r:qs="rId4" r:cs="rId5"/>
+            <dgm:relIds xmlns:dgm="http://schemas.openxmlformats.org/drawingml/2006/diagram" xmlns:r="http://schemas.openxmlformats.org/officeDocument/2006/relationships" r:dm="rId3" r:lo="rId4" r:qs="rId5" r:cs="rId6"/>
           </a:graphicData>
         </a:graphic>
       </p:graphicFrame>
@@ -20973,7 +21339,7 @@
         </p:blipFill>
         <p:spPr>
           <a:xfrm>
-            <a:off x="1375545" y="2212848"/>
+            <a:off x="1386999" y="2249650"/>
             <a:ext cx="1046718" cy="1078992"/>
           </a:xfrm>
           <a:prstGeom prst="rect">
@@ -21009,8 +21375,8 @@
         </p:blipFill>
         <p:spPr>
           <a:xfrm>
-            <a:off x="3400640" y="2139696"/>
-            <a:ext cx="1225296" cy="1225296"/>
+            <a:off x="3476625" y="2192890"/>
+            <a:ext cx="1135752" cy="1135752"/>
           </a:xfrm>
           <a:prstGeom prst="rect">
             <a:avLst/>
@@ -21081,7 +21447,7 @@
         </p:blipFill>
         <p:spPr>
           <a:xfrm>
-            <a:off x="7746920" y="2139696"/>
+            <a:off x="7702400" y="2187711"/>
             <a:ext cx="1102394" cy="1102394"/>
           </a:xfrm>
           <a:prstGeom prst="rect">
@@ -21117,7 +21483,7 @@
         </p:blipFill>
         <p:spPr>
           <a:xfrm>
-            <a:off x="9689310" y="2231055"/>
+            <a:off x="9762423" y="2267857"/>
             <a:ext cx="1042578" cy="1042578"/>
           </a:xfrm>
           <a:prstGeom prst="rect">
@@ -21673,7 +22039,7 @@
           </p:nvPr>
         </p:nvPicPr>
         <p:blipFill>
-          <a:blip r:embed="rId2">
+          <a:blip r:embed="rId3">
             <a:extLst>
               <a:ext uri="{28A0092B-C50C-407E-A947-70E740481C1C}">
                 <a14:useLocalDpi xmlns:a14="http://schemas.microsoft.com/office/drawing/2010/main" val="0"/>
@@ -22167,7 +22533,7 @@
           </p:nvPr>
         </p:nvPicPr>
         <p:blipFill>
-          <a:blip r:embed="rId2">
+          <a:blip r:embed="rId3">
             <a:extLst>
               <a:ext uri="{28A0092B-C50C-407E-A947-70E740481C1C}">
                 <a14:useLocalDpi xmlns:a14="http://schemas.microsoft.com/office/drawing/2010/main" val="0"/>

--- a/Document/Presentation.pptx
+++ b/Document/Presentation.pptx
@@ -2942,7 +2942,7 @@
 <dgm:dataModel xmlns:dgm="http://schemas.openxmlformats.org/drawingml/2006/diagram" xmlns:a="http://schemas.openxmlformats.org/drawingml/2006/main">
   <dgm:ptLst>
     <dgm:pt modelId="{9482E4B3-036E-4231-83DE-754EEA8B4240}" type="doc">
-      <dgm:prSet loTypeId="urn:microsoft.com/office/officeart/2005/8/layout/pList1" loCatId="list" qsTypeId="urn:microsoft.com/office/officeart/2005/8/quickstyle/simple1" qsCatId="simple" csTypeId="urn:microsoft.com/office/officeart/2005/8/colors/accent1_2" csCatId="accent1" phldr="1"/>
+      <dgm:prSet loTypeId="urn:microsoft.com/office/officeart/2005/8/layout/hList7" loCatId="list" qsTypeId="urn:microsoft.com/office/officeart/2005/8/quickstyle/simple1" qsCatId="simple" csTypeId="urn:microsoft.com/office/officeart/2005/8/colors/accent1_2" csCatId="accent1" phldr="1"/>
       <dgm:spPr/>
       <dgm:t>
         <a:bodyPr/>
@@ -3096,42 +3096,6 @@
         </a:p>
       </dgm:t>
     </dgm:pt>
-    <dgm:pt modelId="{D02452C3-7A84-4590-A6A8-9450FE6525C4}">
-      <dgm:prSet/>
-      <dgm:spPr/>
-      <dgm:t>
-        <a:bodyPr/>
-        <a:lstStyle/>
-        <a:p>
-          <a:r>
-            <a:rPr lang="bg-BG" noProof="0" dirty="0"/>
-            <a:t>Papercut</a:t>
-          </a:r>
-        </a:p>
-      </dgm:t>
-    </dgm:pt>
-    <dgm:pt modelId="{7BF7DF3B-A23B-4A58-8C64-341D70579343}" type="parTrans" cxnId="{D81F2689-FEA3-426C-BF12-5CAA043E610D}">
-      <dgm:prSet/>
-      <dgm:spPr/>
-      <dgm:t>
-        <a:bodyPr/>
-        <a:lstStyle/>
-        <a:p>
-          <a:endParaRPr lang="en-US"/>
-        </a:p>
-      </dgm:t>
-    </dgm:pt>
-    <dgm:pt modelId="{C8B77097-4E59-4D57-8769-07097C1B3E47}" type="sibTrans" cxnId="{D81F2689-FEA3-426C-BF12-5CAA043E610D}">
-      <dgm:prSet/>
-      <dgm:spPr/>
-      <dgm:t>
-        <a:bodyPr/>
-        <a:lstStyle/>
-        <a:p>
-          <a:endParaRPr lang="en-US"/>
-        </a:p>
-      </dgm:t>
-    </dgm:pt>
     <dgm:pt modelId="{A39E0830-0939-4B90-8D69-C81BAEEC3510}">
       <dgm:prSet/>
       <dgm:spPr/>
@@ -3168,7 +3132,7 @@
         </a:p>
       </dgm:t>
     </dgm:pt>
-    <dgm:pt modelId="{83447029-E457-47A7-BD5E-FB9D180FEFAF}">
+    <dgm:pt modelId="{4819EC00-DC9D-4432-8FE8-17033DEC29F6}">
       <dgm:prSet/>
       <dgm:spPr/>
       <dgm:t>
@@ -3176,13 +3140,14 @@
         <a:lstStyle/>
         <a:p>
           <a:r>
-            <a:rPr lang="bg-BG" noProof="0" dirty="0"/>
+            <a:rPr lang="bg-BG" noProof="0"/>
             <a:t>JetBrains Rider</a:t>
           </a:r>
+          <a:endParaRPr lang="bg-BG" noProof="0" dirty="0"/>
         </a:p>
       </dgm:t>
     </dgm:pt>
-    <dgm:pt modelId="{BD3C9709-086C-4990-845C-635E8078A384}" type="parTrans" cxnId="{EF55D8F3-C0DC-424C-91E9-B1C76300F88F}">
+    <dgm:pt modelId="{1451C3EC-896A-4EA7-B83C-E8D35FFF4F1D}" type="parTrans" cxnId="{F4637785-71A8-43F4-9019-3BA68501DA4E}">
       <dgm:prSet/>
       <dgm:spPr/>
       <dgm:t>
@@ -3193,7 +3158,7 @@
         </a:p>
       </dgm:t>
     </dgm:pt>
-    <dgm:pt modelId="{A826CA13-326A-485A-8A83-B98806289431}" type="sibTrans" cxnId="{EF55D8F3-C0DC-424C-91E9-B1C76300F88F}">
+    <dgm:pt modelId="{AB70F056-D2CA-43C0-A8CF-0055761DEC51}" type="sibTrans" cxnId="{F4637785-71A8-43F4-9019-3BA68501DA4E}">
       <dgm:prSet/>
       <dgm:spPr/>
       <dgm:t>
@@ -3204,7 +3169,7 @@
         </a:p>
       </dgm:t>
     </dgm:pt>
-    <dgm:pt modelId="{A75CBA1E-7C22-450F-B8F4-592166F10AF3}" type="pres">
+    <dgm:pt modelId="{1F5AFC2D-EBF2-4E69-AA94-AF3DA94F5998}" type="pres">
       <dgm:prSet presAssocID="{9482E4B3-036E-4231-83DE-754EEA8B4240}" presName="Name0" presStyleCnt="0">
         <dgm:presLayoutVars>
           <dgm:dir/>
@@ -3213,192 +3178,241 @@
       </dgm:prSet>
       <dgm:spPr/>
     </dgm:pt>
-    <dgm:pt modelId="{5F91CA1C-90FA-4919-9B3C-F6B2FA4554B7}" type="pres">
+    <dgm:pt modelId="{D888E3A7-F31C-454B-9C27-AE4430D4FDDD}" type="pres">
+      <dgm:prSet presAssocID="{9482E4B3-036E-4231-83DE-754EEA8B4240}" presName="fgShape" presStyleLbl="fgShp" presStyleIdx="0" presStyleCnt="1" custAng="0" custFlipVert="1" custFlipHor="1" custScaleX="733" custScaleY="7270" custLinFactNeighborX="-7933" custLinFactNeighborY="79699"/>
+      <dgm:spPr/>
+    </dgm:pt>
+    <dgm:pt modelId="{B2DAE1FD-59A8-42A7-9A0B-F460BE02C10D}" type="pres">
+      <dgm:prSet presAssocID="{9482E4B3-036E-4231-83DE-754EEA8B4240}" presName="linComp" presStyleCnt="0"/>
+      <dgm:spPr/>
+    </dgm:pt>
+    <dgm:pt modelId="{67195651-A9FA-47BC-B0FB-720B11E8FB7E}" type="pres">
       <dgm:prSet presAssocID="{B99D5FE8-991D-40BF-A74A-310F8EFB7B94}" presName="compNode" presStyleCnt="0"/>
       <dgm:spPr/>
     </dgm:pt>
-    <dgm:pt modelId="{85D5EDBE-4284-4BBC-BF63-0C0117E38927}" type="pres">
-      <dgm:prSet presAssocID="{B99D5FE8-991D-40BF-A74A-310F8EFB7B94}" presName="pictRect" presStyleLbl="node1" presStyleIdx="0" presStyleCnt="7"/>
+    <dgm:pt modelId="{9A167CB3-E7B6-4C17-A38D-A2E26F6C91A9}" type="pres">
+      <dgm:prSet presAssocID="{B99D5FE8-991D-40BF-A74A-310F8EFB7B94}" presName="bkgdShape" presStyleLbl="node1" presStyleIdx="0" presStyleCnt="6"/>
       <dgm:spPr/>
     </dgm:pt>
-    <dgm:pt modelId="{F0AD8E2E-F64F-44BA-9AB6-C10D65C36357}" type="pres">
-      <dgm:prSet presAssocID="{B99D5FE8-991D-40BF-A74A-310F8EFB7B94}" presName="textRect" presStyleLbl="revTx" presStyleIdx="0" presStyleCnt="7">
+    <dgm:pt modelId="{EDE6CF86-42E3-47F2-AAC0-27EF7C5FB316}" type="pres">
+      <dgm:prSet presAssocID="{B99D5FE8-991D-40BF-A74A-310F8EFB7B94}" presName="nodeTx" presStyleLbl="node1" presStyleIdx="0" presStyleCnt="6">
         <dgm:presLayoutVars>
           <dgm:bulletEnabled val="1"/>
         </dgm:presLayoutVars>
       </dgm:prSet>
       <dgm:spPr/>
     </dgm:pt>
-    <dgm:pt modelId="{0FF2CDD4-0F31-458E-8F60-27A046FE5ACC}" type="pres">
+    <dgm:pt modelId="{8F9EB255-309D-4B4E-A692-B7F5A772F783}" type="pres">
+      <dgm:prSet presAssocID="{B99D5FE8-991D-40BF-A74A-310F8EFB7B94}" presName="invisiNode" presStyleLbl="node1" presStyleIdx="0" presStyleCnt="6"/>
+      <dgm:spPr/>
+    </dgm:pt>
+    <dgm:pt modelId="{887C3F37-7B6E-4F61-8F20-689F90747105}" type="pres">
+      <dgm:prSet presAssocID="{B99D5FE8-991D-40BF-A74A-310F8EFB7B94}" presName="imagNode" presStyleLbl="fgImgPlace1" presStyleIdx="0" presStyleCnt="6"/>
+      <dgm:spPr/>
+    </dgm:pt>
+    <dgm:pt modelId="{6B157B18-E7B6-44AB-AB85-21CDE1D4E39B}" type="pres">
       <dgm:prSet presAssocID="{4C777FD9-E88E-4F28-9AAD-B45989F945DD}" presName="sibTrans" presStyleLbl="sibTrans2D1" presStyleIdx="0" presStyleCnt="0"/>
       <dgm:spPr/>
     </dgm:pt>
-    <dgm:pt modelId="{94EAA319-0476-4034-9E64-CC9302319781}" type="pres">
+    <dgm:pt modelId="{C8701EA0-2260-45C0-AC98-E7D62D522501}" type="pres">
       <dgm:prSet presAssocID="{53A6723E-3920-49E3-8BAA-D3CE0778A9CE}" presName="compNode" presStyleCnt="0"/>
       <dgm:spPr/>
     </dgm:pt>
-    <dgm:pt modelId="{9DEB25B7-0D2D-47A8-8652-01CF51701031}" type="pres">
-      <dgm:prSet presAssocID="{53A6723E-3920-49E3-8BAA-D3CE0778A9CE}" presName="pictRect" presStyleLbl="node1" presStyleIdx="1" presStyleCnt="7"/>
+    <dgm:pt modelId="{22039E84-CBCB-4564-921B-2E609CACF4B2}" type="pres">
+      <dgm:prSet presAssocID="{53A6723E-3920-49E3-8BAA-D3CE0778A9CE}" presName="bkgdShape" presStyleLbl="node1" presStyleIdx="1" presStyleCnt="6" custLinFactNeighborX="595" custLinFactNeighborY="-820"/>
       <dgm:spPr/>
     </dgm:pt>
-    <dgm:pt modelId="{3244EC74-332C-4C6B-B70F-FFFA1E610924}" type="pres">
-      <dgm:prSet presAssocID="{53A6723E-3920-49E3-8BAA-D3CE0778A9CE}" presName="textRect" presStyleLbl="revTx" presStyleIdx="1" presStyleCnt="7">
+    <dgm:pt modelId="{428D0E02-8206-46CC-9FCA-8E3C03E222E1}" type="pres">
+      <dgm:prSet presAssocID="{53A6723E-3920-49E3-8BAA-D3CE0778A9CE}" presName="nodeTx" presStyleLbl="node1" presStyleIdx="1" presStyleCnt="6">
         <dgm:presLayoutVars>
           <dgm:bulletEnabled val="1"/>
         </dgm:presLayoutVars>
       </dgm:prSet>
       <dgm:spPr/>
     </dgm:pt>
-    <dgm:pt modelId="{14611AE8-9B68-4E21-93B6-0DD690A848DA}" type="pres">
+    <dgm:pt modelId="{56A9E533-D63C-4922-9F8E-A3FB9F63E846}" type="pres">
+      <dgm:prSet presAssocID="{53A6723E-3920-49E3-8BAA-D3CE0778A9CE}" presName="invisiNode" presStyleLbl="node1" presStyleIdx="1" presStyleCnt="6"/>
+      <dgm:spPr/>
+    </dgm:pt>
+    <dgm:pt modelId="{BD40DDA2-2DEE-49CB-8B75-00347773D6C3}" type="pres">
+      <dgm:prSet presAssocID="{53A6723E-3920-49E3-8BAA-D3CE0778A9CE}" presName="imagNode" presStyleLbl="fgImgPlace1" presStyleIdx="1" presStyleCnt="6"/>
+      <dgm:spPr/>
+    </dgm:pt>
+    <dgm:pt modelId="{E6FB858E-A2A4-4839-810F-FF3068CAFECB}" type="pres">
       <dgm:prSet presAssocID="{D552D7EC-D565-4A81-A7BC-E8D81B460AA1}" presName="sibTrans" presStyleLbl="sibTrans2D1" presStyleIdx="0" presStyleCnt="0"/>
       <dgm:spPr/>
     </dgm:pt>
-    <dgm:pt modelId="{5A7E55ED-2C09-4B26-9D49-D67E1318664D}" type="pres">
+    <dgm:pt modelId="{0F337468-0C5A-41BC-91EE-921AA47437DB}" type="pres">
       <dgm:prSet presAssocID="{B86DCE4D-512B-43B7-84C4-CFC4835B2AC4}" presName="compNode" presStyleCnt="0"/>
       <dgm:spPr/>
     </dgm:pt>
-    <dgm:pt modelId="{75F26130-E691-482A-88F9-BC49F37453B0}" type="pres">
-      <dgm:prSet presAssocID="{B86DCE4D-512B-43B7-84C4-CFC4835B2AC4}" presName="pictRect" presStyleLbl="node1" presStyleIdx="2" presStyleCnt="7"/>
+    <dgm:pt modelId="{C35C0FED-E261-49B2-85EC-644D817CE9EE}" type="pres">
+      <dgm:prSet presAssocID="{B86DCE4D-512B-43B7-84C4-CFC4835B2AC4}" presName="bkgdShape" presStyleLbl="node1" presStyleIdx="2" presStyleCnt="6" custLinFactNeighborX="346"/>
       <dgm:spPr/>
     </dgm:pt>
-    <dgm:pt modelId="{4B681FD5-06C9-497C-BD21-55FEB9BA82E2}" type="pres">
-      <dgm:prSet presAssocID="{B86DCE4D-512B-43B7-84C4-CFC4835B2AC4}" presName="textRect" presStyleLbl="revTx" presStyleIdx="2" presStyleCnt="7">
+    <dgm:pt modelId="{50654100-A4CC-4641-A821-CF73776D1B1D}" type="pres">
+      <dgm:prSet presAssocID="{B86DCE4D-512B-43B7-84C4-CFC4835B2AC4}" presName="nodeTx" presStyleLbl="node1" presStyleIdx="2" presStyleCnt="6">
         <dgm:presLayoutVars>
           <dgm:bulletEnabled val="1"/>
         </dgm:presLayoutVars>
       </dgm:prSet>
       <dgm:spPr/>
     </dgm:pt>
-    <dgm:pt modelId="{0D83E36B-A0A0-4655-B90A-C2017FE79B25}" type="pres">
+    <dgm:pt modelId="{EFBF30C8-E3CE-4C29-882D-7BC95D1C5B1E}" type="pres">
+      <dgm:prSet presAssocID="{B86DCE4D-512B-43B7-84C4-CFC4835B2AC4}" presName="invisiNode" presStyleLbl="node1" presStyleIdx="2" presStyleCnt="6"/>
+      <dgm:spPr/>
+    </dgm:pt>
+    <dgm:pt modelId="{60EB6998-F036-4E27-BFF9-CCFC88CE197E}" type="pres">
+      <dgm:prSet presAssocID="{B86DCE4D-512B-43B7-84C4-CFC4835B2AC4}" presName="imagNode" presStyleLbl="fgImgPlace1" presStyleIdx="2" presStyleCnt="6"/>
+      <dgm:spPr/>
+    </dgm:pt>
+    <dgm:pt modelId="{976B2699-5955-4692-B118-59BFE58CE9B3}" type="pres">
       <dgm:prSet presAssocID="{FE0D7DD2-5C0C-4C4D-BDD9-C0B5B181F561}" presName="sibTrans" presStyleLbl="sibTrans2D1" presStyleIdx="0" presStyleCnt="0"/>
       <dgm:spPr/>
     </dgm:pt>
-    <dgm:pt modelId="{AEE37779-F304-4414-B3F8-B445FA9FC816}" type="pres">
+    <dgm:pt modelId="{7190F891-1E3E-4E9B-B471-8807F373E1C4}" type="pres">
       <dgm:prSet presAssocID="{62CDFF1D-9238-4F3A-9DBB-C308E268BB4D}" presName="compNode" presStyleCnt="0"/>
       <dgm:spPr/>
     </dgm:pt>
-    <dgm:pt modelId="{BD19690F-D384-4BFC-8D53-DC72BB64EA1E}" type="pres">
-      <dgm:prSet presAssocID="{62CDFF1D-9238-4F3A-9DBB-C308E268BB4D}" presName="pictRect" presStyleLbl="node1" presStyleIdx="3" presStyleCnt="7"/>
+    <dgm:pt modelId="{AC4EA262-60FC-46E3-9CF4-3B531BE0CB60}" type="pres">
+      <dgm:prSet presAssocID="{62CDFF1D-9238-4F3A-9DBB-C308E268BB4D}" presName="bkgdShape" presStyleLbl="node1" presStyleIdx="3" presStyleCnt="6" custLinFactNeighborX="-642"/>
       <dgm:spPr/>
     </dgm:pt>
-    <dgm:pt modelId="{17D85B77-9C2B-457A-99CA-7E6D8E381DE2}" type="pres">
-      <dgm:prSet presAssocID="{62CDFF1D-9238-4F3A-9DBB-C308E268BB4D}" presName="textRect" presStyleLbl="revTx" presStyleIdx="3" presStyleCnt="7">
+    <dgm:pt modelId="{FBF7E758-5292-437F-8B4A-96EBA750067B}" type="pres">
+      <dgm:prSet presAssocID="{62CDFF1D-9238-4F3A-9DBB-C308E268BB4D}" presName="nodeTx" presStyleLbl="node1" presStyleIdx="3" presStyleCnt="6">
         <dgm:presLayoutVars>
           <dgm:bulletEnabled val="1"/>
         </dgm:presLayoutVars>
       </dgm:prSet>
       <dgm:spPr/>
     </dgm:pt>
-    <dgm:pt modelId="{CC60F917-3CB6-4FEA-B62C-56CB5F3B3BA9}" type="pres">
+    <dgm:pt modelId="{816A1C09-97D3-4AAC-AF14-BBD6141C3FAB}" type="pres">
+      <dgm:prSet presAssocID="{62CDFF1D-9238-4F3A-9DBB-C308E268BB4D}" presName="invisiNode" presStyleLbl="node1" presStyleIdx="3" presStyleCnt="6"/>
+      <dgm:spPr/>
+    </dgm:pt>
+    <dgm:pt modelId="{ABDD0B4E-75D2-4E58-AC1D-45596C8FD464}" type="pres">
+      <dgm:prSet presAssocID="{62CDFF1D-9238-4F3A-9DBB-C308E268BB4D}" presName="imagNode" presStyleLbl="fgImgPlace1" presStyleIdx="3" presStyleCnt="6"/>
+      <dgm:spPr/>
+    </dgm:pt>
+    <dgm:pt modelId="{7E4B9587-7134-4A09-87D6-89E70EE56665}" type="pres">
       <dgm:prSet presAssocID="{8B239B5A-FE29-42AD-BD7E-1D371FBF8B86}" presName="sibTrans" presStyleLbl="sibTrans2D1" presStyleIdx="0" presStyleCnt="0"/>
       <dgm:spPr/>
     </dgm:pt>
-    <dgm:pt modelId="{3FC3E964-DEDA-41B5-9241-EBFB2F8ECAA8}" type="pres">
+    <dgm:pt modelId="{83567AF4-6F4A-4AC6-9005-223361E6E5E8}" type="pres">
       <dgm:prSet presAssocID="{A39E0830-0939-4B90-8D69-C81BAEEC3510}" presName="compNode" presStyleCnt="0"/>
       <dgm:spPr/>
     </dgm:pt>
-    <dgm:pt modelId="{E6799248-A500-4FAC-BD70-56976E66FBE4}" type="pres">
-      <dgm:prSet presAssocID="{A39E0830-0939-4B90-8D69-C81BAEEC3510}" presName="pictRect" presStyleLbl="node1" presStyleIdx="4" presStyleCnt="7"/>
+    <dgm:pt modelId="{DA3F4976-F5FC-475C-8A1F-E12EB40BFBA7}" type="pres">
+      <dgm:prSet presAssocID="{A39E0830-0939-4B90-8D69-C81BAEEC3510}" presName="bkgdShape" presStyleLbl="node1" presStyleIdx="4" presStyleCnt="6"/>
       <dgm:spPr/>
     </dgm:pt>
-    <dgm:pt modelId="{668109B2-504E-49BB-87B6-27582E177EDA}" type="pres">
-      <dgm:prSet presAssocID="{A39E0830-0939-4B90-8D69-C81BAEEC3510}" presName="textRect" presStyleLbl="revTx" presStyleIdx="4" presStyleCnt="7">
+    <dgm:pt modelId="{CAF79C7C-69B9-41CE-919C-3599275F8A2E}" type="pres">
+      <dgm:prSet presAssocID="{A39E0830-0939-4B90-8D69-C81BAEEC3510}" presName="nodeTx" presStyleLbl="node1" presStyleIdx="4" presStyleCnt="6">
         <dgm:presLayoutVars>
           <dgm:bulletEnabled val="1"/>
         </dgm:presLayoutVars>
       </dgm:prSet>
       <dgm:spPr/>
     </dgm:pt>
-    <dgm:pt modelId="{F6825847-46AB-4C62-8DD4-F7278E6FD792}" type="pres">
+    <dgm:pt modelId="{0FC6D0B3-E4B7-4B18-B012-F6024F99C118}" type="pres">
+      <dgm:prSet presAssocID="{A39E0830-0939-4B90-8D69-C81BAEEC3510}" presName="invisiNode" presStyleLbl="node1" presStyleIdx="4" presStyleCnt="6"/>
+      <dgm:spPr/>
+    </dgm:pt>
+    <dgm:pt modelId="{5EF46490-3125-47D9-919E-7E60DB4CA972}" type="pres">
+      <dgm:prSet presAssocID="{A39E0830-0939-4B90-8D69-C81BAEEC3510}" presName="imagNode" presStyleLbl="fgImgPlace1" presStyleIdx="4" presStyleCnt="6"/>
+      <dgm:spPr/>
+    </dgm:pt>
+    <dgm:pt modelId="{331CBFC1-E238-4283-B15D-2B80D061B1FE}" type="pres">
       <dgm:prSet presAssocID="{B72A213F-7E45-402C-9833-5D6041D45580}" presName="sibTrans" presStyleLbl="sibTrans2D1" presStyleIdx="0" presStyleCnt="0"/>
       <dgm:spPr/>
     </dgm:pt>
-    <dgm:pt modelId="{A0A8E2EB-C4E4-4850-9A1E-EBF9C9B51F15}" type="pres">
-      <dgm:prSet presAssocID="{D02452C3-7A84-4590-A6A8-9450FE6525C4}" presName="compNode" presStyleCnt="0"/>
+    <dgm:pt modelId="{5345C645-77A5-4DA5-9D97-92BC512BBEBA}" type="pres">
+      <dgm:prSet presAssocID="{4819EC00-DC9D-4432-8FE8-17033DEC29F6}" presName="compNode" presStyleCnt="0"/>
       <dgm:spPr/>
     </dgm:pt>
-    <dgm:pt modelId="{F618ECAB-7A67-4253-BBBF-DD902EB0D48F}" type="pres">
-      <dgm:prSet presAssocID="{D02452C3-7A84-4590-A6A8-9450FE6525C4}" presName="pictRect" presStyleLbl="node1" presStyleIdx="5" presStyleCnt="7"/>
+    <dgm:pt modelId="{B46DCA75-3CEC-4800-8168-DE64D4CF9B51}" type="pres">
+      <dgm:prSet presAssocID="{4819EC00-DC9D-4432-8FE8-17033DEC29F6}" presName="bkgdShape" presStyleLbl="node1" presStyleIdx="5" presStyleCnt="6"/>
       <dgm:spPr/>
     </dgm:pt>
-    <dgm:pt modelId="{5F9492FE-1F16-4487-B860-330D23F59E11}" type="pres">
-      <dgm:prSet presAssocID="{D02452C3-7A84-4590-A6A8-9450FE6525C4}" presName="textRect" presStyleLbl="revTx" presStyleIdx="5" presStyleCnt="7">
+    <dgm:pt modelId="{59D583CA-3DCC-438A-A990-C74721A8E050}" type="pres">
+      <dgm:prSet presAssocID="{4819EC00-DC9D-4432-8FE8-17033DEC29F6}" presName="nodeTx" presStyleLbl="node1" presStyleIdx="5" presStyleCnt="6">
         <dgm:presLayoutVars>
           <dgm:bulletEnabled val="1"/>
         </dgm:presLayoutVars>
       </dgm:prSet>
       <dgm:spPr/>
     </dgm:pt>
-    <dgm:pt modelId="{522747FA-13B3-4C59-BFBD-0E89D4FAF7BA}" type="pres">
-      <dgm:prSet presAssocID="{C8B77097-4E59-4D57-8769-07097C1B3E47}" presName="sibTrans" presStyleLbl="sibTrans2D1" presStyleIdx="0" presStyleCnt="0"/>
+    <dgm:pt modelId="{620FBDC4-7BC7-4D25-9B1E-CA3AFE78900A}" type="pres">
+      <dgm:prSet presAssocID="{4819EC00-DC9D-4432-8FE8-17033DEC29F6}" presName="invisiNode" presStyleLbl="node1" presStyleIdx="5" presStyleCnt="6"/>
       <dgm:spPr/>
     </dgm:pt>
-    <dgm:pt modelId="{4DA16C3C-664F-47F0-B2D0-1D355F4F3B80}" type="pres">
-      <dgm:prSet presAssocID="{83447029-E457-47A7-BD5E-FB9D180FEFAF}" presName="compNode" presStyleCnt="0"/>
-      <dgm:spPr/>
-    </dgm:pt>
-    <dgm:pt modelId="{3811495F-C3B9-48CE-B0D3-454DC09E2E5A}" type="pres">
-      <dgm:prSet presAssocID="{83447029-E457-47A7-BD5E-FB9D180FEFAF}" presName="pictRect" presStyleLbl="node1" presStyleIdx="6" presStyleCnt="7"/>
-      <dgm:spPr/>
-    </dgm:pt>
-    <dgm:pt modelId="{5ABCD49F-0E88-4BF6-874D-CD8C3972B01A}" type="pres">
-      <dgm:prSet presAssocID="{83447029-E457-47A7-BD5E-FB9D180FEFAF}" presName="textRect" presStyleLbl="revTx" presStyleIdx="6" presStyleCnt="7">
-        <dgm:presLayoutVars>
-          <dgm:bulletEnabled val="1"/>
-        </dgm:presLayoutVars>
-      </dgm:prSet>
+    <dgm:pt modelId="{57455209-F5D7-426B-A0D4-B2E962FF267B}" type="pres">
+      <dgm:prSet presAssocID="{4819EC00-DC9D-4432-8FE8-17033DEC29F6}" presName="imagNode" presStyleLbl="fgImgPlace1" presStyleIdx="5" presStyleCnt="6"/>
       <dgm:spPr/>
     </dgm:pt>
   </dgm:ptLst>
   <dgm:cxnLst>
-    <dgm:cxn modelId="{6A58FC00-E735-4D15-B03A-2B1E241492CB}" type="presOf" srcId="{9482E4B3-036E-4231-83DE-754EEA8B4240}" destId="{A75CBA1E-7C22-450F-B8F4-592166F10AF3}" srcOrd="0" destOrd="0" presId="urn:microsoft.com/office/officeart/2005/8/layout/pList1"/>
-    <dgm:cxn modelId="{3E994C18-AA26-4183-B2A6-351B8980A43D}" type="presOf" srcId="{A39E0830-0939-4B90-8D69-C81BAEEC3510}" destId="{668109B2-504E-49BB-87B6-27582E177EDA}" srcOrd="0" destOrd="0" presId="urn:microsoft.com/office/officeart/2005/8/layout/pList1"/>
-    <dgm:cxn modelId="{E7E6321E-4903-4222-986A-58156D400902}" type="presOf" srcId="{D552D7EC-D565-4A81-A7BC-E8D81B460AA1}" destId="{14611AE8-9B68-4E21-93B6-0DD690A848DA}" srcOrd="0" destOrd="0" presId="urn:microsoft.com/office/officeart/2005/8/layout/pList1"/>
-    <dgm:cxn modelId="{B00EEF24-F5CC-475A-9807-9D9CF40236C2}" type="presOf" srcId="{4C777FD9-E88E-4F28-9AAD-B45989F945DD}" destId="{0FF2CDD4-0F31-458E-8F60-27A046FE5ACC}" srcOrd="0" destOrd="0" presId="urn:microsoft.com/office/officeart/2005/8/layout/pList1"/>
-    <dgm:cxn modelId="{D630A725-EEF3-483A-AFD9-00FF7927BE9E}" type="presOf" srcId="{D02452C3-7A84-4590-A6A8-9450FE6525C4}" destId="{5F9492FE-1F16-4487-B860-330D23F59E11}" srcOrd="0" destOrd="0" presId="urn:microsoft.com/office/officeart/2005/8/layout/pList1"/>
-    <dgm:cxn modelId="{0EC7ED26-7E22-4108-AC38-9D8F1FE308C1}" type="presOf" srcId="{B86DCE4D-512B-43B7-84C4-CFC4835B2AC4}" destId="{4B681FD5-06C9-497C-BD21-55FEB9BA82E2}" srcOrd="0" destOrd="0" presId="urn:microsoft.com/office/officeart/2005/8/layout/pList1"/>
-    <dgm:cxn modelId="{8EDDCC30-063C-4BCA-BD79-1DFEABC10F72}" type="presOf" srcId="{62CDFF1D-9238-4F3A-9DBB-C308E268BB4D}" destId="{17D85B77-9C2B-457A-99CA-7E6D8E381DE2}" srcOrd="0" destOrd="0" presId="urn:microsoft.com/office/officeart/2005/8/layout/pList1"/>
-    <dgm:cxn modelId="{6AEC3331-CB5B-43CB-9E83-FBB4E6515E39}" type="presOf" srcId="{B99D5FE8-991D-40BF-A74A-310F8EFB7B94}" destId="{F0AD8E2E-F64F-44BA-9AB6-C10D65C36357}" srcOrd="0" destOrd="0" presId="urn:microsoft.com/office/officeart/2005/8/layout/pList1"/>
+    <dgm:cxn modelId="{E62FEF17-A9A7-42A2-BF28-705E90674ABA}" type="presOf" srcId="{53A6723E-3920-49E3-8BAA-D3CE0778A9CE}" destId="{428D0E02-8206-46CC-9FCA-8E3C03E222E1}" srcOrd="1" destOrd="0" presId="urn:microsoft.com/office/officeart/2005/8/layout/hList7"/>
+    <dgm:cxn modelId="{33DEB61A-327B-43AA-A6AF-D66E391FFBD0}" type="presOf" srcId="{62CDFF1D-9238-4F3A-9DBB-C308E268BB4D}" destId="{FBF7E758-5292-437F-8B4A-96EBA750067B}" srcOrd="1" destOrd="0" presId="urn:microsoft.com/office/officeart/2005/8/layout/hList7"/>
+    <dgm:cxn modelId="{AF51A73A-B18E-434F-A3EE-7A299C39C1B1}" type="presOf" srcId="{4819EC00-DC9D-4432-8FE8-17033DEC29F6}" destId="{59D583CA-3DCC-438A-A990-C74721A8E050}" srcOrd="1" destOrd="0" presId="urn:microsoft.com/office/officeart/2005/8/layout/hList7"/>
+    <dgm:cxn modelId="{4046D13E-0B85-4519-BEBC-28BBC2C5FA32}" type="presOf" srcId="{A39E0830-0939-4B90-8D69-C81BAEEC3510}" destId="{CAF79C7C-69B9-41CE-919C-3599275F8A2E}" srcOrd="1" destOrd="0" presId="urn:microsoft.com/office/officeart/2005/8/layout/hList7"/>
     <dgm:cxn modelId="{AAE3D65E-B694-4A86-8D5A-EDF9DB64427D}" srcId="{9482E4B3-036E-4231-83DE-754EEA8B4240}" destId="{B99D5FE8-991D-40BF-A74A-310F8EFB7B94}" srcOrd="0" destOrd="0" parTransId="{DB3A4D66-D4E7-4057-8F7C-35959F20FDC0}" sibTransId="{4C777FD9-E88E-4F28-9AAD-B45989F945DD}"/>
+    <dgm:cxn modelId="{87112467-83AB-47B0-82C0-6371EF92235E}" type="presOf" srcId="{8B239B5A-FE29-42AD-BD7E-1D371FBF8B86}" destId="{7E4B9587-7134-4A09-87D6-89E70EE56665}" srcOrd="0" destOrd="0" presId="urn:microsoft.com/office/officeart/2005/8/layout/hList7"/>
     <dgm:cxn modelId="{93D6FF67-8F09-4854-941A-B082B254182D}" srcId="{9482E4B3-036E-4231-83DE-754EEA8B4240}" destId="{62CDFF1D-9238-4F3A-9DBB-C308E268BB4D}" srcOrd="3" destOrd="0" parTransId="{CB5EB210-180B-49D4-B862-A69401E5FABF}" sibTransId="{8B239B5A-FE29-42AD-BD7E-1D371FBF8B86}"/>
-    <dgm:cxn modelId="{4A2D3F4A-6AE3-4055-92E6-1153A7435422}" type="presOf" srcId="{53A6723E-3920-49E3-8BAA-D3CE0778A9CE}" destId="{3244EC74-332C-4C6B-B70F-FFFA1E610924}" srcOrd="0" destOrd="0" presId="urn:microsoft.com/office/officeart/2005/8/layout/pList1"/>
-    <dgm:cxn modelId="{FBF6D54A-8200-4A65-94D4-60BAB2C80071}" type="presOf" srcId="{83447029-E457-47A7-BD5E-FB9D180FEFAF}" destId="{5ABCD49F-0E88-4BF6-874D-CD8C3972B01A}" srcOrd="0" destOrd="0" presId="urn:microsoft.com/office/officeart/2005/8/layout/pList1"/>
-    <dgm:cxn modelId="{D81F2689-FEA3-426C-BF12-5CAA043E610D}" srcId="{9482E4B3-036E-4231-83DE-754EEA8B4240}" destId="{D02452C3-7A84-4590-A6A8-9450FE6525C4}" srcOrd="5" destOrd="0" parTransId="{7BF7DF3B-A23B-4A58-8C64-341D70579343}" sibTransId="{C8B77097-4E59-4D57-8769-07097C1B3E47}"/>
+    <dgm:cxn modelId="{2B13B66D-4EA8-4B2D-A425-C615399A4DDD}" type="presOf" srcId="{B99D5FE8-991D-40BF-A74A-310F8EFB7B94}" destId="{EDE6CF86-42E3-47F2-AAC0-27EF7C5FB316}" srcOrd="1" destOrd="0" presId="urn:microsoft.com/office/officeart/2005/8/layout/hList7"/>
+    <dgm:cxn modelId="{6C86824F-60DB-4E30-9385-95BF3F1F3EDD}" type="presOf" srcId="{53A6723E-3920-49E3-8BAA-D3CE0778A9CE}" destId="{22039E84-CBCB-4564-921B-2E609CACF4B2}" srcOrd="0" destOrd="0" presId="urn:microsoft.com/office/officeart/2005/8/layout/hList7"/>
+    <dgm:cxn modelId="{AE8F1558-D72C-4711-8505-FC4E1C56F0C1}" type="presOf" srcId="{B86DCE4D-512B-43B7-84C4-CFC4835B2AC4}" destId="{C35C0FED-E261-49B2-85EC-644D817CE9EE}" srcOrd="0" destOrd="0" presId="urn:microsoft.com/office/officeart/2005/8/layout/hList7"/>
+    <dgm:cxn modelId="{E119EA78-EAE6-4089-A73B-59BEE7F37E7A}" type="presOf" srcId="{4C777FD9-E88E-4F28-9AAD-B45989F945DD}" destId="{6B157B18-E7B6-44AB-AB85-21CDE1D4E39B}" srcOrd="0" destOrd="0" presId="urn:microsoft.com/office/officeart/2005/8/layout/hList7"/>
+    <dgm:cxn modelId="{DF9E3459-A1A4-4E63-8803-9B7390BFC7E4}" type="presOf" srcId="{4819EC00-DC9D-4432-8FE8-17033DEC29F6}" destId="{B46DCA75-3CEC-4800-8168-DE64D4CF9B51}" srcOrd="0" destOrd="0" presId="urn:microsoft.com/office/officeart/2005/8/layout/hList7"/>
+    <dgm:cxn modelId="{1005B57D-B41F-4D06-8BFB-DE6C23D67AE2}" type="presOf" srcId="{B72A213F-7E45-402C-9833-5D6041D45580}" destId="{331CBFC1-E238-4283-B15D-2B80D061B1FE}" srcOrd="0" destOrd="0" presId="urn:microsoft.com/office/officeart/2005/8/layout/hList7"/>
+    <dgm:cxn modelId="{F4637785-71A8-43F4-9019-3BA68501DA4E}" srcId="{9482E4B3-036E-4231-83DE-754EEA8B4240}" destId="{4819EC00-DC9D-4432-8FE8-17033DEC29F6}" srcOrd="5" destOrd="0" parTransId="{1451C3EC-896A-4EA7-B83C-E8D35FFF4F1D}" sibTransId="{AB70F056-D2CA-43C0-A8CF-0055761DEC51}"/>
+    <dgm:cxn modelId="{DF8F3287-3C95-4A57-AB44-91A4A389D6DD}" type="presOf" srcId="{A39E0830-0939-4B90-8D69-C81BAEEC3510}" destId="{DA3F4976-F5FC-475C-8A1F-E12EB40BFBA7}" srcOrd="0" destOrd="0" presId="urn:microsoft.com/office/officeart/2005/8/layout/hList7"/>
+    <dgm:cxn modelId="{3310AB8E-1780-477D-B2E2-4BAD43DC4D96}" type="presOf" srcId="{B86DCE4D-512B-43B7-84C4-CFC4835B2AC4}" destId="{50654100-A4CC-4641-A821-CF73776D1B1D}" srcOrd="1" destOrd="0" presId="urn:microsoft.com/office/officeart/2005/8/layout/hList7"/>
     <dgm:cxn modelId="{53305E8F-D57D-4E88-A8DA-EDBF3CADE194}" srcId="{9482E4B3-036E-4231-83DE-754EEA8B4240}" destId="{B86DCE4D-512B-43B7-84C4-CFC4835B2AC4}" srcOrd="2" destOrd="0" parTransId="{AC2FB365-880F-40A0-85E9-BF01BC6341B6}" sibTransId="{FE0D7DD2-5C0C-4C4D-BDD9-C0B5B181F561}"/>
+    <dgm:cxn modelId="{67630C91-5D0A-402E-BEBA-81C04DE52FB4}" type="presOf" srcId="{FE0D7DD2-5C0C-4C4D-BDD9-C0B5B181F561}" destId="{976B2699-5955-4692-B118-59BFE58CE9B3}" srcOrd="0" destOrd="0" presId="urn:microsoft.com/office/officeart/2005/8/layout/hList7"/>
     <dgm:cxn modelId="{7A86EAB8-8B77-4386-BF9B-5D64945288BA}" srcId="{9482E4B3-036E-4231-83DE-754EEA8B4240}" destId="{53A6723E-3920-49E3-8BAA-D3CE0778A9CE}" srcOrd="1" destOrd="0" parTransId="{6E8812A1-D766-4DE5-9C32-69F6346ED6EA}" sibTransId="{D552D7EC-D565-4A81-A7BC-E8D81B460AA1}"/>
-    <dgm:cxn modelId="{199E71BB-B3FF-45FA-95E9-1353241C4354}" type="presOf" srcId="{8B239B5A-FE29-42AD-BD7E-1D371FBF8B86}" destId="{CC60F917-3CB6-4FEA-B62C-56CB5F3B3BA9}" srcOrd="0" destOrd="0" presId="urn:microsoft.com/office/officeart/2005/8/layout/pList1"/>
+    <dgm:cxn modelId="{488B82C0-1C47-495C-951F-39D0930E2D36}" type="presOf" srcId="{62CDFF1D-9238-4F3A-9DBB-C308E268BB4D}" destId="{AC4EA262-60FC-46E3-9CF4-3B531BE0CB60}" srcOrd="0" destOrd="0" presId="urn:microsoft.com/office/officeart/2005/8/layout/hList7"/>
+    <dgm:cxn modelId="{584582D4-F679-4FCE-89AD-D02A7127571D}" type="presOf" srcId="{B99D5FE8-991D-40BF-A74A-310F8EFB7B94}" destId="{9A167CB3-E7B6-4C17-A38D-A2E26F6C91A9}" srcOrd="0" destOrd="0" presId="urn:microsoft.com/office/officeart/2005/8/layout/hList7"/>
+    <dgm:cxn modelId="{650FD8DF-F8AA-469E-BDA0-75262E484BE6}" type="presOf" srcId="{9482E4B3-036E-4231-83DE-754EEA8B4240}" destId="{1F5AFC2D-EBF2-4E69-AA94-AF3DA94F5998}" srcOrd="0" destOrd="0" presId="urn:microsoft.com/office/officeart/2005/8/layout/hList7"/>
+    <dgm:cxn modelId="{801FC5E0-DE79-43D4-AE98-436DF39007C7}" type="presOf" srcId="{D552D7EC-D565-4A81-A7BC-E8D81B460AA1}" destId="{E6FB858E-A2A4-4839-810F-FF3068CAFECB}" srcOrd="0" destOrd="0" presId="urn:microsoft.com/office/officeart/2005/8/layout/hList7"/>
     <dgm:cxn modelId="{90E124E6-0CDC-4016-9A38-6A22894343FB}" srcId="{9482E4B3-036E-4231-83DE-754EEA8B4240}" destId="{A39E0830-0939-4B90-8D69-C81BAEEC3510}" srcOrd="4" destOrd="0" parTransId="{CEA9BC3E-E934-4623-A27C-C82017883A19}" sibTransId="{B72A213F-7E45-402C-9833-5D6041D45580}"/>
-    <dgm:cxn modelId="{EF55D8F3-C0DC-424C-91E9-B1C76300F88F}" srcId="{9482E4B3-036E-4231-83DE-754EEA8B4240}" destId="{83447029-E457-47A7-BD5E-FB9D180FEFAF}" srcOrd="6" destOrd="0" parTransId="{BD3C9709-086C-4990-845C-635E8078A384}" sibTransId="{A826CA13-326A-485A-8A83-B98806289431}"/>
-    <dgm:cxn modelId="{595A07F6-97A9-40BD-A0D5-C2C1725BA50E}" type="presOf" srcId="{FE0D7DD2-5C0C-4C4D-BDD9-C0B5B181F561}" destId="{0D83E36B-A0A0-4655-B90A-C2017FE79B25}" srcOrd="0" destOrd="0" presId="urn:microsoft.com/office/officeart/2005/8/layout/pList1"/>
-    <dgm:cxn modelId="{5BA1C0FA-5D36-47CA-B8F0-E851D9439D9B}" type="presOf" srcId="{C8B77097-4E59-4D57-8769-07097C1B3E47}" destId="{522747FA-13B3-4C59-BFBD-0E89D4FAF7BA}" srcOrd="0" destOrd="0" presId="urn:microsoft.com/office/officeart/2005/8/layout/pList1"/>
-    <dgm:cxn modelId="{BCF8C0FE-C3A5-40A1-AD6D-CDB3090C8092}" type="presOf" srcId="{B72A213F-7E45-402C-9833-5D6041D45580}" destId="{F6825847-46AB-4C62-8DD4-F7278E6FD792}" srcOrd="0" destOrd="0" presId="urn:microsoft.com/office/officeart/2005/8/layout/pList1"/>
-    <dgm:cxn modelId="{BDA5D3E7-68C9-4ED3-B78B-4FCC7A3A6BED}" type="presParOf" srcId="{A75CBA1E-7C22-450F-B8F4-592166F10AF3}" destId="{5F91CA1C-90FA-4919-9B3C-F6B2FA4554B7}" srcOrd="0" destOrd="0" presId="urn:microsoft.com/office/officeart/2005/8/layout/pList1"/>
-    <dgm:cxn modelId="{4B08E5E1-5FD6-4C31-BCA3-BECB59F4AC66}" type="presParOf" srcId="{5F91CA1C-90FA-4919-9B3C-F6B2FA4554B7}" destId="{85D5EDBE-4284-4BBC-BF63-0C0117E38927}" srcOrd="0" destOrd="0" presId="urn:microsoft.com/office/officeart/2005/8/layout/pList1"/>
-    <dgm:cxn modelId="{776EE164-E408-4DB3-BB88-45F57A0A71DB}" type="presParOf" srcId="{5F91CA1C-90FA-4919-9B3C-F6B2FA4554B7}" destId="{F0AD8E2E-F64F-44BA-9AB6-C10D65C36357}" srcOrd="1" destOrd="0" presId="urn:microsoft.com/office/officeart/2005/8/layout/pList1"/>
-    <dgm:cxn modelId="{8E6C674F-772F-4243-AC33-28B4B5253BA1}" type="presParOf" srcId="{A75CBA1E-7C22-450F-B8F4-592166F10AF3}" destId="{0FF2CDD4-0F31-458E-8F60-27A046FE5ACC}" srcOrd="1" destOrd="0" presId="urn:microsoft.com/office/officeart/2005/8/layout/pList1"/>
-    <dgm:cxn modelId="{87317DDC-3BF0-4300-9F24-297AFB400B75}" type="presParOf" srcId="{A75CBA1E-7C22-450F-B8F4-592166F10AF3}" destId="{94EAA319-0476-4034-9E64-CC9302319781}" srcOrd="2" destOrd="0" presId="urn:microsoft.com/office/officeart/2005/8/layout/pList1"/>
-    <dgm:cxn modelId="{27A2BE90-F355-441C-ABE2-32A4B11F1F01}" type="presParOf" srcId="{94EAA319-0476-4034-9E64-CC9302319781}" destId="{9DEB25B7-0D2D-47A8-8652-01CF51701031}" srcOrd="0" destOrd="0" presId="urn:microsoft.com/office/officeart/2005/8/layout/pList1"/>
-    <dgm:cxn modelId="{9E7EAE86-8D79-4A3C-A1A5-0CD3539D0C5F}" type="presParOf" srcId="{94EAA319-0476-4034-9E64-CC9302319781}" destId="{3244EC74-332C-4C6B-B70F-FFFA1E610924}" srcOrd="1" destOrd="0" presId="urn:microsoft.com/office/officeart/2005/8/layout/pList1"/>
-    <dgm:cxn modelId="{E0B3AF5E-FFFB-44DC-A4CA-235EBF6011C7}" type="presParOf" srcId="{A75CBA1E-7C22-450F-B8F4-592166F10AF3}" destId="{14611AE8-9B68-4E21-93B6-0DD690A848DA}" srcOrd="3" destOrd="0" presId="urn:microsoft.com/office/officeart/2005/8/layout/pList1"/>
-    <dgm:cxn modelId="{B7BC0E04-D9B3-4012-A099-4827FE9A2185}" type="presParOf" srcId="{A75CBA1E-7C22-450F-B8F4-592166F10AF3}" destId="{5A7E55ED-2C09-4B26-9D49-D67E1318664D}" srcOrd="4" destOrd="0" presId="urn:microsoft.com/office/officeart/2005/8/layout/pList1"/>
-    <dgm:cxn modelId="{7C5A3748-7BC7-4DB5-83CF-2AA08FA6F77B}" type="presParOf" srcId="{5A7E55ED-2C09-4B26-9D49-D67E1318664D}" destId="{75F26130-E691-482A-88F9-BC49F37453B0}" srcOrd="0" destOrd="0" presId="urn:microsoft.com/office/officeart/2005/8/layout/pList1"/>
-    <dgm:cxn modelId="{1D866E24-8EA0-497C-B835-F0C5A6A60947}" type="presParOf" srcId="{5A7E55ED-2C09-4B26-9D49-D67E1318664D}" destId="{4B681FD5-06C9-497C-BD21-55FEB9BA82E2}" srcOrd="1" destOrd="0" presId="urn:microsoft.com/office/officeart/2005/8/layout/pList1"/>
-    <dgm:cxn modelId="{184D4534-6204-40B0-8F26-AFC85CD4BDA6}" type="presParOf" srcId="{A75CBA1E-7C22-450F-B8F4-592166F10AF3}" destId="{0D83E36B-A0A0-4655-B90A-C2017FE79B25}" srcOrd="5" destOrd="0" presId="urn:microsoft.com/office/officeart/2005/8/layout/pList1"/>
-    <dgm:cxn modelId="{CB7960C3-0022-4B6C-BBE9-1911EE615608}" type="presParOf" srcId="{A75CBA1E-7C22-450F-B8F4-592166F10AF3}" destId="{AEE37779-F304-4414-B3F8-B445FA9FC816}" srcOrd="6" destOrd="0" presId="urn:microsoft.com/office/officeart/2005/8/layout/pList1"/>
-    <dgm:cxn modelId="{4976630E-B4B9-4869-85BD-FD7C724F2B0D}" type="presParOf" srcId="{AEE37779-F304-4414-B3F8-B445FA9FC816}" destId="{BD19690F-D384-4BFC-8D53-DC72BB64EA1E}" srcOrd="0" destOrd="0" presId="urn:microsoft.com/office/officeart/2005/8/layout/pList1"/>
-    <dgm:cxn modelId="{30514ADD-B080-4CDE-8D65-EFED5A6A8BCD}" type="presParOf" srcId="{AEE37779-F304-4414-B3F8-B445FA9FC816}" destId="{17D85B77-9C2B-457A-99CA-7E6D8E381DE2}" srcOrd="1" destOrd="0" presId="urn:microsoft.com/office/officeart/2005/8/layout/pList1"/>
-    <dgm:cxn modelId="{0DFC17E3-FDBE-4632-BF90-900F19A1D2A8}" type="presParOf" srcId="{A75CBA1E-7C22-450F-B8F4-592166F10AF3}" destId="{CC60F917-3CB6-4FEA-B62C-56CB5F3B3BA9}" srcOrd="7" destOrd="0" presId="urn:microsoft.com/office/officeart/2005/8/layout/pList1"/>
-    <dgm:cxn modelId="{1755F4D7-EED8-4B6D-9731-F49218618B23}" type="presParOf" srcId="{A75CBA1E-7C22-450F-B8F4-592166F10AF3}" destId="{3FC3E964-DEDA-41B5-9241-EBFB2F8ECAA8}" srcOrd="8" destOrd="0" presId="urn:microsoft.com/office/officeart/2005/8/layout/pList1"/>
-    <dgm:cxn modelId="{B8E06A6E-BAD1-40A6-A046-4AD8B6F85077}" type="presParOf" srcId="{3FC3E964-DEDA-41B5-9241-EBFB2F8ECAA8}" destId="{E6799248-A500-4FAC-BD70-56976E66FBE4}" srcOrd="0" destOrd="0" presId="urn:microsoft.com/office/officeart/2005/8/layout/pList1"/>
-    <dgm:cxn modelId="{D69D2A0C-A0E7-46E8-953C-F289055962B6}" type="presParOf" srcId="{3FC3E964-DEDA-41B5-9241-EBFB2F8ECAA8}" destId="{668109B2-504E-49BB-87B6-27582E177EDA}" srcOrd="1" destOrd="0" presId="urn:microsoft.com/office/officeart/2005/8/layout/pList1"/>
-    <dgm:cxn modelId="{FA2B22F7-9200-4166-83C7-D212E2908E00}" type="presParOf" srcId="{A75CBA1E-7C22-450F-B8F4-592166F10AF3}" destId="{F6825847-46AB-4C62-8DD4-F7278E6FD792}" srcOrd="9" destOrd="0" presId="urn:microsoft.com/office/officeart/2005/8/layout/pList1"/>
-    <dgm:cxn modelId="{A8BEA6AB-2A91-4014-8FF9-40970B96EB15}" type="presParOf" srcId="{A75CBA1E-7C22-450F-B8F4-592166F10AF3}" destId="{A0A8E2EB-C4E4-4850-9A1E-EBF9C9B51F15}" srcOrd="10" destOrd="0" presId="urn:microsoft.com/office/officeart/2005/8/layout/pList1"/>
-    <dgm:cxn modelId="{7F97D8B8-E40A-4833-BD8E-34DA81AF3767}" type="presParOf" srcId="{A0A8E2EB-C4E4-4850-9A1E-EBF9C9B51F15}" destId="{F618ECAB-7A67-4253-BBBF-DD902EB0D48F}" srcOrd="0" destOrd="0" presId="urn:microsoft.com/office/officeart/2005/8/layout/pList1"/>
-    <dgm:cxn modelId="{E2CA83C3-6273-4631-9C1A-21E9B8507F1E}" type="presParOf" srcId="{A0A8E2EB-C4E4-4850-9A1E-EBF9C9B51F15}" destId="{5F9492FE-1F16-4487-B860-330D23F59E11}" srcOrd="1" destOrd="0" presId="urn:microsoft.com/office/officeart/2005/8/layout/pList1"/>
-    <dgm:cxn modelId="{3F7B2D7C-F5C9-4752-B735-5EA4A1505F50}" type="presParOf" srcId="{A75CBA1E-7C22-450F-B8F4-592166F10AF3}" destId="{522747FA-13B3-4C59-BFBD-0E89D4FAF7BA}" srcOrd="11" destOrd="0" presId="urn:microsoft.com/office/officeart/2005/8/layout/pList1"/>
-    <dgm:cxn modelId="{B4D06AF8-B8D6-4E65-9A94-51C988778923}" type="presParOf" srcId="{A75CBA1E-7C22-450F-B8F4-592166F10AF3}" destId="{4DA16C3C-664F-47F0-B2D0-1D355F4F3B80}" srcOrd="12" destOrd="0" presId="urn:microsoft.com/office/officeart/2005/8/layout/pList1"/>
-    <dgm:cxn modelId="{5EFC90B7-F2E4-4C9E-A469-8E5810176344}" type="presParOf" srcId="{4DA16C3C-664F-47F0-B2D0-1D355F4F3B80}" destId="{3811495F-C3B9-48CE-B0D3-454DC09E2E5A}" srcOrd="0" destOrd="0" presId="urn:microsoft.com/office/officeart/2005/8/layout/pList1"/>
-    <dgm:cxn modelId="{5C642288-623E-496E-A4CF-54831D042F54}" type="presParOf" srcId="{4DA16C3C-664F-47F0-B2D0-1D355F4F3B80}" destId="{5ABCD49F-0E88-4BF6-874D-CD8C3972B01A}" srcOrd="1" destOrd="0" presId="urn:microsoft.com/office/officeart/2005/8/layout/pList1"/>
+    <dgm:cxn modelId="{814DDD90-4B0E-40CB-B826-1F670F454C3D}" type="presParOf" srcId="{1F5AFC2D-EBF2-4E69-AA94-AF3DA94F5998}" destId="{D888E3A7-F31C-454B-9C27-AE4430D4FDDD}" srcOrd="0" destOrd="0" presId="urn:microsoft.com/office/officeart/2005/8/layout/hList7"/>
+    <dgm:cxn modelId="{067913E4-5E47-4BBE-9886-4F6ECB77E100}" type="presParOf" srcId="{1F5AFC2D-EBF2-4E69-AA94-AF3DA94F5998}" destId="{B2DAE1FD-59A8-42A7-9A0B-F460BE02C10D}" srcOrd="1" destOrd="0" presId="urn:microsoft.com/office/officeart/2005/8/layout/hList7"/>
+    <dgm:cxn modelId="{851A6F41-8E70-48BF-8784-886E91F0D398}" type="presParOf" srcId="{B2DAE1FD-59A8-42A7-9A0B-F460BE02C10D}" destId="{67195651-A9FA-47BC-B0FB-720B11E8FB7E}" srcOrd="0" destOrd="0" presId="urn:microsoft.com/office/officeart/2005/8/layout/hList7"/>
+    <dgm:cxn modelId="{3062C1BD-183C-4D94-87CC-CBBC0D2ED79F}" type="presParOf" srcId="{67195651-A9FA-47BC-B0FB-720B11E8FB7E}" destId="{9A167CB3-E7B6-4C17-A38D-A2E26F6C91A9}" srcOrd="0" destOrd="0" presId="urn:microsoft.com/office/officeart/2005/8/layout/hList7"/>
+    <dgm:cxn modelId="{EFC6A19C-B5A5-4891-824D-8725144CDB33}" type="presParOf" srcId="{67195651-A9FA-47BC-B0FB-720B11E8FB7E}" destId="{EDE6CF86-42E3-47F2-AAC0-27EF7C5FB316}" srcOrd="1" destOrd="0" presId="urn:microsoft.com/office/officeart/2005/8/layout/hList7"/>
+    <dgm:cxn modelId="{65665483-69DD-41ED-85E5-5E130541A382}" type="presParOf" srcId="{67195651-A9FA-47BC-B0FB-720B11E8FB7E}" destId="{8F9EB255-309D-4B4E-A692-B7F5A772F783}" srcOrd="2" destOrd="0" presId="urn:microsoft.com/office/officeart/2005/8/layout/hList7"/>
+    <dgm:cxn modelId="{CD5AD9D1-E1E0-4444-918A-5C524FBAF6A5}" type="presParOf" srcId="{67195651-A9FA-47BC-B0FB-720B11E8FB7E}" destId="{887C3F37-7B6E-4F61-8F20-689F90747105}" srcOrd="3" destOrd="0" presId="urn:microsoft.com/office/officeart/2005/8/layout/hList7"/>
+    <dgm:cxn modelId="{91647164-D059-422C-9ACE-12A788318D47}" type="presParOf" srcId="{B2DAE1FD-59A8-42A7-9A0B-F460BE02C10D}" destId="{6B157B18-E7B6-44AB-AB85-21CDE1D4E39B}" srcOrd="1" destOrd="0" presId="urn:microsoft.com/office/officeart/2005/8/layout/hList7"/>
+    <dgm:cxn modelId="{11AEAE02-65C4-4825-AEF5-054BF22ED929}" type="presParOf" srcId="{B2DAE1FD-59A8-42A7-9A0B-F460BE02C10D}" destId="{C8701EA0-2260-45C0-AC98-E7D62D522501}" srcOrd="2" destOrd="0" presId="urn:microsoft.com/office/officeart/2005/8/layout/hList7"/>
+    <dgm:cxn modelId="{480F8D48-16F5-43F1-9483-67A997E185AB}" type="presParOf" srcId="{C8701EA0-2260-45C0-AC98-E7D62D522501}" destId="{22039E84-CBCB-4564-921B-2E609CACF4B2}" srcOrd="0" destOrd="0" presId="urn:microsoft.com/office/officeart/2005/8/layout/hList7"/>
+    <dgm:cxn modelId="{F0019691-F079-4890-830A-FC010A9823EA}" type="presParOf" srcId="{C8701EA0-2260-45C0-AC98-E7D62D522501}" destId="{428D0E02-8206-46CC-9FCA-8E3C03E222E1}" srcOrd="1" destOrd="0" presId="urn:microsoft.com/office/officeart/2005/8/layout/hList7"/>
+    <dgm:cxn modelId="{BBECFCCB-5AD4-48B7-AC1A-CDD3AAB174FF}" type="presParOf" srcId="{C8701EA0-2260-45C0-AC98-E7D62D522501}" destId="{56A9E533-D63C-4922-9F8E-A3FB9F63E846}" srcOrd="2" destOrd="0" presId="urn:microsoft.com/office/officeart/2005/8/layout/hList7"/>
+    <dgm:cxn modelId="{DA1CC754-3061-4A44-9FAB-76626B8FE747}" type="presParOf" srcId="{C8701EA0-2260-45C0-AC98-E7D62D522501}" destId="{BD40DDA2-2DEE-49CB-8B75-00347773D6C3}" srcOrd="3" destOrd="0" presId="urn:microsoft.com/office/officeart/2005/8/layout/hList7"/>
+    <dgm:cxn modelId="{6AF7A86A-15AC-499C-A2BF-43D3E5D52612}" type="presParOf" srcId="{B2DAE1FD-59A8-42A7-9A0B-F460BE02C10D}" destId="{E6FB858E-A2A4-4839-810F-FF3068CAFECB}" srcOrd="3" destOrd="0" presId="urn:microsoft.com/office/officeart/2005/8/layout/hList7"/>
+    <dgm:cxn modelId="{E465CB33-11F5-40A7-A6DE-20AED10E2965}" type="presParOf" srcId="{B2DAE1FD-59A8-42A7-9A0B-F460BE02C10D}" destId="{0F337468-0C5A-41BC-91EE-921AA47437DB}" srcOrd="4" destOrd="0" presId="urn:microsoft.com/office/officeart/2005/8/layout/hList7"/>
+    <dgm:cxn modelId="{F0F75724-4753-4007-8F03-882DF4DFE5B0}" type="presParOf" srcId="{0F337468-0C5A-41BC-91EE-921AA47437DB}" destId="{C35C0FED-E261-49B2-85EC-644D817CE9EE}" srcOrd="0" destOrd="0" presId="urn:microsoft.com/office/officeart/2005/8/layout/hList7"/>
+    <dgm:cxn modelId="{26E13F44-5537-4E7D-B997-7E8EFBEF7085}" type="presParOf" srcId="{0F337468-0C5A-41BC-91EE-921AA47437DB}" destId="{50654100-A4CC-4641-A821-CF73776D1B1D}" srcOrd="1" destOrd="0" presId="urn:microsoft.com/office/officeart/2005/8/layout/hList7"/>
+    <dgm:cxn modelId="{662B876D-B4E2-498B-BCBA-CCD3B4A8879C}" type="presParOf" srcId="{0F337468-0C5A-41BC-91EE-921AA47437DB}" destId="{EFBF30C8-E3CE-4C29-882D-7BC95D1C5B1E}" srcOrd="2" destOrd="0" presId="urn:microsoft.com/office/officeart/2005/8/layout/hList7"/>
+    <dgm:cxn modelId="{79016B85-FDB7-4762-B0BD-22FDD81D3948}" type="presParOf" srcId="{0F337468-0C5A-41BC-91EE-921AA47437DB}" destId="{60EB6998-F036-4E27-BFF9-CCFC88CE197E}" srcOrd="3" destOrd="0" presId="urn:microsoft.com/office/officeart/2005/8/layout/hList7"/>
+    <dgm:cxn modelId="{50369A08-99BE-4357-B063-88BE0E853094}" type="presParOf" srcId="{B2DAE1FD-59A8-42A7-9A0B-F460BE02C10D}" destId="{976B2699-5955-4692-B118-59BFE58CE9B3}" srcOrd="5" destOrd="0" presId="urn:microsoft.com/office/officeart/2005/8/layout/hList7"/>
+    <dgm:cxn modelId="{00989FB7-5EC3-4EF2-8DA3-EDA93E9E2AE4}" type="presParOf" srcId="{B2DAE1FD-59A8-42A7-9A0B-F460BE02C10D}" destId="{7190F891-1E3E-4E9B-B471-8807F373E1C4}" srcOrd="6" destOrd="0" presId="urn:microsoft.com/office/officeart/2005/8/layout/hList7"/>
+    <dgm:cxn modelId="{0F43BFAA-A99A-44EB-A7D9-160078F92E80}" type="presParOf" srcId="{7190F891-1E3E-4E9B-B471-8807F373E1C4}" destId="{AC4EA262-60FC-46E3-9CF4-3B531BE0CB60}" srcOrd="0" destOrd="0" presId="urn:microsoft.com/office/officeart/2005/8/layout/hList7"/>
+    <dgm:cxn modelId="{5DA96102-082D-48FD-820B-462350C08BA6}" type="presParOf" srcId="{7190F891-1E3E-4E9B-B471-8807F373E1C4}" destId="{FBF7E758-5292-437F-8B4A-96EBA750067B}" srcOrd="1" destOrd="0" presId="urn:microsoft.com/office/officeart/2005/8/layout/hList7"/>
+    <dgm:cxn modelId="{2D1216B5-1BF7-4311-99A3-79B80B2E1EEF}" type="presParOf" srcId="{7190F891-1E3E-4E9B-B471-8807F373E1C4}" destId="{816A1C09-97D3-4AAC-AF14-BBD6141C3FAB}" srcOrd="2" destOrd="0" presId="urn:microsoft.com/office/officeart/2005/8/layout/hList7"/>
+    <dgm:cxn modelId="{A734F3B5-2005-4F8B-AC9A-15E5A908F4CE}" type="presParOf" srcId="{7190F891-1E3E-4E9B-B471-8807F373E1C4}" destId="{ABDD0B4E-75D2-4E58-AC1D-45596C8FD464}" srcOrd="3" destOrd="0" presId="urn:microsoft.com/office/officeart/2005/8/layout/hList7"/>
+    <dgm:cxn modelId="{8A24B4A7-68C9-4465-9C7A-57489937E175}" type="presParOf" srcId="{B2DAE1FD-59A8-42A7-9A0B-F460BE02C10D}" destId="{7E4B9587-7134-4A09-87D6-89E70EE56665}" srcOrd="7" destOrd="0" presId="urn:microsoft.com/office/officeart/2005/8/layout/hList7"/>
+    <dgm:cxn modelId="{D1638B43-F51D-4B77-A918-8CA670E4AC79}" type="presParOf" srcId="{B2DAE1FD-59A8-42A7-9A0B-F460BE02C10D}" destId="{83567AF4-6F4A-4AC6-9005-223361E6E5E8}" srcOrd="8" destOrd="0" presId="urn:microsoft.com/office/officeart/2005/8/layout/hList7"/>
+    <dgm:cxn modelId="{395F2982-5EE7-4FAD-B979-21F901E26DFC}" type="presParOf" srcId="{83567AF4-6F4A-4AC6-9005-223361E6E5E8}" destId="{DA3F4976-F5FC-475C-8A1F-E12EB40BFBA7}" srcOrd="0" destOrd="0" presId="urn:microsoft.com/office/officeart/2005/8/layout/hList7"/>
+    <dgm:cxn modelId="{359A8A58-E9D3-48D8-9E81-7665453CF803}" type="presParOf" srcId="{83567AF4-6F4A-4AC6-9005-223361E6E5E8}" destId="{CAF79C7C-69B9-41CE-919C-3599275F8A2E}" srcOrd="1" destOrd="0" presId="urn:microsoft.com/office/officeart/2005/8/layout/hList7"/>
+    <dgm:cxn modelId="{61DED10C-E10C-4D98-B63A-FB06B59002BD}" type="presParOf" srcId="{83567AF4-6F4A-4AC6-9005-223361E6E5E8}" destId="{0FC6D0B3-E4B7-4B18-B012-F6024F99C118}" srcOrd="2" destOrd="0" presId="urn:microsoft.com/office/officeart/2005/8/layout/hList7"/>
+    <dgm:cxn modelId="{2B4A56C5-F268-4902-9EE3-BFF71614B8FD}" type="presParOf" srcId="{83567AF4-6F4A-4AC6-9005-223361E6E5E8}" destId="{5EF46490-3125-47D9-919E-7E60DB4CA972}" srcOrd="3" destOrd="0" presId="urn:microsoft.com/office/officeart/2005/8/layout/hList7"/>
+    <dgm:cxn modelId="{7B588885-ACA9-4B53-A7A2-DF56145149D0}" type="presParOf" srcId="{B2DAE1FD-59A8-42A7-9A0B-F460BE02C10D}" destId="{331CBFC1-E238-4283-B15D-2B80D061B1FE}" srcOrd="9" destOrd="0" presId="urn:microsoft.com/office/officeart/2005/8/layout/hList7"/>
+    <dgm:cxn modelId="{9AF62DA1-A80F-490D-8E5C-79D5DD2D3C54}" type="presParOf" srcId="{B2DAE1FD-59A8-42A7-9A0B-F460BE02C10D}" destId="{5345C645-77A5-4DA5-9D97-92BC512BBEBA}" srcOrd="10" destOrd="0" presId="urn:microsoft.com/office/officeart/2005/8/layout/hList7"/>
+    <dgm:cxn modelId="{1B4A15A7-E921-4DC5-B591-490E3AA45C88}" type="presParOf" srcId="{5345C645-77A5-4DA5-9D97-92BC512BBEBA}" destId="{B46DCA75-3CEC-4800-8168-DE64D4CF9B51}" srcOrd="0" destOrd="0" presId="urn:microsoft.com/office/officeart/2005/8/layout/hList7"/>
+    <dgm:cxn modelId="{8C17BB8C-12E5-43A7-B24C-5BE29E2D005B}" type="presParOf" srcId="{5345C645-77A5-4DA5-9D97-92BC512BBEBA}" destId="{59D583CA-3DCC-438A-A990-C74721A8E050}" srcOrd="1" destOrd="0" presId="urn:microsoft.com/office/officeart/2005/8/layout/hList7"/>
+    <dgm:cxn modelId="{FB1114DE-35C1-4296-8EA1-21CA8A28ECA8}" type="presParOf" srcId="{5345C645-77A5-4DA5-9D97-92BC512BBEBA}" destId="{620FBDC4-7BC7-4D25-9B1E-CA3AFE78900A}" srcOrd="2" destOrd="0" presId="urn:microsoft.com/office/officeart/2005/8/layout/hList7"/>
+    <dgm:cxn modelId="{F5D9E593-0C19-46ED-A39A-E6AF2B1CFF18}" type="presParOf" srcId="{5345C645-77A5-4DA5-9D97-92BC512BBEBA}" destId="{57455209-F5D7-426B-A0D4-B2E962FF267B}" srcOrd="3" destOrd="0" presId="urn:microsoft.com/office/officeart/2005/8/layout/hList7"/>
   </dgm:cxnLst>
   <dgm:bg/>
   <dgm:whole/>
@@ -3568,42 +3582,6 @@
         </a:p>
       </dgm:t>
     </dgm:pt>
-    <dgm:pt modelId="{877C95EC-BF15-40B5-94D6-EFF100DCBDA6}">
-      <dgm:prSet/>
-      <dgm:spPr/>
-      <dgm:t>
-        <a:bodyPr/>
-        <a:lstStyle/>
-        <a:p>
-          <a:r>
-            <a:rPr lang="bg-BG" noProof="0" dirty="0"/>
-            <a:t>Повишаване на сигурността</a:t>
-          </a:r>
-        </a:p>
-      </dgm:t>
-    </dgm:pt>
-    <dgm:pt modelId="{ADC77618-C58A-4AA7-8549-D86673F065AC}" type="parTrans" cxnId="{51B168EF-594C-45AC-9748-63A652CE0E22}">
-      <dgm:prSet/>
-      <dgm:spPr/>
-      <dgm:t>
-        <a:bodyPr/>
-        <a:lstStyle/>
-        <a:p>
-          <a:endParaRPr lang="bg-BG"/>
-        </a:p>
-      </dgm:t>
-    </dgm:pt>
-    <dgm:pt modelId="{AD2A2718-E8D4-4B79-9091-312B63DC0826}" type="sibTrans" cxnId="{51B168EF-594C-45AC-9748-63A652CE0E22}">
-      <dgm:prSet/>
-      <dgm:spPr/>
-      <dgm:t>
-        <a:bodyPr/>
-        <a:lstStyle/>
-        <a:p>
-          <a:endParaRPr lang="bg-BG"/>
-        </a:p>
-      </dgm:t>
-    </dgm:pt>
     <dgm:pt modelId="{0BD8E5F1-0C0D-4407-BED0-019B88BD3EE6}" type="pres">
       <dgm:prSet presAssocID="{49CD10A5-7982-48F7-AD1B-AE297A472889}" presName="hierChild1" presStyleCnt="0">
         <dgm:presLayoutVars>
@@ -3625,11 +3603,11 @@
       <dgm:spPr/>
     </dgm:pt>
     <dgm:pt modelId="{022F6A38-4C27-4F45-A014-4FBCE88AA43C}" type="pres">
-      <dgm:prSet presAssocID="{3FF3D447-449B-4D44-B6A3-DC0644263087}" presName="background" presStyleLbl="node0" presStyleIdx="0" presStyleCnt="5"/>
+      <dgm:prSet presAssocID="{3FF3D447-449B-4D44-B6A3-DC0644263087}" presName="background" presStyleLbl="node0" presStyleIdx="0" presStyleCnt="4"/>
       <dgm:spPr/>
     </dgm:pt>
     <dgm:pt modelId="{91301061-672D-42A6-BE28-B833D221CF49}" type="pres">
-      <dgm:prSet presAssocID="{3FF3D447-449B-4D44-B6A3-DC0644263087}" presName="text" presStyleLbl="fgAcc0" presStyleIdx="0" presStyleCnt="5">
+      <dgm:prSet presAssocID="{3FF3D447-449B-4D44-B6A3-DC0644263087}" presName="text" presStyleLbl="fgAcc0" presStyleIdx="0" presStyleCnt="4">
         <dgm:presLayoutVars>
           <dgm:chPref val="3"/>
         </dgm:presLayoutVars>
@@ -3649,11 +3627,11 @@
       <dgm:spPr/>
     </dgm:pt>
     <dgm:pt modelId="{ABA974FD-602E-4631-8430-3BD5E04C2413}" type="pres">
-      <dgm:prSet presAssocID="{3821899E-82A2-4892-82B3-3CF30EA2FAB9}" presName="background" presStyleLbl="node0" presStyleIdx="1" presStyleCnt="5"/>
+      <dgm:prSet presAssocID="{3821899E-82A2-4892-82B3-3CF30EA2FAB9}" presName="background" presStyleLbl="node0" presStyleIdx="1" presStyleCnt="4"/>
       <dgm:spPr/>
     </dgm:pt>
     <dgm:pt modelId="{AEA7C67B-BE2C-4CED-BA5B-292505A0864D}" type="pres">
-      <dgm:prSet presAssocID="{3821899E-82A2-4892-82B3-3CF30EA2FAB9}" presName="text" presStyleLbl="fgAcc0" presStyleIdx="1" presStyleCnt="5">
+      <dgm:prSet presAssocID="{3821899E-82A2-4892-82B3-3CF30EA2FAB9}" presName="text" presStyleLbl="fgAcc0" presStyleIdx="1" presStyleCnt="4">
         <dgm:presLayoutVars>
           <dgm:chPref val="3"/>
         </dgm:presLayoutVars>
@@ -3673,11 +3651,11 @@
       <dgm:spPr/>
     </dgm:pt>
     <dgm:pt modelId="{9D21B294-9EF0-4120-8592-59E55F337D7B}" type="pres">
-      <dgm:prSet presAssocID="{934769C9-8E1F-4BD1-94B5-C8F5C9BF6218}" presName="background" presStyleLbl="node0" presStyleIdx="2" presStyleCnt="5"/>
+      <dgm:prSet presAssocID="{934769C9-8E1F-4BD1-94B5-C8F5C9BF6218}" presName="background" presStyleLbl="node0" presStyleIdx="2" presStyleCnt="4"/>
       <dgm:spPr/>
     </dgm:pt>
     <dgm:pt modelId="{19B50F60-354D-4B25-8AFE-AFEC88421AF0}" type="pres">
-      <dgm:prSet presAssocID="{934769C9-8E1F-4BD1-94B5-C8F5C9BF6218}" presName="text" presStyleLbl="fgAcc0" presStyleIdx="2" presStyleCnt="5">
+      <dgm:prSet presAssocID="{934769C9-8E1F-4BD1-94B5-C8F5C9BF6218}" presName="text" presStyleLbl="fgAcc0" presStyleIdx="2" presStyleCnt="4">
         <dgm:presLayoutVars>
           <dgm:chPref val="3"/>
         </dgm:presLayoutVars>
@@ -3697,11 +3675,11 @@
       <dgm:spPr/>
     </dgm:pt>
     <dgm:pt modelId="{CD194FDD-FCE1-423A-9DA8-88C96904AD63}" type="pres">
-      <dgm:prSet presAssocID="{F0FBE911-141F-4B18-B9B7-1DC3DC643604}" presName="background" presStyleLbl="node0" presStyleIdx="3" presStyleCnt="5"/>
+      <dgm:prSet presAssocID="{F0FBE911-141F-4B18-B9B7-1DC3DC643604}" presName="background" presStyleLbl="node0" presStyleIdx="3" presStyleCnt="4"/>
       <dgm:spPr/>
     </dgm:pt>
     <dgm:pt modelId="{5D51ABC9-A894-46FB-A6C3-63E146B4BA86}" type="pres">
-      <dgm:prSet presAssocID="{F0FBE911-141F-4B18-B9B7-1DC3DC643604}" presName="text" presStyleLbl="fgAcc0" presStyleIdx="3" presStyleCnt="5">
+      <dgm:prSet presAssocID="{F0FBE911-141F-4B18-B9B7-1DC3DC643604}" presName="text" presStyleLbl="fgAcc0" presStyleIdx="3" presStyleCnt="4">
         <dgm:presLayoutVars>
           <dgm:chPref val="3"/>
         </dgm:presLayoutVars>
@@ -3712,33 +3690,8 @@
       <dgm:prSet presAssocID="{F0FBE911-141F-4B18-B9B7-1DC3DC643604}" presName="hierChild2" presStyleCnt="0"/>
       <dgm:spPr/>
     </dgm:pt>
-    <dgm:pt modelId="{2B15D8D8-387A-4A25-9BE7-6EE61E1AF902}" type="pres">
-      <dgm:prSet presAssocID="{877C95EC-BF15-40B5-94D6-EFF100DCBDA6}" presName="hierRoot1" presStyleCnt="0"/>
-      <dgm:spPr/>
-    </dgm:pt>
-    <dgm:pt modelId="{41B36AF9-0FF2-483A-813E-C71B7301BAA6}" type="pres">
-      <dgm:prSet presAssocID="{877C95EC-BF15-40B5-94D6-EFF100DCBDA6}" presName="composite" presStyleCnt="0"/>
-      <dgm:spPr/>
-    </dgm:pt>
-    <dgm:pt modelId="{2E7B6CFA-6C4D-44D5-B450-08144B3CA9FC}" type="pres">
-      <dgm:prSet presAssocID="{877C95EC-BF15-40B5-94D6-EFF100DCBDA6}" presName="background" presStyleLbl="node0" presStyleIdx="4" presStyleCnt="5"/>
-      <dgm:spPr/>
-    </dgm:pt>
-    <dgm:pt modelId="{1C5FF919-22D1-44C7-A96F-78D3E01487F2}" type="pres">
-      <dgm:prSet presAssocID="{877C95EC-BF15-40B5-94D6-EFF100DCBDA6}" presName="text" presStyleLbl="fgAcc0" presStyleIdx="4" presStyleCnt="5">
-        <dgm:presLayoutVars>
-          <dgm:chPref val="3"/>
-        </dgm:presLayoutVars>
-      </dgm:prSet>
-      <dgm:spPr/>
-    </dgm:pt>
-    <dgm:pt modelId="{D14B8C46-9961-4CE9-96E1-91BDBA66BC2B}" type="pres">
-      <dgm:prSet presAssocID="{877C95EC-BF15-40B5-94D6-EFF100DCBDA6}" presName="hierChild2" presStyleCnt="0"/>
-      <dgm:spPr/>
-    </dgm:pt>
   </dgm:ptLst>
   <dgm:cxnLst>
-    <dgm:cxn modelId="{24EBC760-7CB1-4FC5-B1F9-8F6AA445325A}" type="presOf" srcId="{877C95EC-BF15-40B5-94D6-EFF100DCBDA6}" destId="{1C5FF919-22D1-44C7-A96F-78D3E01487F2}" srcOrd="0" destOrd="0" presId="urn:microsoft.com/office/officeart/2005/8/layout/hierarchy1"/>
     <dgm:cxn modelId="{74051148-3756-4601-8F5A-6E1F6D681495}" srcId="{49CD10A5-7982-48F7-AD1B-AE297A472889}" destId="{3821899E-82A2-4892-82B3-3CF30EA2FAB9}" srcOrd="1" destOrd="0" parTransId="{F6BDBE01-CD06-4FAC-9F5D-4BFC7B04EB3A}" sibTransId="{C0D2698F-EF49-419F-B7AF-DB9AA7BE5E57}"/>
     <dgm:cxn modelId="{F4475F69-1510-45D2-936D-810CAE0BD86C}" type="presOf" srcId="{934769C9-8E1F-4BD1-94B5-C8F5C9BF6218}" destId="{19B50F60-354D-4B25-8AFE-AFEC88421AF0}" srcOrd="0" destOrd="0" presId="urn:microsoft.com/office/officeart/2005/8/layout/hierarchy1"/>
     <dgm:cxn modelId="{C8EEE478-8B1F-410C-9CFC-CD7A33A916B8}" srcId="{49CD10A5-7982-48F7-AD1B-AE297A472889}" destId="{3FF3D447-449B-4D44-B6A3-DC0644263087}" srcOrd="0" destOrd="0" parTransId="{11387DB8-F7E8-40CD-BA74-CD1F799A286A}" sibTransId="{D66E2B6D-1C31-438B-A809-D996B8C04582}"/>
@@ -3748,7 +3701,6 @@
     <dgm:cxn modelId="{EDED26AA-EBC4-4EEB-97D5-E06E87CC8303}" srcId="{49CD10A5-7982-48F7-AD1B-AE297A472889}" destId="{934769C9-8E1F-4BD1-94B5-C8F5C9BF6218}" srcOrd="2" destOrd="0" parTransId="{BE11A7C8-4B99-446D-AF52-E1274621A097}" sibTransId="{E5361D25-89D3-4A9E-A9AD-3274458554D1}"/>
     <dgm:cxn modelId="{C277C9B3-2309-4461-8C49-105DE1A7D17C}" type="presOf" srcId="{49CD10A5-7982-48F7-AD1B-AE297A472889}" destId="{0BD8E5F1-0C0D-4407-BED0-019B88BD3EE6}" srcOrd="0" destOrd="0" presId="urn:microsoft.com/office/officeart/2005/8/layout/hierarchy1"/>
     <dgm:cxn modelId="{3F0402CD-7CE5-48AE-BD92-AFDCF544BF1C}" type="presOf" srcId="{3821899E-82A2-4892-82B3-3CF30EA2FAB9}" destId="{AEA7C67B-BE2C-4CED-BA5B-292505A0864D}" srcOrd="0" destOrd="0" presId="urn:microsoft.com/office/officeart/2005/8/layout/hierarchy1"/>
-    <dgm:cxn modelId="{51B168EF-594C-45AC-9748-63A652CE0E22}" srcId="{49CD10A5-7982-48F7-AD1B-AE297A472889}" destId="{877C95EC-BF15-40B5-94D6-EFF100DCBDA6}" srcOrd="4" destOrd="0" parTransId="{ADC77618-C58A-4AA7-8549-D86673F065AC}" sibTransId="{AD2A2718-E8D4-4B79-9091-312B63DC0826}"/>
     <dgm:cxn modelId="{62DA1F4D-1739-48C3-B6EE-C61E9C7F8A8E}" type="presParOf" srcId="{0BD8E5F1-0C0D-4407-BED0-019B88BD3EE6}" destId="{7F468450-4A2F-4D8B-AF38-DE1E280832E5}" srcOrd="0" destOrd="0" presId="urn:microsoft.com/office/officeart/2005/8/layout/hierarchy1"/>
     <dgm:cxn modelId="{39433B19-349B-4C85-877B-1A495325352B}" type="presParOf" srcId="{7F468450-4A2F-4D8B-AF38-DE1E280832E5}" destId="{05DD0F1B-376C-449C-9918-8606714BBB47}" srcOrd="0" destOrd="0" presId="urn:microsoft.com/office/officeart/2005/8/layout/hierarchy1"/>
     <dgm:cxn modelId="{31317B20-F12C-486B-B62A-B15668B0DB3A}" type="presParOf" srcId="{05DD0F1B-376C-449C-9918-8606714BBB47}" destId="{022F6A38-4C27-4F45-A014-4FBCE88AA43C}" srcOrd="0" destOrd="0" presId="urn:microsoft.com/office/officeart/2005/8/layout/hierarchy1"/>
@@ -3769,11 +3721,6 @@
     <dgm:cxn modelId="{FD14E9C4-C772-4DE5-B880-C09112065CF6}" type="presParOf" srcId="{A3938C6B-CD65-4034-A892-941A4D69C3E4}" destId="{CD194FDD-FCE1-423A-9DA8-88C96904AD63}" srcOrd="0" destOrd="0" presId="urn:microsoft.com/office/officeart/2005/8/layout/hierarchy1"/>
     <dgm:cxn modelId="{F9B40132-A535-42CE-B70D-5886F5846C05}" type="presParOf" srcId="{A3938C6B-CD65-4034-A892-941A4D69C3E4}" destId="{5D51ABC9-A894-46FB-A6C3-63E146B4BA86}" srcOrd="1" destOrd="0" presId="urn:microsoft.com/office/officeart/2005/8/layout/hierarchy1"/>
     <dgm:cxn modelId="{FB7332E5-1CA0-4733-8970-AB36F5CD4221}" type="presParOf" srcId="{128BC7D9-E3E3-4F61-B029-839C124F1521}" destId="{6454C113-4A0D-40E4-9C4E-B0B43BB9E28C}" srcOrd="1" destOrd="0" presId="urn:microsoft.com/office/officeart/2005/8/layout/hierarchy1"/>
-    <dgm:cxn modelId="{88298688-7E74-42DE-9BE5-86DD1F6C6695}" type="presParOf" srcId="{0BD8E5F1-0C0D-4407-BED0-019B88BD3EE6}" destId="{2B15D8D8-387A-4A25-9BE7-6EE61E1AF902}" srcOrd="4" destOrd="0" presId="urn:microsoft.com/office/officeart/2005/8/layout/hierarchy1"/>
-    <dgm:cxn modelId="{3D5DE2F1-01E2-4565-8165-EFC5553712E9}" type="presParOf" srcId="{2B15D8D8-387A-4A25-9BE7-6EE61E1AF902}" destId="{41B36AF9-0FF2-483A-813E-C71B7301BAA6}" srcOrd="0" destOrd="0" presId="urn:microsoft.com/office/officeart/2005/8/layout/hierarchy1"/>
-    <dgm:cxn modelId="{CCAB5118-074A-426D-B07F-79CE18BF6FB1}" type="presParOf" srcId="{41B36AF9-0FF2-483A-813E-C71B7301BAA6}" destId="{2E7B6CFA-6C4D-44D5-B450-08144B3CA9FC}" srcOrd="0" destOrd="0" presId="urn:microsoft.com/office/officeart/2005/8/layout/hierarchy1"/>
-    <dgm:cxn modelId="{D89F967E-AAB6-404B-8E75-ECE37C4B181F}" type="presParOf" srcId="{41B36AF9-0FF2-483A-813E-C71B7301BAA6}" destId="{1C5FF919-22D1-44C7-A96F-78D3E01487F2}" srcOrd="1" destOrd="0" presId="urn:microsoft.com/office/officeart/2005/8/layout/hierarchy1"/>
-    <dgm:cxn modelId="{69509337-250A-45AF-8606-B5659EFCBE47}" type="presParOf" srcId="{2B15D8D8-387A-4A25-9BE7-6EE61E1AF902}" destId="{D14B8C46-9961-4CE9-96E1-91BDBA66BC2B}" srcOrd="1" destOrd="0" presId="urn:microsoft.com/office/officeart/2005/8/layout/hierarchy1"/>
   </dgm:cxnLst>
   <dgm:bg/>
   <dgm:whole/>
@@ -4497,18 +4444,20 @@
       <dsp:cNvGrpSpPr/>
     </dsp:nvGrpSpPr>
     <dsp:grpSpPr/>
-    <dsp:sp modelId="{85D5EDBE-4284-4BBC-BF63-0C0117E38927}">
+    <dsp:sp modelId="{9A167CB3-E7B6-4C17-A38D-A2E26F6C91A9}">
       <dsp:nvSpPr>
         <dsp:cNvPr id="0" name=""/>
         <dsp:cNvSpPr/>
       </dsp:nvSpPr>
       <dsp:spPr>
         <a:xfrm>
-          <a:off x="365888" y="612"/>
-          <a:ext cx="1888098" cy="1300900"/>
+          <a:off x="133" y="0"/>
+          <a:ext cx="1776839" cy="4192806"/>
         </a:xfrm>
         <a:prstGeom prst="roundRect">
-          <a:avLst/>
+          <a:avLst>
+            <a:gd name="adj" fmla="val 10000"/>
+          </a:avLst>
         </a:prstGeom>
         <a:solidFill>
           <a:schemeClr val="accent1">
@@ -4546,45 +4495,13 @@
           <a:schemeClr val="lt1"/>
         </a:fontRef>
       </dsp:style>
-    </dsp:sp>
-    <dsp:sp modelId="{F0AD8E2E-F64F-44BA-9AB6-C10D65C36357}">
-      <dsp:nvSpPr>
-        <dsp:cNvPr id="0" name=""/>
-        <dsp:cNvSpPr/>
-      </dsp:nvSpPr>
-      <dsp:spPr>
-        <a:xfrm>
-          <a:off x="365888" y="1301512"/>
-          <a:ext cx="1888098" cy="700484"/>
-        </a:xfrm>
-        <a:prstGeom prst="rect">
-          <a:avLst/>
-        </a:prstGeom>
-        <a:noFill/>
-        <a:ln>
-          <a:noFill/>
-        </a:ln>
-        <a:effectLst/>
-      </dsp:spPr>
-      <dsp:style>
-        <a:lnRef idx="0">
-          <a:scrgbClr r="0" g="0" b="0"/>
-        </a:lnRef>
-        <a:fillRef idx="0">
-          <a:scrgbClr r="0" g="0" b="0"/>
-        </a:fillRef>
-        <a:effectRef idx="0">
-          <a:scrgbClr r="0" g="0" b="0"/>
-        </a:effectRef>
-        <a:fontRef idx="minor"/>
-      </dsp:style>
       <dsp:txBody>
-        <a:bodyPr spcFirstLastPara="0" vert="horz" wrap="square" lIns="135128" tIns="135128" rIns="135128" bIns="0" numCol="1" spcCol="1270" anchor="t" anchorCtr="0">
+        <a:bodyPr spcFirstLastPara="0" vert="horz" wrap="square" lIns="156464" tIns="156464" rIns="156464" bIns="156464" numCol="1" spcCol="1270" anchor="ctr" anchorCtr="0">
           <a:noAutofit/>
         </a:bodyPr>
         <a:lstStyle/>
         <a:p>
-          <a:pPr marL="0" lvl="0" indent="0" algn="ctr" defTabSz="844550">
+          <a:pPr marL="0" lvl="0" indent="0" algn="ctr" defTabSz="977900">
             <a:lnSpc>
               <a:spcPct val="90000"/>
             </a:lnSpc>
@@ -4597,28 +4514,79 @@
             <a:buNone/>
           </a:pPr>
           <a:r>
-            <a:rPr lang="bg-BG" sz="1900" kern="1200" noProof="0" dirty="0"/>
+            <a:rPr lang="bg-BG" sz="2200" kern="1200" noProof="0" dirty="0"/>
             <a:t>PostgreSQL</a:t>
           </a:r>
         </a:p>
       </dsp:txBody>
       <dsp:txXfrm>
-        <a:off x="365888" y="1301512"/>
-        <a:ext cx="1888098" cy="700484"/>
+        <a:off x="133" y="1677122"/>
+        <a:ext cx="1776839" cy="1677122"/>
       </dsp:txXfrm>
     </dsp:sp>
-    <dsp:sp modelId="{9DEB25B7-0D2D-47A8-8652-01CF51701031}">
+    <dsp:sp modelId="{887C3F37-7B6E-4F61-8F20-689F90747105}">
       <dsp:nvSpPr>
         <dsp:cNvPr id="0" name=""/>
         <dsp:cNvSpPr/>
       </dsp:nvSpPr>
       <dsp:spPr>
         <a:xfrm>
-          <a:off x="2442876" y="612"/>
-          <a:ext cx="1888098" cy="1300900"/>
+          <a:off x="190450" y="251568"/>
+          <a:ext cx="1396204" cy="1396204"/>
+        </a:xfrm>
+        <a:prstGeom prst="ellipse">
+          <a:avLst/>
+        </a:prstGeom>
+        <a:solidFill>
+          <a:schemeClr val="accent1">
+            <a:tint val="50000"/>
+            <a:hueOff val="0"/>
+            <a:satOff val="0"/>
+            <a:lumOff val="0"/>
+            <a:alphaOff val="0"/>
+          </a:schemeClr>
+        </a:solidFill>
+        <a:ln w="19050" cap="flat" cmpd="sng" algn="ctr">
+          <a:solidFill>
+            <a:schemeClr val="lt1">
+              <a:hueOff val="0"/>
+              <a:satOff val="0"/>
+              <a:lumOff val="0"/>
+              <a:alphaOff val="0"/>
+            </a:schemeClr>
+          </a:solidFill>
+          <a:prstDash val="solid"/>
+          <a:miter lim="800000"/>
+        </a:ln>
+        <a:effectLst/>
+      </dsp:spPr>
+      <dsp:style>
+        <a:lnRef idx="2">
+          <a:scrgbClr r="0" g="0" b="0"/>
+        </a:lnRef>
+        <a:fillRef idx="1">
+          <a:scrgbClr r="0" g="0" b="0"/>
+        </a:fillRef>
+        <a:effectRef idx="0">
+          <a:scrgbClr r="0" g="0" b="0"/>
+        </a:effectRef>
+        <a:fontRef idx="minor"/>
+      </dsp:style>
+    </dsp:sp>
+    <dsp:sp modelId="{22039E84-CBCB-4564-921B-2E609CACF4B2}">
+      <dsp:nvSpPr>
+        <dsp:cNvPr id="0" name=""/>
+        <dsp:cNvSpPr/>
+      </dsp:nvSpPr>
+      <dsp:spPr>
+        <a:xfrm>
+          <a:off x="1840849" y="0"/>
+          <a:ext cx="1776839" cy="4192806"/>
         </a:xfrm>
         <a:prstGeom prst="roundRect">
-          <a:avLst/>
+          <a:avLst>
+            <a:gd name="adj" fmla="val 10000"/>
+          </a:avLst>
         </a:prstGeom>
         <a:solidFill>
           <a:schemeClr val="accent1">
@@ -4656,45 +4624,13 @@
           <a:schemeClr val="lt1"/>
         </a:fontRef>
       </dsp:style>
-    </dsp:sp>
-    <dsp:sp modelId="{3244EC74-332C-4C6B-B70F-FFFA1E610924}">
-      <dsp:nvSpPr>
-        <dsp:cNvPr id="0" name=""/>
-        <dsp:cNvSpPr/>
-      </dsp:nvSpPr>
-      <dsp:spPr>
-        <a:xfrm>
-          <a:off x="2442876" y="1301512"/>
-          <a:ext cx="1888098" cy="700484"/>
-        </a:xfrm>
-        <a:prstGeom prst="rect">
-          <a:avLst/>
-        </a:prstGeom>
-        <a:noFill/>
-        <a:ln>
-          <a:noFill/>
-        </a:ln>
-        <a:effectLst/>
-      </dsp:spPr>
-      <dsp:style>
-        <a:lnRef idx="0">
-          <a:scrgbClr r="0" g="0" b="0"/>
-        </a:lnRef>
-        <a:fillRef idx="0">
-          <a:scrgbClr r="0" g="0" b="0"/>
-        </a:fillRef>
-        <a:effectRef idx="0">
-          <a:scrgbClr r="0" g="0" b="0"/>
-        </a:effectRef>
-        <a:fontRef idx="minor"/>
-      </dsp:style>
       <dsp:txBody>
-        <a:bodyPr spcFirstLastPara="0" vert="horz" wrap="square" lIns="135128" tIns="135128" rIns="135128" bIns="0" numCol="1" spcCol="1270" anchor="t" anchorCtr="0">
+        <a:bodyPr spcFirstLastPara="0" vert="horz" wrap="square" lIns="156464" tIns="156464" rIns="156464" bIns="156464" numCol="1" spcCol="1270" anchor="ctr" anchorCtr="0">
           <a:noAutofit/>
         </a:bodyPr>
         <a:lstStyle/>
         <a:p>
-          <a:pPr marL="0" lvl="0" indent="0" algn="ctr" defTabSz="844550">
+          <a:pPr marL="0" lvl="0" indent="0" algn="ctr" defTabSz="977900">
             <a:lnSpc>
               <a:spcPct val="90000"/>
             </a:lnSpc>
@@ -4707,28 +4643,79 @@
             <a:buNone/>
           </a:pPr>
           <a:r>
-            <a:rPr lang="bg-BG" sz="1900" kern="1200" noProof="0" dirty="0"/>
+            <a:rPr lang="bg-BG" sz="2200" kern="1200" noProof="0" dirty="0"/>
             <a:t>ASP.NET Core</a:t>
           </a:r>
         </a:p>
       </dsp:txBody>
       <dsp:txXfrm>
-        <a:off x="2442876" y="1301512"/>
-        <a:ext cx="1888098" cy="700484"/>
+        <a:off x="1840849" y="1677122"/>
+        <a:ext cx="1776839" cy="1677122"/>
       </dsp:txXfrm>
     </dsp:sp>
-    <dsp:sp modelId="{75F26130-E691-482A-88F9-BC49F37453B0}">
+    <dsp:sp modelId="{BD40DDA2-2DEE-49CB-8B75-00347773D6C3}">
       <dsp:nvSpPr>
         <dsp:cNvPr id="0" name=""/>
         <dsp:cNvSpPr/>
       </dsp:nvSpPr>
       <dsp:spPr>
         <a:xfrm>
-          <a:off x="4519865" y="612"/>
-          <a:ext cx="1888098" cy="1300900"/>
+          <a:off x="2020595" y="251568"/>
+          <a:ext cx="1396204" cy="1396204"/>
+        </a:xfrm>
+        <a:prstGeom prst="ellipse">
+          <a:avLst/>
+        </a:prstGeom>
+        <a:solidFill>
+          <a:schemeClr val="accent1">
+            <a:tint val="50000"/>
+            <a:hueOff val="0"/>
+            <a:satOff val="0"/>
+            <a:lumOff val="0"/>
+            <a:alphaOff val="0"/>
+          </a:schemeClr>
+        </a:solidFill>
+        <a:ln w="19050" cap="flat" cmpd="sng" algn="ctr">
+          <a:solidFill>
+            <a:schemeClr val="lt1">
+              <a:hueOff val="0"/>
+              <a:satOff val="0"/>
+              <a:lumOff val="0"/>
+              <a:alphaOff val="0"/>
+            </a:schemeClr>
+          </a:solidFill>
+          <a:prstDash val="solid"/>
+          <a:miter lim="800000"/>
+        </a:ln>
+        <a:effectLst/>
+      </dsp:spPr>
+      <dsp:style>
+        <a:lnRef idx="2">
+          <a:scrgbClr r="0" g="0" b="0"/>
+        </a:lnRef>
+        <a:fillRef idx="1">
+          <a:scrgbClr r="0" g="0" b="0"/>
+        </a:fillRef>
+        <a:effectRef idx="0">
+          <a:scrgbClr r="0" g="0" b="0"/>
+        </a:effectRef>
+        <a:fontRef idx="minor"/>
+      </dsp:style>
+    </dsp:sp>
+    <dsp:sp modelId="{C35C0FED-E261-49B2-85EC-644D817CE9EE}">
+      <dsp:nvSpPr>
+        <dsp:cNvPr id="0" name=""/>
+        <dsp:cNvSpPr/>
+      </dsp:nvSpPr>
+      <dsp:spPr>
+        <a:xfrm>
+          <a:off x="3666570" y="0"/>
+          <a:ext cx="1776839" cy="4192806"/>
         </a:xfrm>
         <a:prstGeom prst="roundRect">
-          <a:avLst/>
+          <a:avLst>
+            <a:gd name="adj" fmla="val 10000"/>
+          </a:avLst>
         </a:prstGeom>
         <a:solidFill>
           <a:schemeClr val="accent1">
@@ -4766,45 +4753,13 @@
           <a:schemeClr val="lt1"/>
         </a:fontRef>
       </dsp:style>
-    </dsp:sp>
-    <dsp:sp modelId="{4B681FD5-06C9-497C-BD21-55FEB9BA82E2}">
-      <dsp:nvSpPr>
-        <dsp:cNvPr id="0" name=""/>
-        <dsp:cNvSpPr/>
-      </dsp:nvSpPr>
-      <dsp:spPr>
-        <a:xfrm>
-          <a:off x="4519865" y="1301512"/>
-          <a:ext cx="1888098" cy="700484"/>
-        </a:xfrm>
-        <a:prstGeom prst="rect">
-          <a:avLst/>
-        </a:prstGeom>
-        <a:noFill/>
-        <a:ln>
-          <a:noFill/>
-        </a:ln>
-        <a:effectLst/>
-      </dsp:spPr>
-      <dsp:style>
-        <a:lnRef idx="0">
-          <a:scrgbClr r="0" g="0" b="0"/>
-        </a:lnRef>
-        <a:fillRef idx="0">
-          <a:scrgbClr r="0" g="0" b="0"/>
-        </a:fillRef>
-        <a:effectRef idx="0">
-          <a:scrgbClr r="0" g="0" b="0"/>
-        </a:effectRef>
-        <a:fontRef idx="minor"/>
-      </dsp:style>
       <dsp:txBody>
-        <a:bodyPr spcFirstLastPara="0" vert="horz" wrap="square" lIns="135128" tIns="135128" rIns="135128" bIns="0" numCol="1" spcCol="1270" anchor="t" anchorCtr="0">
+        <a:bodyPr spcFirstLastPara="0" vert="horz" wrap="square" lIns="156464" tIns="156464" rIns="156464" bIns="156464" numCol="1" spcCol="1270" anchor="ctr" anchorCtr="0">
           <a:noAutofit/>
         </a:bodyPr>
         <a:lstStyle/>
         <a:p>
-          <a:pPr marL="0" lvl="0" indent="0" algn="ctr" defTabSz="844550">
+          <a:pPr marL="0" lvl="0" indent="0" algn="ctr" defTabSz="977900">
             <a:lnSpc>
               <a:spcPct val="90000"/>
             </a:lnSpc>
@@ -4817,28 +4772,79 @@
             <a:buNone/>
           </a:pPr>
           <a:r>
-            <a:rPr lang="bg-BG" sz="1900" kern="1200" noProof="0" dirty="0"/>
+            <a:rPr lang="bg-BG" sz="2200" kern="1200" noProof="0" dirty="0"/>
             <a:t>Redis</a:t>
           </a:r>
         </a:p>
       </dsp:txBody>
       <dsp:txXfrm>
-        <a:off x="4519865" y="1301512"/>
-        <a:ext cx="1888098" cy="700484"/>
+        <a:off x="3666570" y="1677122"/>
+        <a:ext cx="1776839" cy="1677122"/>
       </dsp:txXfrm>
     </dsp:sp>
-    <dsp:sp modelId="{BD19690F-D384-4BFC-8D53-DC72BB64EA1E}">
+    <dsp:sp modelId="{60EB6998-F036-4E27-BFF9-CCFC88CE197E}">
       <dsp:nvSpPr>
         <dsp:cNvPr id="0" name=""/>
         <dsp:cNvSpPr/>
       </dsp:nvSpPr>
       <dsp:spPr>
         <a:xfrm>
-          <a:off x="6596853" y="612"/>
-          <a:ext cx="1888098" cy="1300900"/>
+          <a:off x="3850739" y="251568"/>
+          <a:ext cx="1396204" cy="1396204"/>
+        </a:xfrm>
+        <a:prstGeom prst="ellipse">
+          <a:avLst/>
+        </a:prstGeom>
+        <a:solidFill>
+          <a:schemeClr val="accent1">
+            <a:tint val="50000"/>
+            <a:hueOff val="0"/>
+            <a:satOff val="0"/>
+            <a:lumOff val="0"/>
+            <a:alphaOff val="0"/>
+          </a:schemeClr>
+        </a:solidFill>
+        <a:ln w="19050" cap="flat" cmpd="sng" algn="ctr">
+          <a:solidFill>
+            <a:schemeClr val="lt1">
+              <a:hueOff val="0"/>
+              <a:satOff val="0"/>
+              <a:lumOff val="0"/>
+              <a:alphaOff val="0"/>
+            </a:schemeClr>
+          </a:solidFill>
+          <a:prstDash val="solid"/>
+          <a:miter lim="800000"/>
+        </a:ln>
+        <a:effectLst/>
+      </dsp:spPr>
+      <dsp:style>
+        <a:lnRef idx="2">
+          <a:scrgbClr r="0" g="0" b="0"/>
+        </a:lnRef>
+        <a:fillRef idx="1">
+          <a:scrgbClr r="0" g="0" b="0"/>
+        </a:fillRef>
+        <a:effectRef idx="0">
+          <a:scrgbClr r="0" g="0" b="0"/>
+        </a:effectRef>
+        <a:fontRef idx="minor"/>
+      </dsp:style>
+    </dsp:sp>
+    <dsp:sp modelId="{AC4EA262-60FC-46E3-9CF4-3B531BE0CB60}">
+      <dsp:nvSpPr>
+        <dsp:cNvPr id="0" name=""/>
+        <dsp:cNvSpPr/>
+      </dsp:nvSpPr>
+      <dsp:spPr>
+        <a:xfrm>
+          <a:off x="5479159" y="0"/>
+          <a:ext cx="1776839" cy="4192806"/>
         </a:xfrm>
         <a:prstGeom prst="roundRect">
-          <a:avLst/>
+          <a:avLst>
+            <a:gd name="adj" fmla="val 10000"/>
+          </a:avLst>
         </a:prstGeom>
         <a:solidFill>
           <a:schemeClr val="accent1">
@@ -4876,45 +4882,13 @@
           <a:schemeClr val="lt1"/>
         </a:fontRef>
       </dsp:style>
-    </dsp:sp>
-    <dsp:sp modelId="{17D85B77-9C2B-457A-99CA-7E6D8E381DE2}">
-      <dsp:nvSpPr>
-        <dsp:cNvPr id="0" name=""/>
-        <dsp:cNvSpPr/>
-      </dsp:nvSpPr>
-      <dsp:spPr>
-        <a:xfrm>
-          <a:off x="6596853" y="1301512"/>
-          <a:ext cx="1888098" cy="700484"/>
-        </a:xfrm>
-        <a:prstGeom prst="rect">
-          <a:avLst/>
-        </a:prstGeom>
-        <a:noFill/>
-        <a:ln>
-          <a:noFill/>
-        </a:ln>
-        <a:effectLst/>
-      </dsp:spPr>
-      <dsp:style>
-        <a:lnRef idx="0">
-          <a:scrgbClr r="0" g="0" b="0"/>
-        </a:lnRef>
-        <a:fillRef idx="0">
-          <a:scrgbClr r="0" g="0" b="0"/>
-        </a:fillRef>
-        <a:effectRef idx="0">
-          <a:scrgbClr r="0" g="0" b="0"/>
-        </a:effectRef>
-        <a:fontRef idx="minor"/>
-      </dsp:style>
       <dsp:txBody>
-        <a:bodyPr spcFirstLastPara="0" vert="horz" wrap="square" lIns="135128" tIns="135128" rIns="135128" bIns="0" numCol="1" spcCol="1270" anchor="t" anchorCtr="0">
+        <a:bodyPr spcFirstLastPara="0" vert="horz" wrap="square" lIns="156464" tIns="156464" rIns="156464" bIns="156464" numCol="1" spcCol="1270" anchor="ctr" anchorCtr="0">
           <a:noAutofit/>
         </a:bodyPr>
         <a:lstStyle/>
         <a:p>
-          <a:pPr marL="0" lvl="0" indent="0" algn="ctr" defTabSz="844550">
+          <a:pPr marL="0" lvl="0" indent="0" algn="ctr" defTabSz="977900">
             <a:lnSpc>
               <a:spcPct val="90000"/>
             </a:lnSpc>
@@ -4927,28 +4901,79 @@
             <a:buNone/>
           </a:pPr>
           <a:r>
-            <a:rPr lang="bg-BG" sz="1900" kern="1200" noProof="0" dirty="0"/>
+            <a:rPr lang="bg-BG" sz="2200" kern="1200" noProof="0" dirty="0"/>
             <a:t>Blazor</a:t>
           </a:r>
         </a:p>
       </dsp:txBody>
       <dsp:txXfrm>
-        <a:off x="6596853" y="1301512"/>
-        <a:ext cx="1888098" cy="700484"/>
+        <a:off x="5479159" y="1677122"/>
+        <a:ext cx="1776839" cy="1677122"/>
       </dsp:txXfrm>
     </dsp:sp>
-    <dsp:sp modelId="{E6799248-A500-4FAC-BD70-56976E66FBE4}">
+    <dsp:sp modelId="{ABDD0B4E-75D2-4E58-AC1D-45596C8FD464}">
       <dsp:nvSpPr>
         <dsp:cNvPr id="0" name=""/>
         <dsp:cNvSpPr/>
       </dsp:nvSpPr>
       <dsp:spPr>
         <a:xfrm>
-          <a:off x="8673841" y="612"/>
-          <a:ext cx="1888098" cy="1300900"/>
+          <a:off x="5680883" y="251568"/>
+          <a:ext cx="1396204" cy="1396204"/>
+        </a:xfrm>
+        <a:prstGeom prst="ellipse">
+          <a:avLst/>
+        </a:prstGeom>
+        <a:solidFill>
+          <a:schemeClr val="accent1">
+            <a:tint val="50000"/>
+            <a:hueOff val="0"/>
+            <a:satOff val="0"/>
+            <a:lumOff val="0"/>
+            <a:alphaOff val="0"/>
+          </a:schemeClr>
+        </a:solidFill>
+        <a:ln w="19050" cap="flat" cmpd="sng" algn="ctr">
+          <a:solidFill>
+            <a:schemeClr val="lt1">
+              <a:hueOff val="0"/>
+              <a:satOff val="0"/>
+              <a:lumOff val="0"/>
+              <a:alphaOff val="0"/>
+            </a:schemeClr>
+          </a:solidFill>
+          <a:prstDash val="solid"/>
+          <a:miter lim="800000"/>
+        </a:ln>
+        <a:effectLst/>
+      </dsp:spPr>
+      <dsp:style>
+        <a:lnRef idx="2">
+          <a:scrgbClr r="0" g="0" b="0"/>
+        </a:lnRef>
+        <a:fillRef idx="1">
+          <a:scrgbClr r="0" g="0" b="0"/>
+        </a:fillRef>
+        <a:effectRef idx="0">
+          <a:scrgbClr r="0" g="0" b="0"/>
+        </a:effectRef>
+        <a:fontRef idx="minor"/>
+      </dsp:style>
+    </dsp:sp>
+    <dsp:sp modelId="{DA3F4976-F5FC-475C-8A1F-E12EB40BFBA7}">
+      <dsp:nvSpPr>
+        <dsp:cNvPr id="0" name=""/>
+        <dsp:cNvSpPr/>
+      </dsp:nvSpPr>
+      <dsp:spPr>
+        <a:xfrm>
+          <a:off x="7320710" y="0"/>
+          <a:ext cx="1776839" cy="4192806"/>
         </a:xfrm>
         <a:prstGeom prst="roundRect">
-          <a:avLst/>
+          <a:avLst>
+            <a:gd name="adj" fmla="val 10000"/>
+          </a:avLst>
         </a:prstGeom>
         <a:solidFill>
           <a:schemeClr val="accent1">
@@ -4986,45 +5011,13 @@
           <a:schemeClr val="lt1"/>
         </a:fontRef>
       </dsp:style>
-    </dsp:sp>
-    <dsp:sp modelId="{668109B2-504E-49BB-87B6-27582E177EDA}">
-      <dsp:nvSpPr>
-        <dsp:cNvPr id="0" name=""/>
-        <dsp:cNvSpPr/>
-      </dsp:nvSpPr>
-      <dsp:spPr>
-        <a:xfrm>
-          <a:off x="8673841" y="1301512"/>
-          <a:ext cx="1888098" cy="700484"/>
-        </a:xfrm>
-        <a:prstGeom prst="rect">
-          <a:avLst/>
-        </a:prstGeom>
-        <a:noFill/>
-        <a:ln>
-          <a:noFill/>
-        </a:ln>
-        <a:effectLst/>
-      </dsp:spPr>
-      <dsp:style>
-        <a:lnRef idx="0">
-          <a:scrgbClr r="0" g="0" b="0"/>
-        </a:lnRef>
-        <a:fillRef idx="0">
-          <a:scrgbClr r="0" g="0" b="0"/>
-        </a:fillRef>
-        <a:effectRef idx="0">
-          <a:scrgbClr r="0" g="0" b="0"/>
-        </a:effectRef>
-        <a:fontRef idx="minor"/>
-      </dsp:style>
       <dsp:txBody>
-        <a:bodyPr spcFirstLastPara="0" vert="horz" wrap="square" lIns="135128" tIns="135128" rIns="135128" bIns="0" numCol="1" spcCol="1270" anchor="t" anchorCtr="0">
+        <a:bodyPr spcFirstLastPara="0" vert="horz" wrap="square" lIns="156464" tIns="156464" rIns="156464" bIns="156464" numCol="1" spcCol="1270" anchor="ctr" anchorCtr="0">
           <a:noAutofit/>
         </a:bodyPr>
         <a:lstStyle/>
         <a:p>
-          <a:pPr marL="0" lvl="0" indent="0" algn="ctr" defTabSz="844550">
+          <a:pPr marL="0" lvl="0" indent="0" algn="ctr" defTabSz="977900">
             <a:lnSpc>
               <a:spcPct val="90000"/>
             </a:lnSpc>
@@ -5037,28 +5030,79 @@
             <a:buNone/>
           </a:pPr>
           <a:r>
-            <a:rPr lang="bg-BG" sz="1900" kern="1200" noProof="0" dirty="0"/>
+            <a:rPr lang="bg-BG" sz="2200" kern="1200" noProof="0" dirty="0"/>
             <a:t>MudBlazor</a:t>
           </a:r>
         </a:p>
       </dsp:txBody>
       <dsp:txXfrm>
-        <a:off x="8673841" y="1301512"/>
-        <a:ext cx="1888098" cy="700484"/>
+        <a:off x="7320710" y="1677122"/>
+        <a:ext cx="1776839" cy="1677122"/>
       </dsp:txXfrm>
     </dsp:sp>
-    <dsp:sp modelId="{F618ECAB-7A67-4253-BBBF-DD902EB0D48F}">
+    <dsp:sp modelId="{5EF46490-3125-47D9-919E-7E60DB4CA972}">
       <dsp:nvSpPr>
         <dsp:cNvPr id="0" name=""/>
         <dsp:cNvSpPr/>
       </dsp:nvSpPr>
       <dsp:spPr>
         <a:xfrm>
-          <a:off x="3481370" y="2190807"/>
-          <a:ext cx="1888098" cy="1300900"/>
+          <a:off x="7511028" y="251568"/>
+          <a:ext cx="1396204" cy="1396204"/>
+        </a:xfrm>
+        <a:prstGeom prst="ellipse">
+          <a:avLst/>
+        </a:prstGeom>
+        <a:solidFill>
+          <a:schemeClr val="accent1">
+            <a:tint val="50000"/>
+            <a:hueOff val="0"/>
+            <a:satOff val="0"/>
+            <a:lumOff val="0"/>
+            <a:alphaOff val="0"/>
+          </a:schemeClr>
+        </a:solidFill>
+        <a:ln w="19050" cap="flat" cmpd="sng" algn="ctr">
+          <a:solidFill>
+            <a:schemeClr val="lt1">
+              <a:hueOff val="0"/>
+              <a:satOff val="0"/>
+              <a:lumOff val="0"/>
+              <a:alphaOff val="0"/>
+            </a:schemeClr>
+          </a:solidFill>
+          <a:prstDash val="solid"/>
+          <a:miter lim="800000"/>
+        </a:ln>
+        <a:effectLst/>
+      </dsp:spPr>
+      <dsp:style>
+        <a:lnRef idx="2">
+          <a:scrgbClr r="0" g="0" b="0"/>
+        </a:lnRef>
+        <a:fillRef idx="1">
+          <a:scrgbClr r="0" g="0" b="0"/>
+        </a:fillRef>
+        <a:effectRef idx="0">
+          <a:scrgbClr r="0" g="0" b="0"/>
+        </a:effectRef>
+        <a:fontRef idx="minor"/>
+      </dsp:style>
+    </dsp:sp>
+    <dsp:sp modelId="{B46DCA75-3CEC-4800-8168-DE64D4CF9B51}">
+      <dsp:nvSpPr>
+        <dsp:cNvPr id="0" name=""/>
+        <dsp:cNvSpPr/>
+      </dsp:nvSpPr>
+      <dsp:spPr>
+        <a:xfrm>
+          <a:off x="9150855" y="0"/>
+          <a:ext cx="1776839" cy="4192806"/>
         </a:xfrm>
         <a:prstGeom prst="roundRect">
-          <a:avLst/>
+          <a:avLst>
+            <a:gd name="adj" fmla="val 10000"/>
+          </a:avLst>
         </a:prstGeom>
         <a:solidFill>
           <a:schemeClr val="accent1">
@@ -5096,45 +5140,13 @@
           <a:schemeClr val="lt1"/>
         </a:fontRef>
       </dsp:style>
-    </dsp:sp>
-    <dsp:sp modelId="{5F9492FE-1F16-4487-B860-330D23F59E11}">
-      <dsp:nvSpPr>
-        <dsp:cNvPr id="0" name=""/>
-        <dsp:cNvSpPr/>
-      </dsp:nvSpPr>
-      <dsp:spPr>
-        <a:xfrm>
-          <a:off x="3481370" y="3491707"/>
-          <a:ext cx="1888098" cy="700484"/>
-        </a:xfrm>
-        <a:prstGeom prst="rect">
-          <a:avLst/>
-        </a:prstGeom>
-        <a:noFill/>
-        <a:ln>
-          <a:noFill/>
-        </a:ln>
-        <a:effectLst/>
-      </dsp:spPr>
-      <dsp:style>
-        <a:lnRef idx="0">
-          <a:scrgbClr r="0" g="0" b="0"/>
-        </a:lnRef>
-        <a:fillRef idx="0">
-          <a:scrgbClr r="0" g="0" b="0"/>
-        </a:fillRef>
-        <a:effectRef idx="0">
-          <a:scrgbClr r="0" g="0" b="0"/>
-        </a:effectRef>
-        <a:fontRef idx="minor"/>
-      </dsp:style>
       <dsp:txBody>
-        <a:bodyPr spcFirstLastPara="0" vert="horz" wrap="square" lIns="135128" tIns="135128" rIns="135128" bIns="0" numCol="1" spcCol="1270" anchor="t" anchorCtr="0">
+        <a:bodyPr spcFirstLastPara="0" vert="horz" wrap="square" lIns="156464" tIns="156464" rIns="156464" bIns="156464" numCol="1" spcCol="1270" anchor="ctr" anchorCtr="0">
           <a:noAutofit/>
         </a:bodyPr>
         <a:lstStyle/>
         <a:p>
-          <a:pPr marL="0" lvl="0" indent="0" algn="ctr" defTabSz="844550">
+          <a:pPr marL="0" lvl="0" indent="0" algn="ctr" defTabSz="977900">
             <a:lnSpc>
               <a:spcPct val="90000"/>
             </a:lnSpc>
@@ -5147,31 +5159,33 @@
             <a:buNone/>
           </a:pPr>
           <a:r>
-            <a:rPr lang="bg-BG" sz="1900" kern="1200" noProof="0" dirty="0"/>
-            <a:t>Papercut</a:t>
+            <a:rPr lang="bg-BG" sz="2200" kern="1200" noProof="0"/>
+            <a:t>JetBrains Rider</a:t>
           </a:r>
+          <a:endParaRPr lang="bg-BG" sz="2200" kern="1200" noProof="0" dirty="0"/>
         </a:p>
       </dsp:txBody>
       <dsp:txXfrm>
-        <a:off x="3481370" y="3491707"/>
-        <a:ext cx="1888098" cy="700484"/>
+        <a:off x="9150855" y="1677122"/>
+        <a:ext cx="1776839" cy="1677122"/>
       </dsp:txXfrm>
     </dsp:sp>
-    <dsp:sp modelId="{3811495F-C3B9-48CE-B0D3-454DC09E2E5A}">
+    <dsp:sp modelId="{57455209-F5D7-426B-A0D4-B2E962FF267B}">
       <dsp:nvSpPr>
         <dsp:cNvPr id="0" name=""/>
         <dsp:cNvSpPr/>
       </dsp:nvSpPr>
       <dsp:spPr>
         <a:xfrm>
-          <a:off x="5558359" y="2190807"/>
-          <a:ext cx="1888098" cy="1300900"/>
+          <a:off x="9341172" y="251568"/>
+          <a:ext cx="1396204" cy="1396204"/>
         </a:xfrm>
-        <a:prstGeom prst="roundRect">
+        <a:prstGeom prst="ellipse">
           <a:avLst/>
         </a:prstGeom>
         <a:solidFill>
           <a:schemeClr val="accent1">
+            <a:tint val="50000"/>
             <a:hueOff val="0"/>
             <a:satOff val="0"/>
             <a:lumOff val="0"/>
@@ -5202,35 +5216,50 @@
         <a:effectRef idx="0">
           <a:scrgbClr r="0" g="0" b="0"/>
         </a:effectRef>
-        <a:fontRef idx="minor">
-          <a:schemeClr val="lt1"/>
-        </a:fontRef>
+        <a:fontRef idx="minor"/>
       </dsp:style>
     </dsp:sp>
-    <dsp:sp modelId="{5ABCD49F-0E88-4BF6-874D-CD8C3972B01A}">
+    <dsp:sp modelId="{D888E3A7-F31C-454B-9C27-AE4430D4FDDD}">
       <dsp:nvSpPr>
         <dsp:cNvPr id="0" name=""/>
         <dsp:cNvSpPr/>
       </dsp:nvSpPr>
       <dsp:spPr>
-        <a:xfrm>
-          <a:off x="5558359" y="3491707"/>
-          <a:ext cx="1888098" cy="700484"/>
+        <a:xfrm flipH="1" flipV="1">
+          <a:off x="4629515" y="4147083"/>
+          <a:ext cx="73692" cy="45722"/>
         </a:xfrm>
-        <a:prstGeom prst="rect">
+        <a:prstGeom prst="leftRightArrow">
           <a:avLst/>
         </a:prstGeom>
-        <a:noFill/>
-        <a:ln>
-          <a:noFill/>
+        <a:solidFill>
+          <a:schemeClr val="accent1">
+            <a:tint val="60000"/>
+            <a:hueOff val="0"/>
+            <a:satOff val="0"/>
+            <a:lumOff val="0"/>
+            <a:alphaOff val="0"/>
+          </a:schemeClr>
+        </a:solidFill>
+        <a:ln w="19050" cap="flat" cmpd="sng" algn="ctr">
+          <a:solidFill>
+            <a:schemeClr val="lt1">
+              <a:hueOff val="0"/>
+              <a:satOff val="0"/>
+              <a:lumOff val="0"/>
+              <a:alphaOff val="0"/>
+            </a:schemeClr>
+          </a:solidFill>
+          <a:prstDash val="solid"/>
+          <a:miter lim="800000"/>
         </a:ln>
         <a:effectLst/>
       </dsp:spPr>
       <dsp:style>
-        <a:lnRef idx="0">
+        <a:lnRef idx="2">
           <a:scrgbClr r="0" g="0" b="0"/>
         </a:lnRef>
-        <a:fillRef idx="0">
+        <a:fillRef idx="1">
           <a:scrgbClr r="0" g="0" b="0"/>
         </a:fillRef>
         <a:effectRef idx="0">
@@ -5238,34 +5267,6 @@
         </a:effectRef>
         <a:fontRef idx="minor"/>
       </dsp:style>
-      <dsp:txBody>
-        <a:bodyPr spcFirstLastPara="0" vert="horz" wrap="square" lIns="135128" tIns="135128" rIns="135128" bIns="0" numCol="1" spcCol="1270" anchor="t" anchorCtr="0">
-          <a:noAutofit/>
-        </a:bodyPr>
-        <a:lstStyle/>
-        <a:p>
-          <a:pPr marL="0" lvl="0" indent="0" algn="ctr" defTabSz="844550">
-            <a:lnSpc>
-              <a:spcPct val="90000"/>
-            </a:lnSpc>
-            <a:spcBef>
-              <a:spcPct val="0"/>
-            </a:spcBef>
-            <a:spcAft>
-              <a:spcPct val="35000"/>
-            </a:spcAft>
-            <a:buNone/>
-          </a:pPr>
-          <a:r>
-            <a:rPr lang="bg-BG" sz="1900" kern="1200" noProof="0" dirty="0"/>
-            <a:t>JetBrains Rider</a:t>
-          </a:r>
-        </a:p>
-      </dsp:txBody>
-      <dsp:txXfrm>
-        <a:off x="5558359" y="3491707"/>
-        <a:ext cx="1888098" cy="700484"/>
-      </dsp:txXfrm>
     </dsp:sp>
   </dsp:spTree>
 </dsp:drawing>
@@ -5286,8 +5287,8 @@
       </dsp:nvSpPr>
       <dsp:spPr>
         <a:xfrm>
-          <a:off x="3735" y="1170774"/>
-          <a:ext cx="1820059" cy="1155737"/>
+          <a:off x="3201" y="998291"/>
+          <a:ext cx="2285879" cy="1451533"/>
         </a:xfrm>
         <a:prstGeom prst="roundRect">
           <a:avLst>
@@ -5338,8 +5339,8 @@
       </dsp:nvSpPr>
       <dsp:spPr>
         <a:xfrm>
-          <a:off x="205963" y="1362892"/>
-          <a:ext cx="1820059" cy="1155737"/>
+          <a:off x="257188" y="1239579"/>
+          <a:ext cx="2285879" cy="1451533"/>
         </a:xfrm>
         <a:prstGeom prst="roundRect">
           <a:avLst>
@@ -5382,12 +5383,12 @@
         <a:fontRef idx="minor"/>
       </dsp:style>
       <dsp:txBody>
-        <a:bodyPr spcFirstLastPara="0" vert="horz" wrap="square" lIns="60960" tIns="60960" rIns="60960" bIns="60960" numCol="1" spcCol="1270" anchor="ctr" anchorCtr="0">
+        <a:bodyPr spcFirstLastPara="0" vert="horz" wrap="square" lIns="76200" tIns="76200" rIns="76200" bIns="76200" numCol="1" spcCol="1270" anchor="ctr" anchorCtr="0">
           <a:noAutofit/>
         </a:bodyPr>
         <a:lstStyle/>
         <a:p>
-          <a:pPr marL="0" lvl="0" indent="0" algn="ctr" defTabSz="711200">
+          <a:pPr marL="0" lvl="0" indent="0" algn="ctr" defTabSz="889000">
             <a:lnSpc>
               <a:spcPct val="90000"/>
             </a:lnSpc>
@@ -5400,14 +5401,14 @@
             <a:buNone/>
           </a:pPr>
           <a:r>
-            <a:rPr lang="bg-BG" sz="1600" kern="1200" noProof="0" dirty="0"/>
+            <a:rPr lang="bg-BG" sz="2000" kern="1200" noProof="0" dirty="0"/>
             <a:t>Изграждане на мобилно приложение</a:t>
           </a:r>
         </a:p>
       </dsp:txBody>
       <dsp:txXfrm>
-        <a:off x="239813" y="1396742"/>
-        <a:ext cx="1752359" cy="1088037"/>
+        <a:off x="299702" y="1282093"/>
+        <a:ext cx="2200851" cy="1366505"/>
       </dsp:txXfrm>
     </dsp:sp>
     <dsp:sp modelId="{ABA974FD-602E-4631-8430-3BD5E04C2413}">
@@ -5417,8 +5418,8 @@
       </dsp:nvSpPr>
       <dsp:spPr>
         <a:xfrm>
-          <a:off x="2228252" y="1170774"/>
-          <a:ext cx="1820059" cy="1155737"/>
+          <a:off x="2797054" y="998291"/>
+          <a:ext cx="2285879" cy="1451533"/>
         </a:xfrm>
         <a:prstGeom prst="roundRect">
           <a:avLst>
@@ -5469,8 +5470,8 @@
       </dsp:nvSpPr>
       <dsp:spPr>
         <a:xfrm>
-          <a:off x="2430481" y="1362892"/>
-          <a:ext cx="1820059" cy="1155737"/>
+          <a:off x="3051041" y="1239579"/>
+          <a:ext cx="2285879" cy="1451533"/>
         </a:xfrm>
         <a:prstGeom prst="roundRect">
           <a:avLst>
@@ -5513,12 +5514,12 @@
         <a:fontRef idx="minor"/>
       </dsp:style>
       <dsp:txBody>
-        <a:bodyPr spcFirstLastPara="0" vert="horz" wrap="square" lIns="60960" tIns="60960" rIns="60960" bIns="60960" numCol="1" spcCol="1270" anchor="ctr" anchorCtr="0">
+        <a:bodyPr spcFirstLastPara="0" vert="horz" wrap="square" lIns="76200" tIns="76200" rIns="76200" bIns="76200" numCol="1" spcCol="1270" anchor="ctr" anchorCtr="0">
           <a:noAutofit/>
         </a:bodyPr>
         <a:lstStyle/>
         <a:p>
-          <a:pPr marL="0" lvl="0" indent="0" algn="ctr" defTabSz="711200">
+          <a:pPr marL="0" lvl="0" indent="0" algn="ctr" defTabSz="889000">
             <a:lnSpc>
               <a:spcPct val="90000"/>
             </a:lnSpc>
@@ -5531,14 +5532,14 @@
             <a:buNone/>
           </a:pPr>
           <a:r>
-            <a:rPr lang="bg-BG" sz="1600" kern="1200" noProof="0" dirty="0"/>
+            <a:rPr lang="bg-BG" sz="2000" kern="1200" noProof="0" dirty="0"/>
             <a:t>Интеграция на OCR</a:t>
           </a:r>
         </a:p>
       </dsp:txBody>
       <dsp:txXfrm>
-        <a:off x="2464331" y="1396742"/>
-        <a:ext cx="1752359" cy="1088037"/>
+        <a:off x="3093555" y="1282093"/>
+        <a:ext cx="2200851" cy="1366505"/>
       </dsp:txXfrm>
     </dsp:sp>
     <dsp:sp modelId="{9D21B294-9EF0-4120-8592-59E55F337D7B}">
@@ -5548,8 +5549,8 @@
       </dsp:nvSpPr>
       <dsp:spPr>
         <a:xfrm>
-          <a:off x="4452770" y="1170774"/>
-          <a:ext cx="1820059" cy="1155737"/>
+          <a:off x="5590907" y="998291"/>
+          <a:ext cx="2285879" cy="1451533"/>
         </a:xfrm>
         <a:prstGeom prst="roundRect">
           <a:avLst>
@@ -5600,8 +5601,8 @@
       </dsp:nvSpPr>
       <dsp:spPr>
         <a:xfrm>
-          <a:off x="4654999" y="1362892"/>
-          <a:ext cx="1820059" cy="1155737"/>
+          <a:off x="5844894" y="1239579"/>
+          <a:ext cx="2285879" cy="1451533"/>
         </a:xfrm>
         <a:prstGeom prst="roundRect">
           <a:avLst>
@@ -5644,12 +5645,12 @@
         <a:fontRef idx="minor"/>
       </dsp:style>
       <dsp:txBody>
-        <a:bodyPr spcFirstLastPara="0" vert="horz" wrap="square" lIns="60960" tIns="60960" rIns="60960" bIns="60960" numCol="1" spcCol="1270" anchor="ctr" anchorCtr="0">
+        <a:bodyPr spcFirstLastPara="0" vert="horz" wrap="square" lIns="76200" tIns="76200" rIns="76200" bIns="76200" numCol="1" spcCol="1270" anchor="ctr" anchorCtr="0">
           <a:noAutofit/>
         </a:bodyPr>
         <a:lstStyle/>
         <a:p>
-          <a:pPr marL="0" lvl="0" indent="0" algn="ctr" defTabSz="711200">
+          <a:pPr marL="0" lvl="0" indent="0" algn="ctr" defTabSz="889000">
             <a:lnSpc>
               <a:spcPct val="90000"/>
             </a:lnSpc>
@@ -5662,14 +5663,14 @@
             <a:buNone/>
           </a:pPr>
           <a:r>
-            <a:rPr lang="bg-BG" sz="1600" kern="1200" noProof="0" dirty="0"/>
+            <a:rPr lang="bg-BG" sz="2000" kern="1200" noProof="0" dirty="0"/>
             <a:t>Възможност за работа с различни валути</a:t>
           </a:r>
         </a:p>
       </dsp:txBody>
       <dsp:txXfrm>
-        <a:off x="4688849" y="1396742"/>
-        <a:ext cx="1752359" cy="1088037"/>
+        <a:off x="5887408" y="1282093"/>
+        <a:ext cx="2200851" cy="1366505"/>
       </dsp:txXfrm>
     </dsp:sp>
     <dsp:sp modelId="{CD194FDD-FCE1-423A-9DA8-88C96904AD63}">
@@ -5679,8 +5680,8 @@
       </dsp:nvSpPr>
       <dsp:spPr>
         <a:xfrm>
-          <a:off x="6677287" y="1170774"/>
-          <a:ext cx="1820059" cy="1155737"/>
+          <a:off x="8384760" y="998291"/>
+          <a:ext cx="2285879" cy="1451533"/>
         </a:xfrm>
         <a:prstGeom prst="roundRect">
           <a:avLst>
@@ -5731,8 +5732,8 @@
       </dsp:nvSpPr>
       <dsp:spPr>
         <a:xfrm>
-          <a:off x="6879516" y="1362892"/>
-          <a:ext cx="1820059" cy="1155737"/>
+          <a:off x="8638747" y="1239579"/>
+          <a:ext cx="2285879" cy="1451533"/>
         </a:xfrm>
         <a:prstGeom prst="roundRect">
           <a:avLst>
@@ -5775,12 +5776,12 @@
         <a:fontRef idx="minor"/>
       </dsp:style>
       <dsp:txBody>
-        <a:bodyPr spcFirstLastPara="0" vert="horz" wrap="square" lIns="60960" tIns="60960" rIns="60960" bIns="60960" numCol="1" spcCol="1270" anchor="ctr" anchorCtr="0">
+        <a:bodyPr spcFirstLastPara="0" vert="horz" wrap="square" lIns="76200" tIns="76200" rIns="76200" bIns="76200" numCol="1" spcCol="1270" anchor="ctr" anchorCtr="0">
           <a:noAutofit/>
         </a:bodyPr>
         <a:lstStyle/>
         <a:p>
-          <a:pPr marL="0" lvl="0" indent="0" algn="ctr" defTabSz="711200">
+          <a:pPr marL="0" lvl="0" indent="0" algn="ctr" defTabSz="889000">
             <a:lnSpc>
               <a:spcPct val="90000"/>
             </a:lnSpc>
@@ -5793,145 +5794,14 @@
             <a:buNone/>
           </a:pPr>
           <a:r>
-            <a:rPr lang="bg-BG" sz="1600" kern="1200" noProof="0" dirty="0"/>
+            <a:rPr lang="bg-BG" sz="2000" kern="1200" noProof="0" dirty="0"/>
             <a:t>Подобряване на потребителският интерфейс</a:t>
           </a:r>
         </a:p>
       </dsp:txBody>
       <dsp:txXfrm>
-        <a:off x="6913366" y="1396742"/>
-        <a:ext cx="1752359" cy="1088037"/>
-      </dsp:txXfrm>
-    </dsp:sp>
-    <dsp:sp modelId="{2E7B6CFA-6C4D-44D5-B450-08144B3CA9FC}">
-      <dsp:nvSpPr>
-        <dsp:cNvPr id="0" name=""/>
-        <dsp:cNvSpPr/>
-      </dsp:nvSpPr>
-      <dsp:spPr>
-        <a:xfrm>
-          <a:off x="8901805" y="1170774"/>
-          <a:ext cx="1820059" cy="1155737"/>
-        </a:xfrm>
-        <a:prstGeom prst="roundRect">
-          <a:avLst>
-            <a:gd name="adj" fmla="val 10000"/>
-          </a:avLst>
-        </a:prstGeom>
-        <a:solidFill>
-          <a:schemeClr val="accent1">
-            <a:hueOff val="0"/>
-            <a:satOff val="0"/>
-            <a:lumOff val="0"/>
-            <a:alphaOff val="0"/>
-          </a:schemeClr>
-        </a:solidFill>
-        <a:ln w="19050" cap="flat" cmpd="sng" algn="ctr">
-          <a:solidFill>
-            <a:schemeClr val="lt1">
-              <a:hueOff val="0"/>
-              <a:satOff val="0"/>
-              <a:lumOff val="0"/>
-              <a:alphaOff val="0"/>
-            </a:schemeClr>
-          </a:solidFill>
-          <a:prstDash val="solid"/>
-          <a:miter lim="800000"/>
-        </a:ln>
-        <a:effectLst/>
-      </dsp:spPr>
-      <dsp:style>
-        <a:lnRef idx="2">
-          <a:scrgbClr r="0" g="0" b="0"/>
-        </a:lnRef>
-        <a:fillRef idx="1">
-          <a:scrgbClr r="0" g="0" b="0"/>
-        </a:fillRef>
-        <a:effectRef idx="0">
-          <a:scrgbClr r="0" g="0" b="0"/>
-        </a:effectRef>
-        <a:fontRef idx="minor">
-          <a:schemeClr val="lt1"/>
-        </a:fontRef>
-      </dsp:style>
-    </dsp:sp>
-    <dsp:sp modelId="{1C5FF919-22D1-44C7-A96F-78D3E01487F2}">
-      <dsp:nvSpPr>
-        <dsp:cNvPr id="0" name=""/>
-        <dsp:cNvSpPr/>
-      </dsp:nvSpPr>
-      <dsp:spPr>
-        <a:xfrm>
-          <a:off x="9104034" y="1362892"/>
-          <a:ext cx="1820059" cy="1155737"/>
-        </a:xfrm>
-        <a:prstGeom prst="roundRect">
-          <a:avLst>
-            <a:gd name="adj" fmla="val 10000"/>
-          </a:avLst>
-        </a:prstGeom>
-        <a:solidFill>
-          <a:schemeClr val="lt1">
-            <a:alpha val="90000"/>
-            <a:hueOff val="0"/>
-            <a:satOff val="0"/>
-            <a:lumOff val="0"/>
-            <a:alphaOff val="0"/>
-          </a:schemeClr>
-        </a:solidFill>
-        <a:ln w="19050" cap="flat" cmpd="sng" algn="ctr">
-          <a:solidFill>
-            <a:schemeClr val="accent1">
-              <a:hueOff val="0"/>
-              <a:satOff val="0"/>
-              <a:lumOff val="0"/>
-              <a:alphaOff val="0"/>
-            </a:schemeClr>
-          </a:solidFill>
-          <a:prstDash val="solid"/>
-          <a:miter lim="800000"/>
-        </a:ln>
-        <a:effectLst/>
-      </dsp:spPr>
-      <dsp:style>
-        <a:lnRef idx="2">
-          <a:scrgbClr r="0" g="0" b="0"/>
-        </a:lnRef>
-        <a:fillRef idx="1">
-          <a:scrgbClr r="0" g="0" b="0"/>
-        </a:fillRef>
-        <a:effectRef idx="0">
-          <a:scrgbClr r="0" g="0" b="0"/>
-        </a:effectRef>
-        <a:fontRef idx="minor"/>
-      </dsp:style>
-      <dsp:txBody>
-        <a:bodyPr spcFirstLastPara="0" vert="horz" wrap="square" lIns="60960" tIns="60960" rIns="60960" bIns="60960" numCol="1" spcCol="1270" anchor="ctr" anchorCtr="0">
-          <a:noAutofit/>
-        </a:bodyPr>
-        <a:lstStyle/>
-        <a:p>
-          <a:pPr marL="0" lvl="0" indent="0" algn="ctr" defTabSz="711200">
-            <a:lnSpc>
-              <a:spcPct val="90000"/>
-            </a:lnSpc>
-            <a:spcBef>
-              <a:spcPct val="0"/>
-            </a:spcBef>
-            <a:spcAft>
-              <a:spcPct val="35000"/>
-            </a:spcAft>
-            <a:buNone/>
-          </a:pPr>
-          <a:r>
-            <a:rPr lang="bg-BG" sz="1600" kern="1200" noProof="0" dirty="0"/>
-            <a:t>Повишаване на сигурността</a:t>
-          </a:r>
-        </a:p>
-      </dsp:txBody>
-      <dsp:txXfrm>
-        <a:off x="9137884" y="1396742"/>
-        <a:ext cx="1752359" cy="1088037"/>
+        <a:off x="8681261" y="1282093"/>
+        <a:ext cx="2200851" cy="1366505"/>
       </dsp:txXfrm>
     </dsp:sp>
   </dsp:spTree>
@@ -6164,37 +6034,20 @@
 </file>
 
 <file path=ppt/diagrams/layout2.xml><?xml version="1.0" encoding="utf-8"?>
-<dgm:layoutDef xmlns:dgm="http://schemas.openxmlformats.org/drawingml/2006/diagram" xmlns:a="http://schemas.openxmlformats.org/drawingml/2006/main" uniqueId="urn:microsoft.com/office/officeart/2005/8/layout/pList1">
+<dgm:layoutDef xmlns:dgm="http://schemas.openxmlformats.org/drawingml/2006/diagram" xmlns:a="http://schemas.openxmlformats.org/drawingml/2006/main" uniqueId="urn:microsoft.com/office/officeart/2005/8/layout/hList7">
   <dgm:title val=""/>
   <dgm:desc val=""/>
   <dgm:catLst>
-    <dgm:cat type="list" pri="2000"/>
-    <dgm:cat type="picture" pri="2500"/>
-    <dgm:cat type="pictureconvert" pri="2500"/>
+    <dgm:cat type="list" pri="12000"/>
+    <dgm:cat type="process" pri="20000"/>
+    <dgm:cat type="relationship" pri="14000"/>
+    <dgm:cat type="convert" pri="8000"/>
+    <dgm:cat type="picture" pri="25000"/>
+    <dgm:cat type="pictureconvert" pri="25000"/>
   </dgm:catLst>
-  <dgm:sampData>
+  <dgm:sampData useDef="1">
     <dgm:dataModel>
-      <dgm:ptLst>
-        <dgm:pt modelId="0" type="doc"/>
-        <dgm:pt modelId="1">
-          <dgm:prSet phldr="1"/>
-        </dgm:pt>
-        <dgm:pt modelId="2">
-          <dgm:prSet phldr="1"/>
-        </dgm:pt>
-        <dgm:pt modelId="3">
-          <dgm:prSet phldr="1"/>
-        </dgm:pt>
-        <dgm:pt modelId="4">
-          <dgm:prSet phldr="1"/>
-        </dgm:pt>
-      </dgm:ptLst>
-      <dgm:cxnLst>
-        <dgm:cxn modelId="7" srcId="0" destId="1" srcOrd="0" destOrd="0"/>
-        <dgm:cxn modelId="8" srcId="0" destId="2" srcOrd="1" destOrd="0"/>
-        <dgm:cxn modelId="9" srcId="0" destId="3" srcOrd="2" destOrd="0"/>
-        <dgm:cxn modelId="10" srcId="0" destId="4" srcOrd="3" destOrd="0"/>
-      </dgm:cxnLst>
+      <dgm:ptLst/>
       <dgm:bg/>
       <dgm:whole/>
     </dgm:dataModel>
@@ -6214,9 +6067,21 @@
       <dgm:whole/>
     </dgm:dataModel>
   </dgm:styleData>
-  <dgm:clrData useDef="1">
+  <dgm:clrData>
     <dgm:dataModel>
-      <dgm:ptLst/>
+      <dgm:ptLst>
+        <dgm:pt modelId="0" type="doc"/>
+        <dgm:pt modelId="1"/>
+        <dgm:pt modelId="2"/>
+        <dgm:pt modelId="3"/>
+        <dgm:pt modelId="4"/>
+      </dgm:ptLst>
+      <dgm:cxnLst>
+        <dgm:cxn modelId="5" srcId="0" destId="1" srcOrd="0" destOrd="0"/>
+        <dgm:cxn modelId="6" srcId="0" destId="2" srcOrd="1" destOrd="0"/>
+        <dgm:cxn modelId="7" srcId="0" destId="3" srcOrd="2" destOrd="0"/>
+        <dgm:cxn modelId="8" srcId="0" destId="4" srcOrd="3" destOrd="0"/>
+      </dgm:cxnLst>
       <dgm:bg/>
       <dgm:whole/>
     </dgm:dataModel>
@@ -6226,100 +6091,139 @@
       <dgm:dir/>
       <dgm:resizeHandles val="exact"/>
     </dgm:varLst>
-    <dgm:choose name="Name1">
-      <dgm:if name="Name2" axis="self" func="var" arg="dir" op="equ" val="norm">
-        <dgm:alg type="snake">
-          <dgm:param type="grDir" val="tL"/>
-          <dgm:param type="flowDir" val="row"/>
-          <dgm:param type="contDir" val="sameDir"/>
-          <dgm:param type="off" val="ctr"/>
-          <dgm:param type="vertAlign" val="mid"/>
-          <dgm:param type="horzAlign" val="ctr"/>
-        </dgm:alg>
-      </dgm:if>
-      <dgm:else name="Name3">
-        <dgm:alg type="snake">
-          <dgm:param type="grDir" val="tR"/>
-          <dgm:param type="flowDir" val="row"/>
-          <dgm:param type="contDir" val="sameDir"/>
-          <dgm:param type="off" val="ctr"/>
-          <dgm:param type="vertAlign" val="mid"/>
-          <dgm:param type="horzAlign" val="ctr"/>
-        </dgm:alg>
-      </dgm:else>
-    </dgm:choose>
+    <dgm:alg type="composite"/>
     <dgm:shape xmlns:r="http://schemas.openxmlformats.org/officeDocument/2006/relationships" r:blip="">
       <dgm:adjLst/>
     </dgm:shape>
     <dgm:presOf/>
     <dgm:constrLst>
-      <dgm:constr type="w" for="ch" forName="compNode" refType="w"/>
-      <dgm:constr type="w" for="ch" ptType="sibTrans" refType="w" refFor="ch" refForName="compNode" op="equ" fact="0.1"/>
-      <dgm:constr type="sp" refType="w" refFor="ch" refForName="compNode" op="equ" fact="0.1"/>
-      <dgm:constr type="primFontSz" for="des" ptType="node" op="equ" val="65"/>
+      <dgm:constr type="w" for="ch" forName="fgShape" refType="w" fact="0.92"/>
+      <dgm:constr type="h" for="ch" forName="fgShape" refType="h" fact="0.15"/>
+      <dgm:constr type="b" for="ch" forName="fgShape" refType="h" fact="0.95"/>
+      <dgm:constr type="ctrX" for="ch" forName="fgShape" refType="w" fact="0.5"/>
+      <dgm:constr type="w" for="ch" forName="linComp" refType="w"/>
+      <dgm:constr type="h" for="ch" forName="linComp" refType="h"/>
+      <dgm:constr type="ctrX" for="ch" forName="linComp" refType="w" fact="0.5"/>
     </dgm:constrLst>
     <dgm:ruleLst/>
-    <dgm:forEach name="Name4" axis="ch" ptType="node">
-      <dgm:layoutNode name="compNode">
-        <dgm:alg type="composite">
-          <dgm:param type="ar" val="0.943"/>
-        </dgm:alg>
-        <dgm:shape xmlns:r="http://schemas.openxmlformats.org/officeDocument/2006/relationships" r:blip="">
-          <dgm:adjLst/>
-        </dgm:shape>
-        <dgm:presOf axis="self"/>
-        <dgm:constrLst>
-          <dgm:constr type="h" refType="w" fact="1.06"/>
-          <dgm:constr type="h" for="ch" forName="pictRect" refType="h" fact="0.65"/>
-          <dgm:constr type="w" for="ch" forName="pictRect" refType="w"/>
-          <dgm:constr type="l" for="ch" forName="pictRect"/>
-          <dgm:constr type="t" for="ch" forName="pictRect"/>
-          <dgm:constr type="w" for="ch" forName="textRect" refType="w"/>
-          <dgm:constr type="h" for="ch" forName="textRect" refType="h" fact="0.35"/>
-          <dgm:constr type="l" for="ch" forName="textRect"/>
-          <dgm:constr type="t" for="ch" forName="textRect" refType="b" refFor="ch" refForName="pictRect"/>
-        </dgm:constrLst>
-        <dgm:ruleLst/>
-        <dgm:layoutNode name="pictRect">
-          <dgm:alg type="sp"/>
-          <dgm:shape xmlns:r="http://schemas.openxmlformats.org/officeDocument/2006/relationships" type="roundRect" r:blip="" blipPhldr="1">
+    <dgm:layoutNode name="fgShape" styleLbl="fgShp">
+      <dgm:alg type="sp"/>
+      <dgm:shape xmlns:r="http://schemas.openxmlformats.org/officeDocument/2006/relationships" type="leftRightArrow" r:blip="" zOrderOff="99999">
+        <dgm:adjLst/>
+      </dgm:shape>
+      <dgm:presOf/>
+      <dgm:constrLst/>
+      <dgm:ruleLst/>
+    </dgm:layoutNode>
+    <dgm:layoutNode name="linComp">
+      <dgm:choose name="Name1">
+        <dgm:if name="Name2" func="var" arg="dir" op="equ" val="norm">
+          <dgm:alg type="lin"/>
+        </dgm:if>
+        <dgm:else name="Name3">
+          <dgm:alg type="lin">
+            <dgm:param type="linDir" val="fromR"/>
+          </dgm:alg>
+        </dgm:else>
+      </dgm:choose>
+      <dgm:shape xmlns:r="http://schemas.openxmlformats.org/officeDocument/2006/relationships" r:blip="">
+        <dgm:adjLst/>
+      </dgm:shape>
+      <dgm:presOf/>
+      <dgm:constrLst>
+        <dgm:constr type="w" for="ch" forName="compNode" refType="w"/>
+        <dgm:constr type="h" for="ch" forName="compNode" refType="h"/>
+        <dgm:constr type="w" for="ch" ptType="sibTrans" refType="w" refFor="ch" refForName="compNode" fact="0.03"/>
+        <dgm:constr type="primFontSz" for="des" ptType="node" op="equ" val="65"/>
+      </dgm:constrLst>
+      <dgm:ruleLst/>
+      <dgm:forEach name="nodesForEach" axis="ch" ptType="node">
+        <dgm:layoutNode name="compNode">
+          <dgm:alg type="composite"/>
+          <dgm:shape xmlns:r="http://schemas.openxmlformats.org/officeDocument/2006/relationships" r:blip="">
             <dgm:adjLst/>
           </dgm:shape>
           <dgm:presOf/>
-          <dgm:constrLst/>
+          <dgm:constrLst>
+            <dgm:constr type="w" for="ch" forName="bkgdShape" refType="w"/>
+            <dgm:constr type="h" for="ch" forName="bkgdShape" refType="h"/>
+            <dgm:constr type="w" for="ch" forName="nodeTx" refType="w"/>
+            <dgm:constr type="h" for="ch" forName="nodeTx" refType="h" fact="0.4"/>
+            <dgm:constr type="b" for="ch" forName="nodeTx" refType="h" fact="0.8"/>
+            <dgm:constr type="w" for="ch" forName="invisiNode" refType="w" fact="0.01"/>
+            <dgm:constr type="h" for="ch" forName="invisiNode" refType="h" fact="0.06"/>
+            <dgm:constr type="t" for="ch" forName="invisiNode"/>
+            <dgm:constr type="ctrX" for="ch" forName="invisiNode" refType="w" fact="0.5"/>
+            <dgm:constr type="h" for="ch" forName="imagNode" refType="h" fact="0.333"/>
+            <dgm:constr type="w" for="ch" forName="imagNode" refType="h" refFor="ch" refForName="imagNode"/>
+            <dgm:constr type="ctrX" for="ch" forName="imagNode" refType="w" fact="0.5"/>
+            <dgm:constr type="t" for="ch" forName="imagNode" refType="h" fact="0.06"/>
+            <dgm:constr type="w" for="ch" forName="imagNode" refType="w" op="lte" fact="0.94"/>
+          </dgm:constrLst>
           <dgm:ruleLst/>
+          <dgm:layoutNode name="bkgdShape">
+            <dgm:alg type="sp"/>
+            <dgm:shape xmlns:r="http://schemas.openxmlformats.org/officeDocument/2006/relationships" type="roundRect" r:blip="">
+              <dgm:adjLst>
+                <dgm:adj idx="1" val="0.1"/>
+              </dgm:adjLst>
+            </dgm:shape>
+            <dgm:presOf axis="desOrSelf" ptType="node"/>
+            <dgm:constrLst/>
+            <dgm:ruleLst/>
+          </dgm:layoutNode>
+          <dgm:layoutNode name="nodeTx">
+            <dgm:varLst>
+              <dgm:bulletEnabled val="1"/>
+            </dgm:varLst>
+            <dgm:alg type="tx">
+              <dgm:param type="txAnchorVert" val="mid"/>
+              <dgm:param type="txAnchorHorzCh" val="ctr"/>
+              <dgm:param type="stBulletLvl" val="2"/>
+            </dgm:alg>
+            <dgm:shape xmlns:r="http://schemas.openxmlformats.org/officeDocument/2006/relationships" type="rect" r:blip="" hideGeom="1">
+              <dgm:adjLst/>
+            </dgm:shape>
+            <dgm:presOf axis="desOrSelf" ptType="node"/>
+            <dgm:constrLst/>
+            <dgm:ruleLst>
+              <dgm:rule type="primFontSz" val="5" fact="NaN" max="NaN"/>
+            </dgm:ruleLst>
+          </dgm:layoutNode>
+          <dgm:layoutNode name="invisiNode">
+            <dgm:alg type="sp"/>
+            <dgm:shape xmlns:r="http://schemas.openxmlformats.org/officeDocument/2006/relationships" type="roundRect" r:blip="" hideGeom="1">
+              <dgm:adjLst>
+                <dgm:adj idx="1" val="0.1"/>
+              </dgm:adjLst>
+            </dgm:shape>
+            <dgm:presOf/>
+            <dgm:constrLst/>
+            <dgm:ruleLst/>
+          </dgm:layoutNode>
+          <dgm:layoutNode name="imagNode" styleLbl="fgImgPlace1">
+            <dgm:alg type="sp"/>
+            <dgm:shape xmlns:r="http://schemas.openxmlformats.org/officeDocument/2006/relationships" type="ellipse" r:blip="" blipPhldr="1">
+              <dgm:adjLst/>
+            </dgm:shape>
+            <dgm:presOf/>
+            <dgm:constrLst/>
+            <dgm:ruleLst/>
+          </dgm:layoutNode>
         </dgm:layoutNode>
-        <dgm:layoutNode name="textRect" styleLbl="revTx">
-          <dgm:varLst>
-            <dgm:bulletEnabled val="1"/>
-          </dgm:varLst>
-          <dgm:alg type="tx">
-            <dgm:param type="txAnchorVert" val="t"/>
-          </dgm:alg>
-          <dgm:shape xmlns:r="http://schemas.openxmlformats.org/officeDocument/2006/relationships" type="rect" r:blip="">
-            <dgm:adjLst/>
-          </dgm:shape>
-          <dgm:presOf axis="desOrSelf" ptType="node"/>
-          <dgm:constrLst>
-            <dgm:constr type="bMarg"/>
-          </dgm:constrLst>
-          <dgm:ruleLst>
-            <dgm:rule type="primFontSz" val="5" fact="NaN" max="NaN"/>
-          </dgm:ruleLst>
-        </dgm:layoutNode>
-      </dgm:layoutNode>
-      <dgm:forEach name="Name5" axis="followSib" ptType="sibTrans" cnt="1">
-        <dgm:layoutNode name="sibTrans">
-          <dgm:alg type="sp"/>
-          <dgm:shape xmlns:r="http://schemas.openxmlformats.org/officeDocument/2006/relationships" type="rect" r:blip="" hideGeom="1">
-            <dgm:adjLst/>
-          </dgm:shape>
-          <dgm:presOf axis="self"/>
-          <dgm:constrLst/>
-          <dgm:ruleLst/>
-        </dgm:layoutNode>
+        <dgm:forEach name="sibTransForEach" axis="followSib" ptType="sibTrans" cnt="1">
+          <dgm:layoutNode name="sibTrans">
+            <dgm:alg type="sp"/>
+            <dgm:shape xmlns:r="http://schemas.openxmlformats.org/officeDocument/2006/relationships" type="rect" r:blip="" hideGeom="1">
+              <dgm:adjLst/>
+            </dgm:shape>
+            <dgm:presOf axis="self"/>
+            <dgm:constrLst/>
+            <dgm:ruleLst/>
+          </dgm:layoutNode>
+        </dgm:forEach>
       </dgm:forEach>
-    </dgm:forEach>
+    </dgm:layoutNode>
   </dgm:layoutNode>
 </dgm:layoutDef>
 </file>
@@ -10071,7 +9975,7 @@
           <a:p>
             <a:fld id="{6D6D1040-B092-4D52-B8C3-943E0B4A8CD5}" type="datetimeFigureOut">
               <a:rPr lang="bg-BG" smtClean="0"/>
-              <a:t>2.7.2025 г.</a:t>
+              <a:t>3.7.2025 г.</a:t>
             </a:fld>
             <a:endParaRPr lang="bg-BG" dirty="0"/>
           </a:p>
@@ -10695,7 +10599,18 @@
           <a:bodyPr/>
           <a:lstStyle/>
           <a:p>
-            <a:endParaRPr lang="bg-BG" dirty="0"/>
+            <a:r>
+              <a:rPr lang="bg-BG" dirty="0"/>
+              <a:t>Няма </a:t>
+            </a:r>
+            <a:r>
+              <a:rPr lang="en-US" dirty="0"/>
+              <a:t>update </a:t>
+            </a:r>
+            <a:r>
+              <a:rPr lang="bg-BG" dirty="0"/>
+              <a:t>защото промяната на дата или тип повторение може да доведе до несъответствие в историята</a:t>
+            </a:r>
           </a:p>
         </p:txBody>
       </p:sp>
@@ -10790,12 +10705,8 @@
               <a:t>OCR </a:t>
             </a:r>
             <a:r>
-              <a:rPr lang="bg-BG"/>
-              <a:t>за лесно </a:t>
-            </a:r>
-            <a:r>
               <a:rPr lang="bg-BG" dirty="0"/>
-              <a:t>създаване на транзакции</a:t>
+              <a:t>за лесно създаване на транзакции</a:t>
             </a:r>
           </a:p>
           <a:p>
@@ -10823,17 +10734,6 @@
               <a:rPr lang="bg-BG" dirty="0"/>
               <a:t>пренареждане на елементи</a:t>
             </a:r>
-          </a:p>
-          <a:p>
-            <a:r>
-              <a:rPr lang="en-US" dirty="0"/>
-              <a:t>Sec – 2FA, data encryption/</a:t>
-            </a:r>
-            <a:r>
-              <a:rPr lang="en-US" dirty="0" err="1"/>
-              <a:t>anonimization</a:t>
-            </a:r>
-            <a:endParaRPr lang="bg-BG" dirty="0"/>
           </a:p>
         </p:txBody>
       </p:sp>
@@ -10945,7 +10845,7 @@
             </a:r>
             <a:r>
               <a:rPr lang="bg-BG" dirty="0"/>
-              <a:t>потребителя да може да си избере предпочитана валута;  Валутата ще бъде избрана по подразбиране във формата за създаване на транзакции.  В менюто за всички транзакции ще бъде показвана стойността на транзакцията във предпочитаната валута. Ако потребителя въведе транзакция в друга валута да се появи допълнителна колона в която да бъде показана стойността в предпочитаната валута. За превалутиране да се използва </a:t>
+              <a:t>потребителя да може да си избере предпочитана валута;  Валутата ще бъде избрана по подразбиране във формата за създаване на транзакции.  В менюто за всички транзакции ще бъде показвана стойността на транзакцията във предпочитаната валута. Ако потребителя въведе транзакция в друга валута да се появи допълнителна колона в която да бъде показана стойността в предпочитаната валута към датата на създаване на транзакцията. За превалутиране да се използва </a:t>
             </a:r>
             <a:r>
               <a:rPr lang="en-US" dirty="0"/>
@@ -11143,7 +11043,7 @@
           <a:p>
             <a:fld id="{DC796D05-CC1A-441E-9160-C5D56DB8F904}" type="datetimeFigureOut">
               <a:rPr lang="bg-BG" smtClean="0"/>
-              <a:t>2.7.2025 г.</a:t>
+              <a:t>3.7.2025 г.</a:t>
             </a:fld>
             <a:endParaRPr lang="bg-BG" dirty="0"/>
           </a:p>
@@ -11343,7 +11243,7 @@
           <a:p>
             <a:fld id="{DC796D05-CC1A-441E-9160-C5D56DB8F904}" type="datetimeFigureOut">
               <a:rPr lang="bg-BG" smtClean="0"/>
-              <a:t>2.7.2025 г.</a:t>
+              <a:t>3.7.2025 г.</a:t>
             </a:fld>
             <a:endParaRPr lang="bg-BG" dirty="0"/>
           </a:p>
@@ -11553,7 +11453,7 @@
           <a:p>
             <a:fld id="{DC796D05-CC1A-441E-9160-C5D56DB8F904}" type="datetimeFigureOut">
               <a:rPr lang="bg-BG" smtClean="0"/>
-              <a:t>2.7.2025 г.</a:t>
+              <a:t>3.7.2025 г.</a:t>
             </a:fld>
             <a:endParaRPr lang="bg-BG" dirty="0"/>
           </a:p>
@@ -11753,7 +11653,7 @@
           <a:p>
             <a:fld id="{DC796D05-CC1A-441E-9160-C5D56DB8F904}" type="datetimeFigureOut">
               <a:rPr lang="bg-BG" smtClean="0"/>
-              <a:t>2.7.2025 г.</a:t>
+              <a:t>3.7.2025 г.</a:t>
             </a:fld>
             <a:endParaRPr lang="bg-BG" dirty="0"/>
           </a:p>
@@ -12029,7 +11929,7 @@
           <a:p>
             <a:fld id="{DC796D05-CC1A-441E-9160-C5D56DB8F904}" type="datetimeFigureOut">
               <a:rPr lang="bg-BG" smtClean="0"/>
-              <a:t>2.7.2025 г.</a:t>
+              <a:t>3.7.2025 г.</a:t>
             </a:fld>
             <a:endParaRPr lang="bg-BG" dirty="0"/>
           </a:p>
@@ -12297,7 +12197,7 @@
           <a:p>
             <a:fld id="{DC796D05-CC1A-441E-9160-C5D56DB8F904}" type="datetimeFigureOut">
               <a:rPr lang="bg-BG" smtClean="0"/>
-              <a:t>2.7.2025 г.</a:t>
+              <a:t>3.7.2025 г.</a:t>
             </a:fld>
             <a:endParaRPr lang="bg-BG" dirty="0"/>
           </a:p>
@@ -12712,7 +12612,7 @@
           <a:p>
             <a:fld id="{DC796D05-CC1A-441E-9160-C5D56DB8F904}" type="datetimeFigureOut">
               <a:rPr lang="bg-BG" smtClean="0"/>
-              <a:t>2.7.2025 г.</a:t>
+              <a:t>3.7.2025 г.</a:t>
             </a:fld>
             <a:endParaRPr lang="bg-BG" dirty="0"/>
           </a:p>
@@ -12854,7 +12754,7 @@
           <a:p>
             <a:fld id="{DC796D05-CC1A-441E-9160-C5D56DB8F904}" type="datetimeFigureOut">
               <a:rPr lang="bg-BG" smtClean="0"/>
-              <a:t>2.7.2025 г.</a:t>
+              <a:t>3.7.2025 г.</a:t>
             </a:fld>
             <a:endParaRPr lang="bg-BG" dirty="0"/>
           </a:p>
@@ -12967,7 +12867,7 @@
           <a:p>
             <a:fld id="{DC796D05-CC1A-441E-9160-C5D56DB8F904}" type="datetimeFigureOut">
               <a:rPr lang="bg-BG" smtClean="0"/>
-              <a:t>2.7.2025 г.</a:t>
+              <a:t>3.7.2025 г.</a:t>
             </a:fld>
             <a:endParaRPr lang="bg-BG" dirty="0"/>
           </a:p>
@@ -13280,7 +13180,7 @@
           <a:p>
             <a:fld id="{DC796D05-CC1A-441E-9160-C5D56DB8F904}" type="datetimeFigureOut">
               <a:rPr lang="bg-BG" smtClean="0"/>
-              <a:t>2.7.2025 г.</a:t>
+              <a:t>3.7.2025 г.</a:t>
             </a:fld>
             <a:endParaRPr lang="bg-BG" dirty="0"/>
           </a:p>
@@ -13569,7 +13469,7 @@
           <a:p>
             <a:fld id="{DC796D05-CC1A-441E-9160-C5D56DB8F904}" type="datetimeFigureOut">
               <a:rPr lang="bg-BG" smtClean="0"/>
-              <a:t>2.7.2025 г.</a:t>
+              <a:t>3.7.2025 г.</a:t>
             </a:fld>
             <a:endParaRPr lang="bg-BG" dirty="0"/>
           </a:p>
@@ -13812,7 +13712,7 @@
           <a:p>
             <a:fld id="{DC796D05-CC1A-441E-9160-C5D56DB8F904}" type="datetimeFigureOut">
               <a:rPr lang="bg-BG" smtClean="0"/>
-              <a:t>2.7.2025 г.</a:t>
+              <a:t>3.7.2025 г.</a:t>
             </a:fld>
             <a:endParaRPr lang="bg-BG" dirty="0"/>
           </a:p>
@@ -17209,7 +17109,7 @@
 </file>
 
 <file path=ppt/slides/slide15.xml><?xml version="1.0" encoding="utf-8"?>
-<p:sld xmlns:a="http://schemas.openxmlformats.org/drawingml/2006/main" xmlns:r="http://schemas.openxmlformats.org/officeDocument/2006/relationships" xmlns:p="http://schemas.openxmlformats.org/presentationml/2006/main">
+<p:sld xmlns:a="http://schemas.openxmlformats.org/drawingml/2006/main" xmlns:r="http://schemas.openxmlformats.org/officeDocument/2006/relationships" xmlns:p="http://schemas.openxmlformats.org/presentationml/2006/main" show="0">
   <p:cSld>
     <p:bg>
       <p:bgPr>
@@ -17584,7 +17484,7 @@
 </file>
 
 <file path=ppt/slides/slide16.xml><?xml version="1.0" encoding="utf-8"?>
-<p:sld xmlns:a="http://schemas.openxmlformats.org/drawingml/2006/main" xmlns:r="http://schemas.openxmlformats.org/officeDocument/2006/relationships" xmlns:p="http://schemas.openxmlformats.org/presentationml/2006/main">
+<p:sld xmlns:a="http://schemas.openxmlformats.org/drawingml/2006/main" xmlns:r="http://schemas.openxmlformats.org/officeDocument/2006/relationships" xmlns:p="http://schemas.openxmlformats.org/presentationml/2006/main" show="0">
   <p:cSld>
     <p:bg>
       <p:bgPr>
@@ -18331,7 +18231,7 @@
 </file>
 
 <file path=ppt/slides/slide18.xml><?xml version="1.0" encoding="utf-8"?>
-<p:sld xmlns:a="http://schemas.openxmlformats.org/drawingml/2006/main" xmlns:r="http://schemas.openxmlformats.org/officeDocument/2006/relationships" xmlns:p="http://schemas.openxmlformats.org/presentationml/2006/main">
+<p:sld xmlns:a="http://schemas.openxmlformats.org/drawingml/2006/main" xmlns:r="http://schemas.openxmlformats.org/officeDocument/2006/relationships" xmlns:p="http://schemas.openxmlformats.org/presentationml/2006/main" show="0">
   <p:cSld>
     <p:bg>
       <p:bgPr>
@@ -19091,7 +18991,7 @@
             <p:ph idx="1"/>
             <p:extLst>
               <p:ext uri="{D42A27DB-BD31-4B8C-83A1-F6EECF244321}">
-                <p14:modId xmlns:p14="http://schemas.microsoft.com/office/powerpoint/2010/main" val="2239003388"/>
+                <p14:modId xmlns:p14="http://schemas.microsoft.com/office/powerpoint/2010/main" val="796912"/>
               </p:ext>
             </p:extLst>
           </p:nvPr>
@@ -21296,14 +21196,14 @@
             <p:ph idx="1"/>
             <p:extLst>
               <p:ext uri="{D42A27DB-BD31-4B8C-83A1-F6EECF244321}">
-                <p14:modId xmlns:p14="http://schemas.microsoft.com/office/powerpoint/2010/main" val="1236125065"/>
+                <p14:modId xmlns:p14="http://schemas.microsoft.com/office/powerpoint/2010/main" val="3338984667"/>
               </p:ext>
             </p:extLst>
           </p:nvPr>
         </p:nvGraphicFramePr>
         <p:xfrm>
-          <a:off x="644056" y="2112579"/>
-          <a:ext cx="10927829" cy="4192805"/>
+          <a:off x="644056" y="2137766"/>
+          <a:ext cx="10927828" cy="4192806"/>
         </p:xfrm>
         <a:graphic>
           <a:graphicData uri="http://schemas.openxmlformats.org/drawingml/2006/diagram">
@@ -21339,7 +21239,7 @@
         </p:blipFill>
         <p:spPr>
           <a:xfrm>
-            <a:off x="1386999" y="2249650"/>
+            <a:off x="1006898" y="2601708"/>
             <a:ext cx="1046718" cy="1078992"/>
           </a:xfrm>
           <a:prstGeom prst="rect">
@@ -21375,7 +21275,7 @@
         </p:blipFill>
         <p:spPr>
           <a:xfrm>
-            <a:off x="3476625" y="2192890"/>
+            <a:off x="2812444" y="2495969"/>
             <a:ext cx="1135752" cy="1135752"/>
           </a:xfrm>
           <a:prstGeom prst="rect">
@@ -21411,7 +21311,7 @@
         </p:blipFill>
         <p:spPr>
           <a:xfrm>
-            <a:off x="4867434" y="1932585"/>
+            <a:off x="3948196" y="2221270"/>
             <a:ext cx="2481072" cy="1713122"/>
           </a:xfrm>
           <a:prstGeom prst="rect">
@@ -21447,8 +21347,8 @@
         </p:blipFill>
         <p:spPr>
           <a:xfrm>
-            <a:off x="7702400" y="2187711"/>
-            <a:ext cx="1102394" cy="1102394"/>
+            <a:off x="6532318" y="2556542"/>
+            <a:ext cx="1015724" cy="1015724"/>
           </a:xfrm>
           <a:prstGeom prst="rect">
             <a:avLst/>
@@ -21483,7 +21383,7 @@
         </p:blipFill>
         <p:spPr>
           <a:xfrm>
-            <a:off x="9762423" y="2267857"/>
+            <a:off x="8318427" y="2556542"/>
             <a:ext cx="1042578" cy="1042578"/>
           </a:xfrm>
           <a:prstGeom prst="rect">
@@ -21493,10 +21393,10 @@
       </p:pic>
       <p:pic>
         <p:nvPicPr>
-          <p:cNvPr id="15" name="Picture 14" descr="A black and white logo&#10;&#10;AI-generated content may be incorrect.">
+          <p:cNvPr id="17" name="Picture 16" descr="A logo with colorful squares&#10;&#10;AI-generated content may be incorrect.">
             <a:extLst>
               <a:ext uri="{FF2B5EF4-FFF2-40B4-BE49-F238E27FC236}">
-                <a16:creationId xmlns:a16="http://schemas.microsoft.com/office/drawing/2014/main" id="{D05AB154-178B-AF9B-1E88-8A85E8F2DAAF}"/>
+                <a16:creationId xmlns:a16="http://schemas.microsoft.com/office/drawing/2014/main" id="{393EFC79-8435-2D01-4812-0228C5EF6E4B}"/>
               </a:ext>
             </a:extLst>
           </p:cNvPr>
@@ -21519,43 +21419,7 @@
         </p:blipFill>
         <p:spPr>
           <a:xfrm>
-            <a:off x="4227156" y="4771313"/>
-            <a:ext cx="1571016" cy="408464"/>
-          </a:xfrm>
-          <a:prstGeom prst="rect">
-            <a:avLst/>
-          </a:prstGeom>
-        </p:spPr>
-      </p:pic>
-      <p:pic>
-        <p:nvPicPr>
-          <p:cNvPr id="17" name="Picture 16" descr="A logo with colorful squares&#10;&#10;AI-generated content may be incorrect.">
-            <a:extLst>
-              <a:ext uri="{FF2B5EF4-FFF2-40B4-BE49-F238E27FC236}">
-                <a16:creationId xmlns:a16="http://schemas.microsoft.com/office/drawing/2014/main" id="{393EFC79-8435-2D01-4812-0228C5EF6E4B}"/>
-              </a:ext>
-            </a:extLst>
-          </p:cNvPr>
-          <p:cNvPicPr>
-            <a:picLocks noChangeAspect="1"/>
-          </p:cNvPicPr>
-          <p:nvPr/>
-        </p:nvPicPr>
-        <p:blipFill>
-          <a:blip r:embed="rId14">
-            <a:extLst>
-              <a:ext uri="{28A0092B-C50C-407E-A947-70E740481C1C}">
-                <a14:useLocalDpi xmlns:a14="http://schemas.microsoft.com/office/drawing/2010/main" val="0"/>
-              </a:ext>
-            </a:extLst>
-          </a:blip>
-          <a:stretch>
-            <a:fillRect/>
-          </a:stretch>
-        </p:blipFill>
-        <p:spPr>
-          <a:xfrm>
-            <a:off x="6665976" y="4470311"/>
+            <a:off x="10212515" y="2602267"/>
             <a:ext cx="951128" cy="951128"/>
           </a:xfrm>
           <a:prstGeom prst="rect">
@@ -23550,8 +23414,9 @@
             </a:pPr>
             <a:r>
               <a:rPr lang="bg-BG" sz="2000" noProof="0" dirty="0"/>
-              <a:t>Токън за достъп - JWT</a:t>
+              <a:t>Токън за достъп </a:t>
             </a:r>
+            <a:endParaRPr lang="en-US" sz="2000" noProof="0" dirty="0"/>
           </a:p>
           <a:p>
             <a:pPr lvl="1">
@@ -23617,66 +23482,6 @@
           </a:p>
         </p:txBody>
       </p:sp>
-      <p:pic>
-        <p:nvPicPr>
-          <p:cNvPr id="4" name="Picture 3">
-            <a:extLst>
-              <a:ext uri="{FF2B5EF4-FFF2-40B4-BE49-F238E27FC236}">
-                <a16:creationId xmlns:a16="http://schemas.microsoft.com/office/drawing/2014/main" id="{C2E0F70E-204A-579D-AE9D-8CBBD9592FD9}"/>
-              </a:ext>
-            </a:extLst>
-          </p:cNvPr>
-          <p:cNvPicPr>
-            <a:picLocks noChangeAspect="1"/>
-          </p:cNvPicPr>
-          <p:nvPr/>
-        </p:nvPicPr>
-        <p:blipFill>
-          <a:blip r:embed="rId2"/>
-          <a:stretch>
-            <a:fillRect/>
-          </a:stretch>
-        </p:blipFill>
-        <p:spPr>
-          <a:xfrm>
-            <a:off x="6807189" y="1991361"/>
-            <a:ext cx="4981798" cy="2697532"/>
-          </a:xfrm>
-          <a:prstGeom prst="rect">
-            <a:avLst/>
-          </a:prstGeom>
-        </p:spPr>
-      </p:pic>
-      <p:pic>
-        <p:nvPicPr>
-          <p:cNvPr id="5" name="Picture 4">
-            <a:extLst>
-              <a:ext uri="{FF2B5EF4-FFF2-40B4-BE49-F238E27FC236}">
-                <a16:creationId xmlns:a16="http://schemas.microsoft.com/office/drawing/2014/main" id="{644F537B-4050-AC41-5672-4BF935219FA0}"/>
-              </a:ext>
-            </a:extLst>
-          </p:cNvPr>
-          <p:cNvPicPr>
-            <a:picLocks noChangeAspect="1"/>
-          </p:cNvPicPr>
-          <p:nvPr/>
-        </p:nvPicPr>
-        <p:blipFill>
-          <a:blip r:embed="rId3"/>
-          <a:stretch>
-            <a:fillRect/>
-          </a:stretch>
-        </p:blipFill>
-        <p:spPr>
-          <a:xfrm>
-            <a:off x="6686412" y="5575627"/>
-            <a:ext cx="5062240" cy="786004"/>
-          </a:xfrm>
-          <a:prstGeom prst="rect">
-            <a:avLst/>
-          </a:prstGeom>
-        </p:spPr>
-      </p:pic>
     </p:spTree>
     <p:extLst>
       <p:ext uri="{BB962C8B-B14F-4D97-AF65-F5344CB8AC3E}">
@@ -23687,218 +23492,6 @@
   <p:clrMapOvr>
     <a:masterClrMapping/>
   </p:clrMapOvr>
-  <p:timing>
-    <p:tnLst>
-      <p:par>
-        <p:cTn id="1" dur="indefinite" restart="never" nodeType="tmRoot">
-          <p:childTnLst>
-            <p:seq concurrent="1" nextAc="seek">
-              <p:cTn id="2" dur="indefinite" nodeType="mainSeq">
-                <p:childTnLst>
-                  <p:par>
-                    <p:cTn id="3" fill="hold">
-                      <p:stCondLst>
-                        <p:cond delay="indefinite"/>
-                      </p:stCondLst>
-                      <p:childTnLst>
-                        <p:par>
-                          <p:cTn id="4" fill="hold">
-                            <p:stCondLst>
-                              <p:cond delay="0"/>
-                            </p:stCondLst>
-                            <p:childTnLst>
-                              <p:par>
-                                <p:cTn id="5" presetID="2" presetClass="entr" presetSubtype="4" fill="hold" nodeType="clickEffect">
-                                  <p:stCondLst>
-                                    <p:cond delay="0"/>
-                                  </p:stCondLst>
-                                  <p:childTnLst>
-                                    <p:set>
-                                      <p:cBhvr>
-                                        <p:cTn id="6" dur="1" fill="hold">
-                                          <p:stCondLst>
-                                            <p:cond delay="0"/>
-                                          </p:stCondLst>
-                                        </p:cTn>
-                                        <p:tgtEl>
-                                          <p:spTgt spid="4"/>
-                                        </p:tgtEl>
-                                        <p:attrNameLst>
-                                          <p:attrName>style.visibility</p:attrName>
-                                        </p:attrNameLst>
-                                      </p:cBhvr>
-                                      <p:to>
-                                        <p:strVal val="visible"/>
-                                      </p:to>
-                                    </p:set>
-                                    <p:anim calcmode="lin" valueType="num">
-                                      <p:cBhvr additive="base">
-                                        <p:cTn id="7" dur="500" fill="hold"/>
-                                        <p:tgtEl>
-                                          <p:spTgt spid="4"/>
-                                        </p:tgtEl>
-                                        <p:attrNameLst>
-                                          <p:attrName>ppt_x</p:attrName>
-                                        </p:attrNameLst>
-                                      </p:cBhvr>
-                                      <p:tavLst>
-                                        <p:tav tm="0">
-                                          <p:val>
-                                            <p:strVal val="#ppt_x"/>
-                                          </p:val>
-                                        </p:tav>
-                                        <p:tav tm="100000">
-                                          <p:val>
-                                            <p:strVal val="#ppt_x"/>
-                                          </p:val>
-                                        </p:tav>
-                                      </p:tavLst>
-                                    </p:anim>
-                                    <p:anim calcmode="lin" valueType="num">
-                                      <p:cBhvr additive="base">
-                                        <p:cTn id="8" dur="500" fill="hold"/>
-                                        <p:tgtEl>
-                                          <p:spTgt spid="4"/>
-                                        </p:tgtEl>
-                                        <p:attrNameLst>
-                                          <p:attrName>ppt_y</p:attrName>
-                                        </p:attrNameLst>
-                                      </p:cBhvr>
-                                      <p:tavLst>
-                                        <p:tav tm="0">
-                                          <p:val>
-                                            <p:strVal val="1+#ppt_h/2"/>
-                                          </p:val>
-                                        </p:tav>
-                                        <p:tav tm="100000">
-                                          <p:val>
-                                            <p:strVal val="#ppt_y"/>
-                                          </p:val>
-                                        </p:tav>
-                                      </p:tavLst>
-                                    </p:anim>
-                                  </p:childTnLst>
-                                </p:cTn>
-                              </p:par>
-                            </p:childTnLst>
-                          </p:cTn>
-                        </p:par>
-                      </p:childTnLst>
-                    </p:cTn>
-                  </p:par>
-                  <p:par>
-                    <p:cTn id="9" fill="hold">
-                      <p:stCondLst>
-                        <p:cond delay="indefinite"/>
-                      </p:stCondLst>
-                      <p:childTnLst>
-                        <p:par>
-                          <p:cTn id="10" fill="hold">
-                            <p:stCondLst>
-                              <p:cond delay="0"/>
-                            </p:stCondLst>
-                            <p:childTnLst>
-                              <p:par>
-                                <p:cTn id="11" presetID="2" presetClass="entr" presetSubtype="4" fill="hold" nodeType="clickEffect">
-                                  <p:stCondLst>
-                                    <p:cond delay="0"/>
-                                  </p:stCondLst>
-                                  <p:childTnLst>
-                                    <p:set>
-                                      <p:cBhvr>
-                                        <p:cTn id="12" dur="1" fill="hold">
-                                          <p:stCondLst>
-                                            <p:cond delay="0"/>
-                                          </p:stCondLst>
-                                        </p:cTn>
-                                        <p:tgtEl>
-                                          <p:spTgt spid="5"/>
-                                        </p:tgtEl>
-                                        <p:attrNameLst>
-                                          <p:attrName>style.visibility</p:attrName>
-                                        </p:attrNameLst>
-                                      </p:cBhvr>
-                                      <p:to>
-                                        <p:strVal val="visible"/>
-                                      </p:to>
-                                    </p:set>
-                                    <p:anim calcmode="lin" valueType="num">
-                                      <p:cBhvr additive="base">
-                                        <p:cTn id="13" dur="500" fill="hold"/>
-                                        <p:tgtEl>
-                                          <p:spTgt spid="5"/>
-                                        </p:tgtEl>
-                                        <p:attrNameLst>
-                                          <p:attrName>ppt_x</p:attrName>
-                                        </p:attrNameLst>
-                                      </p:cBhvr>
-                                      <p:tavLst>
-                                        <p:tav tm="0">
-                                          <p:val>
-                                            <p:strVal val="#ppt_x"/>
-                                          </p:val>
-                                        </p:tav>
-                                        <p:tav tm="100000">
-                                          <p:val>
-                                            <p:strVal val="#ppt_x"/>
-                                          </p:val>
-                                        </p:tav>
-                                      </p:tavLst>
-                                    </p:anim>
-                                    <p:anim calcmode="lin" valueType="num">
-                                      <p:cBhvr additive="base">
-                                        <p:cTn id="14" dur="500" fill="hold"/>
-                                        <p:tgtEl>
-                                          <p:spTgt spid="5"/>
-                                        </p:tgtEl>
-                                        <p:attrNameLst>
-                                          <p:attrName>ppt_y</p:attrName>
-                                        </p:attrNameLst>
-                                      </p:cBhvr>
-                                      <p:tavLst>
-                                        <p:tav tm="0">
-                                          <p:val>
-                                            <p:strVal val="1+#ppt_h/2"/>
-                                          </p:val>
-                                        </p:tav>
-                                        <p:tav tm="100000">
-                                          <p:val>
-                                            <p:strVal val="#ppt_y"/>
-                                          </p:val>
-                                        </p:tav>
-                                      </p:tavLst>
-                                    </p:anim>
-                                  </p:childTnLst>
-                                </p:cTn>
-                              </p:par>
-                            </p:childTnLst>
-                          </p:cTn>
-                        </p:par>
-                      </p:childTnLst>
-                    </p:cTn>
-                  </p:par>
-                </p:childTnLst>
-              </p:cTn>
-              <p:prevCondLst>
-                <p:cond evt="onPrev" delay="0">
-                  <p:tgtEl>
-                    <p:sldTgt/>
-                  </p:tgtEl>
-                </p:cond>
-              </p:prevCondLst>
-              <p:nextCondLst>
-                <p:cond evt="onNext" delay="0">
-                  <p:tgtEl>
-                    <p:sldTgt/>
-                  </p:tgtEl>
-                </p:cond>
-              </p:nextCondLst>
-            </p:seq>
-          </p:childTnLst>
-        </p:cTn>
-      </p:par>
-    </p:tnLst>
-  </p:timing>
 </p:sld>
 </file>
 

--- a/Document/Presentation.pptx
+++ b/Document/Presentation.pptx
@@ -2633,78 +2633,6 @@
         </a:p>
       </dgm:t>
     </dgm:pt>
-    <dgm:pt modelId="{855FBFB2-4CF4-4790-8699-4DBAFA2AB66D}">
-      <dgm:prSet/>
-      <dgm:spPr/>
-      <dgm:t>
-        <a:bodyPr/>
-        <a:lstStyle/>
-        <a:p>
-          <a:r>
-            <a:rPr lang="bg-BG" noProof="0" dirty="0"/>
-            <a:t>База данни</a:t>
-          </a:r>
-        </a:p>
-      </dgm:t>
-    </dgm:pt>
-    <dgm:pt modelId="{72277ABE-61F0-47CF-825B-4F5DEB8BB1E6}" type="sibTrans" cxnId="{CCD42F6D-E30F-464F-892B-8F568C180984}">
-      <dgm:prSet/>
-      <dgm:spPr/>
-      <dgm:t>
-        <a:bodyPr/>
-        <a:lstStyle/>
-        <a:p>
-          <a:endParaRPr lang="en-US"/>
-        </a:p>
-      </dgm:t>
-    </dgm:pt>
-    <dgm:pt modelId="{E23F198B-3A92-4058-836A-F0940601179B}" type="parTrans" cxnId="{CCD42F6D-E30F-464F-892B-8F568C180984}">
-      <dgm:prSet/>
-      <dgm:spPr/>
-      <dgm:t>
-        <a:bodyPr/>
-        <a:lstStyle/>
-        <a:p>
-          <a:endParaRPr lang="en-US"/>
-        </a:p>
-      </dgm:t>
-    </dgm:pt>
-    <dgm:pt modelId="{40BC46AE-430B-4452-AFC1-2E4FF546B3D2}">
-      <dgm:prSet/>
-      <dgm:spPr/>
-      <dgm:t>
-        <a:bodyPr/>
-        <a:lstStyle/>
-        <a:p>
-          <a:r>
-            <a:rPr lang="bg-BG" noProof="0" dirty="0"/>
-            <a:t>Потребители</a:t>
-          </a:r>
-        </a:p>
-      </dgm:t>
-    </dgm:pt>
-    <dgm:pt modelId="{AC053D04-8273-4F62-81BE-CC4C00F6AEF6}" type="sibTrans" cxnId="{1E8FBE67-F407-49CA-B8E0-D1049F470D11}">
-      <dgm:prSet/>
-      <dgm:spPr/>
-      <dgm:t>
-        <a:bodyPr/>
-        <a:lstStyle/>
-        <a:p>
-          <a:endParaRPr lang="en-US"/>
-        </a:p>
-      </dgm:t>
-    </dgm:pt>
-    <dgm:pt modelId="{C86BEE44-F139-4FC3-86FC-D0E9968F01A3}" type="parTrans" cxnId="{1E8FBE67-F407-49CA-B8E0-D1049F470D11}">
-      <dgm:prSet/>
-      <dgm:spPr/>
-      <dgm:t>
-        <a:bodyPr/>
-        <a:lstStyle/>
-        <a:p>
-          <a:endParaRPr lang="en-US"/>
-        </a:p>
-      </dgm:t>
-    </dgm:pt>
     <dgm:pt modelId="{8A69F914-FE90-45A9-B922-1CF197B88ED0}">
       <dgm:prSet/>
       <dgm:spPr/>
@@ -2883,21 +2811,17 @@
   <dgm:cxnLst>
     <dgm:cxn modelId="{98932F29-5F00-4268-8007-C5898ECDB972}" type="presOf" srcId="{F6798A65-FC20-4B2B-BE8C-179AC77B91D3}" destId="{F40C9170-93C3-4BFA-A56A-321B0BD547ED}" srcOrd="1" destOrd="0" presId="urn:microsoft.com/office/officeart/2005/8/layout/list1"/>
     <dgm:cxn modelId="{F660B52C-0A01-4D60-A53C-B469C563203F}" type="presOf" srcId="{7AD85128-F1EA-48DA-BD74-638C74AE2872}" destId="{E3C43D61-409D-4BD9-B538-EFDEA8872DAB}" srcOrd="1" destOrd="0" presId="urn:microsoft.com/office/officeart/2005/8/layout/list1"/>
-    <dgm:cxn modelId="{E998D32E-557E-4A23-82C1-E26F046F85D5}" type="presOf" srcId="{40BC46AE-430B-4452-AFC1-2E4FF546B3D2}" destId="{2E4653F2-3D4E-4A5C-9A8E-7909FCACF979}" srcOrd="0" destOrd="2" presId="urn:microsoft.com/office/officeart/2005/8/layout/list1"/>
     <dgm:cxn modelId="{88FEC131-B5FE-45D5-9455-9B56CE369DEB}" srcId="{B5551B95-4425-4802-8DB7-4FEF8652B4C3}" destId="{A612DBC9-FA2E-448F-9DE9-CC62F34C02D5}" srcOrd="0" destOrd="0" parTransId="{AFFAF564-385B-4B26-9477-DF31AB3169DB}" sibTransId="{3D479BDB-1342-416E-8F32-ED20F9517A45}"/>
-    <dgm:cxn modelId="{1E8FBE67-F407-49CA-B8E0-D1049F470D11}" srcId="{61F73FD1-0F0C-41FC-BA8E-7FA57C78E50B}" destId="{40BC46AE-430B-4452-AFC1-2E4FF546B3D2}" srcOrd="2" destOrd="0" parTransId="{C86BEE44-F139-4FC3-86FC-D0E9968F01A3}" sibTransId="{AC053D04-8273-4F62-81BE-CC4C00F6AEF6}"/>
-    <dgm:cxn modelId="{662AED47-85A7-4D2C-AE96-8E2563567284}" srcId="{61F73FD1-0F0C-41FC-BA8E-7FA57C78E50B}" destId="{5187AF29-AC66-49D3-81A9-6926AAC01354}" srcOrd="4" destOrd="0" parTransId="{BB184B4C-8EAA-48B7-BE5F-75E851D52DB4}" sibTransId="{019A53E5-BB78-4B7C-8AFC-B41929994E05}"/>
-    <dgm:cxn modelId="{CCD42F6D-E30F-464F-892B-8F568C180984}" srcId="{61F73FD1-0F0C-41FC-BA8E-7FA57C78E50B}" destId="{855FBFB2-4CF4-4790-8699-4DBAFA2AB66D}" srcOrd="1" destOrd="0" parTransId="{E23F198B-3A92-4058-836A-F0940601179B}" sibTransId="{72277ABE-61F0-47CF-825B-4F5DEB8BB1E6}"/>
+    <dgm:cxn modelId="{662AED47-85A7-4D2C-AE96-8E2563567284}" srcId="{61F73FD1-0F0C-41FC-BA8E-7FA57C78E50B}" destId="{5187AF29-AC66-49D3-81A9-6926AAC01354}" srcOrd="2" destOrd="0" parTransId="{BB184B4C-8EAA-48B7-BE5F-75E851D52DB4}" sibTransId="{019A53E5-BB78-4B7C-8AFC-B41929994E05}"/>
     <dgm:cxn modelId="{7F8DCB4F-030F-48AB-95E4-AE47EA0E0BF6}" srcId="{B5551B95-4425-4802-8DB7-4FEF8652B4C3}" destId="{F6798A65-FC20-4B2B-BE8C-179AC77B91D3}" srcOrd="3" destOrd="0" parTransId="{6256EEDB-717E-49F8-9F71-17BD1CD53BB8}" sibTransId="{A0E37FFF-FF9E-4F1F-8CD8-9E045D40F3C2}"/>
-    <dgm:cxn modelId="{D8678273-02CA-4773-B594-2FCF792BF6E4}" srcId="{61F73FD1-0F0C-41FC-BA8E-7FA57C78E50B}" destId="{8A69F914-FE90-45A9-B922-1CF197B88ED0}" srcOrd="3" destOrd="0" parTransId="{C8DA0B27-6EE6-480E-8F12-44612A0C117C}" sibTransId="{AE35E90B-DCD1-4A32-9E94-4B579BD183B3}"/>
+    <dgm:cxn modelId="{D8678273-02CA-4773-B594-2FCF792BF6E4}" srcId="{61F73FD1-0F0C-41FC-BA8E-7FA57C78E50B}" destId="{8A69F914-FE90-45A9-B922-1CF197B88ED0}" srcOrd="1" destOrd="0" parTransId="{C8DA0B27-6EE6-480E-8F12-44612A0C117C}" sibTransId="{AE35E90B-DCD1-4A32-9E94-4B579BD183B3}"/>
     <dgm:cxn modelId="{2980B056-83F3-4BA7-87B1-3C828FE7A671}" type="presOf" srcId="{61F73FD1-0F0C-41FC-BA8E-7FA57C78E50B}" destId="{A4514188-E933-4B7F-BC96-8F123CC67793}" srcOrd="0" destOrd="0" presId="urn:microsoft.com/office/officeart/2005/8/layout/list1"/>
-    <dgm:cxn modelId="{334CC178-53EF-4495-9C61-67B6059F5656}" type="presOf" srcId="{5187AF29-AC66-49D3-81A9-6926AAC01354}" destId="{2E4653F2-3D4E-4A5C-9A8E-7909FCACF979}" srcOrd="0" destOrd="4" presId="urn:microsoft.com/office/officeart/2005/8/layout/list1"/>
-    <dgm:cxn modelId="{A9EDF759-9D96-45B1-9751-697D2101E865}" type="presOf" srcId="{855FBFB2-4CF4-4790-8699-4DBAFA2AB66D}" destId="{2E4653F2-3D4E-4A5C-9A8E-7909FCACF979}" srcOrd="0" destOrd="1" presId="urn:microsoft.com/office/officeart/2005/8/layout/list1"/>
+    <dgm:cxn modelId="{334CC178-53EF-4495-9C61-67B6059F5656}" type="presOf" srcId="{5187AF29-AC66-49D3-81A9-6926AAC01354}" destId="{2E4653F2-3D4E-4A5C-9A8E-7909FCACF979}" srcOrd="0" destOrd="2" presId="urn:microsoft.com/office/officeart/2005/8/layout/list1"/>
     <dgm:cxn modelId="{B084507A-8344-490D-9FA4-1652F33B7686}" type="presOf" srcId="{A612DBC9-FA2E-448F-9DE9-CC62F34C02D5}" destId="{9147B640-63AD-433B-AEE8-DB507267D11F}" srcOrd="1" destOrd="0" presId="urn:microsoft.com/office/officeart/2005/8/layout/list1"/>
     <dgm:cxn modelId="{8285FD5A-5E1F-47AA-B033-D04FC9ADD401}" type="presOf" srcId="{61F73FD1-0F0C-41FC-BA8E-7FA57C78E50B}" destId="{04F157F6-F223-423D-9DC8-6F33CC8EB144}" srcOrd="1" destOrd="0" presId="urn:microsoft.com/office/officeart/2005/8/layout/list1"/>
     <dgm:cxn modelId="{560EB588-5A6C-43A4-8373-7D4A879D7425}" type="presOf" srcId="{A612DBC9-FA2E-448F-9DE9-CC62F34C02D5}" destId="{89DBAC21-8E00-4988-9B04-A57F336DF18D}" srcOrd="0" destOrd="0" presId="urn:microsoft.com/office/officeart/2005/8/layout/list1"/>
     <dgm:cxn modelId="{19AA188B-E0AD-41A0-AFFD-8C9E7B5554B7}" type="presOf" srcId="{7BB9CD5B-D8C0-4BC4-ADDA-50300F550AC5}" destId="{2E4653F2-3D4E-4A5C-9A8E-7909FCACF979}" srcOrd="0" destOrd="0" presId="urn:microsoft.com/office/officeart/2005/8/layout/list1"/>
-    <dgm:cxn modelId="{89F45CB5-F3DD-445C-8729-1B9BE86F6F5B}" type="presOf" srcId="{8A69F914-FE90-45A9-B922-1CF197B88ED0}" destId="{2E4653F2-3D4E-4A5C-9A8E-7909FCACF979}" srcOrd="0" destOrd="3" presId="urn:microsoft.com/office/officeart/2005/8/layout/list1"/>
+    <dgm:cxn modelId="{89F45CB5-F3DD-445C-8729-1B9BE86F6F5B}" type="presOf" srcId="{8A69F914-FE90-45A9-B922-1CF197B88ED0}" destId="{2E4653F2-3D4E-4A5C-9A8E-7909FCACF979}" srcOrd="0" destOrd="1" presId="urn:microsoft.com/office/officeart/2005/8/layout/list1"/>
     <dgm:cxn modelId="{758865B7-B5C1-4509-BD9F-72C51F1C90D1}" type="presOf" srcId="{F6798A65-FC20-4B2B-BE8C-179AC77B91D3}" destId="{B72061FE-9D8D-4AEA-AC55-9B69CCAAF9A5}" srcOrd="0" destOrd="0" presId="urn:microsoft.com/office/officeart/2005/8/layout/list1"/>
     <dgm:cxn modelId="{751E21C1-09A9-44F6-89BF-06D328392E5B}" srcId="{61F73FD1-0F0C-41FC-BA8E-7FA57C78E50B}" destId="{7BB9CD5B-D8C0-4BC4-ADDA-50300F550AC5}" srcOrd="0" destOrd="0" parTransId="{4797BECC-B3F5-48F6-99C1-E6F807A5E981}" sibTransId="{33D381DD-7292-4F04-9D54-08B6B35AB569}"/>
     <dgm:cxn modelId="{CFC138D6-E7A1-4704-87DF-9A9D718A96EF}" type="presOf" srcId="{7AD85128-F1EA-48DA-BD74-638C74AE2872}" destId="{CAC98844-C6D5-45A3-91D1-0E3890ABBB71}" srcOrd="0" destOrd="0" presId="urn:microsoft.com/office/officeart/2005/8/layout/list1"/>
@@ -3219,7 +3143,7 @@
       <dgm:spPr/>
     </dgm:pt>
     <dgm:pt modelId="{22039E84-CBCB-4564-921B-2E609CACF4B2}" type="pres">
-      <dgm:prSet presAssocID="{53A6723E-3920-49E3-8BAA-D3CE0778A9CE}" presName="bkgdShape" presStyleLbl="node1" presStyleIdx="1" presStyleCnt="6" custLinFactNeighborX="595" custLinFactNeighborY="-820"/>
+      <dgm:prSet presAssocID="{53A6723E-3920-49E3-8BAA-D3CE0778A9CE}" presName="bkgdShape" presStyleLbl="node1" presStyleIdx="1" presStyleCnt="6" custLinFactNeighborX="863"/>
       <dgm:spPr/>
     </dgm:pt>
     <dgm:pt modelId="{428D0E02-8206-46CC-9FCA-8E3C03E222E1}" type="pres">
@@ -3747,8 +3671,8 @@
       </dsp:nvSpPr>
       <dsp:spPr>
         <a:xfrm>
-          <a:off x="0" y="328549"/>
-          <a:ext cx="6666833" cy="529200"/>
+          <a:off x="0" y="363919"/>
+          <a:ext cx="6666833" cy="604800"/>
         </a:xfrm>
         <a:prstGeom prst="rect">
           <a:avLst/>
@@ -3796,8 +3720,8 @@
       </dsp:nvSpPr>
       <dsp:spPr>
         <a:xfrm>
-          <a:off x="333341" y="18589"/>
-          <a:ext cx="4666783" cy="619920"/>
+          <a:off x="333341" y="9679"/>
+          <a:ext cx="4666783" cy="708480"/>
         </a:xfrm>
         <a:prstGeom prst="roundRect">
           <a:avLst/>
@@ -3865,7 +3789,7 @@
         </a:bodyPr>
         <a:lstStyle/>
         <a:p>
-          <a:pPr marL="0" lvl="0" indent="0" algn="l" defTabSz="933450">
+          <a:pPr marL="0" lvl="0" indent="0" algn="l" defTabSz="1066800">
             <a:lnSpc>
               <a:spcPct val="90000"/>
             </a:lnSpc>
@@ -3878,14 +3802,14 @@
             <a:buNone/>
           </a:pPr>
           <a:r>
-            <a:rPr lang="bg-BG" sz="2100" kern="1200" noProof="0" dirty="0"/>
+            <a:rPr lang="bg-BG" sz="2400" kern="1200" noProof="0" dirty="0"/>
             <a:t>Увод</a:t>
           </a:r>
         </a:p>
       </dsp:txBody>
       <dsp:txXfrm>
-        <a:off x="363603" y="48851"/>
-        <a:ext cx="4606259" cy="559396"/>
+        <a:off x="367926" y="44264"/>
+        <a:ext cx="4597613" cy="639310"/>
       </dsp:txXfrm>
     </dsp:sp>
     <dsp:sp modelId="{39766AB1-0912-4903-8452-42C57F7A8B0A}">
@@ -3895,8 +3819,8 @@
       </dsp:nvSpPr>
       <dsp:spPr>
         <a:xfrm>
-          <a:off x="0" y="1281110"/>
-          <a:ext cx="6666833" cy="529200"/>
+          <a:off x="0" y="1452559"/>
+          <a:ext cx="6666833" cy="604800"/>
         </a:xfrm>
         <a:prstGeom prst="rect">
           <a:avLst/>
@@ -3944,8 +3868,8 @@
       </dsp:nvSpPr>
       <dsp:spPr>
         <a:xfrm>
-          <a:off x="333341" y="971149"/>
-          <a:ext cx="4666783" cy="619920"/>
+          <a:off x="333341" y="1098319"/>
+          <a:ext cx="4666783" cy="708480"/>
         </a:xfrm>
         <a:prstGeom prst="roundRect">
           <a:avLst/>
@@ -4013,7 +3937,7 @@
         </a:bodyPr>
         <a:lstStyle/>
         <a:p>
-          <a:pPr marL="0" lvl="0" indent="0" algn="l" defTabSz="933450">
+          <a:pPr marL="0" lvl="0" indent="0" algn="l" defTabSz="1066800">
             <a:lnSpc>
               <a:spcPct val="90000"/>
             </a:lnSpc>
@@ -4026,14 +3950,14 @@
             <a:buNone/>
           </a:pPr>
           <a:r>
-            <a:rPr lang="bg-BG" sz="2100" kern="1200" noProof="0" dirty="0"/>
+            <a:rPr lang="bg-BG" sz="2400" kern="1200" noProof="0" dirty="0"/>
             <a:t>Технологии</a:t>
           </a:r>
         </a:p>
       </dsp:txBody>
       <dsp:txXfrm>
-        <a:off x="363603" y="1001411"/>
-        <a:ext cx="4606259" cy="559396"/>
+        <a:off x="367926" y="1132904"/>
+        <a:ext cx="4597613" cy="639310"/>
       </dsp:txXfrm>
     </dsp:sp>
     <dsp:sp modelId="{2E4653F2-3D4E-4A5C-9A8E-7909FCACF979}">
@@ -4043,8 +3967,8 @@
       </dsp:nvSpPr>
       <dsp:spPr>
         <a:xfrm>
-          <a:off x="0" y="2233670"/>
-          <a:ext cx="6666833" cy="2249100"/>
+          <a:off x="0" y="2541199"/>
+          <a:ext cx="6666833" cy="1814400"/>
         </a:xfrm>
         <a:prstGeom prst="rect">
           <a:avLst/>
@@ -4085,12 +4009,12 @@
         <a:fontRef idx="minor"/>
       </dsp:style>
       <dsp:txBody>
-        <a:bodyPr spcFirstLastPara="0" vert="horz" wrap="square" lIns="517420" tIns="437388" rIns="517420" bIns="149352" numCol="1" spcCol="1270" anchor="t" anchorCtr="0">
+        <a:bodyPr spcFirstLastPara="0" vert="horz" wrap="square" lIns="517420" tIns="499872" rIns="517420" bIns="170688" numCol="1" spcCol="1270" anchor="t" anchorCtr="0">
           <a:noAutofit/>
         </a:bodyPr>
         <a:lstStyle/>
         <a:p>
-          <a:pPr marL="228600" lvl="1" indent="-228600" algn="l" defTabSz="933450">
+          <a:pPr marL="228600" lvl="1" indent="-228600" algn="l" defTabSz="1066800">
             <a:lnSpc>
               <a:spcPct val="90000"/>
             </a:lnSpc>
@@ -4103,12 +4027,12 @@
             <a:buChar char="•"/>
           </a:pPr>
           <a:r>
-            <a:rPr lang="bg-BG" sz="2100" kern="1200" noProof="0" dirty="0"/>
+            <a:rPr lang="bg-BG" sz="2400" kern="1200" noProof="0" dirty="0"/>
             <a:t>Архитектура</a:t>
           </a:r>
         </a:p>
         <a:p>
-          <a:pPr marL="228600" lvl="1" indent="-228600" algn="l" defTabSz="933450">
+          <a:pPr marL="228600" lvl="1" indent="-228600" algn="l" defTabSz="1066800">
             <a:lnSpc>
               <a:spcPct val="90000"/>
             </a:lnSpc>
@@ -4121,12 +4045,12 @@
             <a:buChar char="•"/>
           </a:pPr>
           <a:r>
-            <a:rPr lang="bg-BG" sz="2100" kern="1200" noProof="0" dirty="0"/>
-            <a:t>База данни</a:t>
+            <a:rPr lang="bg-BG" sz="2400" kern="1200" noProof="0" dirty="0"/>
+            <a:t>Семеен бюджет</a:t>
           </a:r>
         </a:p>
         <a:p>
-          <a:pPr marL="228600" lvl="1" indent="-228600" algn="l" defTabSz="933450">
+          <a:pPr marL="228600" lvl="1" indent="-228600" algn="l" defTabSz="1066800">
             <a:lnSpc>
               <a:spcPct val="90000"/>
             </a:lnSpc>
@@ -4139,50 +4063,14 @@
             <a:buChar char="•"/>
           </a:pPr>
           <a:r>
-            <a:rPr lang="bg-BG" sz="2100" kern="1200" noProof="0" dirty="0"/>
-            <a:t>Потребители</a:t>
-          </a:r>
-        </a:p>
-        <a:p>
-          <a:pPr marL="228600" lvl="1" indent="-228600" algn="l" defTabSz="933450">
-            <a:lnSpc>
-              <a:spcPct val="90000"/>
-            </a:lnSpc>
-            <a:spcBef>
-              <a:spcPct val="0"/>
-            </a:spcBef>
-            <a:spcAft>
-              <a:spcPct val="15000"/>
-            </a:spcAft>
-            <a:buChar char="•"/>
-          </a:pPr>
-          <a:r>
-            <a:rPr lang="bg-BG" sz="2100" kern="1200" noProof="0" dirty="0"/>
-            <a:t>Семеен бюджет</a:t>
-          </a:r>
-        </a:p>
-        <a:p>
-          <a:pPr marL="228600" lvl="1" indent="-228600" algn="l" defTabSz="933450">
-            <a:lnSpc>
-              <a:spcPct val="90000"/>
-            </a:lnSpc>
-            <a:spcBef>
-              <a:spcPct val="0"/>
-            </a:spcBef>
-            <a:spcAft>
-              <a:spcPct val="15000"/>
-            </a:spcAft>
-            <a:buChar char="•"/>
-          </a:pPr>
-          <a:r>
-            <a:rPr lang="bg-BG" sz="2100" kern="1200" noProof="0" dirty="0"/>
+            <a:rPr lang="bg-BG" sz="2400" kern="1200" noProof="0" dirty="0"/>
             <a:t>Потребителски интерфейс</a:t>
           </a:r>
         </a:p>
       </dsp:txBody>
       <dsp:txXfrm>
-        <a:off x="0" y="2233670"/>
-        <a:ext cx="6666833" cy="2249100"/>
+        <a:off x="0" y="2541199"/>
+        <a:ext cx="6666833" cy="1814400"/>
       </dsp:txXfrm>
     </dsp:sp>
     <dsp:sp modelId="{04F157F6-F223-423D-9DC8-6F33CC8EB144}">
@@ -4192,8 +4080,8 @@
       </dsp:nvSpPr>
       <dsp:spPr>
         <a:xfrm>
-          <a:off x="333341" y="1923710"/>
-          <a:ext cx="4666783" cy="619920"/>
+          <a:off x="333341" y="2186959"/>
+          <a:ext cx="4666783" cy="708480"/>
         </a:xfrm>
         <a:prstGeom prst="roundRect">
           <a:avLst/>
@@ -4261,7 +4149,7 @@
         </a:bodyPr>
         <a:lstStyle/>
         <a:p>
-          <a:pPr marL="0" lvl="0" indent="0" algn="l" defTabSz="933450">
+          <a:pPr marL="0" lvl="0" indent="0" algn="l" defTabSz="1066800">
             <a:lnSpc>
               <a:spcPct val="90000"/>
             </a:lnSpc>
@@ -4274,14 +4162,14 @@
             <a:buNone/>
           </a:pPr>
           <a:r>
-            <a:rPr lang="bg-BG" sz="2100" kern="1200" noProof="0" dirty="0"/>
+            <a:rPr lang="bg-BG" sz="2400" kern="1200" noProof="0" dirty="0"/>
             <a:t>Реализация</a:t>
           </a:r>
         </a:p>
       </dsp:txBody>
       <dsp:txXfrm>
-        <a:off x="363603" y="1953972"/>
-        <a:ext cx="4606259" cy="559396"/>
+        <a:off x="367926" y="2221544"/>
+        <a:ext cx="4597613" cy="639310"/>
       </dsp:txXfrm>
     </dsp:sp>
     <dsp:sp modelId="{184FE1A7-FE14-44E4-A7C6-27DCC4375A93}">
@@ -4291,8 +4179,8 @@
       </dsp:nvSpPr>
       <dsp:spPr>
         <a:xfrm>
-          <a:off x="0" y="4906130"/>
-          <a:ext cx="6666833" cy="529200"/>
+          <a:off x="0" y="4839439"/>
+          <a:ext cx="6666833" cy="604800"/>
         </a:xfrm>
         <a:prstGeom prst="rect">
           <a:avLst/>
@@ -4340,8 +4228,8 @@
       </dsp:nvSpPr>
       <dsp:spPr>
         <a:xfrm>
-          <a:off x="333341" y="4596170"/>
-          <a:ext cx="4666783" cy="619920"/>
+          <a:off x="333341" y="4485199"/>
+          <a:ext cx="4666783" cy="708480"/>
         </a:xfrm>
         <a:prstGeom prst="roundRect">
           <a:avLst/>
@@ -4409,7 +4297,7 @@
         </a:bodyPr>
         <a:lstStyle/>
         <a:p>
-          <a:pPr marL="0" lvl="0" indent="0" algn="l" defTabSz="933450">
+          <a:pPr marL="0" lvl="0" indent="0" algn="l" defTabSz="1066800">
             <a:lnSpc>
               <a:spcPct val="90000"/>
             </a:lnSpc>
@@ -4422,14 +4310,14 @@
             <a:buNone/>
           </a:pPr>
           <a:r>
-            <a:rPr lang="bg-BG" sz="2100" kern="1200" noProof="0" dirty="0"/>
+            <a:rPr lang="bg-BG" sz="2400" kern="1200" noProof="0" dirty="0"/>
             <a:t>Бъдещо развитие</a:t>
           </a:r>
         </a:p>
       </dsp:txBody>
       <dsp:txXfrm>
-        <a:off x="363603" y="4626432"/>
-        <a:ext cx="4606259" cy="559396"/>
+        <a:off x="367926" y="4519784"/>
+        <a:ext cx="4597613" cy="639310"/>
       </dsp:txXfrm>
     </dsp:sp>
   </dsp:spTree>
@@ -4580,7 +4468,7 @@
       </dsp:nvSpPr>
       <dsp:spPr>
         <a:xfrm>
-          <a:off x="1840849" y="0"/>
+          <a:off x="1845611" y="0"/>
           <a:ext cx="1776839" cy="4192806"/>
         </a:xfrm>
         <a:prstGeom prst="roundRect">
@@ -4649,7 +4537,7 @@
         </a:p>
       </dsp:txBody>
       <dsp:txXfrm>
-        <a:off x="1840849" y="1677122"/>
+        <a:off x="1845611" y="1677122"/>
         <a:ext cx="1776839" cy="1677122"/>
       </dsp:txXfrm>
     </dsp:sp>
@@ -10827,7 +10715,7 @@
             </a:r>
             <a:r>
               <a:rPr lang="bg-BG" dirty="0"/>
-              <a:t> – В конкретния случай съзнателно следваме „Първо код“ и се стремим да запазим бизнес логиката извън базата данни като така се постига по лесно поддръжка и тестване на бизнес логиката. Също така се позволява лесна бъдеща миграция към друга система за база данни. </a:t>
+              <a:t> – В конкретния случай се стремим да запазим бизнес логиката извън базата данни като така се постига по лесно поддръжка и тестване на бизнес логиката. Също така се позволява лесна бъдеща миграция към друга система за база данни. </a:t>
             </a:r>
             <a:endParaRPr lang="ru-RU" dirty="0"/>
           </a:p>
@@ -15300,8 +15188,8 @@
         </p:blipFill>
         <p:spPr>
           <a:xfrm>
-            <a:off x="4502428" y="972245"/>
-            <a:ext cx="7225748" cy="4913509"/>
+            <a:off x="4035986" y="759856"/>
+            <a:ext cx="8263868" cy="5619432"/>
           </a:xfrm>
           <a:prstGeom prst="rect">
             <a:avLst/>
@@ -19652,7 +19540,7 @@
             <p:ph idx="1"/>
             <p:extLst>
               <p:ext uri="{D42A27DB-BD31-4B8C-83A1-F6EECF244321}">
-                <p14:modId xmlns:p14="http://schemas.microsoft.com/office/powerpoint/2010/main" val="221357746"/>
+                <p14:modId xmlns:p14="http://schemas.microsoft.com/office/powerpoint/2010/main" val="3144256237"/>
               </p:ext>
             </p:extLst>
           </p:nvPr>
@@ -21196,7 +21084,7 @@
             <p:ph idx="1"/>
             <p:extLst>
               <p:ext uri="{D42A27DB-BD31-4B8C-83A1-F6EECF244321}">
-                <p14:modId xmlns:p14="http://schemas.microsoft.com/office/powerpoint/2010/main" val="3338984667"/>
+                <p14:modId xmlns:p14="http://schemas.microsoft.com/office/powerpoint/2010/main" val="154905090"/>
               </p:ext>
             </p:extLst>
           </p:nvPr>
@@ -21275,8 +21163,8 @@
         </p:blipFill>
         <p:spPr>
           <a:xfrm>
-            <a:off x="2812444" y="2495969"/>
-            <a:ext cx="1135752" cy="1135752"/>
+            <a:off x="2752725" y="2475102"/>
+            <a:ext cx="1244348" cy="1244348"/>
           </a:xfrm>
           <a:prstGeom prst="rect">
             <a:avLst/>
@@ -21347,7 +21235,7 @@
         </p:blipFill>
         <p:spPr>
           <a:xfrm>
-            <a:off x="6532318" y="2556542"/>
+            <a:off x="6518983" y="2589414"/>
             <a:ext cx="1015724" cy="1015724"/>
           </a:xfrm>
           <a:prstGeom prst="rect">
@@ -22429,7 +22317,7 @@
 </file>
 
 <file path=ppt/slides/slide7.xml><?xml version="1.0" encoding="utf-8"?>
-<p:sld xmlns:a="http://schemas.openxmlformats.org/drawingml/2006/main" xmlns:r="http://schemas.openxmlformats.org/officeDocument/2006/relationships" xmlns:p="http://schemas.openxmlformats.org/presentationml/2006/main">
+<p:sld xmlns:a="http://schemas.openxmlformats.org/drawingml/2006/main" xmlns:r="http://schemas.openxmlformats.org/officeDocument/2006/relationships" xmlns:p="http://schemas.openxmlformats.org/presentationml/2006/main" show="0">
   <p:cSld>
     <p:bg>
       <p:bgPr>
@@ -22923,7 +22811,7 @@
 </file>
 
 <file path=ppt/slides/slide8.xml><?xml version="1.0" encoding="utf-8"?>
-<p:sld xmlns:a="http://schemas.openxmlformats.org/drawingml/2006/main" xmlns:r="http://schemas.openxmlformats.org/officeDocument/2006/relationships" xmlns:p="http://schemas.openxmlformats.org/presentationml/2006/main">
+<p:sld xmlns:a="http://schemas.openxmlformats.org/drawingml/2006/main" xmlns:r="http://schemas.openxmlformats.org/officeDocument/2006/relationships" xmlns:p="http://schemas.openxmlformats.org/presentationml/2006/main" show="0">
   <p:cSld>
     <p:bg>
       <p:bgPr>
@@ -23895,7 +23783,7 @@
         </p:blipFill>
         <p:spPr>
           <a:xfrm>
-            <a:off x="432225" y="3300328"/>
+            <a:off x="432223" y="3119353"/>
             <a:ext cx="11327549" cy="1784089"/>
           </a:xfrm>
           <a:prstGeom prst="rect">

--- a/Document/Presentation.pptx
+++ b/Document/Presentation.pptx
@@ -2669,6 +2669,28 @@
         </a:p>
       </dgm:t>
     </dgm:pt>
+    <dgm:pt modelId="{BB3DE01E-5D8F-4F8D-BE23-A4100E87CAFF}">
+      <dgm:prSet/>
+      <dgm:spPr/>
+      <dgm:t>
+        <a:bodyPr/>
+        <a:lstStyle/>
+        <a:p>
+          <a:r>
+            <a:rPr lang="bg-BG" noProof="0" dirty="0"/>
+            <a:t>База данни</a:t>
+          </a:r>
+        </a:p>
+      </dgm:t>
+    </dgm:pt>
+    <dgm:pt modelId="{54E6E2CD-8BAD-42D3-8EB8-40FFC0139888}" type="parTrans" cxnId="{C3364534-E963-4972-BE4C-284FA2315BB7}">
+      <dgm:prSet/>
+      <dgm:spPr/>
+    </dgm:pt>
+    <dgm:pt modelId="{E778DAB2-45FE-45D5-89D1-8049C11E8EDA}" type="sibTrans" cxnId="{C3364534-E963-4972-BE4C-284FA2315BB7}">
+      <dgm:prSet/>
+      <dgm:spPr/>
+    </dgm:pt>
     <dgm:pt modelId="{E1999773-B08B-46D6-BEE9-F54E1C2B43FA}" type="pres">
       <dgm:prSet presAssocID="{B5551B95-4425-4802-8DB7-4FEF8652B4C3}" presName="linear" presStyleCnt="0">
         <dgm:presLayoutVars>
@@ -2812,16 +2834,18 @@
     <dgm:cxn modelId="{98932F29-5F00-4268-8007-C5898ECDB972}" type="presOf" srcId="{F6798A65-FC20-4B2B-BE8C-179AC77B91D3}" destId="{F40C9170-93C3-4BFA-A56A-321B0BD547ED}" srcOrd="1" destOrd="0" presId="urn:microsoft.com/office/officeart/2005/8/layout/list1"/>
     <dgm:cxn modelId="{F660B52C-0A01-4D60-A53C-B469C563203F}" type="presOf" srcId="{7AD85128-F1EA-48DA-BD74-638C74AE2872}" destId="{E3C43D61-409D-4BD9-B538-EFDEA8872DAB}" srcOrd="1" destOrd="0" presId="urn:microsoft.com/office/officeart/2005/8/layout/list1"/>
     <dgm:cxn modelId="{88FEC131-B5FE-45D5-9455-9B56CE369DEB}" srcId="{B5551B95-4425-4802-8DB7-4FEF8652B4C3}" destId="{A612DBC9-FA2E-448F-9DE9-CC62F34C02D5}" srcOrd="0" destOrd="0" parTransId="{AFFAF564-385B-4B26-9477-DF31AB3169DB}" sibTransId="{3D479BDB-1342-416E-8F32-ED20F9517A45}"/>
-    <dgm:cxn modelId="{662AED47-85A7-4D2C-AE96-8E2563567284}" srcId="{61F73FD1-0F0C-41FC-BA8E-7FA57C78E50B}" destId="{5187AF29-AC66-49D3-81A9-6926AAC01354}" srcOrd="2" destOrd="0" parTransId="{BB184B4C-8EAA-48B7-BE5F-75E851D52DB4}" sibTransId="{019A53E5-BB78-4B7C-8AFC-B41929994E05}"/>
+    <dgm:cxn modelId="{C3364534-E963-4972-BE4C-284FA2315BB7}" srcId="{61F73FD1-0F0C-41FC-BA8E-7FA57C78E50B}" destId="{BB3DE01E-5D8F-4F8D-BE23-A4100E87CAFF}" srcOrd="1" destOrd="0" parTransId="{54E6E2CD-8BAD-42D3-8EB8-40FFC0139888}" sibTransId="{E778DAB2-45FE-45D5-89D1-8049C11E8EDA}"/>
+    <dgm:cxn modelId="{662AED47-85A7-4D2C-AE96-8E2563567284}" srcId="{61F73FD1-0F0C-41FC-BA8E-7FA57C78E50B}" destId="{5187AF29-AC66-49D3-81A9-6926AAC01354}" srcOrd="3" destOrd="0" parTransId="{BB184B4C-8EAA-48B7-BE5F-75E851D52DB4}" sibTransId="{019A53E5-BB78-4B7C-8AFC-B41929994E05}"/>
     <dgm:cxn modelId="{7F8DCB4F-030F-48AB-95E4-AE47EA0E0BF6}" srcId="{B5551B95-4425-4802-8DB7-4FEF8652B4C3}" destId="{F6798A65-FC20-4B2B-BE8C-179AC77B91D3}" srcOrd="3" destOrd="0" parTransId="{6256EEDB-717E-49F8-9F71-17BD1CD53BB8}" sibTransId="{A0E37FFF-FF9E-4F1F-8CD8-9E045D40F3C2}"/>
-    <dgm:cxn modelId="{D8678273-02CA-4773-B594-2FCF792BF6E4}" srcId="{61F73FD1-0F0C-41FC-BA8E-7FA57C78E50B}" destId="{8A69F914-FE90-45A9-B922-1CF197B88ED0}" srcOrd="1" destOrd="0" parTransId="{C8DA0B27-6EE6-480E-8F12-44612A0C117C}" sibTransId="{AE35E90B-DCD1-4A32-9E94-4B579BD183B3}"/>
+    <dgm:cxn modelId="{3F310A51-DD9E-4A0E-AABD-1377767B5C94}" type="presOf" srcId="{BB3DE01E-5D8F-4F8D-BE23-A4100E87CAFF}" destId="{2E4653F2-3D4E-4A5C-9A8E-7909FCACF979}" srcOrd="0" destOrd="1" presId="urn:microsoft.com/office/officeart/2005/8/layout/list1"/>
+    <dgm:cxn modelId="{D8678273-02CA-4773-B594-2FCF792BF6E4}" srcId="{61F73FD1-0F0C-41FC-BA8E-7FA57C78E50B}" destId="{8A69F914-FE90-45A9-B922-1CF197B88ED0}" srcOrd="2" destOrd="0" parTransId="{C8DA0B27-6EE6-480E-8F12-44612A0C117C}" sibTransId="{AE35E90B-DCD1-4A32-9E94-4B579BD183B3}"/>
     <dgm:cxn modelId="{2980B056-83F3-4BA7-87B1-3C828FE7A671}" type="presOf" srcId="{61F73FD1-0F0C-41FC-BA8E-7FA57C78E50B}" destId="{A4514188-E933-4B7F-BC96-8F123CC67793}" srcOrd="0" destOrd="0" presId="urn:microsoft.com/office/officeart/2005/8/layout/list1"/>
-    <dgm:cxn modelId="{334CC178-53EF-4495-9C61-67B6059F5656}" type="presOf" srcId="{5187AF29-AC66-49D3-81A9-6926AAC01354}" destId="{2E4653F2-3D4E-4A5C-9A8E-7909FCACF979}" srcOrd="0" destOrd="2" presId="urn:microsoft.com/office/officeart/2005/8/layout/list1"/>
+    <dgm:cxn modelId="{334CC178-53EF-4495-9C61-67B6059F5656}" type="presOf" srcId="{5187AF29-AC66-49D3-81A9-6926AAC01354}" destId="{2E4653F2-3D4E-4A5C-9A8E-7909FCACF979}" srcOrd="0" destOrd="3" presId="urn:microsoft.com/office/officeart/2005/8/layout/list1"/>
     <dgm:cxn modelId="{B084507A-8344-490D-9FA4-1652F33B7686}" type="presOf" srcId="{A612DBC9-FA2E-448F-9DE9-CC62F34C02D5}" destId="{9147B640-63AD-433B-AEE8-DB507267D11F}" srcOrd="1" destOrd="0" presId="urn:microsoft.com/office/officeart/2005/8/layout/list1"/>
     <dgm:cxn modelId="{8285FD5A-5E1F-47AA-B033-D04FC9ADD401}" type="presOf" srcId="{61F73FD1-0F0C-41FC-BA8E-7FA57C78E50B}" destId="{04F157F6-F223-423D-9DC8-6F33CC8EB144}" srcOrd="1" destOrd="0" presId="urn:microsoft.com/office/officeart/2005/8/layout/list1"/>
     <dgm:cxn modelId="{560EB588-5A6C-43A4-8373-7D4A879D7425}" type="presOf" srcId="{A612DBC9-FA2E-448F-9DE9-CC62F34C02D5}" destId="{89DBAC21-8E00-4988-9B04-A57F336DF18D}" srcOrd="0" destOrd="0" presId="urn:microsoft.com/office/officeart/2005/8/layout/list1"/>
     <dgm:cxn modelId="{19AA188B-E0AD-41A0-AFFD-8C9E7B5554B7}" type="presOf" srcId="{7BB9CD5B-D8C0-4BC4-ADDA-50300F550AC5}" destId="{2E4653F2-3D4E-4A5C-9A8E-7909FCACF979}" srcOrd="0" destOrd="0" presId="urn:microsoft.com/office/officeart/2005/8/layout/list1"/>
-    <dgm:cxn modelId="{89F45CB5-F3DD-445C-8729-1B9BE86F6F5B}" type="presOf" srcId="{8A69F914-FE90-45A9-B922-1CF197B88ED0}" destId="{2E4653F2-3D4E-4A5C-9A8E-7909FCACF979}" srcOrd="0" destOrd="1" presId="urn:microsoft.com/office/officeart/2005/8/layout/list1"/>
+    <dgm:cxn modelId="{89F45CB5-F3DD-445C-8729-1B9BE86F6F5B}" type="presOf" srcId="{8A69F914-FE90-45A9-B922-1CF197B88ED0}" destId="{2E4653F2-3D4E-4A5C-9A8E-7909FCACF979}" srcOrd="0" destOrd="2" presId="urn:microsoft.com/office/officeart/2005/8/layout/list1"/>
     <dgm:cxn modelId="{758865B7-B5C1-4509-BD9F-72C51F1C90D1}" type="presOf" srcId="{F6798A65-FC20-4B2B-BE8C-179AC77B91D3}" destId="{B72061FE-9D8D-4AEA-AC55-9B69CCAAF9A5}" srcOrd="0" destOrd="0" presId="urn:microsoft.com/office/officeart/2005/8/layout/list1"/>
     <dgm:cxn modelId="{751E21C1-09A9-44F6-89BF-06D328392E5B}" srcId="{61F73FD1-0F0C-41FC-BA8E-7FA57C78E50B}" destId="{7BB9CD5B-D8C0-4BC4-ADDA-50300F550AC5}" srcOrd="0" destOrd="0" parTransId="{4797BECC-B3F5-48F6-99C1-E6F807A5E981}" sibTransId="{33D381DD-7292-4F04-9D54-08B6B35AB569}"/>
     <dgm:cxn modelId="{CFC138D6-E7A1-4704-87DF-9A9D718A96EF}" type="presOf" srcId="{7AD85128-F1EA-48DA-BD74-638C74AE2872}" destId="{CAC98844-C6D5-45A3-91D1-0E3890ABBB71}" srcOrd="0" destOrd="0" presId="urn:microsoft.com/office/officeart/2005/8/layout/list1"/>
@@ -3671,8 +3695,8 @@
       </dsp:nvSpPr>
       <dsp:spPr>
         <a:xfrm>
-          <a:off x="0" y="363919"/>
-          <a:ext cx="6666833" cy="604800"/>
+          <a:off x="0" y="387589"/>
+          <a:ext cx="6666833" cy="554400"/>
         </a:xfrm>
         <a:prstGeom prst="rect">
           <a:avLst/>
@@ -3720,8 +3744,8 @@
       </dsp:nvSpPr>
       <dsp:spPr>
         <a:xfrm>
-          <a:off x="333341" y="9679"/>
-          <a:ext cx="4666783" cy="708480"/>
+          <a:off x="333341" y="62869"/>
+          <a:ext cx="4666783" cy="649440"/>
         </a:xfrm>
         <a:prstGeom prst="roundRect">
           <a:avLst/>
@@ -3789,7 +3813,7 @@
         </a:bodyPr>
         <a:lstStyle/>
         <a:p>
-          <a:pPr marL="0" lvl="0" indent="0" algn="l" defTabSz="1066800">
+          <a:pPr marL="0" lvl="0" indent="0" algn="l" defTabSz="977900">
             <a:lnSpc>
               <a:spcPct val="90000"/>
             </a:lnSpc>
@@ -3802,14 +3826,14 @@
             <a:buNone/>
           </a:pPr>
           <a:r>
-            <a:rPr lang="bg-BG" sz="2400" kern="1200" noProof="0" dirty="0"/>
+            <a:rPr lang="bg-BG" sz="2200" kern="1200" noProof="0" dirty="0"/>
             <a:t>Увод</a:t>
           </a:r>
         </a:p>
       </dsp:txBody>
       <dsp:txXfrm>
-        <a:off x="367926" y="44264"/>
-        <a:ext cx="4597613" cy="639310"/>
+        <a:off x="365044" y="94572"/>
+        <a:ext cx="4603377" cy="586034"/>
       </dsp:txXfrm>
     </dsp:sp>
     <dsp:sp modelId="{39766AB1-0912-4903-8452-42C57F7A8B0A}">
@@ -3819,8 +3843,8 @@
       </dsp:nvSpPr>
       <dsp:spPr>
         <a:xfrm>
-          <a:off x="0" y="1452559"/>
-          <a:ext cx="6666833" cy="604800"/>
+          <a:off x="0" y="1385509"/>
+          <a:ext cx="6666833" cy="554400"/>
         </a:xfrm>
         <a:prstGeom prst="rect">
           <a:avLst/>
@@ -3868,8 +3892,8 @@
       </dsp:nvSpPr>
       <dsp:spPr>
         <a:xfrm>
-          <a:off x="333341" y="1098319"/>
-          <a:ext cx="4666783" cy="708480"/>
+          <a:off x="333341" y="1060789"/>
+          <a:ext cx="4666783" cy="649440"/>
         </a:xfrm>
         <a:prstGeom prst="roundRect">
           <a:avLst/>
@@ -3937,7 +3961,7 @@
         </a:bodyPr>
         <a:lstStyle/>
         <a:p>
-          <a:pPr marL="0" lvl="0" indent="0" algn="l" defTabSz="1066800">
+          <a:pPr marL="0" lvl="0" indent="0" algn="l" defTabSz="977900">
             <a:lnSpc>
               <a:spcPct val="90000"/>
             </a:lnSpc>
@@ -3950,14 +3974,14 @@
             <a:buNone/>
           </a:pPr>
           <a:r>
-            <a:rPr lang="bg-BG" sz="2400" kern="1200" noProof="0" dirty="0"/>
+            <a:rPr lang="bg-BG" sz="2200" kern="1200" noProof="0" dirty="0"/>
             <a:t>Технологии</a:t>
           </a:r>
         </a:p>
       </dsp:txBody>
       <dsp:txXfrm>
-        <a:off x="367926" y="1132904"/>
-        <a:ext cx="4597613" cy="639310"/>
+        <a:off x="365044" y="1092492"/>
+        <a:ext cx="4603377" cy="586034"/>
       </dsp:txXfrm>
     </dsp:sp>
     <dsp:sp modelId="{2E4653F2-3D4E-4A5C-9A8E-7909FCACF979}">
@@ -3967,8 +3991,8 @@
       </dsp:nvSpPr>
       <dsp:spPr>
         <a:xfrm>
-          <a:off x="0" y="2541199"/>
-          <a:ext cx="6666833" cy="1814400"/>
+          <a:off x="0" y="2383429"/>
+          <a:ext cx="6666833" cy="2009700"/>
         </a:xfrm>
         <a:prstGeom prst="rect">
           <a:avLst/>
@@ -4009,12 +4033,12 @@
         <a:fontRef idx="minor"/>
       </dsp:style>
       <dsp:txBody>
-        <a:bodyPr spcFirstLastPara="0" vert="horz" wrap="square" lIns="517420" tIns="499872" rIns="517420" bIns="170688" numCol="1" spcCol="1270" anchor="t" anchorCtr="0">
+        <a:bodyPr spcFirstLastPara="0" vert="horz" wrap="square" lIns="517420" tIns="458216" rIns="517420" bIns="156464" numCol="1" spcCol="1270" anchor="t" anchorCtr="0">
           <a:noAutofit/>
         </a:bodyPr>
         <a:lstStyle/>
         <a:p>
-          <a:pPr marL="228600" lvl="1" indent="-228600" algn="l" defTabSz="1066800">
+          <a:pPr marL="228600" lvl="1" indent="-228600" algn="l" defTabSz="977900">
             <a:lnSpc>
               <a:spcPct val="90000"/>
             </a:lnSpc>
@@ -4027,12 +4051,12 @@
             <a:buChar char="•"/>
           </a:pPr>
           <a:r>
-            <a:rPr lang="bg-BG" sz="2400" kern="1200" noProof="0" dirty="0"/>
+            <a:rPr lang="bg-BG" sz="2200" kern="1200" noProof="0" dirty="0"/>
             <a:t>Архитектура</a:t>
           </a:r>
         </a:p>
         <a:p>
-          <a:pPr marL="228600" lvl="1" indent="-228600" algn="l" defTabSz="1066800">
+          <a:pPr marL="228600" lvl="1" indent="-228600" algn="l" defTabSz="977900">
             <a:lnSpc>
               <a:spcPct val="90000"/>
             </a:lnSpc>
@@ -4045,12 +4069,12 @@
             <a:buChar char="•"/>
           </a:pPr>
           <a:r>
-            <a:rPr lang="bg-BG" sz="2400" kern="1200" noProof="0" dirty="0"/>
-            <a:t>Семеен бюджет</a:t>
+            <a:rPr lang="bg-BG" sz="2200" kern="1200" noProof="0" dirty="0"/>
+            <a:t>База данни</a:t>
           </a:r>
         </a:p>
         <a:p>
-          <a:pPr marL="228600" lvl="1" indent="-228600" algn="l" defTabSz="1066800">
+          <a:pPr marL="228600" lvl="1" indent="-228600" algn="l" defTabSz="977900">
             <a:lnSpc>
               <a:spcPct val="90000"/>
             </a:lnSpc>
@@ -4063,14 +4087,32 @@
             <a:buChar char="•"/>
           </a:pPr>
           <a:r>
-            <a:rPr lang="bg-BG" sz="2400" kern="1200" noProof="0" dirty="0"/>
+            <a:rPr lang="bg-BG" sz="2200" kern="1200" noProof="0" dirty="0"/>
+            <a:t>Семеен бюджет</a:t>
+          </a:r>
+        </a:p>
+        <a:p>
+          <a:pPr marL="228600" lvl="1" indent="-228600" algn="l" defTabSz="977900">
+            <a:lnSpc>
+              <a:spcPct val="90000"/>
+            </a:lnSpc>
+            <a:spcBef>
+              <a:spcPct val="0"/>
+            </a:spcBef>
+            <a:spcAft>
+              <a:spcPct val="15000"/>
+            </a:spcAft>
+            <a:buChar char="•"/>
+          </a:pPr>
+          <a:r>
+            <a:rPr lang="bg-BG" sz="2200" kern="1200" noProof="0" dirty="0"/>
             <a:t>Потребителски интерфейс</a:t>
           </a:r>
         </a:p>
       </dsp:txBody>
       <dsp:txXfrm>
-        <a:off x="0" y="2541199"/>
-        <a:ext cx="6666833" cy="1814400"/>
+        <a:off x="0" y="2383429"/>
+        <a:ext cx="6666833" cy="2009700"/>
       </dsp:txXfrm>
     </dsp:sp>
     <dsp:sp modelId="{04F157F6-F223-423D-9DC8-6F33CC8EB144}">
@@ -4080,8 +4122,8 @@
       </dsp:nvSpPr>
       <dsp:spPr>
         <a:xfrm>
-          <a:off x="333341" y="2186959"/>
-          <a:ext cx="4666783" cy="708480"/>
+          <a:off x="333341" y="2058709"/>
+          <a:ext cx="4666783" cy="649440"/>
         </a:xfrm>
         <a:prstGeom prst="roundRect">
           <a:avLst/>
@@ -4149,7 +4191,7 @@
         </a:bodyPr>
         <a:lstStyle/>
         <a:p>
-          <a:pPr marL="0" lvl="0" indent="0" algn="l" defTabSz="1066800">
+          <a:pPr marL="0" lvl="0" indent="0" algn="l" defTabSz="977900">
             <a:lnSpc>
               <a:spcPct val="90000"/>
             </a:lnSpc>
@@ -4162,14 +4204,14 @@
             <a:buNone/>
           </a:pPr>
           <a:r>
-            <a:rPr lang="bg-BG" sz="2400" kern="1200" noProof="0" dirty="0"/>
+            <a:rPr lang="bg-BG" sz="2200" kern="1200" noProof="0" dirty="0"/>
             <a:t>Реализация</a:t>
           </a:r>
         </a:p>
       </dsp:txBody>
       <dsp:txXfrm>
-        <a:off x="367926" y="2221544"/>
-        <a:ext cx="4597613" cy="639310"/>
+        <a:off x="365044" y="2090412"/>
+        <a:ext cx="4603377" cy="586034"/>
       </dsp:txXfrm>
     </dsp:sp>
     <dsp:sp modelId="{184FE1A7-FE14-44E4-A7C6-27DCC4375A93}">
@@ -4179,8 +4221,8 @@
       </dsp:nvSpPr>
       <dsp:spPr>
         <a:xfrm>
-          <a:off x="0" y="4839439"/>
-          <a:ext cx="6666833" cy="604800"/>
+          <a:off x="0" y="4836650"/>
+          <a:ext cx="6666833" cy="554400"/>
         </a:xfrm>
         <a:prstGeom prst="rect">
           <a:avLst/>
@@ -4228,8 +4270,8 @@
       </dsp:nvSpPr>
       <dsp:spPr>
         <a:xfrm>
-          <a:off x="333341" y="4485199"/>
-          <a:ext cx="4666783" cy="708480"/>
+          <a:off x="333341" y="4511930"/>
+          <a:ext cx="4666783" cy="649440"/>
         </a:xfrm>
         <a:prstGeom prst="roundRect">
           <a:avLst/>
@@ -4297,7 +4339,7 @@
         </a:bodyPr>
         <a:lstStyle/>
         <a:p>
-          <a:pPr marL="0" lvl="0" indent="0" algn="l" defTabSz="1066800">
+          <a:pPr marL="0" lvl="0" indent="0" algn="l" defTabSz="977900">
             <a:lnSpc>
               <a:spcPct val="90000"/>
             </a:lnSpc>
@@ -4310,14 +4352,14 @@
             <a:buNone/>
           </a:pPr>
           <a:r>
-            <a:rPr lang="bg-BG" sz="2400" kern="1200" noProof="0" dirty="0"/>
+            <a:rPr lang="bg-BG" sz="2200" kern="1200" noProof="0" dirty="0"/>
             <a:t>Бъдещо развитие</a:t>
           </a:r>
         </a:p>
       </dsp:txBody>
       <dsp:txXfrm>
-        <a:off x="367926" y="4519784"/>
-        <a:ext cx="4597613" cy="639310"/>
+        <a:off x="365044" y="4543633"/>
+        <a:ext cx="4603377" cy="586034"/>
       </dsp:txXfrm>
     </dsp:sp>
   </dsp:spTree>
@@ -9863,7 +9905,7 @@
           <a:p>
             <a:fld id="{6D6D1040-B092-4D52-B8C3-943E0B4A8CD5}" type="datetimeFigureOut">
               <a:rPr lang="bg-BG" smtClean="0"/>
-              <a:t>3.7.2025 г.</a:t>
+              <a:t>4.7.2025 г.</a:t>
             </a:fld>
             <a:endParaRPr lang="bg-BG" dirty="0"/>
           </a:p>
@@ -10931,7 +10973,7 @@
           <a:p>
             <a:fld id="{DC796D05-CC1A-441E-9160-C5D56DB8F904}" type="datetimeFigureOut">
               <a:rPr lang="bg-BG" smtClean="0"/>
-              <a:t>3.7.2025 г.</a:t>
+              <a:t>4.7.2025 г.</a:t>
             </a:fld>
             <a:endParaRPr lang="bg-BG" dirty="0"/>
           </a:p>
@@ -11131,7 +11173,7 @@
           <a:p>
             <a:fld id="{DC796D05-CC1A-441E-9160-C5D56DB8F904}" type="datetimeFigureOut">
               <a:rPr lang="bg-BG" smtClean="0"/>
-              <a:t>3.7.2025 г.</a:t>
+              <a:t>4.7.2025 г.</a:t>
             </a:fld>
             <a:endParaRPr lang="bg-BG" dirty="0"/>
           </a:p>
@@ -11341,7 +11383,7 @@
           <a:p>
             <a:fld id="{DC796D05-CC1A-441E-9160-C5D56DB8F904}" type="datetimeFigureOut">
               <a:rPr lang="bg-BG" smtClean="0"/>
-              <a:t>3.7.2025 г.</a:t>
+              <a:t>4.7.2025 г.</a:t>
             </a:fld>
             <a:endParaRPr lang="bg-BG" dirty="0"/>
           </a:p>
@@ -11541,7 +11583,7 @@
           <a:p>
             <a:fld id="{DC796D05-CC1A-441E-9160-C5D56DB8F904}" type="datetimeFigureOut">
               <a:rPr lang="bg-BG" smtClean="0"/>
-              <a:t>3.7.2025 г.</a:t>
+              <a:t>4.7.2025 г.</a:t>
             </a:fld>
             <a:endParaRPr lang="bg-BG" dirty="0"/>
           </a:p>
@@ -11817,7 +11859,7 @@
           <a:p>
             <a:fld id="{DC796D05-CC1A-441E-9160-C5D56DB8F904}" type="datetimeFigureOut">
               <a:rPr lang="bg-BG" smtClean="0"/>
-              <a:t>3.7.2025 г.</a:t>
+              <a:t>4.7.2025 г.</a:t>
             </a:fld>
             <a:endParaRPr lang="bg-BG" dirty="0"/>
           </a:p>
@@ -12085,7 +12127,7 @@
           <a:p>
             <a:fld id="{DC796D05-CC1A-441E-9160-C5D56DB8F904}" type="datetimeFigureOut">
               <a:rPr lang="bg-BG" smtClean="0"/>
-              <a:t>3.7.2025 г.</a:t>
+              <a:t>4.7.2025 г.</a:t>
             </a:fld>
             <a:endParaRPr lang="bg-BG" dirty="0"/>
           </a:p>
@@ -12500,7 +12542,7 @@
           <a:p>
             <a:fld id="{DC796D05-CC1A-441E-9160-C5D56DB8F904}" type="datetimeFigureOut">
               <a:rPr lang="bg-BG" smtClean="0"/>
-              <a:t>3.7.2025 г.</a:t>
+              <a:t>4.7.2025 г.</a:t>
             </a:fld>
             <a:endParaRPr lang="bg-BG" dirty="0"/>
           </a:p>
@@ -12642,7 +12684,7 @@
           <a:p>
             <a:fld id="{DC796D05-CC1A-441E-9160-C5D56DB8F904}" type="datetimeFigureOut">
               <a:rPr lang="bg-BG" smtClean="0"/>
-              <a:t>3.7.2025 г.</a:t>
+              <a:t>4.7.2025 г.</a:t>
             </a:fld>
             <a:endParaRPr lang="bg-BG" dirty="0"/>
           </a:p>
@@ -12755,7 +12797,7 @@
           <a:p>
             <a:fld id="{DC796D05-CC1A-441E-9160-C5D56DB8F904}" type="datetimeFigureOut">
               <a:rPr lang="bg-BG" smtClean="0"/>
-              <a:t>3.7.2025 г.</a:t>
+              <a:t>4.7.2025 г.</a:t>
             </a:fld>
             <a:endParaRPr lang="bg-BG" dirty="0"/>
           </a:p>
@@ -13068,7 +13110,7 @@
           <a:p>
             <a:fld id="{DC796D05-CC1A-441E-9160-C5D56DB8F904}" type="datetimeFigureOut">
               <a:rPr lang="bg-BG" smtClean="0"/>
-              <a:t>3.7.2025 г.</a:t>
+              <a:t>4.7.2025 г.</a:t>
             </a:fld>
             <a:endParaRPr lang="bg-BG" dirty="0"/>
           </a:p>
@@ -13357,7 +13399,7 @@
           <a:p>
             <a:fld id="{DC796D05-CC1A-441E-9160-C5D56DB8F904}" type="datetimeFigureOut">
               <a:rPr lang="bg-BG" smtClean="0"/>
-              <a:t>3.7.2025 г.</a:t>
+              <a:t>4.7.2025 г.</a:t>
             </a:fld>
             <a:endParaRPr lang="bg-BG" dirty="0"/>
           </a:p>
@@ -13600,7 +13642,7 @@
           <a:p>
             <a:fld id="{DC796D05-CC1A-441E-9160-C5D56DB8F904}" type="datetimeFigureOut">
               <a:rPr lang="bg-BG" smtClean="0"/>
-              <a:t>3.7.2025 г.</a:t>
+              <a:t>4.7.2025 г.</a:t>
             </a:fld>
             <a:endParaRPr lang="bg-BG" dirty="0"/>
           </a:p>
@@ -14493,78 +14535,6 @@
           </a:p>
         </p:txBody>
       </p:sp>
-      <p:pic>
-        <p:nvPicPr>
-          <p:cNvPr id="28" name="Picture 27" descr="A black logo with white text&#10;&#10;AI-generated content may be incorrect.">
-            <a:extLst>
-              <a:ext uri="{FF2B5EF4-FFF2-40B4-BE49-F238E27FC236}">
-                <a16:creationId xmlns:a16="http://schemas.microsoft.com/office/drawing/2014/main" id="{FCD53F2D-FA06-976C-A72F-059384D89FF8}"/>
-              </a:ext>
-            </a:extLst>
-          </p:cNvPr>
-          <p:cNvPicPr>
-            <a:picLocks noChangeAspect="1"/>
-          </p:cNvPicPr>
-          <p:nvPr/>
-        </p:nvPicPr>
-        <p:blipFill>
-          <a:blip r:embed="rId2">
-            <a:extLst>
-              <a:ext uri="{28A0092B-C50C-407E-A947-70E740481C1C}">
-                <a14:useLocalDpi xmlns:a14="http://schemas.microsoft.com/office/drawing/2010/main" val="0"/>
-              </a:ext>
-            </a:extLst>
-          </a:blip>
-          <a:stretch>
-            <a:fillRect/>
-          </a:stretch>
-        </p:blipFill>
-        <p:spPr>
-          <a:xfrm>
-            <a:off x="488680" y="326624"/>
-            <a:ext cx="841082" cy="819788"/>
-          </a:xfrm>
-          <a:prstGeom prst="rect">
-            <a:avLst/>
-          </a:prstGeom>
-        </p:spPr>
-      </p:pic>
-      <p:pic>
-        <p:nvPicPr>
-          <p:cNvPr id="32" name="Picture 31" descr="A blue and orange logo&#10;&#10;AI-generated content may be incorrect.">
-            <a:extLst>
-              <a:ext uri="{FF2B5EF4-FFF2-40B4-BE49-F238E27FC236}">
-                <a16:creationId xmlns:a16="http://schemas.microsoft.com/office/drawing/2014/main" id="{F7C0BC5C-23EA-4CCF-C69B-051A6D143278}"/>
-              </a:ext>
-            </a:extLst>
-          </p:cNvPr>
-          <p:cNvPicPr>
-            <a:picLocks noChangeAspect="1"/>
-          </p:cNvPicPr>
-          <p:nvPr/>
-        </p:nvPicPr>
-        <p:blipFill>
-          <a:blip r:embed="rId3">
-            <a:extLst>
-              <a:ext uri="{28A0092B-C50C-407E-A947-70E740481C1C}">
-                <a14:useLocalDpi xmlns:a14="http://schemas.microsoft.com/office/drawing/2010/main" val="0"/>
-              </a:ext>
-            </a:extLst>
-          </a:blip>
-          <a:stretch>
-            <a:fillRect/>
-          </a:stretch>
-        </p:blipFill>
-        <p:spPr>
-          <a:xfrm>
-            <a:off x="10927102" y="326624"/>
-            <a:ext cx="776218" cy="899964"/>
-          </a:xfrm>
-          <a:prstGeom prst="rect">
-            <a:avLst/>
-          </a:prstGeom>
-        </p:spPr>
-      </p:pic>
       <p:sp>
         <p:nvSpPr>
           <p:cNvPr id="34" name="TextBox 33">
@@ -15855,7 +15825,7 @@
 </file>
 
 <file path=ppt/slides/slide12.xml><?xml version="1.0" encoding="utf-8"?>
-<p:sld xmlns:a="http://schemas.openxmlformats.org/drawingml/2006/main" xmlns:r="http://schemas.openxmlformats.org/officeDocument/2006/relationships" xmlns:p="http://schemas.openxmlformats.org/presentationml/2006/main">
+<p:sld xmlns:a="http://schemas.openxmlformats.org/drawingml/2006/main" xmlns:r="http://schemas.openxmlformats.org/officeDocument/2006/relationships" xmlns:p="http://schemas.openxmlformats.org/presentationml/2006/main" show="0">
   <p:cSld>
     <p:bg>
       <p:bgPr>
@@ -16997,7 +16967,7 @@
 </file>
 
 <file path=ppt/slides/slide15.xml><?xml version="1.0" encoding="utf-8"?>
-<p:sld xmlns:a="http://schemas.openxmlformats.org/drawingml/2006/main" xmlns:r="http://schemas.openxmlformats.org/officeDocument/2006/relationships" xmlns:p="http://schemas.openxmlformats.org/presentationml/2006/main" show="0">
+<p:sld xmlns:a="http://schemas.openxmlformats.org/drawingml/2006/main" xmlns:r="http://schemas.openxmlformats.org/officeDocument/2006/relationships" xmlns:p="http://schemas.openxmlformats.org/presentationml/2006/main">
   <p:cSld>
     <p:bg>
       <p:bgPr>
@@ -18119,7 +18089,7 @@
 </file>
 
 <file path=ppt/slides/slide18.xml><?xml version="1.0" encoding="utf-8"?>
-<p:sld xmlns:a="http://schemas.openxmlformats.org/drawingml/2006/main" xmlns:r="http://schemas.openxmlformats.org/officeDocument/2006/relationships" xmlns:p="http://schemas.openxmlformats.org/presentationml/2006/main" show="0">
+<p:sld xmlns:a="http://schemas.openxmlformats.org/drawingml/2006/main" xmlns:r="http://schemas.openxmlformats.org/officeDocument/2006/relationships" xmlns:p="http://schemas.openxmlformats.org/presentationml/2006/main">
   <p:cSld>
     <p:bg>
       <p:bgPr>
@@ -19540,7 +19510,7 @@
             <p:ph idx="1"/>
             <p:extLst>
               <p:ext uri="{D42A27DB-BD31-4B8C-83A1-F6EECF244321}">
-                <p14:modId xmlns:p14="http://schemas.microsoft.com/office/powerpoint/2010/main" val="3144256237"/>
+                <p14:modId xmlns:p14="http://schemas.microsoft.com/office/powerpoint/2010/main" val="2526485916"/>
               </p:ext>
             </p:extLst>
           </p:nvPr>
@@ -22317,7 +22287,7 @@
 </file>
 
 <file path=ppt/slides/slide7.xml><?xml version="1.0" encoding="utf-8"?>
-<p:sld xmlns:a="http://schemas.openxmlformats.org/drawingml/2006/main" xmlns:r="http://schemas.openxmlformats.org/officeDocument/2006/relationships" xmlns:p="http://schemas.openxmlformats.org/presentationml/2006/main" show="0">
+<p:sld xmlns:a="http://schemas.openxmlformats.org/drawingml/2006/main" xmlns:r="http://schemas.openxmlformats.org/officeDocument/2006/relationships" xmlns:p="http://schemas.openxmlformats.org/presentationml/2006/main">
   <p:cSld>
     <p:bg>
       <p:bgPr>
